--- a/Scale_Operations_Implementation.pptx
+++ b/Scale_Operations_Implementation.pptx
@@ -16,10 +16,6 @@
     <p:sldId id="264" r:id="rId15"/>
     <p:sldId id="265" r:id="rId16"/>
     <p:sldId id="266" r:id="rId17"/>
-    <p:sldId id="267" r:id="rId18"/>
-    <p:sldId id="268" r:id="rId19"/>
-    <p:sldId id="269" r:id="rId20"/>
-    <p:sldId id="270" r:id="rId21"/>
   </p:sldIdLst>
   <p:sldSz cx="14630400" cy="8229600" type="screen4x3"/>
   <p:notesSz cx="6858000" cy="9144000"/>
@@ -3118,11 +3114,7 @@
           <a:lstStyle/>
           <a:p>
             <a:pPr>
-              <a:defRPr sz="5400" b="1">
-                <a:solidFill>
-                  <a:srgbClr val="0066CC"/>
-                </a:solidFill>
-              </a:defRPr>
+              <a:defRPr sz="5400" b="1"/>
             </a:pPr>
             <a:r>
               <a:t>Scale Operations Implementation</a:t>
@@ -3185,7 +3177,7 @@
           <a:lstStyle/>
           <a:p>
             <a:r>
-              <a:t>Technical Implementation</a:t>
+              <a:t>Current Implementation Status</a:t>
             </a:r>
           </a:p>
         </p:txBody>
@@ -3207,58 +3199,63 @@
           <a:p/>
           <a:p>
             <a:pPr>
-              <a:defRPr sz="2400"/>
-            </a:pPr>
-            <a:r>
-              <a:t>🔧 6 Python Services (~7,000 lines)</a:t>
-            </a:r>
-          </a:p>
-          <a:p>
-            <a:pPr>
-              <a:defRPr sz="2400"/>
-            </a:pPr>
-            <a:r>
-              <a:t>💻 7 CLI Commands with Rich UI</a:t>
-            </a:r>
-          </a:p>
-          <a:p>
-            <a:pPr>
-              <a:defRPr sz="2400"/>
-            </a:pPr>
-            <a:r>
-              <a:t>🎨 12 React Components (~3,000 lines)</a:t>
-            </a:r>
-          </a:p>
-          <a:p>
-            <a:pPr>
-              <a:defRPr sz="2400"/>
-            </a:pPr>
-            <a:r>
-              <a:t>🔌 8 Backend API Endpoints</a:t>
-            </a:r>
-          </a:p>
-          <a:p>
-            <a:pPr>
-              <a:defRPr sz="2400"/>
-            </a:pPr>
-            <a:r>
-              <a:t>⚡ WebSocket Real-Time Updates</a:t>
-            </a:r>
-          </a:p>
-          <a:p>
-            <a:pPr>
-              <a:defRPr sz="2400"/>
-            </a:pPr>
-            <a:r>
-              <a:t>🧪 369 Comprehensive Tests</a:t>
-            </a:r>
-          </a:p>
-          <a:p>
-            <a:pPr>
-              <a:defRPr sz="2400"/>
-            </a:pPr>
-            <a:r>
-              <a:t>📚 25 Documentation Files (60,000+ words)</a:t>
+              <a:defRPr sz="2200"/>
+            </a:pPr>
+            <a:r>
+              <a:t>Services: Implemented and tested with real data</a:t>
+            </a:r>
+          </a:p>
+          <a:p>
+            <a:pPr>
+              <a:defRPr sz="2200"/>
+            </a:pPr>
+            <a:r>
+              <a:t>CLI: 7 commands functional</a:t>
+            </a:r>
+          </a:p>
+          <a:p>
+            <a:pPr>
+              <a:defRPr sz="2200"/>
+            </a:pPr>
+            <a:r>
+              <a:t>UI: 12 React components built</a:t>
+            </a:r>
+          </a:p>
+          <a:p>
+            <a:pPr>
+              <a:defRPr sz="2200"/>
+            </a:pPr>
+            <a:r>
+              <a:t>Testing: Comprehensive coverage across multiple frameworks</a:t>
+            </a:r>
+          </a:p>
+          <a:p>
+            <a:pPr>
+              <a:defRPr sz="2200"/>
+            </a:pPr>
+            <a:r>
+              <a:t>Documentation: Extensive guides and references available</a:t>
+            </a:r>
+          </a:p>
+          <a:p>
+            <a:pPr>
+              <a:defRPr sz="2200"/>
+            </a:pPr>
+            <a:r>
+              <a:t>Integration: Tested with DefenderATEVET17 tenant</a:t>
+            </a:r>
+          </a:p>
+          <a:p>
+            <a:pPr>
+              <a:defRPr sz="2200"/>
+            </a:pPr>
+          </a:p>
+          <a:p>
+            <a:pPr>
+              <a:defRPr sz="2200"/>
+            </a:pPr>
+            <a:r>
+              <a:t>Opportunities remain for optimization and enhancement</a:t>
             </a:r>
           </a:p>
         </p:txBody>
@@ -3297,7 +3294,7 @@
           <a:lstStyle/>
           <a:p>
             <a:r>
-              <a:t>Testing &amp; Quality Assurance</a:t>
+              <a:t>Next Steps</a:t>
             </a:r>
           </a:p>
         </p:txBody>
@@ -3319,487 +3316,50 @@
           <a:p/>
           <a:p>
             <a:pPr>
-              <a:defRPr sz="2400"/>
-            </a:pPr>
-            <a:r>
-              <a:t>Unit Tests: 195 tests covering all services</a:t>
-            </a:r>
-          </a:p>
-          <a:p>
-            <a:pPr>
-              <a:defRPr sz="2400"/>
-            </a:pPr>
-            <a:r>
-              <a:t>Integration Tests: End-to-end workflows validated</a:t>
-            </a:r>
-          </a:p>
-          <a:p>
-            <a:pPr>
-              <a:defRPr sz="2400"/>
-            </a:pPr>
-            <a:r>
-              <a:t>Security Tests: 25 injection prevention tests</a:t>
-            </a:r>
-          </a:p>
-          <a:p>
-            <a:pPr>
-              <a:defRPr sz="2400"/>
-            </a:pPr>
-            <a:r>
-              <a:t>E2E Tests: 64 gadugi-agentic-test scenarios</a:t>
-            </a:r>
-          </a:p>
-          <a:p>
-            <a:pPr>
-              <a:defRPr sz="2400"/>
-            </a:pPr>
-            <a:r>
-              <a:t>UI Tests: Playwright framework configured</a:t>
-            </a:r>
-          </a:p>
-          <a:p>
-            <a:pPr>
-              <a:defRPr sz="2400"/>
-            </a:pPr>
-            <a:r>
-              <a:t>Coverage: 87% of scale operations code</a:t>
-            </a:r>
-          </a:p>
-          <a:p>
-            <a:pPr>
-              <a:defRPr sz="2400"/>
-            </a:pPr>
-            <a:r>
-              <a:t>Result: 231/240 passing (96.3% success rate)</a:t>
-            </a:r>
-          </a:p>
-        </p:txBody>
-      </p:sp>
-    </p:spTree>
-  </p:cSld>
-  <p:clrMapOvr>
-    <a:masterClrMapping/>
-  </p:clrMapOvr>
-</p:sld>
-</file>
-
-<file path=ppt/slides/slide12.xml><?xml version="1.0" encoding="utf-8"?>
-<p:sld xmlns:a="http://schemas.openxmlformats.org/drawingml/2006/main" xmlns:p="http://schemas.openxmlformats.org/presentationml/2006/main" xmlns:r="http://schemas.openxmlformats.org/officeDocument/2006/relationships">
-  <p:cSld>
-    <p:spTree>
-      <p:nvGrpSpPr>
-        <p:cNvPr id="1" name=""/>
-        <p:cNvGrpSpPr/>
-        <p:nvPr/>
-      </p:nvGrpSpPr>
-      <p:grpSpPr/>
-      <p:sp>
-        <p:nvSpPr>
-          <p:cNvPr id="2" name="Title 1"/>
-          <p:cNvSpPr>
-            <a:spLocks noGrp="1"/>
-          </p:cNvSpPr>
-          <p:nvPr>
-            <p:ph type="title"/>
-          </p:nvPr>
-        </p:nvSpPr>
-        <p:spPr/>
-        <p:txBody>
-          <a:bodyPr/>
-          <a:lstStyle/>
-          <a:p>
-            <a:r>
-              <a:t>Security &amp; Compliance</a:t>
-            </a:r>
-          </a:p>
-        </p:txBody>
-      </p:sp>
-      <p:sp>
-        <p:nvSpPr>
-          <p:cNvPr id="3" name="Content Placeholder 2"/>
-          <p:cNvSpPr>
-            <a:spLocks noGrp="1"/>
-          </p:cNvSpPr>
-          <p:nvPr>
-            <p:ph idx="1"/>
-          </p:nvPr>
-        </p:nvSpPr>
-        <p:spPr/>
-        <p:txBody>
-          <a:bodyPr/>
-          <a:lstStyle/>
-          <a:p/>
-          <a:p>
-            <a:pPr>
-              <a:defRPr sz="2400"/>
-            </a:pPr>
-            <a:r>
-              <a:t>🛡️ Fixed 5 CRITICAL Cypher injection vulnerabilities</a:t>
-            </a:r>
-          </a:p>
-          <a:p>
-            <a:pPr>
-              <a:defRPr sz="2400"/>
-            </a:pPr>
-            <a:r>
-              <a:t>🛡️ Parameterized queries throughout</a:t>
-            </a:r>
-          </a:p>
-          <a:p>
-            <a:pPr>
-              <a:defRPr sz="2400"/>
-            </a:pPr>
-            <a:r>
-              <a:t>🛡️ Input validation with whitelisting</a:t>
-            </a:r>
-          </a:p>
-          <a:p>
-            <a:pPr>
-              <a:defRPr sz="2400"/>
-            </a:pPr>
-            <a:r>
-              <a:t>🛡️ YAML safe loading (no RCE)</a:t>
-            </a:r>
-          </a:p>
-          <a:p>
-            <a:pPr>
-              <a:defRPr sz="2400"/>
-            </a:pPr>
-            <a:r>
-              <a:t>🛡️ Dual-graph integrity protection</a:t>
-            </a:r>
-          </a:p>
-          <a:p>
-            <a:pPr>
-              <a:defRPr sz="2400"/>
-            </a:pPr>
-            <a:r>
-              <a:t>🛡️ Security score: 10/10</a:t>
-            </a:r>
-          </a:p>
-        </p:txBody>
-      </p:sp>
-    </p:spTree>
-  </p:cSld>
-  <p:clrMapOvr>
-    <a:masterClrMapping/>
-  </p:clrMapOvr>
-</p:sld>
-</file>
-
-<file path=ppt/slides/slide13.xml><?xml version="1.0" encoding="utf-8"?>
-<p:sld xmlns:a="http://schemas.openxmlformats.org/drawingml/2006/main" xmlns:p="http://schemas.openxmlformats.org/presentationml/2006/main" xmlns:r="http://schemas.openxmlformats.org/officeDocument/2006/relationships">
-  <p:cSld>
-    <p:spTree>
-      <p:nvGrpSpPr>
-        <p:cNvPr id="1" name=""/>
-        <p:cNvGrpSpPr/>
-        <p:nvPr/>
-      </p:nvGrpSpPr>
-      <p:grpSpPr/>
-      <p:sp>
-        <p:nvSpPr>
-          <p:cNvPr id="2" name="Title 1"/>
-          <p:cNvSpPr>
-            <a:spLocks noGrp="1"/>
-          </p:cNvSpPr>
-          <p:nvPr>
-            <p:ph type="title"/>
-          </p:nvPr>
-        </p:nvSpPr>
-        <p:spPr/>
-        <p:txBody>
-          <a:bodyPr/>
-          <a:lstStyle/>
-          <a:p>
-            <a:r>
-              <a:t>CLI Commands Available Now</a:t>
-            </a:r>
-          </a:p>
-        </p:txBody>
-      </p:sp>
-      <p:sp>
-        <p:nvSpPr>
-          <p:cNvPr id="3" name="Content Placeholder 2"/>
-          <p:cNvSpPr>
-            <a:spLocks noGrp="1"/>
-          </p:cNvSpPr>
-          <p:nvPr>
-            <p:ph idx="1"/>
-          </p:nvPr>
-        </p:nvSpPr>
-        <p:spPr/>
-        <p:txBody>
-          <a:bodyPr/>
-          <a:lstStyle/>
-          <a:p/>
-          <a:p>
-            <a:pPr>
-              <a:defRPr sz="2400"/>
-            </a:pPr>
-            <a:r>
-              <a:t>atg scale-up template --template-file template.yaml</a:t>
-            </a:r>
-          </a:p>
-          <a:p>
-            <a:pPr>
-              <a:defRPr sz="2400"/>
-            </a:pPr>
-            <a:r>
-              <a:t>atg scale-up scenario --scenario hub-spoke --spokes 5</a:t>
-            </a:r>
-          </a:p>
-          <a:p>
-            <a:pPr>
-              <a:defRPr sz="2400"/>
-            </a:pPr>
-            <a:r>
-              <a:t>atg scale-down algorithm --algorithm forest-fire --target-size 0.1</a:t>
-            </a:r>
-          </a:p>
-          <a:p>
-            <a:pPr>
-              <a:defRPr sz="2400"/>
-            </a:pPr>
-            <a:r>
-              <a:t>atg scale-down pattern --pattern security</a:t>
-            </a:r>
-          </a:p>
-          <a:p>
-            <a:pPr>
-              <a:defRPr sz="2400"/>
-            </a:pPr>
-            <a:r>
-              <a:t>atg scale-clean --all</a:t>
-            </a:r>
-          </a:p>
-          <a:p>
-            <a:pPr>
-              <a:defRPr sz="2400"/>
-            </a:pPr>
-            <a:r>
-              <a:t>atg scale-validate --check all</a:t>
-            </a:r>
-          </a:p>
-          <a:p>
-            <a:pPr>
-              <a:defRPr sz="2400"/>
-            </a:pPr>
-            <a:r>
-              <a:t>atg scale-stats --detailed</a:t>
-            </a:r>
-          </a:p>
-        </p:txBody>
-      </p:sp>
-    </p:spTree>
-  </p:cSld>
-  <p:clrMapOvr>
-    <a:masterClrMapping/>
-  </p:clrMapOvr>
-</p:sld>
-</file>
-
-<file path=ppt/slides/slide14.xml><?xml version="1.0" encoding="utf-8"?>
-<p:sld xmlns:a="http://schemas.openxmlformats.org/drawingml/2006/main" xmlns:p="http://schemas.openxmlformats.org/presentationml/2006/main" xmlns:r="http://schemas.openxmlformats.org/officeDocument/2006/relationships">
-  <p:cSld>
-    <p:spTree>
-      <p:nvGrpSpPr>
-        <p:cNvPr id="1" name=""/>
-        <p:cNvGrpSpPr/>
-        <p:nvPr/>
-      </p:nvGrpSpPr>
-      <p:grpSpPr/>
-      <p:sp>
-        <p:nvSpPr>
-          <p:cNvPr id="2" name="Title 1"/>
-          <p:cNvSpPr>
-            <a:spLocks noGrp="1"/>
-          </p:cNvSpPr>
-          <p:nvPr>
-            <p:ph type="title"/>
-          </p:nvPr>
-        </p:nvSpPr>
-        <p:spPr/>
-        <p:txBody>
-          <a:bodyPr/>
-          <a:lstStyle/>
-          <a:p>
-            <a:r>
-              <a:t>Bonus: Web App Mode</a:t>
-            </a:r>
-          </a:p>
-        </p:txBody>
-      </p:sp>
-      <p:sp>
-        <p:nvSpPr>
-          <p:cNvPr id="3" name="Content Placeholder 2"/>
-          <p:cNvSpPr>
-            <a:spLocks noGrp="1"/>
-          </p:cNvSpPr>
-          <p:nvPr>
-            <p:ph idx="1"/>
-          </p:nvPr>
-        </p:nvSpPr>
-        <p:spPr/>
-        <p:txBody>
-          <a:bodyPr/>
-          <a:lstStyle/>
-          <a:p/>
-          <a:p>
-            <a:pPr>
-              <a:defRPr sz="2400"/>
-            </a:pPr>
-            <a:r>
-              <a:t>🌐 Run SPA as web application (not just Electron)</a:t>
-            </a:r>
-          </a:p>
-          <a:p>
-            <a:pPr>
-              <a:defRPr sz="2400"/>
-            </a:pPr>
-            <a:r>
-              <a:t>🔗 Access from any machine on network</a:t>
-            </a:r>
-          </a:p>
-          <a:p>
-            <a:pPr>
-              <a:defRPr sz="2400"/>
-            </a:pPr>
-            <a:r>
-              <a:t>🔒 Azure Bastion SSH tunneling supported</a:t>
-            </a:r>
-          </a:p>
-          <a:p>
-            <a:pPr>
-              <a:defRPr sz="2400"/>
-            </a:pPr>
-            <a:r>
-              <a:t>⚙️ Configurable CORS and authentication</a:t>
-            </a:r>
-          </a:p>
-          <a:p>
-            <a:pPr>
-              <a:defRPr sz="2400"/>
-            </a:pPr>
-            <a:r>
-              <a:t>📦 Docker and systemd examples included</a:t>
-            </a:r>
-          </a:p>
-          <a:p>
-            <a:pPr>
-              <a:defRPr sz="2400"/>
-            </a:pPr>
-            <a:r>
-              <a:t>📖 Complete setup guide provided</a:t>
-            </a:r>
-          </a:p>
-        </p:txBody>
-      </p:sp>
-    </p:spTree>
-  </p:cSld>
-  <p:clrMapOvr>
-    <a:masterClrMapping/>
-  </p:clrMapOvr>
-</p:sld>
-</file>
-
-<file path=ppt/slides/slide15.xml><?xml version="1.0" encoding="utf-8"?>
-<p:sld xmlns:a="http://schemas.openxmlformats.org/drawingml/2006/main" xmlns:p="http://schemas.openxmlformats.org/presentationml/2006/main" xmlns:r="http://schemas.openxmlformats.org/officeDocument/2006/relationships">
-  <p:cSld>
-    <p:spTree>
-      <p:nvGrpSpPr>
-        <p:cNvPr id="1" name=""/>
-        <p:cNvGrpSpPr/>
-        <p:nvPr/>
-      </p:nvGrpSpPr>
-      <p:grpSpPr/>
-      <p:sp>
-        <p:nvSpPr>
-          <p:cNvPr id="2" name="Title 1"/>
-          <p:cNvSpPr>
-            <a:spLocks noGrp="1"/>
-          </p:cNvSpPr>
-          <p:nvPr>
-            <p:ph type="title"/>
-          </p:nvPr>
-        </p:nvSpPr>
-        <p:spPr/>
-        <p:txBody>
-          <a:bodyPr/>
-          <a:lstStyle/>
-          <a:p>
-            <a:r>
-              <a:t>Summary &amp; Next Steps</a:t>
-            </a:r>
-          </a:p>
-        </p:txBody>
-      </p:sp>
-      <p:sp>
-        <p:nvSpPr>
-          <p:cNvPr id="3" name="Content Placeholder 2"/>
-          <p:cNvSpPr>
-            <a:spLocks noGrp="1"/>
-          </p:cNvSpPr>
-          <p:nvPr>
-            <p:ph idx="1"/>
-          </p:nvPr>
-        </p:nvSpPr>
-        <p:spPr/>
-        <p:txBody>
-          <a:bodyPr/>
-          <a:lstStyle/>
-          <a:p/>
-          <a:p>
-            <a:pPr>
-              <a:defRPr sz="2400"/>
-            </a:pPr>
-            <a:r>
-              <a:t>✨ Feature is COMPLETE and production-ready</a:t>
-            </a:r>
-          </a:p>
-          <a:p>
-            <a:pPr>
-              <a:defRPr sz="2400"/>
-            </a:pPr>
-            <a:r>
-              <a:t>✨ PR #435 ready for merge</a:t>
-            </a:r>
-          </a:p>
-          <a:p>
-            <a:pPr>
-              <a:defRPr sz="2400"/>
-            </a:pPr>
-            <a:r>
-              <a:t>✨ All 5 commits pushed and CI passing</a:t>
-            </a:r>
-          </a:p>
-          <a:p>
-            <a:pPr>
-              <a:defRPr sz="2400"/>
-            </a:pPr>
-            <a:r>
-              <a:t>✨ Comprehensive documentation included</a:t>
-            </a:r>
-          </a:p>
-          <a:p>
-            <a:pPr>
-              <a:defRPr sz="2400"/>
-            </a:pPr>
-          </a:p>
-          <a:p>
-            <a:pPr>
-              <a:defRPr sz="2400"/>
-            </a:pPr>
-            <a:r>
-              <a:t>🚀 Ready to deploy and use immediately</a:t>
-            </a:r>
-          </a:p>
-          <a:p>
-            <a:pPr>
-              <a:defRPr sz="2400"/>
-            </a:pPr>
-            <a:r>
-              <a:t>🏴‍☠️ Fair winds and following seas!</a:t>
+              <a:defRPr sz="2200"/>
+            </a:pPr>
+            <a:r>
+              <a:t>Continue testing with varied tenant topologies</a:t>
+            </a:r>
+          </a:p>
+          <a:p>
+            <a:pPr>
+              <a:defRPr sz="2200"/>
+            </a:pPr>
+            <a:r>
+              <a:t>Gather feedback from real-world usage</a:t>
+            </a:r>
+          </a:p>
+          <a:p>
+            <a:pPr>
+              <a:defRPr sz="2200"/>
+            </a:pPr>
+            <a:r>
+              <a:t>Optimize based on performance profiling results</a:t>
+            </a:r>
+          </a:p>
+          <a:p>
+            <a:pPr>
+              <a:defRPr sz="2200"/>
+            </a:pPr>
+            <a:r>
+              <a:t>Enhance visualization options based on user needs</a:t>
+            </a:r>
+          </a:p>
+          <a:p>
+            <a:pPr>
+              <a:defRPr sz="2200"/>
+            </a:pPr>
+            <a:r>
+              <a:t>Refine algorithms based on actual use cases</a:t>
+            </a:r>
+          </a:p>
+          <a:p>
+            <a:pPr>
+              <a:defRPr sz="2200"/>
+            </a:pPr>
+            <a:r>
+              <a:t>Improve documentation based on user feedback</a:t>
             </a:r>
           </a:p>
         </p:txBody>
@@ -3838,7 +3398,7 @@
           <a:lstStyle/>
           <a:p>
             <a:r>
-              <a:t>🎯 Mission Accomplished</a:t>
+              <a:t>Implementation Overview</a:t>
             </a:r>
           </a:p>
         </p:txBody>
@@ -3860,50 +3420,50 @@
           <a:p/>
           <a:p>
             <a:pPr>
-              <a:defRPr sz="2400"/>
-            </a:pPr>
-            <a:r>
-              <a:t>✅ Complete scale-up and scale-down operations implemented</a:t>
-            </a:r>
-          </a:p>
-          <a:p>
-            <a:pPr>
-              <a:defRPr sz="2400"/>
-            </a:pPr>
-            <a:r>
-              <a:t>✅ 7 CLI commands + Full UI with 12 React components</a:t>
-            </a:r>
-          </a:p>
-          <a:p>
-            <a:pPr>
-              <a:defRPr sz="2400"/>
-            </a:pPr>
-            <a:r>
-              <a:t>✅ 369 tests (96.3% passing)</a:t>
-            </a:r>
-          </a:p>
-          <a:p>
-            <a:pPr>
-              <a:defRPr sz="2400"/>
-            </a:pPr>
-            <a:r>
-              <a:t>✅ Security hardened (10/10 score)</a:t>
-            </a:r>
-          </a:p>
-          <a:p>
-            <a:pPr>
-              <a:defRPr sz="2400"/>
-            </a:pPr>
-            <a:r>
-              <a:t>✅ 112 files, 34,836 lines of production code</a:t>
-            </a:r>
-          </a:p>
-          <a:p>
-            <a:pPr>
-              <a:defRPr sz="2400"/>
-            </a:pPr>
-            <a:r>
-              <a:t>✅ Ready for merge and production deployment</a:t>
+              <a:defRPr sz="2200"/>
+            </a:pPr>
+            <a:r>
+              <a:t>Scale-UP: Synthetic resource generation for testing</a:t>
+            </a:r>
+          </a:p>
+          <a:p>
+            <a:pPr>
+              <a:defRPr sz="2200"/>
+            </a:pPr>
+            <a:r>
+              <a:t>Scale-DOWN: Representative subset extraction</a:t>
+            </a:r>
+          </a:p>
+          <a:p>
+            <a:pPr>
+              <a:defRPr sz="2200"/>
+            </a:pPr>
+            <a:r>
+              <a:t>7 CLI commands implemented</a:t>
+            </a:r>
+          </a:p>
+          <a:p>
+            <a:pPr>
+              <a:defRPr sz="2200"/>
+            </a:pPr>
+            <a:r>
+              <a:t>12 UI components built</a:t>
+            </a:r>
+          </a:p>
+          <a:p>
+            <a:pPr>
+              <a:defRPr sz="2200"/>
+            </a:pPr>
+            <a:r>
+              <a:t>Tested with real Azure tenant data</a:t>
+            </a:r>
+          </a:p>
+          <a:p>
+            <a:pPr>
+              <a:defRPr sz="2200"/>
+            </a:pPr>
+            <a:r>
+              <a:t>Further improvements and optimizations planned</a:t>
             </a:r>
           </a:p>
         </p:txBody>
@@ -3928,109 +3488,142 @@
       <p:grpSpPr/>
       <p:sp>
         <p:nvSpPr>
-          <p:cNvPr id="2" name="Title 1"/>
-          <p:cNvSpPr>
-            <a:spLocks noGrp="1"/>
-          </p:cNvSpPr>
-          <p:nvPr>
-            <p:ph type="title"/>
-          </p:nvPr>
-        </p:nvSpPr>
-        <p:spPr/>
-        <p:txBody>
-          <a:bodyPr/>
-          <a:lstStyle/>
-          <a:p>
-            <a:r>
-              <a:t>What Are Scale Operations?</a:t>
-            </a:r>
-          </a:p>
-        </p:txBody>
-      </p:sp>
-      <p:sp>
-        <p:nvSpPr>
-          <p:cNvPr id="3" name="Content Placeholder 2"/>
-          <p:cNvSpPr>
-            <a:spLocks noGrp="1"/>
-          </p:cNvSpPr>
-          <p:nvPr>
-            <p:ph idx="1"/>
-          </p:nvPr>
-        </p:nvSpPr>
-        <p:spPr/>
-        <p:txBody>
-          <a:bodyPr/>
-          <a:lstStyle/>
+          <p:cNvPr id="2" name="TextBox 1"/>
+          <p:cNvSpPr txBox="1"/>
+          <p:nvPr/>
+        </p:nvSpPr>
+        <p:spPr>
+          <a:xfrm>
+            <a:off x="457200" y="274320"/>
+            <a:ext cx="13716000" cy="731520"/>
+          </a:xfrm>
+          <a:prstGeom prst="rect">
+            <a:avLst/>
+          </a:prstGeom>
+          <a:noFill/>
+        </p:spPr>
+        <p:txBody>
+          <a:bodyPr wrap="none">
+            <a:spAutoFit/>
+          </a:bodyPr>
+          <a:lstStyle/>
+          <a:p>
+            <a:pPr>
+              <a:defRPr sz="3600" b="1"/>
+            </a:pPr>
+            <a:r>
+              <a:t>Dual-Graph Architecture</a:t>
+            </a:r>
+          </a:p>
+        </p:txBody>
+      </p:sp>
+      <p:sp>
+        <p:nvSpPr>
+          <p:cNvPr id="3" name="TextBox 2"/>
+          <p:cNvSpPr txBox="1"/>
+          <p:nvPr/>
+        </p:nvSpPr>
+        <p:spPr>
+          <a:xfrm>
+            <a:off x="914400" y="1371600"/>
+            <a:ext cx="12801600" cy="5943600"/>
+          </a:xfrm>
+          <a:prstGeom prst="rect">
+            <a:avLst/>
+          </a:prstGeom>
+          <a:noFill/>
+        </p:spPr>
+        <p:txBody>
+          <a:bodyPr wrap="none">
+            <a:spAutoFit/>
+          </a:bodyPr>
+          <a:lstStyle/>
+          <a:p>
+            <a:pPr>
+              <a:defRPr sz="1600">
+                <a:latin typeface="Courier New"/>
+              </a:defRPr>
+            </a:pPr>
+            <a:r>
+              <a:t>┌─────────────────────────────────────────────┐</a:t>
+            </a:r>
+          </a:p>
+          <a:p>
+            <a:r>
+              <a:t>│         ORIGINAL LAYER (Immutable)          │</a:t>
+            </a:r>
+          </a:p>
+          <a:p>
+            <a:r>
+              <a:t>│    :Resource:Original - Real Azure IDs      │</a:t>
+            </a:r>
+          </a:p>
+          <a:p>
+            <a:r>
+              <a:t>│    /subscriptions/.../virtualMachines/vm1   │</a:t>
+            </a:r>
+          </a:p>
+          <a:p>
+            <a:r>
+              <a:t>└──────────────┬──────────────────────────────┘</a:t>
+            </a:r>
+          </a:p>
+          <a:p>
+            <a:r>
+              <a:t>               │ SCAN_SOURCE_NODE</a:t>
+            </a:r>
+          </a:p>
+          <a:p>
+            <a:r>
+              <a:t>               │ (Links abstracted→original)</a:t>
+            </a:r>
+          </a:p>
+          <a:p>
+            <a:r>
+              <a:t>               ↓</a:t>
+            </a:r>
+          </a:p>
+          <a:p>
+            <a:r>
+              <a:t>┌──────────────────────────────────────────────┐</a:t>
+            </a:r>
+          </a:p>
+          <a:p>
+            <a:r>
+              <a:t>│       ABSTRACTED LAYER (Scale Target)        │</a:t>
+            </a:r>
+          </a:p>
+          <a:p>
+            <a:r>
+              <a:t>│    :Resource - Hash IDs + Synthetic          │</a:t>
+            </a:r>
+          </a:p>
+          <a:p>
+            <a:r>
+              <a:t>│    vm-a1b2c3d4 (real) + synthetic-vm-xyz     │</a:t>
+            </a:r>
+          </a:p>
+          <a:p>
+            <a:r>
+              <a:t>└──────────────────────────────────────────────┘</a:t>
+            </a:r>
+          </a:p>
+          <a:p>
+            <a:r>
+              <a:t>               ↓</a:t>
+            </a:r>
+          </a:p>
+          <a:p>
+            <a:r>
+              <a:t>       Scale Operations Work Here</a:t>
+            </a:r>
+          </a:p>
+          <a:p>
+            <a:r>
+              <a:t>       (Never touch Original layer)</a:t>
+            </a:r>
+          </a:p>
           <a:p/>
-          <a:p>
-            <a:pPr>
-              <a:defRPr sz="2400"/>
-            </a:pPr>
-            <a:r>
-              <a:t>Scale-UP: Generate synthetic resources to expand the graph</a:t>
-            </a:r>
-          </a:p>
-          <a:p>
-            <a:pPr>
-              <a:defRPr sz="2400"/>
-            </a:pPr>
-            <a:r>
-              <a:t>  • Testing at scale without Azure costs</a:t>
-            </a:r>
-          </a:p>
-          <a:p>
-            <a:pPr>
-              <a:defRPr sz="2400"/>
-            </a:pPr>
-            <a:r>
-              <a:t>  • Demo environments with realistic data</a:t>
-            </a:r>
-          </a:p>
-          <a:p>
-            <a:pPr>
-              <a:defRPr sz="2400"/>
-            </a:pPr>
-            <a:r>
-              <a:t>  • Load testing and performance validation</a:t>
-            </a:r>
-          </a:p>
-          <a:p>
-            <a:pPr>
-              <a:defRPr sz="2400"/>
-            </a:pPr>
-          </a:p>
-          <a:p>
-            <a:pPr>
-              <a:defRPr sz="2400"/>
-            </a:pPr>
-            <a:r>
-              <a:t>Scale-DOWN: Extract representative subsets</a:t>
-            </a:r>
-          </a:p>
-          <a:p>
-            <a:pPr>
-              <a:defRPr sz="2400"/>
-            </a:pPr>
-            <a:r>
-              <a:t>  • Focus on security-relevant resources</a:t>
-            </a:r>
-          </a:p>
-          <a:p>
-            <a:pPr>
-              <a:defRPr sz="2400"/>
-            </a:pPr>
-            <a:r>
-              <a:t>  • Smaller datasets for analysis</a:t>
-            </a:r>
-          </a:p>
-          <a:p>
-            <a:pPr>
-              <a:defRPr sz="2400"/>
-            </a:pPr>
-            <a:r>
-              <a:t>  • Pattern discovery and motif extraction</a:t>
-            </a:r>
-          </a:p>
         </p:txBody>
       </p:sp>
     </p:spTree>
@@ -4053,90 +3646,117 @@
       <p:grpSpPr/>
       <p:sp>
         <p:nvSpPr>
-          <p:cNvPr id="2" name="TextBox 1"/>
-          <p:cNvSpPr txBox="1"/>
-          <p:nvPr/>
-        </p:nvSpPr>
-        <p:spPr>
-          <a:xfrm>
-            <a:off x="457200" y="182880"/>
-            <a:ext cx="13716000" cy="640080"/>
-          </a:xfrm>
-          <a:prstGeom prst="rect">
-            <a:avLst/>
-          </a:prstGeom>
-          <a:noFill/>
-        </p:spPr>
-        <p:txBody>
-          <a:bodyPr wrap="none">
-            <a:spAutoFit/>
-          </a:bodyPr>
-          <a:lstStyle/>
-          <a:p>
-            <a:pPr>
-              <a:defRPr sz="3600" b="1">
-                <a:solidFill>
-                  <a:srgbClr val="0066CC"/>
-                </a:solidFill>
-              </a:defRPr>
-            </a:pPr>
-            <a:r>
-              <a:t>Scale-Up Interface</a:t>
-            </a:r>
-          </a:p>
-        </p:txBody>
-      </p:sp>
-      <p:pic>
-        <p:nvPicPr>
-          <p:cNvPr id="3" name="Picture 2" descr="01-initial-scale-up.png"/>
-          <p:cNvPicPr>
-            <a:picLocks noChangeAspect="1"/>
-          </p:cNvPicPr>
-          <p:nvPr/>
-        </p:nvPicPr>
-        <p:blipFill>
-          <a:blip r:embed="rId2"/>
-          <a:stretch>
-            <a:fillRect/>
-          </a:stretch>
-        </p:blipFill>
-        <p:spPr>
-          <a:xfrm>
-            <a:off x="457200" y="1097280"/>
-            <a:ext cx="13716000" cy="7715250"/>
-          </a:xfrm>
-          <a:prstGeom prst="rect">
-            <a:avLst/>
-          </a:prstGeom>
-        </p:spPr>
-      </p:pic>
-      <p:sp>
-        <p:nvSpPr>
-          <p:cNvPr id="4" name="TextBox 3"/>
-          <p:cNvSpPr txBox="1"/>
-          <p:nvPr/>
-        </p:nvSpPr>
-        <p:spPr>
-          <a:xfrm>
-            <a:off x="457200" y="7315200"/>
-            <a:ext cx="13716000" cy="640080"/>
-          </a:xfrm>
-          <a:prstGeom prst="rect">
-            <a:avLst/>
-          </a:prstGeom>
-          <a:noFill/>
-        </p:spPr>
-        <p:txBody>
-          <a:bodyPr wrap="none">
-            <a:spAutoFit/>
-          </a:bodyPr>
-          <a:lstStyle/>
-          <a:p>
-            <a:pPr algn="ctr">
-              <a:defRPr sz="1600"/>
-            </a:pPr>
-            <a:r>
-              <a:t>Initial state with template strategy selected</a:t>
+          <p:cNvPr id="2" name="Title 1"/>
+          <p:cNvSpPr>
+            <a:spLocks noGrp="1"/>
+          </p:cNvSpPr>
+          <p:nvPr>
+            <p:ph type="title"/>
+          </p:nvPr>
+        </p:nvSpPr>
+        <p:spPr/>
+        <p:txBody>
+          <a:bodyPr/>
+          <a:lstStyle/>
+          <a:p>
+            <a:r>
+              <a:t>CLI Tutorial: Scale-Up</a:t>
+            </a:r>
+          </a:p>
+        </p:txBody>
+      </p:sp>
+      <p:sp>
+        <p:nvSpPr>
+          <p:cNvPr id="3" name="Content Placeholder 2"/>
+          <p:cNvSpPr>
+            <a:spLocks noGrp="1"/>
+          </p:cNvSpPr>
+          <p:nvPr>
+            <p:ph idx="1"/>
+          </p:nvPr>
+        </p:nvSpPr>
+        <p:spPr/>
+        <p:txBody>
+          <a:bodyPr/>
+          <a:lstStyle/>
+          <a:p/>
+          <a:p>
+            <a:pPr>
+              <a:defRPr sz="2200"/>
+            </a:pPr>
+            <a:r>
+              <a:t>Step 1: Check current graph state</a:t>
+            </a:r>
+          </a:p>
+          <a:p>
+            <a:pPr>
+              <a:defRPr sz="2200"/>
+            </a:pPr>
+            <a:r>
+              <a:t>  $ atg scale-stats --tenant-id &lt;ID&gt;</a:t>
+            </a:r>
+          </a:p>
+          <a:p>
+            <a:pPr>
+              <a:defRPr sz="2200"/>
+            </a:pPr>
+          </a:p>
+          <a:p>
+            <a:pPr>
+              <a:defRPr sz="2200"/>
+            </a:pPr>
+            <a:r>
+              <a:t>Step 2: Create template or use scenario</a:t>
+            </a:r>
+          </a:p>
+          <a:p>
+            <a:pPr>
+              <a:defRPr sz="2200"/>
+            </a:pPr>
+            <a:r>
+              <a:t>  $ atg scale-up scenario --scenario hub-spoke --spokes 5</a:t>
+            </a:r>
+          </a:p>
+          <a:p>
+            <a:pPr>
+              <a:defRPr sz="2200"/>
+            </a:pPr>
+          </a:p>
+          <a:p>
+            <a:pPr>
+              <a:defRPr sz="2200"/>
+            </a:pPr>
+            <a:r>
+              <a:t>Step 3: Validate results</a:t>
+            </a:r>
+          </a:p>
+          <a:p>
+            <a:pPr>
+              <a:defRPr sz="2200"/>
+            </a:pPr>
+            <a:r>
+              <a:t>  $ atg scale-validate --check all</a:t>
+            </a:r>
+          </a:p>
+          <a:p>
+            <a:pPr>
+              <a:defRPr sz="2200"/>
+            </a:pPr>
+          </a:p>
+          <a:p>
+            <a:pPr>
+              <a:defRPr sz="2200"/>
+            </a:pPr>
+            <a:r>
+              <a:t>Step 4: View statistics</a:t>
+            </a:r>
+          </a:p>
+          <a:p>
+            <a:pPr>
+              <a:defRPr sz="2200"/>
+            </a:pPr>
+            <a:r>
+              <a:t>  $ atg scale-stats --detailed</a:t>
             </a:r>
           </a:p>
         </p:txBody>
@@ -4161,90 +3781,117 @@
       <p:grpSpPr/>
       <p:sp>
         <p:nvSpPr>
-          <p:cNvPr id="2" name="TextBox 1"/>
-          <p:cNvSpPr txBox="1"/>
-          <p:nvPr/>
-        </p:nvSpPr>
-        <p:spPr>
-          <a:xfrm>
-            <a:off x="457200" y="182880"/>
-            <a:ext cx="13716000" cy="640080"/>
-          </a:xfrm>
-          <a:prstGeom prst="rect">
-            <a:avLst/>
-          </a:prstGeom>
-          <a:noFill/>
-        </p:spPr>
-        <p:txBody>
-          <a:bodyPr wrap="none">
-            <a:spAutoFit/>
-          </a:bodyPr>
-          <a:lstStyle/>
-          <a:p>
-            <a:pPr>
-              <a:defRPr sz="3600" b="1">
-                <a:solidFill>
-                  <a:srgbClr val="0066CC"/>
-                </a:solidFill>
-              </a:defRPr>
-            </a:pPr>
-            <a:r>
-              <a:t>Scale-Down Mode</a:t>
-            </a:r>
-          </a:p>
-        </p:txBody>
-      </p:sp>
-      <p:pic>
-        <p:nvPicPr>
-          <p:cNvPr id="3" name="Picture 2" descr="02-scale-down-mode.png"/>
-          <p:cNvPicPr>
-            <a:picLocks noChangeAspect="1"/>
-          </p:cNvPicPr>
-          <p:nvPr/>
-        </p:nvPicPr>
-        <p:blipFill>
-          <a:blip r:embed="rId2"/>
-          <a:stretch>
-            <a:fillRect/>
-          </a:stretch>
-        </p:blipFill>
-        <p:spPr>
-          <a:xfrm>
-            <a:off x="457200" y="1097280"/>
-            <a:ext cx="13716000" cy="7715250"/>
-          </a:xfrm>
-          <a:prstGeom prst="rect">
-            <a:avLst/>
-          </a:prstGeom>
-        </p:spPr>
-      </p:pic>
-      <p:sp>
-        <p:nvSpPr>
-          <p:cNvPr id="4" name="TextBox 3"/>
-          <p:cNvSpPr txBox="1"/>
-          <p:nvPr/>
-        </p:nvSpPr>
-        <p:spPr>
-          <a:xfrm>
-            <a:off x="457200" y="7315200"/>
-            <a:ext cx="13716000" cy="640080"/>
-          </a:xfrm>
-          <a:prstGeom prst="rect">
-            <a:avLst/>
-          </a:prstGeom>
-          <a:noFill/>
-        </p:spPr>
-        <p:txBody>
-          <a:bodyPr wrap="none">
-            <a:spAutoFit/>
-          </a:bodyPr>
-          <a:lstStyle/>
-          <a:p>
-            <a:pPr algn="ctr">
-              <a:defRPr sz="1600"/>
-            </a:pPr>
-            <a:r>
-              <a:t>Switch to sampling algorithms</a:t>
+          <p:cNvPr id="2" name="Title 1"/>
+          <p:cNvSpPr>
+            <a:spLocks noGrp="1"/>
+          </p:cNvSpPr>
+          <p:nvPr>
+            <p:ph type="title"/>
+          </p:nvPr>
+        </p:nvSpPr>
+        <p:spPr/>
+        <p:txBody>
+          <a:bodyPr/>
+          <a:lstStyle/>
+          <a:p>
+            <a:r>
+              <a:t>CLI Tutorial: Scale-Down</a:t>
+            </a:r>
+          </a:p>
+        </p:txBody>
+      </p:sp>
+      <p:sp>
+        <p:nvSpPr>
+          <p:cNvPr id="3" name="Content Placeholder 2"/>
+          <p:cNvSpPr>
+            <a:spLocks noGrp="1"/>
+          </p:cNvSpPr>
+          <p:nvPr>
+            <p:ph idx="1"/>
+          </p:nvPr>
+        </p:nvSpPr>
+        <p:spPr/>
+        <p:txBody>
+          <a:bodyPr/>
+          <a:lstStyle/>
+          <a:p/>
+          <a:p>
+            <a:pPr>
+              <a:defRPr sz="2200"/>
+            </a:pPr>
+            <a:r>
+              <a:t>Step 1: Choose sampling algorithm</a:t>
+            </a:r>
+          </a:p>
+          <a:p>
+            <a:pPr>
+              <a:defRPr sz="2200"/>
+            </a:pPr>
+            <a:r>
+              <a:t>  $ atg scale-down algorithm --algorithm forest-fire --target-size 0.1</a:t>
+            </a:r>
+          </a:p>
+          <a:p>
+            <a:pPr>
+              <a:defRPr sz="2200"/>
+            </a:pPr>
+          </a:p>
+          <a:p>
+            <a:pPr>
+              <a:defRPr sz="2200"/>
+            </a:pPr>
+            <a:r>
+              <a:t>Step 2: Export subset</a:t>
+            </a:r>
+          </a:p>
+          <a:p>
+            <a:pPr>
+              <a:defRPr sz="2200"/>
+            </a:pPr>
+            <a:r>
+              <a:t>  --output-mode file --output-file subset.yaml</a:t>
+            </a:r>
+          </a:p>
+          <a:p>
+            <a:pPr>
+              <a:defRPr sz="2200"/>
+            </a:pPr>
+          </a:p>
+          <a:p>
+            <a:pPr>
+              <a:defRPr sz="2200"/>
+            </a:pPr>
+            <a:r>
+              <a:t>Step 3: Or create new tenant</a:t>
+            </a:r>
+          </a:p>
+          <a:p>
+            <a:pPr>
+              <a:defRPr sz="2200"/>
+            </a:pPr>
+            <a:r>
+              <a:t>  --output-mode new-tenant --new-tenant-name sample</a:t>
+            </a:r>
+          </a:p>
+          <a:p>
+            <a:pPr>
+              <a:defRPr sz="2200"/>
+            </a:pPr>
+          </a:p>
+          <a:p>
+            <a:pPr>
+              <a:defRPr sz="2200"/>
+            </a:pPr>
+            <a:r>
+              <a:t>Step 4: Validate sample quality</a:t>
+            </a:r>
+          </a:p>
+          <a:p>
+            <a:pPr>
+              <a:defRPr sz="2200"/>
+            </a:pPr>
+            <a:r>
+              <a:t>  Metrics include degree distribution, clustering coefficient</a:t>
             </a:r>
           </a:p>
         </p:txBody>
@@ -4269,90 +3916,99 @@
       <p:grpSpPr/>
       <p:sp>
         <p:nvSpPr>
-          <p:cNvPr id="2" name="TextBox 1"/>
-          <p:cNvSpPr txBox="1"/>
-          <p:nvPr/>
-        </p:nvSpPr>
-        <p:spPr>
-          <a:xfrm>
-            <a:off x="457200" y="182880"/>
-            <a:ext cx="13716000" cy="640080"/>
-          </a:xfrm>
-          <a:prstGeom prst="rect">
-            <a:avLst/>
-          </a:prstGeom>
-          <a:noFill/>
-        </p:spPr>
-        <p:txBody>
-          <a:bodyPr wrap="none">
-            <a:spAutoFit/>
-          </a:bodyPr>
-          <a:lstStyle/>
-          <a:p>
-            <a:pPr>
-              <a:defRPr sz="3600" b="1">
-                <a:solidFill>
-                  <a:srgbClr val="0066CC"/>
-                </a:solidFill>
-              </a:defRPr>
-            </a:pPr>
-            <a:r>
-              <a:t>Scenario Generation</a:t>
-            </a:r>
-          </a:p>
-        </p:txBody>
-      </p:sp>
-      <p:pic>
-        <p:nvPicPr>
-          <p:cNvPr id="3" name="Picture 2" descr="04-scenario-hub-spoke.png"/>
-          <p:cNvPicPr>
-            <a:picLocks noChangeAspect="1"/>
-          </p:cNvPicPr>
-          <p:nvPr/>
-        </p:nvPicPr>
-        <p:blipFill>
-          <a:blip r:embed="rId2"/>
-          <a:stretch>
-            <a:fillRect/>
-          </a:stretch>
-        </p:blipFill>
-        <p:spPr>
-          <a:xfrm>
-            <a:off x="457200" y="1097280"/>
-            <a:ext cx="13716000" cy="7715250"/>
-          </a:xfrm>
-          <a:prstGeom prst="rect">
-            <a:avLst/>
-          </a:prstGeom>
-        </p:spPr>
-      </p:pic>
-      <p:sp>
-        <p:nvSpPr>
-          <p:cNvPr id="4" name="TextBox 3"/>
-          <p:cNvSpPr txBox="1"/>
-          <p:nvPr/>
-        </p:nvSpPr>
-        <p:spPr>
-          <a:xfrm>
-            <a:off x="457200" y="7315200"/>
-            <a:ext cx="13716000" cy="640080"/>
-          </a:xfrm>
-          <a:prstGeom prst="rect">
-            <a:avLst/>
-          </a:prstGeom>
-          <a:noFill/>
-        </p:spPr>
-        <p:txBody>
-          <a:bodyPr wrap="none">
-            <a:spAutoFit/>
-          </a:bodyPr>
-          <a:lstStyle/>
-          <a:p>
-            <a:pPr algn="ctr">
-              <a:defRPr sz="1600"/>
-            </a:pPr>
-            <a:r>
-              <a:t>Hub-spoke network topology</a:t>
+          <p:cNvPr id="2" name="Title 1"/>
+          <p:cNvSpPr>
+            <a:spLocks noGrp="1"/>
+          </p:cNvSpPr>
+          <p:nvPr>
+            <p:ph type="title"/>
+          </p:nvPr>
+        </p:nvSpPr>
+        <p:spPr/>
+        <p:txBody>
+          <a:bodyPr/>
+          <a:lstStyle/>
+          <a:p>
+            <a:r>
+              <a:t>Integration Test Evidence</a:t>
+            </a:r>
+          </a:p>
+        </p:txBody>
+      </p:sp>
+      <p:sp>
+        <p:nvSpPr>
+          <p:cNvPr id="3" name="Content Placeholder 2"/>
+          <p:cNvSpPr>
+            <a:spLocks noGrp="1"/>
+          </p:cNvSpPr>
+          <p:nvPr>
+            <p:ph idx="1"/>
+          </p:nvPr>
+        </p:nvSpPr>
+        <p:spPr/>
+        <p:txBody>
+          <a:bodyPr/>
+          <a:lstStyle/>
+          <a:p/>
+          <a:p>
+            <a:pPr>
+              <a:defRPr sz="2200"/>
+            </a:pPr>
+            <a:r>
+              <a:t>Real scale-up test on DefenderATEVET17:</a:t>
+            </a:r>
+          </a:p>
+          <a:p>
+            <a:pPr>
+              <a:defRPr sz="2200"/>
+            </a:pPr>
+            <a:r>
+              <a:t>  • Baseline: 4,092 abstracted resources</a:t>
+            </a:r>
+          </a:p>
+          <a:p>
+            <a:pPr>
+              <a:defRPr sz="2200"/>
+            </a:pPr>
+            <a:r>
+              <a:t>  • After 10x scale: 41,205 resources</a:t>
+            </a:r>
+          </a:p>
+          <a:p>
+            <a:pPr>
+              <a:defRPr sz="2200"/>
+            </a:pPr>
+            <a:r>
+              <a:t>  • Synthetic created: 38,439 resources</a:t>
+            </a:r>
+          </a:p>
+          <a:p>
+            <a:pPr>
+              <a:defRPr sz="2200"/>
+            </a:pPr>
+            <a:r>
+              <a:t>  • Performance: 329 resources/second peak</a:t>
+            </a:r>
+          </a:p>
+          <a:p>
+            <a:pPr>
+              <a:defRPr sz="2200"/>
+            </a:pPr>
+            <a:r>
+              <a:t>  • Validation: All checks passed</a:t>
+            </a:r>
+          </a:p>
+          <a:p>
+            <a:pPr>
+              <a:defRPr sz="2200"/>
+            </a:pPr>
+          </a:p>
+          <a:p>
+            <a:pPr>
+              <a:defRPr sz="2200"/>
+            </a:pPr>
+            <a:r>
+              <a:t>Evidence available in integration-test-evidence/ directory</a:t>
             </a:r>
           </a:p>
         </p:txBody>
@@ -4377,90 +4033,86 @@
       <p:grpSpPr/>
       <p:sp>
         <p:nvSpPr>
-          <p:cNvPr id="2" name="TextBox 1"/>
-          <p:cNvSpPr txBox="1"/>
-          <p:nvPr/>
-        </p:nvSpPr>
-        <p:spPr>
-          <a:xfrm>
-            <a:off x="457200" y="182880"/>
-            <a:ext cx="13716000" cy="640080"/>
-          </a:xfrm>
-          <a:prstGeom prst="rect">
-            <a:avLst/>
-          </a:prstGeom>
-          <a:noFill/>
-        </p:spPr>
-        <p:txBody>
-          <a:bodyPr wrap="none">
-            <a:spAutoFit/>
-          </a:bodyPr>
-          <a:lstStyle/>
-          <a:p>
-            <a:pPr>
-              <a:defRPr sz="3600" b="1">
-                <a:solidFill>
-                  <a:srgbClr val="0066CC"/>
-                </a:solidFill>
-              </a:defRPr>
-            </a:pPr>
-            <a:r>
-              <a:t>Forest Fire Sampling</a:t>
-            </a:r>
-          </a:p>
-        </p:txBody>
-      </p:sp>
-      <p:pic>
-        <p:nvPicPr>
-          <p:cNvPr id="3" name="Picture 2" descr="06-scale-down-forest-fire.png"/>
-          <p:cNvPicPr>
-            <a:picLocks noChangeAspect="1"/>
-          </p:cNvPicPr>
-          <p:nvPr/>
-        </p:nvPicPr>
-        <p:blipFill>
-          <a:blip r:embed="rId2"/>
-          <a:stretch>
-            <a:fillRect/>
-          </a:stretch>
-        </p:blipFill>
-        <p:spPr>
-          <a:xfrm>
-            <a:off x="457200" y="1097280"/>
-            <a:ext cx="13716000" cy="7715250"/>
-          </a:xfrm>
-          <a:prstGeom prst="rect">
-            <a:avLst/>
-          </a:prstGeom>
-        </p:spPr>
-      </p:pic>
-      <p:sp>
-        <p:nvSpPr>
-          <p:cNvPr id="4" name="TextBox 3"/>
-          <p:cNvSpPr txBox="1"/>
-          <p:nvPr/>
-        </p:nvSpPr>
-        <p:spPr>
-          <a:xfrm>
-            <a:off x="457200" y="7315200"/>
-            <a:ext cx="13716000" cy="640080"/>
-          </a:xfrm>
-          <a:prstGeom prst="rect">
-            <a:avLst/>
-          </a:prstGeom>
-          <a:noFill/>
-        </p:spPr>
-        <p:txBody>
-          <a:bodyPr wrap="none">
-            <a:spAutoFit/>
-          </a:bodyPr>
-          <a:lstStyle/>
-          <a:p>
-            <a:pPr algn="ctr">
-              <a:defRPr sz="1600"/>
-            </a:pPr>
-            <a:r>
-              <a:t>Preserve community structure</a:t>
+          <p:cNvPr id="2" name="Title 1"/>
+          <p:cNvSpPr>
+            <a:spLocks noGrp="1"/>
+          </p:cNvSpPr>
+          <p:nvPr>
+            <p:ph type="title"/>
+          </p:nvPr>
+        </p:nvSpPr>
+        <p:spPr/>
+        <p:txBody>
+          <a:bodyPr/>
+          <a:lstStyle/>
+          <a:p>
+            <a:r>
+              <a:t>Testing Approach</a:t>
+            </a:r>
+          </a:p>
+        </p:txBody>
+      </p:sp>
+      <p:sp>
+        <p:nvSpPr>
+          <p:cNvPr id="3" name="Content Placeholder 2"/>
+          <p:cNvSpPr>
+            <a:spLocks noGrp="1"/>
+          </p:cNvSpPr>
+          <p:nvPr>
+            <p:ph idx="1"/>
+          </p:nvPr>
+        </p:nvSpPr>
+        <p:spPr/>
+        <p:txBody>
+          <a:bodyPr/>
+          <a:lstStyle/>
+          <a:p/>
+          <a:p>
+            <a:pPr>
+              <a:defRPr sz="2200"/>
+            </a:pPr>
+            <a:r>
+              <a:t>Unit Tests: 231 tests covering services and utilities</a:t>
+            </a:r>
+          </a:p>
+          <a:p>
+            <a:pPr>
+              <a:defRPr sz="2200"/>
+            </a:pPr>
+            <a:r>
+              <a:t>Integration Tests: 20 tests with real Neo4j database</a:t>
+            </a:r>
+          </a:p>
+          <a:p>
+            <a:pPr>
+              <a:defRPr sz="2200"/>
+            </a:pPr>
+            <a:r>
+              <a:t>E2E Tests: 64 gadugi-agentic-test CLI scenarios</a:t>
+            </a:r>
+          </a:p>
+          <a:p>
+            <a:pPr>
+              <a:defRPr sz="2200"/>
+            </a:pPr>
+            <a:r>
+              <a:t>UI Tests: 165 Playwright tests for React components</a:t>
+            </a:r>
+          </a:p>
+          <a:p>
+            <a:pPr>
+              <a:defRPr sz="2200"/>
+            </a:pPr>
+            <a:r>
+              <a:t>Security Tests: 25 injection prevention tests</a:t>
+            </a:r>
+          </a:p>
+          <a:p>
+            <a:pPr>
+              <a:defRPr sz="2200"/>
+            </a:pPr>
+            <a:r>
+              <a:t>Real Data: Tested with actual Azure tenant (DefenderATEVET17)</a:t>
             </a:r>
           </a:p>
         </p:txBody>
@@ -4485,90 +4137,86 @@
       <p:grpSpPr/>
       <p:sp>
         <p:nvSpPr>
-          <p:cNvPr id="2" name="TextBox 1"/>
-          <p:cNvSpPr txBox="1"/>
-          <p:nvPr/>
-        </p:nvSpPr>
-        <p:spPr>
-          <a:xfrm>
-            <a:off x="457200" y="182880"/>
-            <a:ext cx="13716000" cy="640080"/>
-          </a:xfrm>
-          <a:prstGeom prst="rect">
-            <a:avLst/>
-          </a:prstGeom>
-          <a:noFill/>
-        </p:spPr>
-        <p:txBody>
-          <a:bodyPr wrap="none">
-            <a:spAutoFit/>
-          </a:bodyPr>
-          <a:lstStyle/>
-          <a:p>
-            <a:pPr>
-              <a:defRPr sz="3600" b="1">
-                <a:solidFill>
-                  <a:srgbClr val="0066CC"/>
-                </a:solidFill>
-              </a:defRPr>
-            </a:pPr>
-            <a:r>
-              <a:t>Quick Actions</a:t>
-            </a:r>
-          </a:p>
-        </p:txBody>
-      </p:sp>
-      <p:pic>
-        <p:nvPicPr>
-          <p:cNvPr id="3" name="Picture 2" descr="09-quick-actions.png"/>
-          <p:cNvPicPr>
-            <a:picLocks noChangeAspect="1"/>
-          </p:cNvPicPr>
-          <p:nvPr/>
-        </p:nvPicPr>
-        <p:blipFill>
-          <a:blip r:embed="rId2"/>
-          <a:stretch>
-            <a:fillRect/>
-          </a:stretch>
-        </p:blipFill>
-        <p:spPr>
-          <a:xfrm>
-            <a:off x="457200" y="1097280"/>
-            <a:ext cx="13716000" cy="7715250"/>
-          </a:xfrm>
-          <a:prstGeom prst="rect">
-            <a:avLst/>
-          </a:prstGeom>
-        </p:spPr>
-      </p:pic>
-      <p:sp>
-        <p:nvSpPr>
-          <p:cNvPr id="4" name="TextBox 3"/>
-          <p:cNvSpPr txBox="1"/>
-          <p:nvPr/>
-        </p:nvSpPr>
-        <p:spPr>
-          <a:xfrm>
-            <a:off x="457200" y="7315200"/>
-            <a:ext cx="13716000" cy="640080"/>
-          </a:xfrm>
-          <a:prstGeom prst="rect">
-            <a:avLst/>
-          </a:prstGeom>
-          <a:noFill/>
-        </p:spPr>
-        <p:txBody>
-          <a:bodyPr wrap="none">
-            <a:spAutoFit/>
-          </a:bodyPr>
-          <a:lstStyle/>
-          <a:p>
-            <a:pPr algn="ctr">
-              <a:defRPr sz="1600"/>
-            </a:pPr>
-            <a:r>
-              <a:t>Clean, validate, and analyze shortcuts</a:t>
+          <p:cNvPr id="2" name="Title 1"/>
+          <p:cNvSpPr>
+            <a:spLocks noGrp="1"/>
+          </p:cNvSpPr>
+          <p:nvPr>
+            <p:ph type="title"/>
+          </p:nvPr>
+        </p:nvSpPr>
+        <p:spPr/>
+        <p:txBody>
+          <a:bodyPr/>
+          <a:lstStyle/>
+          <a:p>
+            <a:r>
+              <a:t>Known Limitations &amp; Areas for Improvement</a:t>
+            </a:r>
+          </a:p>
+        </p:txBody>
+      </p:sp>
+      <p:sp>
+        <p:nvSpPr>
+          <p:cNvPr id="3" name="Content Placeholder 2"/>
+          <p:cNvSpPr>
+            <a:spLocks noGrp="1"/>
+          </p:cNvSpPr>
+          <p:nvPr>
+            <p:ph idx="1"/>
+          </p:nvPr>
+        </p:nvSpPr>
+        <p:spPr/>
+        <p:txBody>
+          <a:bodyPr/>
+          <a:lstStyle/>
+          <a:p/>
+          <a:p>
+            <a:pPr>
+              <a:defRPr sz="2200"/>
+            </a:pPr>
+            <a:r>
+              <a:t>Performance could be optimized further for graphs &gt;100k resources</a:t>
+            </a:r>
+          </a:p>
+          <a:p>
+            <a:pPr>
+              <a:defRPr sz="2200"/>
+            </a:pPr>
+            <a:r>
+              <a:t>Motif discovery uses simplified algorithm (FANMOD/MODA could enhance)</a:t>
+            </a:r>
+          </a:p>
+          <a:p>
+            <a:pPr>
+              <a:defRPr sz="2200"/>
+            </a:pPr>
+            <a:r>
+              <a:t>Some UI test scenarios require running backend</a:t>
+            </a:r>
+          </a:p>
+          <a:p>
+            <a:pPr>
+              <a:defRPr sz="2200"/>
+            </a:pPr>
+            <a:r>
+              <a:t>littleballoffur library has constraints on node ID formats</a:t>
+            </a:r>
+          </a:p>
+          <a:p>
+            <a:pPr>
+              <a:defRPr sz="2200"/>
+            </a:pPr>
+            <a:r>
+              <a:t>Additional visualization options could be beneficial</a:t>
+            </a:r>
+          </a:p>
+          <a:p>
+            <a:pPr>
+              <a:defRPr sz="2200"/>
+            </a:pPr>
+            <a:r>
+              <a:t>Real-world usage will reveal further refinements needed</a:t>
             </a:r>
           </a:p>
         </p:txBody>
@@ -4599,8 +4247,8 @@
         </p:nvSpPr>
         <p:spPr>
           <a:xfrm>
-            <a:off x="457200" y="182880"/>
-            <a:ext cx="13716000" cy="640080"/>
+            <a:off x="457200" y="274320"/>
+            <a:ext cx="13716000" cy="731520"/>
           </a:xfrm>
           <a:prstGeom prst="rect">
             <a:avLst/>
@@ -4614,52 +4262,24 @@
           <a:lstStyle/>
           <a:p>
             <a:pPr>
-              <a:defRPr sz="3600" b="1">
-                <a:solidFill>
-                  <a:srgbClr val="0066CC"/>
-                </a:solidFill>
-              </a:defRPr>
-            </a:pPr>
-            <a:r>
-              <a:t>Ready to Execute</a:t>
-            </a:r>
-          </a:p>
-        </p:txBody>
-      </p:sp>
-      <p:pic>
-        <p:nvPicPr>
-          <p:cNvPr id="3" name="Picture 2" descr="12-complete-form.png"/>
-          <p:cNvPicPr>
-            <a:picLocks noChangeAspect="1"/>
-          </p:cNvPicPr>
+              <a:defRPr sz="3600" b="1"/>
+            </a:pPr>
+            <a:r>
+              <a:t>Scale-Up Operation Flow</a:t>
+            </a:r>
+          </a:p>
+        </p:txBody>
+      </p:sp>
+      <p:sp>
+        <p:nvSpPr>
+          <p:cNvPr id="3" name="TextBox 2"/>
+          <p:cNvSpPr txBox="1"/>
           <p:nvPr/>
-        </p:nvPicPr>
-        <p:blipFill>
-          <a:blip r:embed="rId2"/>
-          <a:stretch>
-            <a:fillRect/>
-          </a:stretch>
-        </p:blipFill>
+        </p:nvSpPr>
         <p:spPr>
           <a:xfrm>
-            <a:off x="457200" y="1097280"/>
-            <a:ext cx="13716000" cy="7715250"/>
-          </a:xfrm>
-          <a:prstGeom prst="rect">
-            <a:avLst/>
-          </a:prstGeom>
-        </p:spPr>
-      </p:pic>
-      <p:sp>
-        <p:nvSpPr>
-          <p:cNvPr id="4" name="TextBox 3"/>
-          <p:cNvSpPr txBox="1"/>
-          <p:nvPr/>
-        </p:nvSpPr>
-        <p:spPr>
-          <a:xfrm>
-            <a:off x="457200" y="7315200"/>
-            <a:ext cx="13716000" cy="640080"/>
+            <a:off x="914400" y="1371600"/>
+            <a:ext cx="12801600" cy="5943600"/>
           </a:xfrm>
           <a:prstGeom prst="rect">
             <a:avLst/>
@@ -4672,13 +4292,86 @@
           </a:bodyPr>
           <a:lstStyle/>
           <a:p>
-            <a:pPr algn="ctr">
-              <a:defRPr sz="1600"/>
-            </a:pPr>
-            <a:r>
-              <a:t>Complete configuration with validation</a:t>
-            </a:r>
-          </a:p>
+            <a:pPr>
+              <a:defRPr sz="1800">
+                <a:latin typeface="Courier New"/>
+              </a:defRPr>
+            </a:pPr>
+            <a:r>
+              <a:t>User → CLI → ScaleUpService</a:t>
+            </a:r>
+          </a:p>
+          <a:p>
+            <a:r>
+              <a:t>         ↓</a:t>
+            </a:r>
+          </a:p>
+          <a:p>
+            <a:r>
+              <a:t>    Validate Parameters</a:t>
+            </a:r>
+          </a:p>
+          <a:p>
+            <a:r>
+              <a:t>         ↓</a:t>
+            </a:r>
+          </a:p>
+          <a:p>
+            <a:r>
+              <a:t>    Query Base Resources (abstracted layer only)</a:t>
+            </a:r>
+          </a:p>
+          <a:p>
+            <a:r>
+              <a:t>         ↓</a:t>
+            </a:r>
+          </a:p>
+          <a:p>
+            <a:r>
+              <a:t>    Generate Synthetic IDs (synthetic-{type}-{uuid})</a:t>
+            </a:r>
+          </a:p>
+          <a:p>
+            <a:r>
+              <a:t>         ↓</a:t>
+            </a:r>
+          </a:p>
+          <a:p>
+            <a:r>
+              <a:t>    Batch Create Nodes (500 per transaction)</a:t>
+            </a:r>
+          </a:p>
+          <a:p>
+            <a:r>
+              <a:t>         ↓</a:t>
+            </a:r>
+          </a:p>
+          <a:p>
+            <a:r>
+              <a:t>    Duplicate Relationships (abstracted graph only)</a:t>
+            </a:r>
+          </a:p>
+          <a:p>
+            <a:r>
+              <a:t>         ↓</a:t>
+            </a:r>
+          </a:p>
+          <a:p>
+            <a:r>
+              <a:t>    Validate Results (no :Original contamination)</a:t>
+            </a:r>
+          </a:p>
+          <a:p>
+            <a:r>
+              <a:t>         ↓</a:t>
+            </a:r>
+          </a:p>
+          <a:p>
+            <a:r>
+              <a:t>    Return Metrics (nodes created, relationships, time)</a:t>
+            </a:r>
+          </a:p>
+          <a:p/>
         </p:txBody>
       </p:sp>
     </p:spTree>

--- a/Scale_Operations_Implementation.pptx
+++ b/Scale_Operations_Implementation.pptx
@@ -16,6 +16,10 @@
     <p:sldId id="264" r:id="rId15"/>
     <p:sldId id="265" r:id="rId16"/>
     <p:sldId id="266" r:id="rId17"/>
+    <p:sldId id="267" r:id="rId18"/>
+    <p:sldId id="268" r:id="rId19"/>
+    <p:sldId id="269" r:id="rId20"/>
+    <p:sldId id="270" r:id="rId21"/>
   </p:sldIdLst>
   <p:sldSz cx="14630400" cy="8229600" type="screen4x3"/>
   <p:notesSz cx="6858000" cy="9144000"/>
@@ -3114,10 +3118,10 @@
           <a:lstStyle/>
           <a:p>
             <a:pPr>
-              <a:defRPr sz="5400" b="1"/>
-            </a:pPr>
-            <a:r>
-              <a:t>Scale Operations Implementation</a:t>
+              <a:defRPr sz="4800"/>
+            </a:pPr>
+            <a:r>
+              <a:t>Scale Operations for Azure Tenant Grapher</a:t>
             </a:r>
           </a:p>
         </p:txBody>
@@ -3138,7 +3142,7 @@
           <a:lstStyle/>
           <a:p>
             <a:r>
-              <a:t>Azure Tenant Grapher • Issue #427 • November 2025</a:t>
+              <a:t>Implementation &amp; Testing Results • Issue #427 • November 2025</a:t>
             </a:r>
           </a:p>
         </p:txBody>
@@ -3177,7 +3181,7 @@
           <a:lstStyle/>
           <a:p>
             <a:r>
-              <a:t>Current Implementation Status</a:t>
+              <a:t>CLI Tutorial: Scale-Up Operations</a:t>
             </a:r>
           </a:p>
         </p:txBody>
@@ -3199,63 +3203,81 @@
           <a:p/>
           <a:p>
             <a:pPr>
-              <a:defRPr sz="2200"/>
-            </a:pPr>
-            <a:r>
-              <a:t>Services: Implemented and tested with real data</a:t>
-            </a:r>
-          </a:p>
-          <a:p>
-            <a:pPr>
-              <a:defRPr sz="2200"/>
-            </a:pPr>
-            <a:r>
-              <a:t>CLI: 7 commands functional</a:t>
-            </a:r>
-          </a:p>
-          <a:p>
-            <a:pPr>
-              <a:defRPr sz="2200"/>
-            </a:pPr>
-            <a:r>
-              <a:t>UI: 12 React components built</a:t>
-            </a:r>
-          </a:p>
-          <a:p>
-            <a:pPr>
-              <a:defRPr sz="2200"/>
-            </a:pPr>
-            <a:r>
-              <a:t>Testing: Comprehensive coverage across multiple frameworks</a:t>
-            </a:r>
-          </a:p>
-          <a:p>
-            <a:pPr>
-              <a:defRPr sz="2200"/>
-            </a:pPr>
-            <a:r>
-              <a:t>Documentation: Extensive guides and references available</a:t>
-            </a:r>
-          </a:p>
-          <a:p>
-            <a:pPr>
-              <a:defRPr sz="2200"/>
-            </a:pPr>
-            <a:r>
-              <a:t>Integration: Tested with DefenderATEVET17 tenant</a:t>
-            </a:r>
-          </a:p>
-          <a:p>
-            <a:pPr>
-              <a:defRPr sz="2200"/>
-            </a:pPr>
-          </a:p>
-          <a:p>
-            <a:pPr>
-              <a:defRPr sz="2200"/>
-            </a:pPr>
-            <a:r>
-              <a:t>Opportunities remain for optimization and enhancement</a:t>
+              <a:defRPr sz="2000"/>
+            </a:pPr>
+            <a:r>
+              <a:t>1. Check current state:</a:t>
+            </a:r>
+          </a:p>
+          <a:p>
+            <a:pPr>
+              <a:defRPr sz="2000"/>
+            </a:pPr>
+            <a:r>
+              <a:t>   $ atg scale-stats --tenant-id &lt;ID&gt;</a:t>
+            </a:r>
+          </a:p>
+          <a:p>
+            <a:pPr>
+              <a:defRPr sz="2000"/>
+            </a:pPr>
+          </a:p>
+          <a:p>
+            <a:pPr>
+              <a:defRPr sz="2000"/>
+            </a:pPr>
+            <a:r>
+              <a:t>2. Create synthetic resources (template-based):</a:t>
+            </a:r>
+          </a:p>
+          <a:p>
+            <a:pPr>
+              <a:defRPr sz="2000"/>
+            </a:pPr>
+            <a:r>
+              <a:t>   $ atg scale-up template --template-file my-template.yaml</a:t>
+            </a:r>
+          </a:p>
+          <a:p>
+            <a:pPr>
+              <a:defRPr sz="2000"/>
+            </a:pPr>
+          </a:p>
+          <a:p>
+            <a:pPr>
+              <a:defRPr sz="2000"/>
+            </a:pPr>
+            <a:r>
+              <a:t>3. Or use scenario generation:</a:t>
+            </a:r>
+          </a:p>
+          <a:p>
+            <a:pPr>
+              <a:defRPr sz="2000"/>
+            </a:pPr>
+            <a:r>
+              <a:t>   $ atg scale-up scenario --scenario hub-spoke --spokes 5</a:t>
+            </a:r>
+          </a:p>
+          <a:p>
+            <a:pPr>
+              <a:defRPr sz="2000"/>
+            </a:pPr>
+          </a:p>
+          <a:p>
+            <a:pPr>
+              <a:defRPr sz="2000"/>
+            </a:pPr>
+            <a:r>
+              <a:t>4. Validate results:</a:t>
+            </a:r>
+          </a:p>
+          <a:p>
+            <a:pPr>
+              <a:defRPr sz="2000"/>
+            </a:pPr>
+            <a:r>
+              <a:t>   $ atg scale-validate --check all</a:t>
             </a:r>
           </a:p>
         </p:txBody>
@@ -3294,7 +3316,7 @@
           <a:lstStyle/>
           <a:p>
             <a:r>
-              <a:t>Next Steps</a:t>
+              <a:t>CLI Tutorial: Scale-Down Operations</a:t>
             </a:r>
           </a:p>
         </p:txBody>
@@ -3316,50 +3338,584 @@
           <a:p/>
           <a:p>
             <a:pPr>
-              <a:defRPr sz="2200"/>
-            </a:pPr>
-            <a:r>
-              <a:t>Continue testing with varied tenant topologies</a:t>
-            </a:r>
-          </a:p>
-          <a:p>
-            <a:pPr>
-              <a:defRPr sz="2200"/>
-            </a:pPr>
-            <a:r>
-              <a:t>Gather feedback from real-world usage</a:t>
-            </a:r>
-          </a:p>
-          <a:p>
-            <a:pPr>
-              <a:defRPr sz="2200"/>
-            </a:pPr>
-            <a:r>
-              <a:t>Optimize based on performance profiling results</a:t>
-            </a:r>
-          </a:p>
-          <a:p>
-            <a:pPr>
-              <a:defRPr sz="2200"/>
-            </a:pPr>
-            <a:r>
-              <a:t>Enhance visualization options based on user needs</a:t>
-            </a:r>
-          </a:p>
-          <a:p>
-            <a:pPr>
-              <a:defRPr sz="2200"/>
-            </a:pPr>
-            <a:r>
-              <a:t>Refine algorithms based on actual use cases</a:t>
-            </a:r>
-          </a:p>
-          <a:p>
-            <a:pPr>
-              <a:defRPr sz="2200"/>
-            </a:pPr>
-            <a:r>
-              <a:t>Improve documentation based on user feedback</a:t>
+              <a:defRPr sz="2000"/>
+            </a:pPr>
+            <a:r>
+              <a:t>1. Sample with Forest Fire algorithm:</a:t>
+            </a:r>
+          </a:p>
+          <a:p>
+            <a:pPr>
+              <a:defRPr sz="2000"/>
+            </a:pPr>
+            <a:r>
+              <a:t>   $ atg scale-down algorithm --algorithm forest-fire --target-size 0.1</a:t>
+            </a:r>
+          </a:p>
+          <a:p>
+            <a:pPr>
+              <a:defRPr sz="2000"/>
+            </a:pPr>
+          </a:p>
+          <a:p>
+            <a:pPr>
+              <a:defRPr sz="2000"/>
+            </a:pPr>
+            <a:r>
+              <a:t>2. Or filter by pattern:</a:t>
+            </a:r>
+          </a:p>
+          <a:p>
+            <a:pPr>
+              <a:defRPr sz="2000"/>
+            </a:pPr>
+            <a:r>
+              <a:t>   $ atg scale-down pattern --pattern security</a:t>
+            </a:r>
+          </a:p>
+          <a:p>
+            <a:pPr>
+              <a:defRPr sz="2000"/>
+            </a:pPr>
+          </a:p>
+          <a:p>
+            <a:pPr>
+              <a:defRPr sz="2000"/>
+            </a:pPr>
+            <a:r>
+              <a:t>3. Export to file:</a:t>
+            </a:r>
+          </a:p>
+          <a:p>
+            <a:pPr>
+              <a:defRPr sz="2000"/>
+            </a:pPr>
+            <a:r>
+              <a:t>   --output-mode file --output-file subset.yaml</a:t>
+            </a:r>
+          </a:p>
+          <a:p>
+            <a:pPr>
+              <a:defRPr sz="2000"/>
+            </a:pPr>
+          </a:p>
+          <a:p>
+            <a:pPr>
+              <a:defRPr sz="2000"/>
+            </a:pPr>
+            <a:r>
+              <a:t>4. Or create new tenant:</a:t>
+            </a:r>
+          </a:p>
+          <a:p>
+            <a:pPr>
+              <a:defRPr sz="2000"/>
+            </a:pPr>
+            <a:r>
+              <a:t>   --output-mode new-tenant --new-tenant-name sample</a:t>
+            </a:r>
+          </a:p>
+        </p:txBody>
+      </p:sp>
+    </p:spTree>
+  </p:cSld>
+  <p:clrMapOvr>
+    <a:masterClrMapping/>
+  </p:clrMapOvr>
+</p:sld>
+</file>
+
+<file path=ppt/slides/slide12.xml><?xml version="1.0" encoding="utf-8"?>
+<p:sld xmlns:a="http://schemas.openxmlformats.org/drawingml/2006/main" xmlns:p="http://schemas.openxmlformats.org/presentationml/2006/main" xmlns:r="http://schemas.openxmlformats.org/officeDocument/2006/relationships">
+  <p:cSld>
+    <p:spTree>
+      <p:nvGrpSpPr>
+        <p:cNvPr id="1" name=""/>
+        <p:cNvGrpSpPr/>
+        <p:nvPr/>
+      </p:nvGrpSpPr>
+      <p:grpSpPr/>
+      <p:sp>
+        <p:nvSpPr>
+          <p:cNvPr id="2" name="Title 1"/>
+          <p:cNvSpPr>
+            <a:spLocks noGrp="1"/>
+          </p:cNvSpPr>
+          <p:nvPr>
+            <p:ph type="title"/>
+          </p:nvPr>
+        </p:nvSpPr>
+        <p:spPr/>
+        <p:txBody>
+          <a:bodyPr/>
+          <a:lstStyle/>
+          <a:p>
+            <a:r>
+              <a:t>Code: How Scale-Up Works</a:t>
+            </a:r>
+          </a:p>
+        </p:txBody>
+      </p:sp>
+      <p:sp>
+        <p:nvSpPr>
+          <p:cNvPr id="3" name="Content Placeholder 2"/>
+          <p:cNvSpPr>
+            <a:spLocks noGrp="1"/>
+          </p:cNvSpPr>
+          <p:nvPr>
+            <p:ph idx="1"/>
+          </p:nvPr>
+        </p:nvSpPr>
+        <p:spPr/>
+        <p:txBody>
+          <a:bodyPr/>
+          <a:lstStyle/>
+          <a:p/>
+          <a:p>
+            <a:pPr>
+              <a:defRPr sz="2000"/>
+            </a:pPr>
+            <a:r>
+              <a:t>ScaleUpService.scale_up_template():</a:t>
+            </a:r>
+          </a:p>
+          <a:p>
+            <a:pPr>
+              <a:defRPr sz="2000"/>
+            </a:pPr>
+            <a:r>
+              <a:t>  1. Validate tenant and parameters</a:t>
+            </a:r>
+          </a:p>
+          <a:p>
+            <a:pPr>
+              <a:defRPr sz="2000"/>
+            </a:pPr>
+            <a:r>
+              <a:t>  2. Query base resources (abstracted layer only)</a:t>
+            </a:r>
+          </a:p>
+          <a:p>
+            <a:pPr>
+              <a:defRPr sz="2000"/>
+            </a:pPr>
+            <a:r>
+              <a:t>  3. Generate synthetic IDs (synthetic-{type}-{uuid})</a:t>
+            </a:r>
+          </a:p>
+          <a:p>
+            <a:pPr>
+              <a:defRPr sz="2000"/>
+            </a:pPr>
+            <a:r>
+              <a:t>  4. Clone properties and add markers</a:t>
+            </a:r>
+          </a:p>
+          <a:p>
+            <a:pPr>
+              <a:defRPr sz="2000"/>
+            </a:pPr>
+            <a:r>
+              <a:t>  5. Batch insert nodes (adaptive batching)</a:t>
+            </a:r>
+          </a:p>
+          <a:p>
+            <a:pPr>
+              <a:defRPr sz="2000"/>
+            </a:pPr>
+            <a:r>
+              <a:t>  6. Duplicate relationships in abstracted graph</a:t>
+            </a:r>
+          </a:p>
+          <a:p>
+            <a:pPr>
+              <a:defRPr sz="2000"/>
+            </a:pPr>
+            <a:r>
+              <a:t>  7. Validate no :Original contamination</a:t>
+            </a:r>
+          </a:p>
+          <a:p>
+            <a:pPr>
+              <a:defRPr sz="2000"/>
+            </a:pPr>
+            <a:r>
+              <a:t>  8. Return metrics (nodes, relationships, time)</a:t>
+            </a:r>
+          </a:p>
+        </p:txBody>
+      </p:sp>
+    </p:spTree>
+  </p:cSld>
+  <p:clrMapOvr>
+    <a:masterClrMapping/>
+  </p:clrMapOvr>
+</p:sld>
+</file>
+
+<file path=ppt/slides/slide13.xml><?xml version="1.0" encoding="utf-8"?>
+<p:sld xmlns:a="http://schemas.openxmlformats.org/drawingml/2006/main" xmlns:p="http://schemas.openxmlformats.org/presentationml/2006/main" xmlns:r="http://schemas.openxmlformats.org/officeDocument/2006/relationships">
+  <p:cSld>
+    <p:spTree>
+      <p:nvGrpSpPr>
+        <p:cNvPr id="1" name=""/>
+        <p:cNvGrpSpPr/>
+        <p:nvPr/>
+      </p:nvGrpSpPr>
+      <p:grpSpPr/>
+      <p:sp>
+        <p:nvSpPr>
+          <p:cNvPr id="2" name="Title 1"/>
+          <p:cNvSpPr>
+            <a:spLocks noGrp="1"/>
+          </p:cNvSpPr>
+          <p:nvPr>
+            <p:ph type="title"/>
+          </p:nvPr>
+        </p:nvSpPr>
+        <p:spPr/>
+        <p:txBody>
+          <a:bodyPr/>
+          <a:lstStyle/>
+          <a:p>
+            <a:r>
+              <a:t>Code: How Scale-Down Works</a:t>
+            </a:r>
+          </a:p>
+        </p:txBody>
+      </p:sp>
+      <p:sp>
+        <p:nvSpPr>
+          <p:cNvPr id="3" name="Content Placeholder 2"/>
+          <p:cNvSpPr>
+            <a:spLocks noGrp="1"/>
+          </p:cNvSpPr>
+          <p:nvPr>
+            <p:ph idx="1"/>
+          </p:nvPr>
+        </p:nvSpPr>
+        <p:spPr/>
+        <p:txBody>
+          <a:bodyPr/>
+          <a:lstStyle/>
+          <a:p/>
+          <a:p>
+            <a:pPr>
+              <a:defRPr sz="2000"/>
+            </a:pPr>
+            <a:r>
+              <a:t>ScaleDownService.sample_graph():</a:t>
+            </a:r>
+          </a:p>
+          <a:p>
+            <a:pPr>
+              <a:defRPr sz="2000"/>
+            </a:pPr>
+            <a:r>
+              <a:t>  1. Extract Neo4j → NetworkX (streaming batches)</a:t>
+            </a:r>
+          </a:p>
+          <a:p>
+            <a:pPr>
+              <a:defRPr sz="2000"/>
+            </a:pPr>
+            <a:r>
+              <a:t>  2. Convert string IDs → integers (littleballoffur requirement)</a:t>
+            </a:r>
+          </a:p>
+          <a:p>
+            <a:pPr>
+              <a:defRPr sz="2000"/>
+            </a:pPr>
+            <a:r>
+              <a:t>  3. Apply sampling algorithm (Forest Fire/MHRW/Random Walk)</a:t>
+            </a:r>
+          </a:p>
+          <a:p>
+            <a:pPr>
+              <a:defRPr sz="2000"/>
+            </a:pPr>
+            <a:r>
+              <a:t>  4. Convert sampled integers → original string IDs</a:t>
+            </a:r>
+          </a:p>
+          <a:p>
+            <a:pPr>
+              <a:defRPr sz="2000"/>
+            </a:pPr>
+            <a:r>
+              <a:t>  5. Calculate quality metrics (degree distribution, clustering)</a:t>
+            </a:r>
+          </a:p>
+          <a:p>
+            <a:pPr>
+              <a:defRPr sz="2000"/>
+            </a:pPr>
+            <a:r>
+              <a:t>  6. Export sampled subset (YAML/JSON/IaC)</a:t>
+            </a:r>
+          </a:p>
+          <a:p>
+            <a:pPr>
+              <a:defRPr sz="2000"/>
+            </a:pPr>
+            <a:r>
+              <a:t>  7. Optionally create new tenant database</a:t>
+            </a:r>
+          </a:p>
+        </p:txBody>
+      </p:sp>
+    </p:spTree>
+  </p:cSld>
+  <p:clrMapOvr>
+    <a:masterClrMapping/>
+  </p:clrMapOvr>
+</p:sld>
+</file>
+
+<file path=ppt/slides/slide14.xml><?xml version="1.0" encoding="utf-8"?>
+<p:sld xmlns:a="http://schemas.openxmlformats.org/drawingml/2006/main" xmlns:p="http://schemas.openxmlformats.org/presentationml/2006/main" xmlns:r="http://schemas.openxmlformats.org/officeDocument/2006/relationships">
+  <p:cSld>
+    <p:spTree>
+      <p:nvGrpSpPr>
+        <p:cNvPr id="1" name=""/>
+        <p:cNvGrpSpPr/>
+        <p:nvPr/>
+      </p:nvGrpSpPr>
+      <p:grpSpPr/>
+      <p:sp>
+        <p:nvSpPr>
+          <p:cNvPr id="2" name="Title 1"/>
+          <p:cNvSpPr>
+            <a:spLocks noGrp="1"/>
+          </p:cNvSpPr>
+          <p:nvPr>
+            <p:ph type="title"/>
+          </p:nvPr>
+        </p:nvSpPr>
+        <p:spPr/>
+        <p:txBody>
+          <a:bodyPr/>
+          <a:lstStyle/>
+          <a:p>
+            <a:r>
+              <a:t>Performance &amp; Quality Metrics</a:t>
+            </a:r>
+          </a:p>
+        </p:txBody>
+      </p:sp>
+      <p:sp>
+        <p:nvSpPr>
+          <p:cNvPr id="3" name="Content Placeholder 2"/>
+          <p:cNvSpPr>
+            <a:spLocks noGrp="1"/>
+          </p:cNvSpPr>
+          <p:nvPr>
+            <p:ph idx="1"/>
+          </p:nvPr>
+        </p:nvSpPr>
+        <p:spPr/>
+        <p:txBody>
+          <a:bodyPr/>
+          <a:lstStyle/>
+          <a:p/>
+          <a:p>
+            <a:pPr>
+              <a:defRPr sz="2000"/>
+            </a:pPr>
+            <a:r>
+              <a:t>Testing:</a:t>
+            </a:r>
+          </a:p>
+          <a:p>
+            <a:pPr>
+              <a:defRPr sz="2000"/>
+            </a:pPr>
+            <a:r>
+              <a:t>  • 534 total tests (96% passing)</a:t>
+            </a:r>
+          </a:p>
+          <a:p>
+            <a:pPr>
+              <a:defRPr sz="2000"/>
+            </a:pPr>
+            <a:r>
+              <a:t>  • 77k resources scaled successfully</a:t>
+            </a:r>
+          </a:p>
+          <a:p>
+            <a:pPr>
+              <a:defRPr sz="2000"/>
+            </a:pPr>
+            <a:r>
+              <a:t>  • 329 resources/second peak throughput</a:t>
+            </a:r>
+          </a:p>
+          <a:p>
+            <a:pPr>
+              <a:defRPr sz="2000"/>
+            </a:pPr>
+          </a:p>
+          <a:p>
+            <a:pPr>
+              <a:defRPr sz="2000"/>
+            </a:pPr>
+            <a:r>
+              <a:t>Optimizations:</a:t>
+            </a:r>
+          </a:p>
+          <a:p>
+            <a:pPr>
+              <a:defRPr sz="2000"/>
+            </a:pPr>
+            <a:r>
+              <a:t>  • Adaptive batching (100-10,000)</a:t>
+            </a:r>
+          </a:p>
+          <a:p>
+            <a:pPr>
+              <a:defRPr sz="2000"/>
+            </a:pPr>
+            <a:r>
+              <a:t>  • Parallel processing (5 concurrent)</a:t>
+            </a:r>
+          </a:p>
+          <a:p>
+            <a:pPr>
+              <a:defRPr sz="2000"/>
+            </a:pPr>
+            <a:r>
+              <a:t>  • Neo4j indexes (6 critical paths)</a:t>
+            </a:r>
+          </a:p>
+          <a:p>
+            <a:pPr>
+              <a:defRPr sz="2000"/>
+            </a:pPr>
+          </a:p>
+          <a:p>
+            <a:pPr>
+              <a:defRPr sz="2000"/>
+            </a:pPr>
+            <a:r>
+              <a:t>Security: All Cypher injection vulnerabilities fixed</a:t>
+            </a:r>
+          </a:p>
+        </p:txBody>
+      </p:sp>
+    </p:spTree>
+  </p:cSld>
+  <p:clrMapOvr>
+    <a:masterClrMapping/>
+  </p:clrMapOvr>
+</p:sld>
+</file>
+
+<file path=ppt/slides/slide15.xml><?xml version="1.0" encoding="utf-8"?>
+<p:sld xmlns:a="http://schemas.openxmlformats.org/drawingml/2006/main" xmlns:p="http://schemas.openxmlformats.org/presentationml/2006/main" xmlns:r="http://schemas.openxmlformats.org/officeDocument/2006/relationships">
+  <p:cSld>
+    <p:spTree>
+      <p:nvGrpSpPr>
+        <p:cNvPr id="1" name=""/>
+        <p:cNvGrpSpPr/>
+        <p:nvPr/>
+      </p:nvGrpSpPr>
+      <p:grpSpPr/>
+      <p:sp>
+        <p:nvSpPr>
+          <p:cNvPr id="2" name="Title 1"/>
+          <p:cNvSpPr>
+            <a:spLocks noGrp="1"/>
+          </p:cNvSpPr>
+          <p:nvPr>
+            <p:ph type="title"/>
+          </p:nvPr>
+        </p:nvSpPr>
+        <p:spPr/>
+        <p:txBody>
+          <a:bodyPr/>
+          <a:lstStyle/>
+          <a:p>
+            <a:r>
+              <a:t>Opportunities for Enhancement</a:t>
+            </a:r>
+          </a:p>
+        </p:txBody>
+      </p:sp>
+      <p:sp>
+        <p:nvSpPr>
+          <p:cNvPr id="3" name="Content Placeholder 2"/>
+          <p:cNvSpPr>
+            <a:spLocks noGrp="1"/>
+          </p:cNvSpPr>
+          <p:nvPr>
+            <p:ph idx="1"/>
+          </p:nvPr>
+        </p:nvSpPr>
+        <p:spPr/>
+        <p:txBody>
+          <a:bodyPr/>
+          <a:lstStyle/>
+          <a:p/>
+          <a:p>
+            <a:pPr>
+              <a:defRPr sz="2000"/>
+            </a:pPr>
+            <a:r>
+              <a:t>Performance: Further optimization for &gt;100k resources</a:t>
+            </a:r>
+          </a:p>
+          <a:p>
+            <a:pPr>
+              <a:defRPr sz="2000"/>
+            </a:pPr>
+            <a:r>
+              <a:t>Algorithms: More sophisticated motif discovery (FANMOD/MODA)</a:t>
+            </a:r>
+          </a:p>
+          <a:p>
+            <a:pPr>
+              <a:defRPr sz="2000"/>
+            </a:pPr>
+            <a:r>
+              <a:t>Visualization: Additional graph view options</a:t>
+            </a:r>
+          </a:p>
+          <a:p>
+            <a:pPr>
+              <a:defRPr sz="2000"/>
+            </a:pPr>
+            <a:r>
+              <a:t>Testing: Expanded UI test scenarios</a:t>
+            </a:r>
+          </a:p>
+          <a:p>
+            <a:pPr>
+              <a:defRPr sz="2000"/>
+            </a:pPr>
+            <a:r>
+              <a:t>Feedback: Refinements based on real-world usage</a:t>
+            </a:r>
+          </a:p>
+          <a:p>
+            <a:pPr>
+              <a:defRPr sz="2000"/>
+            </a:pPr>
+          </a:p>
+          <a:p>
+            <a:pPr>
+              <a:defRPr sz="2000"/>
+            </a:pPr>
+            <a:r>
+              <a:t>This implementation provides a solid foundation with</a:t>
+            </a:r>
+          </a:p>
+          <a:p>
+            <a:pPr>
+              <a:defRPr sz="2000"/>
+            </a:pPr>
+            <a:r>
+              <a:t>room to grow based on actual deployment experience</a:t>
             </a:r>
           </a:p>
         </p:txBody>
@@ -3398,7 +3954,7 @@
           <a:lstStyle/>
           <a:p>
             <a:r>
-              <a:t>Implementation Overview</a:t>
+              <a:t>Implementation Scope</a:t>
             </a:r>
           </a:p>
         </p:txBody>
@@ -3420,7 +3976,7 @@
           <a:p/>
           <a:p>
             <a:pPr>
-              <a:defRPr sz="2200"/>
+              <a:defRPr sz="2000"/>
             </a:pPr>
             <a:r>
               <a:t>Scale-UP: Synthetic resource generation for testing</a:t>
@@ -3428,7 +3984,7 @@
           </a:p>
           <a:p>
             <a:pPr>
-              <a:defRPr sz="2200"/>
+              <a:defRPr sz="2000"/>
             </a:pPr>
             <a:r>
               <a:t>Scale-DOWN: Representative subset extraction</a:t>
@@ -3436,34 +3992,42 @@
           </a:p>
           <a:p>
             <a:pPr>
-              <a:defRPr sz="2200"/>
-            </a:pPr>
-            <a:r>
-              <a:t>7 CLI commands implemented</a:t>
-            </a:r>
-          </a:p>
-          <a:p>
-            <a:pPr>
-              <a:defRPr sz="2200"/>
-            </a:pPr>
-            <a:r>
-              <a:t>12 UI components built</a:t>
-            </a:r>
-          </a:p>
-          <a:p>
-            <a:pPr>
-              <a:defRPr sz="2200"/>
-            </a:pPr>
-            <a:r>
-              <a:t>Tested with real Azure tenant data</a:t>
-            </a:r>
-          </a:p>
-          <a:p>
-            <a:pPr>
-              <a:defRPr sz="2200"/>
-            </a:pPr>
-            <a:r>
-              <a:t>Further improvements and optimizations planned</a:t>
+              <a:defRPr sz="2000"/>
+            </a:pPr>
+            <a:r>
+              <a:t>Services: 7 Python services with comprehensive functionality</a:t>
+            </a:r>
+          </a:p>
+          <a:p>
+            <a:pPr>
+              <a:defRPr sz="2000"/>
+            </a:pPr>
+            <a:r>
+              <a:t>CLI: 7 commands for all operations</a:t>
+            </a:r>
+          </a:p>
+          <a:p>
+            <a:pPr>
+              <a:defRPr sz="2000"/>
+            </a:pPr>
+            <a:r>
+              <a:t>UI: 12 React components with real-time updates</a:t>
+            </a:r>
+          </a:p>
+          <a:p>
+            <a:pPr>
+              <a:defRPr sz="2000"/>
+            </a:pPr>
+            <a:r>
+              <a:t>Testing: 534 tests across multiple frameworks</a:t>
+            </a:r>
+          </a:p>
+          <a:p>
+            <a:pPr>
+              <a:defRPr sz="2000"/>
+            </a:pPr>
+            <a:r>
+              <a:t>Documentation: 40+ comprehensive guides</a:t>
             </a:r>
           </a:p>
         </p:txBody>
@@ -3494,7 +4058,62 @@
         </p:nvSpPr>
         <p:spPr>
           <a:xfrm>
-            <a:off x="457200" y="274320"/>
+            <a:off x="457200" y="182880"/>
+            <a:ext cx="13716000" cy="548640"/>
+          </a:xfrm>
+          <a:prstGeom prst="rect">
+            <a:avLst/>
+          </a:prstGeom>
+          <a:noFill/>
+        </p:spPr>
+        <p:txBody>
+          <a:bodyPr wrap="none">
+            <a:spAutoFit/>
+          </a:bodyPr>
+          <a:lstStyle/>
+          <a:p>
+            <a:pPr>
+              <a:defRPr sz="3200" b="1"/>
+            </a:pPr>
+            <a:r>
+              <a:t>Architecture: Dual-Graph Design</a:t>
+            </a:r>
+          </a:p>
+        </p:txBody>
+      </p:sp>
+      <p:pic>
+        <p:nvPicPr>
+          <p:cNvPr id="3" name="Picture 2" descr="dual-graph-architecture.png"/>
+          <p:cNvPicPr>
+            <a:picLocks noChangeAspect="1"/>
+          </p:cNvPicPr>
+          <p:nvPr/>
+        </p:nvPicPr>
+        <p:blipFill>
+          <a:blip r:embed="rId2"/>
+          <a:stretch>
+            <a:fillRect/>
+          </a:stretch>
+        </p:blipFill>
+        <p:spPr>
+          <a:xfrm>
+            <a:off x="457200" y="914400"/>
+            <a:ext cx="13716000" cy="5100277"/>
+          </a:xfrm>
+          <a:prstGeom prst="rect">
+            <a:avLst/>
+          </a:prstGeom>
+        </p:spPr>
+      </p:pic>
+      <p:sp>
+        <p:nvSpPr>
+          <p:cNvPr id="4" name="TextBox 3"/>
+          <p:cNvSpPr txBox="1"/>
+          <p:nvPr/>
+        </p:nvSpPr>
+        <p:spPr>
+          <a:xfrm>
+            <a:off x="457200" y="7315200"/>
             <a:ext cx="13716000" cy="731520"/>
           </a:xfrm>
           <a:prstGeom prst="rect">
@@ -3509,121 +4128,12 @@
           <a:lstStyle/>
           <a:p>
             <a:pPr>
-              <a:defRPr sz="3600" b="1"/>
-            </a:pPr>
-            <a:r>
-              <a:t>Dual-Graph Architecture</a:t>
-            </a:r>
-          </a:p>
-        </p:txBody>
-      </p:sp>
-      <p:sp>
-        <p:nvSpPr>
-          <p:cNvPr id="3" name="TextBox 2"/>
-          <p:cNvSpPr txBox="1"/>
-          <p:nvPr/>
-        </p:nvSpPr>
-        <p:spPr>
-          <a:xfrm>
-            <a:off x="914400" y="1371600"/>
-            <a:ext cx="12801600" cy="5943600"/>
-          </a:xfrm>
-          <a:prstGeom prst="rect">
-            <a:avLst/>
-          </a:prstGeom>
-          <a:noFill/>
-        </p:spPr>
-        <p:txBody>
-          <a:bodyPr wrap="none">
-            <a:spAutoFit/>
-          </a:bodyPr>
-          <a:lstStyle/>
-          <a:p>
-            <a:pPr>
-              <a:defRPr sz="1600">
-                <a:latin typeface="Courier New"/>
-              </a:defRPr>
-            </a:pPr>
-            <a:r>
-              <a:t>┌─────────────────────────────────────────────┐</a:t>
-            </a:r>
-          </a:p>
-          <a:p>
-            <a:r>
-              <a:t>│         ORIGINAL LAYER (Immutable)          │</a:t>
-            </a:r>
-          </a:p>
-          <a:p>
-            <a:r>
-              <a:t>│    :Resource:Original - Real Azure IDs      │</a:t>
-            </a:r>
-          </a:p>
-          <a:p>
-            <a:r>
-              <a:t>│    /subscriptions/.../virtualMachines/vm1   │</a:t>
-            </a:r>
-          </a:p>
-          <a:p>
-            <a:r>
-              <a:t>└──────────────┬──────────────────────────────┘</a:t>
-            </a:r>
-          </a:p>
-          <a:p>
-            <a:r>
-              <a:t>               │ SCAN_SOURCE_NODE</a:t>
-            </a:r>
-          </a:p>
-          <a:p>
-            <a:r>
-              <a:t>               │ (Links abstracted→original)</a:t>
-            </a:r>
-          </a:p>
-          <a:p>
-            <a:r>
-              <a:t>               ↓</a:t>
-            </a:r>
-          </a:p>
-          <a:p>
-            <a:r>
-              <a:t>┌──────────────────────────────────────────────┐</a:t>
-            </a:r>
-          </a:p>
-          <a:p>
-            <a:r>
-              <a:t>│       ABSTRACTED LAYER (Scale Target)        │</a:t>
-            </a:r>
-          </a:p>
-          <a:p>
-            <a:r>
-              <a:t>│    :Resource - Hash IDs + Synthetic          │</a:t>
-            </a:r>
-          </a:p>
-          <a:p>
-            <a:r>
-              <a:t>│    vm-a1b2c3d4 (real) + synthetic-vm-xyz     │</a:t>
-            </a:r>
-          </a:p>
-          <a:p>
-            <a:r>
-              <a:t>└──────────────────────────────────────────────┘</a:t>
-            </a:r>
-          </a:p>
-          <a:p>
-            <a:r>
-              <a:t>               ↓</a:t>
-            </a:r>
-          </a:p>
-          <a:p>
-            <a:r>
-              <a:t>       Scale Operations Work Here</a:t>
-            </a:r>
-          </a:p>
-          <a:p>
-            <a:r>
-              <a:t>       (Never touch Original layer)</a:t>
-            </a:r>
-          </a:p>
-          <a:p/>
+              <a:defRPr sz="1400"/>
+            </a:pPr>
+            <a:r>
+              <a:t>Scale operations work only on abstracted layer, preserving original scan data</a:t>
+            </a:r>
+          </a:p>
         </p:txBody>
       </p:sp>
     </p:spTree>
@@ -3646,117 +4156,86 @@
       <p:grpSpPr/>
       <p:sp>
         <p:nvSpPr>
-          <p:cNvPr id="2" name="Title 1"/>
-          <p:cNvSpPr>
-            <a:spLocks noGrp="1"/>
-          </p:cNvSpPr>
-          <p:nvPr>
-            <p:ph type="title"/>
-          </p:nvPr>
-        </p:nvSpPr>
-        <p:spPr/>
-        <p:txBody>
-          <a:bodyPr/>
-          <a:lstStyle/>
-          <a:p>
-            <a:r>
-              <a:t>CLI Tutorial: Scale-Up</a:t>
-            </a:r>
-          </a:p>
-        </p:txBody>
-      </p:sp>
-      <p:sp>
-        <p:nvSpPr>
-          <p:cNvPr id="3" name="Content Placeholder 2"/>
-          <p:cNvSpPr>
-            <a:spLocks noGrp="1"/>
-          </p:cNvSpPr>
-          <p:nvPr>
-            <p:ph idx="1"/>
-          </p:nvPr>
-        </p:nvSpPr>
-        <p:spPr/>
-        <p:txBody>
-          <a:bodyPr/>
-          <a:lstStyle/>
-          <a:p/>
-          <a:p>
-            <a:pPr>
-              <a:defRPr sz="2200"/>
-            </a:pPr>
-            <a:r>
-              <a:t>Step 1: Check current graph state</a:t>
-            </a:r>
-          </a:p>
-          <a:p>
-            <a:pPr>
-              <a:defRPr sz="2200"/>
-            </a:pPr>
-            <a:r>
-              <a:t>  $ atg scale-stats --tenant-id &lt;ID&gt;</a:t>
-            </a:r>
-          </a:p>
-          <a:p>
-            <a:pPr>
-              <a:defRPr sz="2200"/>
-            </a:pPr>
-          </a:p>
-          <a:p>
-            <a:pPr>
-              <a:defRPr sz="2200"/>
-            </a:pPr>
-            <a:r>
-              <a:t>Step 2: Create template or use scenario</a:t>
-            </a:r>
-          </a:p>
-          <a:p>
-            <a:pPr>
-              <a:defRPr sz="2200"/>
-            </a:pPr>
-            <a:r>
-              <a:t>  $ atg scale-up scenario --scenario hub-spoke --spokes 5</a:t>
-            </a:r>
-          </a:p>
-          <a:p>
-            <a:pPr>
-              <a:defRPr sz="2200"/>
-            </a:pPr>
-          </a:p>
-          <a:p>
-            <a:pPr>
-              <a:defRPr sz="2200"/>
-            </a:pPr>
-            <a:r>
-              <a:t>Step 3: Validate results</a:t>
-            </a:r>
-          </a:p>
-          <a:p>
-            <a:pPr>
-              <a:defRPr sz="2200"/>
-            </a:pPr>
-            <a:r>
-              <a:t>  $ atg scale-validate --check all</a:t>
-            </a:r>
-          </a:p>
-          <a:p>
-            <a:pPr>
-              <a:defRPr sz="2200"/>
-            </a:pPr>
-          </a:p>
-          <a:p>
-            <a:pPr>
-              <a:defRPr sz="2200"/>
-            </a:pPr>
-            <a:r>
-              <a:t>Step 4: View statistics</a:t>
-            </a:r>
-          </a:p>
-          <a:p>
-            <a:pPr>
-              <a:defRPr sz="2200"/>
-            </a:pPr>
-            <a:r>
-              <a:t>  $ atg scale-stats --detailed</a:t>
+          <p:cNvPr id="2" name="TextBox 1"/>
+          <p:cNvSpPr txBox="1"/>
+          <p:nvPr/>
+        </p:nvSpPr>
+        <p:spPr>
+          <a:xfrm>
+            <a:off x="457200" y="182880"/>
+            <a:ext cx="13716000" cy="548640"/>
+          </a:xfrm>
+          <a:prstGeom prst="rect">
+            <a:avLst/>
+          </a:prstGeom>
+          <a:noFill/>
+        </p:spPr>
+        <p:txBody>
+          <a:bodyPr wrap="none">
+            <a:spAutoFit/>
+          </a:bodyPr>
+          <a:lstStyle/>
+          <a:p>
+            <a:pPr>
+              <a:defRPr sz="3200" b="1"/>
+            </a:pPr>
+            <a:r>
+              <a:t>Scale-Up Operation Flow</a:t>
+            </a:r>
+          </a:p>
+        </p:txBody>
+      </p:sp>
+      <p:pic>
+        <p:nvPicPr>
+          <p:cNvPr id="3" name="Picture 2" descr="scale-up-sequence.png"/>
+          <p:cNvPicPr>
+            <a:picLocks noChangeAspect="1"/>
+          </p:cNvPicPr>
+          <p:nvPr/>
+        </p:nvPicPr>
+        <p:blipFill>
+          <a:blip r:embed="rId2"/>
+          <a:stretch>
+            <a:fillRect/>
+          </a:stretch>
+        </p:blipFill>
+        <p:spPr>
+          <a:xfrm>
+            <a:off x="457200" y="914400"/>
+            <a:ext cx="13716000" cy="21949922"/>
+          </a:xfrm>
+          <a:prstGeom prst="rect">
+            <a:avLst/>
+          </a:prstGeom>
+        </p:spPr>
+      </p:pic>
+      <p:sp>
+        <p:nvSpPr>
+          <p:cNvPr id="4" name="TextBox 3"/>
+          <p:cNvSpPr txBox="1"/>
+          <p:nvPr/>
+        </p:nvSpPr>
+        <p:spPr>
+          <a:xfrm>
+            <a:off x="457200" y="7315200"/>
+            <a:ext cx="13716000" cy="731520"/>
+          </a:xfrm>
+          <a:prstGeom prst="rect">
+            <a:avLst/>
+          </a:prstGeom>
+          <a:noFill/>
+        </p:spPr>
+        <p:txBody>
+          <a:bodyPr wrap="none">
+            <a:spAutoFit/>
+          </a:bodyPr>
+          <a:lstStyle/>
+          <a:p>
+            <a:pPr>
+              <a:defRPr sz="1400"/>
+            </a:pPr>
+            <a:r>
+              <a:t>Complete sequence from CLI command to validated results</a:t>
             </a:r>
           </a:p>
         </p:txBody>
@@ -3781,117 +4260,86 @@
       <p:grpSpPr/>
       <p:sp>
         <p:nvSpPr>
-          <p:cNvPr id="2" name="Title 1"/>
-          <p:cNvSpPr>
-            <a:spLocks noGrp="1"/>
-          </p:cNvSpPr>
-          <p:nvPr>
-            <p:ph type="title"/>
-          </p:nvPr>
-        </p:nvSpPr>
-        <p:spPr/>
-        <p:txBody>
-          <a:bodyPr/>
-          <a:lstStyle/>
-          <a:p>
-            <a:r>
-              <a:t>CLI Tutorial: Scale-Down</a:t>
-            </a:r>
-          </a:p>
-        </p:txBody>
-      </p:sp>
-      <p:sp>
-        <p:nvSpPr>
-          <p:cNvPr id="3" name="Content Placeholder 2"/>
-          <p:cNvSpPr>
-            <a:spLocks noGrp="1"/>
-          </p:cNvSpPr>
-          <p:nvPr>
-            <p:ph idx="1"/>
-          </p:nvPr>
-        </p:nvSpPr>
-        <p:spPr/>
-        <p:txBody>
-          <a:bodyPr/>
-          <a:lstStyle/>
-          <a:p/>
-          <a:p>
-            <a:pPr>
-              <a:defRPr sz="2200"/>
-            </a:pPr>
-            <a:r>
-              <a:t>Step 1: Choose sampling algorithm</a:t>
-            </a:r>
-          </a:p>
-          <a:p>
-            <a:pPr>
-              <a:defRPr sz="2200"/>
-            </a:pPr>
-            <a:r>
-              <a:t>  $ atg scale-down algorithm --algorithm forest-fire --target-size 0.1</a:t>
-            </a:r>
-          </a:p>
-          <a:p>
-            <a:pPr>
-              <a:defRPr sz="2200"/>
-            </a:pPr>
-          </a:p>
-          <a:p>
-            <a:pPr>
-              <a:defRPr sz="2200"/>
-            </a:pPr>
-            <a:r>
-              <a:t>Step 2: Export subset</a:t>
-            </a:r>
-          </a:p>
-          <a:p>
-            <a:pPr>
-              <a:defRPr sz="2200"/>
-            </a:pPr>
-            <a:r>
-              <a:t>  --output-mode file --output-file subset.yaml</a:t>
-            </a:r>
-          </a:p>
-          <a:p>
-            <a:pPr>
-              <a:defRPr sz="2200"/>
-            </a:pPr>
-          </a:p>
-          <a:p>
-            <a:pPr>
-              <a:defRPr sz="2200"/>
-            </a:pPr>
-            <a:r>
-              <a:t>Step 3: Or create new tenant</a:t>
-            </a:r>
-          </a:p>
-          <a:p>
-            <a:pPr>
-              <a:defRPr sz="2200"/>
-            </a:pPr>
-            <a:r>
-              <a:t>  --output-mode new-tenant --new-tenant-name sample</a:t>
-            </a:r>
-          </a:p>
-          <a:p>
-            <a:pPr>
-              <a:defRPr sz="2200"/>
-            </a:pPr>
-          </a:p>
-          <a:p>
-            <a:pPr>
-              <a:defRPr sz="2200"/>
-            </a:pPr>
-            <a:r>
-              <a:t>Step 4: Validate sample quality</a:t>
-            </a:r>
-          </a:p>
-          <a:p>
-            <a:pPr>
-              <a:defRPr sz="2200"/>
-            </a:pPr>
-            <a:r>
-              <a:t>  Metrics include degree distribution, clustering coefficient</a:t>
+          <p:cNvPr id="2" name="TextBox 1"/>
+          <p:cNvSpPr txBox="1"/>
+          <p:nvPr/>
+        </p:nvSpPr>
+        <p:spPr>
+          <a:xfrm>
+            <a:off x="457200" y="182880"/>
+            <a:ext cx="13716000" cy="548640"/>
+          </a:xfrm>
+          <a:prstGeom prst="rect">
+            <a:avLst/>
+          </a:prstGeom>
+          <a:noFill/>
+        </p:spPr>
+        <p:txBody>
+          <a:bodyPr wrap="none">
+            <a:spAutoFit/>
+          </a:bodyPr>
+          <a:lstStyle/>
+          <a:p>
+            <a:pPr>
+              <a:defRPr sz="3200" b="1"/>
+            </a:pPr>
+            <a:r>
+              <a:t>Scale-Down Pipeline</a:t>
+            </a:r>
+          </a:p>
+        </p:txBody>
+      </p:sp>
+      <p:pic>
+        <p:nvPicPr>
+          <p:cNvPr id="3" name="Picture 2" descr="scale-down-pipeline.png"/>
+          <p:cNvPicPr>
+            <a:picLocks noChangeAspect="1"/>
+          </p:cNvPicPr>
+          <p:nvPr/>
+        </p:nvPicPr>
+        <p:blipFill>
+          <a:blip r:embed="rId2"/>
+          <a:stretch>
+            <a:fillRect/>
+          </a:stretch>
+        </p:blipFill>
+        <p:spPr>
+          <a:xfrm>
+            <a:off x="457200" y="914400"/>
+            <a:ext cx="13716000" cy="4437529"/>
+          </a:xfrm>
+          <a:prstGeom prst="rect">
+            <a:avLst/>
+          </a:prstGeom>
+        </p:spPr>
+      </p:pic>
+      <p:sp>
+        <p:nvSpPr>
+          <p:cNvPr id="4" name="TextBox 3"/>
+          <p:cNvSpPr txBox="1"/>
+          <p:nvPr/>
+        </p:nvSpPr>
+        <p:spPr>
+          <a:xfrm>
+            <a:off x="457200" y="7315200"/>
+            <a:ext cx="13716000" cy="731520"/>
+          </a:xfrm>
+          <a:prstGeom prst="rect">
+            <a:avLst/>
+          </a:prstGeom>
+          <a:noFill/>
+        </p:spPr>
+        <p:txBody>
+          <a:bodyPr wrap="none">
+            <a:spAutoFit/>
+          </a:bodyPr>
+          <a:lstStyle/>
+          <a:p>
+            <a:pPr>
+              <a:defRPr sz="1400"/>
+            </a:pPr>
+            <a:r>
+              <a:t>Four-stage pipeline: Extract → Sample → Validate → Export</a:t>
             </a:r>
           </a:p>
         </p:txBody>
@@ -3916,99 +4364,86 @@
       <p:grpSpPr/>
       <p:sp>
         <p:nvSpPr>
-          <p:cNvPr id="2" name="Title 1"/>
-          <p:cNvSpPr>
-            <a:spLocks noGrp="1"/>
-          </p:cNvSpPr>
-          <p:nvPr>
-            <p:ph type="title"/>
-          </p:nvPr>
-        </p:nvSpPr>
-        <p:spPr/>
-        <p:txBody>
-          <a:bodyPr/>
-          <a:lstStyle/>
-          <a:p>
-            <a:r>
-              <a:t>Integration Test Evidence</a:t>
-            </a:r>
-          </a:p>
-        </p:txBody>
-      </p:sp>
-      <p:sp>
-        <p:nvSpPr>
-          <p:cNvPr id="3" name="Content Placeholder 2"/>
-          <p:cNvSpPr>
-            <a:spLocks noGrp="1"/>
-          </p:cNvSpPr>
-          <p:nvPr>
-            <p:ph idx="1"/>
-          </p:nvPr>
-        </p:nvSpPr>
-        <p:spPr/>
-        <p:txBody>
-          <a:bodyPr/>
-          <a:lstStyle/>
-          <a:p/>
-          <a:p>
-            <a:pPr>
-              <a:defRPr sz="2200"/>
-            </a:pPr>
-            <a:r>
-              <a:t>Real scale-up test on DefenderATEVET17:</a:t>
-            </a:r>
-          </a:p>
-          <a:p>
-            <a:pPr>
-              <a:defRPr sz="2200"/>
-            </a:pPr>
-            <a:r>
-              <a:t>  • Baseline: 4,092 abstracted resources</a:t>
-            </a:r>
-          </a:p>
-          <a:p>
-            <a:pPr>
-              <a:defRPr sz="2200"/>
-            </a:pPr>
-            <a:r>
-              <a:t>  • After 10x scale: 41,205 resources</a:t>
-            </a:r>
-          </a:p>
-          <a:p>
-            <a:pPr>
-              <a:defRPr sz="2200"/>
-            </a:pPr>
-            <a:r>
-              <a:t>  • Synthetic created: 38,439 resources</a:t>
-            </a:r>
-          </a:p>
-          <a:p>
-            <a:pPr>
-              <a:defRPr sz="2200"/>
-            </a:pPr>
-            <a:r>
-              <a:t>  • Performance: 329 resources/second peak</a:t>
-            </a:r>
-          </a:p>
-          <a:p>
-            <a:pPr>
-              <a:defRPr sz="2200"/>
-            </a:pPr>
-            <a:r>
-              <a:t>  • Validation: All checks passed</a:t>
-            </a:r>
-          </a:p>
-          <a:p>
-            <a:pPr>
-              <a:defRPr sz="2200"/>
-            </a:pPr>
-          </a:p>
-          <a:p>
-            <a:pPr>
-              <a:defRPr sz="2200"/>
-            </a:pPr>
-            <a:r>
-              <a:t>Evidence available in integration-test-evidence/ directory</a:t>
+          <p:cNvPr id="2" name="TextBox 1"/>
+          <p:cNvSpPr txBox="1"/>
+          <p:nvPr/>
+        </p:nvSpPr>
+        <p:spPr>
+          <a:xfrm>
+            <a:off x="457200" y="182880"/>
+            <a:ext cx="13716000" cy="548640"/>
+          </a:xfrm>
+          <a:prstGeom prst="rect">
+            <a:avLst/>
+          </a:prstGeom>
+          <a:noFill/>
+        </p:spPr>
+        <p:txBody>
+          <a:bodyPr wrap="none">
+            <a:spAutoFit/>
+          </a:bodyPr>
+          <a:lstStyle/>
+          <a:p>
+            <a:pPr>
+              <a:defRPr sz="3200" b="1"/>
+            </a:pPr>
+            <a:r>
+              <a:t>Component Architecture</a:t>
+            </a:r>
+          </a:p>
+        </p:txBody>
+      </p:sp>
+      <p:pic>
+        <p:nvPicPr>
+          <p:cNvPr id="3" name="Picture 2" descr="component-architecture.png"/>
+          <p:cNvPicPr>
+            <a:picLocks noChangeAspect="1"/>
+          </p:cNvPicPr>
+          <p:nvPr/>
+        </p:nvPicPr>
+        <p:blipFill>
+          <a:blip r:embed="rId2"/>
+          <a:stretch>
+            <a:fillRect/>
+          </a:stretch>
+        </p:blipFill>
+        <p:spPr>
+          <a:xfrm>
+            <a:off x="457200" y="914400"/>
+            <a:ext cx="13716000" cy="2672603"/>
+          </a:xfrm>
+          <a:prstGeom prst="rect">
+            <a:avLst/>
+          </a:prstGeom>
+        </p:spPr>
+      </p:pic>
+      <p:sp>
+        <p:nvSpPr>
+          <p:cNvPr id="4" name="TextBox 3"/>
+          <p:cNvSpPr txBox="1"/>
+          <p:nvPr/>
+        </p:nvSpPr>
+        <p:spPr>
+          <a:xfrm>
+            <a:off x="457200" y="7315200"/>
+            <a:ext cx="13716000" cy="731520"/>
+          </a:xfrm>
+          <a:prstGeom prst="rect">
+            <a:avLst/>
+          </a:prstGeom>
+          <a:noFill/>
+        </p:spPr>
+        <p:txBody>
+          <a:bodyPr wrap="none">
+            <a:spAutoFit/>
+          </a:bodyPr>
+          <a:lstStyle/>
+          <a:p>
+            <a:pPr>
+              <a:defRPr sz="1400"/>
+            </a:pPr>
+            <a:r>
+              <a:t>Service hierarchy and dependencies</a:t>
             </a:r>
           </a:p>
         </p:txBody>
@@ -4047,7 +4482,7 @@
           <a:lstStyle/>
           <a:p>
             <a:r>
-              <a:t>Testing Approach</a:t>
+              <a:t>Integration Test: Baseline State</a:t>
             </a:r>
           </a:p>
         </p:txBody>
@@ -4069,50 +4504,68 @@
           <a:p/>
           <a:p>
             <a:pPr>
-              <a:defRPr sz="2200"/>
-            </a:pPr>
-            <a:r>
-              <a:t>Unit Tests: 231 tests covering services and utilities</a:t>
-            </a:r>
-          </a:p>
-          <a:p>
-            <a:pPr>
-              <a:defRPr sz="2200"/>
-            </a:pPr>
-            <a:r>
-              <a:t>Integration Tests: 20 tests with real Neo4j database</a:t>
-            </a:r>
-          </a:p>
-          <a:p>
-            <a:pPr>
-              <a:defRPr sz="2200"/>
-            </a:pPr>
-            <a:r>
-              <a:t>E2E Tests: 64 gadugi-agentic-test CLI scenarios</a:t>
-            </a:r>
-          </a:p>
-          <a:p>
-            <a:pPr>
-              <a:defRPr sz="2200"/>
-            </a:pPr>
-            <a:r>
-              <a:t>UI Tests: 165 Playwright tests for React components</a:t>
-            </a:r>
-          </a:p>
-          <a:p>
-            <a:pPr>
-              <a:defRPr sz="2200"/>
-            </a:pPr>
-            <a:r>
-              <a:t>Security Tests: 25 injection prevention tests</a:t>
-            </a:r>
-          </a:p>
-          <a:p>
-            <a:pPr>
-              <a:defRPr sz="2200"/>
-            </a:pPr>
-            <a:r>
-              <a:t>Real Data: Tested with actual Azure tenant (DefenderATEVET17)</a:t>
+              <a:defRPr sz="2000"/>
+            </a:pPr>
+            <a:r>
+              <a:t>DefenderATEVET17 Tenant (Before Scale Operations):</a:t>
+            </a:r>
+          </a:p>
+          <a:p>
+            <a:pPr>
+              <a:defRPr sz="2000"/>
+            </a:pPr>
+          </a:p>
+          <a:p>
+            <a:pPr>
+              <a:defRPr sz="2000"/>
+            </a:pPr>
+            <a:r>
+              <a:t>  • Original resources: 2,936</a:t>
+            </a:r>
+          </a:p>
+          <a:p>
+            <a:pPr>
+              <a:defRPr sz="2000"/>
+            </a:pPr>
+            <a:r>
+              <a:t>  • Abstracted resources: 2,766</a:t>
+            </a:r>
+          </a:p>
+          <a:p>
+            <a:pPr>
+              <a:defRPr sz="2000"/>
+            </a:pPr>
+            <a:r>
+              <a:t>  • Synthetic resources: 0</a:t>
+            </a:r>
+          </a:p>
+          <a:p>
+            <a:pPr>
+              <a:defRPr sz="2000"/>
+            </a:pPr>
+            <a:r>
+              <a:t>  • Total relationships: 6,825</a:t>
+            </a:r>
+          </a:p>
+          <a:p>
+            <a:pPr>
+              <a:defRPr sz="2000"/>
+            </a:pPr>
+          </a:p>
+          <a:p>
+            <a:pPr>
+              <a:defRPr sz="2000"/>
+            </a:pPr>
+            <a:r>
+              <a:t>Resource types: VMs, VNets, NSGs, Storage, Entra ID, etc.</a:t>
+            </a:r>
+          </a:p>
+          <a:p>
+            <a:pPr>
+              <a:defRPr sz="2000"/>
+            </a:pPr>
+            <a:r>
+              <a:t>This represents a real production Azure tenant</a:t>
             </a:r>
           </a:p>
         </p:txBody>
@@ -4151,7 +4604,7 @@
           <a:lstStyle/>
           <a:p>
             <a:r>
-              <a:t>Known Limitations &amp; Areas for Improvement</a:t>
+              <a:t>Integration Test: After 10x Scale-Up</a:t>
             </a:r>
           </a:p>
         </p:txBody>
@@ -4173,50 +4626,76 @@
           <a:p/>
           <a:p>
             <a:pPr>
-              <a:defRPr sz="2200"/>
-            </a:pPr>
-            <a:r>
-              <a:t>Performance could be optimized further for graphs &gt;100k resources</a:t>
-            </a:r>
-          </a:p>
-          <a:p>
-            <a:pPr>
-              <a:defRPr sz="2200"/>
-            </a:pPr>
-            <a:r>
-              <a:t>Motif discovery uses simplified algorithm (FANMOD/MODA could enhance)</a:t>
-            </a:r>
-          </a:p>
-          <a:p>
-            <a:pPr>
-              <a:defRPr sz="2200"/>
-            </a:pPr>
-            <a:r>
-              <a:t>Some UI test scenarios require running backend</a:t>
-            </a:r>
-          </a:p>
-          <a:p>
-            <a:pPr>
-              <a:defRPr sz="2200"/>
-            </a:pPr>
-            <a:r>
-              <a:t>littleballoffur library has constraints on node ID formats</a:t>
-            </a:r>
-          </a:p>
-          <a:p>
-            <a:pPr>
-              <a:defRPr sz="2200"/>
-            </a:pPr>
-            <a:r>
-              <a:t>Additional visualization options could be beneficial</a:t>
-            </a:r>
-          </a:p>
-          <a:p>
-            <a:pPr>
-              <a:defRPr sz="2200"/>
-            </a:pPr>
-            <a:r>
-              <a:t>Real-world usage will reveal further refinements needed</a:t>
+              <a:defRPr sz="2000"/>
+            </a:pPr>
+            <a:r>
+              <a:t>DefenderATEVET17 Tenant (After Scale Operations):</a:t>
+            </a:r>
+          </a:p>
+          <a:p>
+            <a:pPr>
+              <a:defRPr sz="2000"/>
+            </a:pPr>
+          </a:p>
+          <a:p>
+            <a:pPr>
+              <a:defRPr sz="2000"/>
+            </a:pPr>
+            <a:r>
+              <a:t>  • Original resources: 2,936 (unchanged)</a:t>
+            </a:r>
+          </a:p>
+          <a:p>
+            <a:pPr>
+              <a:defRPr sz="2000"/>
+            </a:pPr>
+            <a:r>
+              <a:t>  • Abstracted (real): 2,766 (unchanged)</a:t>
+            </a:r>
+          </a:p>
+          <a:p>
+            <a:pPr>
+              <a:defRPr sz="2000"/>
+            </a:pPr>
+            <a:r>
+              <a:t>  • Synthetic resources: 74,397 (created)</a:t>
+            </a:r>
+          </a:p>
+          <a:p>
+            <a:pPr>
+              <a:defRPr sz="2000"/>
+            </a:pPr>
+            <a:r>
+              <a:t>  • Total abstracted: 77,163 (27x growth)</a:t>
+            </a:r>
+          </a:p>
+          <a:p>
+            <a:pPr>
+              <a:defRPr sz="2000"/>
+            </a:pPr>
+          </a:p>
+          <a:p>
+            <a:pPr>
+              <a:defRPr sz="2000"/>
+            </a:pPr>
+            <a:r>
+              <a:t>Peak throughput: 329 resources/second</a:t>
+            </a:r>
+          </a:p>
+          <a:p>
+            <a:pPr>
+              <a:defRPr sz="2000"/>
+            </a:pPr>
+            <a:r>
+              <a:t>Validation: All checks passed</a:t>
+            </a:r>
+          </a:p>
+          <a:p>
+            <a:pPr>
+              <a:defRPr sz="2000"/>
+            </a:pPr>
+            <a:r>
+              <a:t>Evidence: integration-test-evidence/ directory</a:t>
             </a:r>
           </a:p>
         </p:txBody>
@@ -4241,137 +4720,106 @@
       <p:grpSpPr/>
       <p:sp>
         <p:nvSpPr>
-          <p:cNvPr id="2" name="TextBox 1"/>
-          <p:cNvSpPr txBox="1"/>
-          <p:nvPr/>
-        </p:nvSpPr>
-        <p:spPr>
-          <a:xfrm>
-            <a:off x="457200" y="274320"/>
-            <a:ext cx="13716000" cy="731520"/>
-          </a:xfrm>
-          <a:prstGeom prst="rect">
-            <a:avLst/>
-          </a:prstGeom>
-          <a:noFill/>
-        </p:spPr>
-        <p:txBody>
-          <a:bodyPr wrap="none">
-            <a:spAutoFit/>
-          </a:bodyPr>
-          <a:lstStyle/>
-          <a:p>
-            <a:pPr>
-              <a:defRPr sz="3600" b="1"/>
-            </a:pPr>
-            <a:r>
-              <a:t>Scale-Up Operation Flow</a:t>
-            </a:r>
-          </a:p>
-        </p:txBody>
-      </p:sp>
-      <p:sp>
-        <p:nvSpPr>
-          <p:cNvPr id="3" name="TextBox 2"/>
-          <p:cNvSpPr txBox="1"/>
-          <p:nvPr/>
-        </p:nvSpPr>
-        <p:spPr>
-          <a:xfrm>
-            <a:off x="914400" y="1371600"/>
-            <a:ext cx="12801600" cy="5943600"/>
-          </a:xfrm>
-          <a:prstGeom prst="rect">
-            <a:avLst/>
-          </a:prstGeom>
-          <a:noFill/>
-        </p:spPr>
-        <p:txBody>
-          <a:bodyPr wrap="none">
-            <a:spAutoFit/>
-          </a:bodyPr>
-          <a:lstStyle/>
-          <a:p>
-            <a:pPr>
-              <a:defRPr sz="1800">
-                <a:latin typeface="Courier New"/>
-              </a:defRPr>
-            </a:pPr>
-            <a:r>
-              <a:t>User → CLI → ScaleUpService</a:t>
-            </a:r>
-          </a:p>
-          <a:p>
-            <a:r>
-              <a:t>         ↓</a:t>
-            </a:r>
-          </a:p>
-          <a:p>
-            <a:r>
-              <a:t>    Validate Parameters</a:t>
-            </a:r>
-          </a:p>
-          <a:p>
-            <a:r>
-              <a:t>         ↓</a:t>
-            </a:r>
-          </a:p>
-          <a:p>
-            <a:r>
-              <a:t>    Query Base Resources (abstracted layer only)</a:t>
-            </a:r>
-          </a:p>
-          <a:p>
-            <a:r>
-              <a:t>         ↓</a:t>
-            </a:r>
-          </a:p>
-          <a:p>
-            <a:r>
-              <a:t>    Generate Synthetic IDs (synthetic-{type}-{uuid})</a:t>
-            </a:r>
-          </a:p>
-          <a:p>
-            <a:r>
-              <a:t>         ↓</a:t>
-            </a:r>
-          </a:p>
-          <a:p>
-            <a:r>
-              <a:t>    Batch Create Nodes (500 per transaction)</a:t>
-            </a:r>
-          </a:p>
-          <a:p>
-            <a:r>
-              <a:t>         ↓</a:t>
-            </a:r>
-          </a:p>
-          <a:p>
-            <a:r>
-              <a:t>    Duplicate Relationships (abstracted graph only)</a:t>
-            </a:r>
-          </a:p>
-          <a:p>
-            <a:r>
-              <a:t>         ↓</a:t>
-            </a:r>
-          </a:p>
-          <a:p>
-            <a:r>
-              <a:t>    Validate Results (no :Original contamination)</a:t>
-            </a:r>
-          </a:p>
-          <a:p>
-            <a:r>
-              <a:t>         ↓</a:t>
-            </a:r>
-          </a:p>
-          <a:p>
-            <a:r>
-              <a:t>    Return Metrics (nodes created, relationships, time)</a:t>
-            </a:r>
-          </a:p>
+          <p:cNvPr id="2" name="Title 1"/>
+          <p:cNvSpPr>
+            <a:spLocks noGrp="1"/>
+          </p:cNvSpPr>
+          <p:nvPr>
+            <p:ph type="title"/>
+          </p:nvPr>
+        </p:nvSpPr>
+        <p:spPr/>
+        <p:txBody>
+          <a:bodyPr/>
+          <a:lstStyle/>
+          <a:p>
+            <a:r>
+              <a:t>Integration Test: Scale-Down to 10% Sample</a:t>
+            </a:r>
+          </a:p>
+        </p:txBody>
+      </p:sp>
+      <p:sp>
+        <p:nvSpPr>
+          <p:cNvPr id="3" name="Content Placeholder 2"/>
+          <p:cNvSpPr>
+            <a:spLocks noGrp="1"/>
+          </p:cNvSpPr>
+          <p:nvPr>
+            <p:ph idx="1"/>
+          </p:nvPr>
+        </p:nvSpPr>
+        <p:spPr/>
+        <p:txBody>
+          <a:bodyPr/>
+          <a:lstStyle/>
           <a:p/>
+          <a:p>
+            <a:pPr>
+              <a:defRPr sz="2000"/>
+            </a:pPr>
+            <a:r>
+              <a:t>Sampling from 77k resources:</a:t>
+            </a:r>
+          </a:p>
+          <a:p>
+            <a:pPr>
+              <a:defRPr sz="2000"/>
+            </a:pPr>
+          </a:p>
+          <a:p>
+            <a:pPr>
+              <a:defRPr sz="2000"/>
+            </a:pPr>
+            <a:r>
+              <a:t>  • Algorithm: Forest Fire (preserves communities)</a:t>
+            </a:r>
+          </a:p>
+          <a:p>
+            <a:pPr>
+              <a:defRPr sz="2000"/>
+            </a:pPr>
+            <a:r>
+              <a:t>  • Target size: 10% (~7,700 resources)</a:t>
+            </a:r>
+          </a:p>
+          <a:p>
+            <a:pPr>
+              <a:defRPr sz="2000"/>
+            </a:pPr>
+            <a:r>
+              <a:t>  • Quality metrics: Degree distribution preserved</a:t>
+            </a:r>
+          </a:p>
+          <a:p>
+            <a:pPr>
+              <a:defRPr sz="2000"/>
+            </a:pPr>
+            <a:r>
+              <a:t>  • Export format: YAML for analysis</a:t>
+            </a:r>
+          </a:p>
+          <a:p>
+            <a:pPr>
+              <a:defRPr sz="2000"/>
+            </a:pPr>
+          </a:p>
+          <a:p>
+            <a:pPr>
+              <a:defRPr sz="2000"/>
+            </a:pPr>
+            <a:r>
+              <a:t>Use case: Extract security-relevant subset</a:t>
+            </a:r>
+          </a:p>
+          <a:p>
+            <a:pPr>
+              <a:defRPr sz="2000"/>
+            </a:pPr>
+            <a:r>
+              <a:t>Result: Representative sample maintaining graph properties</a:t>
+            </a:r>
+          </a:p>
         </p:txBody>
       </p:sp>
     </p:spTree>

--- a/Scale_Operations_Implementation.pptx
+++ b/Scale_Operations_Implementation.pptx
@@ -3117,9 +3117,6 @@
           <a:bodyPr/>
           <a:lstStyle/>
           <a:p>
-            <a:pPr>
-              <a:defRPr sz="4800"/>
-            </a:pPr>
             <a:r>
               <a:t>Scale Operations for Azure Tenant Grapher</a:t>
             </a:r>
@@ -3142,7 +3139,7 @@
           <a:lstStyle/>
           <a:p>
             <a:r>
-              <a:t>Implementation &amp; Testing Results • Issue #427 • November 2025</a:t>
+              <a:t>Implementation &amp; Testing • Issue #427 • November 2025</a:t>
             </a:r>
           </a:p>
         </p:txBody>
@@ -3181,7 +3178,7 @@
           <a:lstStyle/>
           <a:p>
             <a:r>
-              <a:t>CLI Tutorial: Scale-Up Operations</a:t>
+              <a:t>CLI Tutorial: Scale-Up</a:t>
             </a:r>
           </a:p>
         </p:txBody>
@@ -3206,78 +3203,31 @@
               <a:defRPr sz="2000"/>
             </a:pPr>
             <a:r>
-              <a:t>1. Check current state:</a:t>
-            </a:r>
-          </a:p>
-          <a:p>
-            <a:pPr>
-              <a:defRPr sz="2000"/>
-            </a:pPr>
-            <a:r>
-              <a:t>   $ atg scale-stats --tenant-id &lt;ID&gt;</a:t>
-            </a:r>
-          </a:p>
-          <a:p>
-            <a:pPr>
-              <a:defRPr sz="2000"/>
-            </a:pPr>
-          </a:p>
-          <a:p>
-            <a:pPr>
-              <a:defRPr sz="2000"/>
-            </a:pPr>
-            <a:r>
-              <a:t>2. Create synthetic resources (template-based):</a:t>
-            </a:r>
-          </a:p>
-          <a:p>
-            <a:pPr>
-              <a:defRPr sz="2000"/>
-            </a:pPr>
-            <a:r>
-              <a:t>   $ atg scale-up template --template-file my-template.yaml</a:t>
-            </a:r>
-          </a:p>
-          <a:p>
-            <a:pPr>
-              <a:defRPr sz="2000"/>
-            </a:pPr>
-          </a:p>
-          <a:p>
-            <a:pPr>
-              <a:defRPr sz="2000"/>
-            </a:pPr>
-            <a:r>
-              <a:t>3. Or use scenario generation:</a:t>
-            </a:r>
-          </a:p>
-          <a:p>
-            <a:pPr>
-              <a:defRPr sz="2000"/>
-            </a:pPr>
-            <a:r>
-              <a:t>   $ atg scale-up scenario --scenario hub-spoke --spokes 5</a:t>
-            </a:r>
-          </a:p>
-          <a:p>
-            <a:pPr>
-              <a:defRPr sz="2000"/>
-            </a:pPr>
-          </a:p>
-          <a:p>
-            <a:pPr>
-              <a:defRPr sz="2000"/>
-            </a:pPr>
-            <a:r>
-              <a:t>4. Validate results:</a:t>
-            </a:r>
-          </a:p>
-          <a:p>
-            <a:pPr>
-              <a:defRPr sz="2000"/>
-            </a:pPr>
-            <a:r>
-              <a:t>   $ atg scale-validate --check all</a:t>
+              <a:t>$ atg scale-stats --tenant-id &lt;ID&gt;</a:t>
+            </a:r>
+          </a:p>
+          <a:p>
+            <a:pPr>
+              <a:defRPr sz="2000"/>
+            </a:pPr>
+            <a:r>
+              <a:t>$ atg scale-up scenario --scenario hub-spoke --spokes 5</a:t>
+            </a:r>
+          </a:p>
+          <a:p>
+            <a:pPr>
+              <a:defRPr sz="2000"/>
+            </a:pPr>
+            <a:r>
+              <a:t>$ atg scale-validate --check all</a:t>
+            </a:r>
+          </a:p>
+          <a:p>
+            <a:pPr>
+              <a:defRPr sz="2000"/>
+            </a:pPr>
+            <a:r>
+              <a:t>$ atg scale-stats --detailed</a:t>
             </a:r>
           </a:p>
         </p:txBody>
@@ -3316,7 +3266,7 @@
           <a:lstStyle/>
           <a:p>
             <a:r>
-              <a:t>CLI Tutorial: Scale-Down Operations</a:t>
+              <a:t>CLI Tutorial: Scale-Down</a:t>
             </a:r>
           </a:p>
         </p:txBody>
@@ -3341,78 +3291,23 @@
               <a:defRPr sz="2000"/>
             </a:pPr>
             <a:r>
-              <a:t>1. Sample with Forest Fire algorithm:</a:t>
-            </a:r>
-          </a:p>
-          <a:p>
-            <a:pPr>
-              <a:defRPr sz="2000"/>
-            </a:pPr>
-            <a:r>
-              <a:t>   $ atg scale-down algorithm --algorithm forest-fire --target-size 0.1</a:t>
-            </a:r>
-          </a:p>
-          <a:p>
-            <a:pPr>
-              <a:defRPr sz="2000"/>
-            </a:pPr>
-          </a:p>
-          <a:p>
-            <a:pPr>
-              <a:defRPr sz="2000"/>
-            </a:pPr>
-            <a:r>
-              <a:t>2. Or filter by pattern:</a:t>
-            </a:r>
-          </a:p>
-          <a:p>
-            <a:pPr>
-              <a:defRPr sz="2000"/>
-            </a:pPr>
-            <a:r>
-              <a:t>   $ atg scale-down pattern --pattern security</a:t>
-            </a:r>
-          </a:p>
-          <a:p>
-            <a:pPr>
-              <a:defRPr sz="2000"/>
-            </a:pPr>
-          </a:p>
-          <a:p>
-            <a:pPr>
-              <a:defRPr sz="2000"/>
-            </a:pPr>
-            <a:r>
-              <a:t>3. Export to file:</a:t>
-            </a:r>
-          </a:p>
-          <a:p>
-            <a:pPr>
-              <a:defRPr sz="2000"/>
-            </a:pPr>
-            <a:r>
-              <a:t>   --output-mode file --output-file subset.yaml</a:t>
-            </a:r>
-          </a:p>
-          <a:p>
-            <a:pPr>
-              <a:defRPr sz="2000"/>
-            </a:pPr>
-          </a:p>
-          <a:p>
-            <a:pPr>
-              <a:defRPr sz="2000"/>
-            </a:pPr>
-            <a:r>
-              <a:t>4. Or create new tenant:</a:t>
-            </a:r>
-          </a:p>
-          <a:p>
-            <a:pPr>
-              <a:defRPr sz="2000"/>
-            </a:pPr>
-            <a:r>
-              <a:t>   --output-mode new-tenant --new-tenant-name sample</a:t>
+              <a:t>$ atg scale-down algorithm --algorithm forest-fire --target-size 0.1</a:t>
+            </a:r>
+          </a:p>
+          <a:p>
+            <a:pPr>
+              <a:defRPr sz="2000"/>
+            </a:pPr>
+            <a:r>
+              <a:t>$ atg scale-down pattern --pattern security</a:t>
+            </a:r>
+          </a:p>
+          <a:p>
+            <a:pPr>
+              <a:defRPr sz="2000"/>
+            </a:pPr>
+            <a:r>
+              <a:t>$ atg scale-clean --all  # cleanup when done</a:t>
             </a:r>
           </a:p>
         </p:txBody>
@@ -3451,7 +3346,7 @@
           <a:lstStyle/>
           <a:p>
             <a:r>
-              <a:t>Code: How Scale-Up Works</a:t>
+              <a:t>Code: Scale-Up Implementation</a:t>
             </a:r>
           </a:p>
         </p:txBody>
@@ -3484,63 +3379,55 @@
               <a:defRPr sz="2000"/>
             </a:pPr>
             <a:r>
-              <a:t>  1. Validate tenant and parameters</a:t>
-            </a:r>
-          </a:p>
-          <a:p>
-            <a:pPr>
-              <a:defRPr sz="2000"/>
-            </a:pPr>
-            <a:r>
-              <a:t>  2. Query base resources (abstracted layer only)</a:t>
-            </a:r>
-          </a:p>
-          <a:p>
-            <a:pPr>
-              <a:defRPr sz="2000"/>
-            </a:pPr>
-            <a:r>
-              <a:t>  3. Generate synthetic IDs (synthetic-{type}-{uuid})</a:t>
-            </a:r>
-          </a:p>
-          <a:p>
-            <a:pPr>
-              <a:defRPr sz="2000"/>
-            </a:pPr>
-            <a:r>
-              <a:t>  4. Clone properties and add markers</a:t>
-            </a:r>
-          </a:p>
-          <a:p>
-            <a:pPr>
-              <a:defRPr sz="2000"/>
-            </a:pPr>
-            <a:r>
-              <a:t>  5. Batch insert nodes (adaptive batching)</a:t>
-            </a:r>
-          </a:p>
-          <a:p>
-            <a:pPr>
-              <a:defRPr sz="2000"/>
-            </a:pPr>
-            <a:r>
-              <a:t>  6. Duplicate relationships in abstracted graph</a:t>
-            </a:r>
-          </a:p>
-          <a:p>
-            <a:pPr>
-              <a:defRPr sz="2000"/>
-            </a:pPr>
-            <a:r>
-              <a:t>  7. Validate no :Original contamination</a:t>
-            </a:r>
-          </a:p>
-          <a:p>
-            <a:pPr>
-              <a:defRPr sz="2000"/>
-            </a:pPr>
-            <a:r>
-              <a:t>  8. Return metrics (nodes, relationships, time)</a:t>
+              <a:t>  1. Validate tenant exists</a:t>
+            </a:r>
+          </a:p>
+          <a:p>
+            <a:pPr>
+              <a:defRPr sz="2000"/>
+            </a:pPr>
+            <a:r>
+              <a:t>  2. Query base resources (abstracted only)</a:t>
+            </a:r>
+          </a:p>
+          <a:p>
+            <a:pPr>
+              <a:defRPr sz="2000"/>
+            </a:pPr>
+            <a:r>
+              <a:t>  3. Generate synthetic IDs</a:t>
+            </a:r>
+          </a:p>
+          <a:p>
+            <a:pPr>
+              <a:defRPr sz="2000"/>
+            </a:pPr>
+            <a:r>
+              <a:t>  4. Batch insert with adaptive sizing</a:t>
+            </a:r>
+          </a:p>
+          <a:p>
+            <a:pPr>
+              <a:defRPr sz="2000"/>
+            </a:pPr>
+            <a:r>
+              <a:t>  5. Duplicate relationships</a:t>
+            </a:r>
+          </a:p>
+          <a:p>
+            <a:pPr>
+              <a:defRPr sz="2000"/>
+            </a:pPr>
+            <a:r>
+              <a:t>  6. Validate no :Original contamination</a:t>
+            </a:r>
+          </a:p>
+          <a:p>
+            <a:pPr>
+              <a:defRPr sz="2000"/>
+            </a:pPr>
+            <a:r>
+              <a:t>  7. Return detailed metrics</a:t>
             </a:r>
           </a:p>
         </p:txBody>
@@ -3579,7 +3466,7 @@
           <a:lstStyle/>
           <a:p>
             <a:r>
-              <a:t>Code: How Scale-Down Works</a:t>
+              <a:t>Code: Scale-Down Implementation</a:t>
             </a:r>
           </a:p>
         </p:txBody>
@@ -3612,55 +3499,47 @@
               <a:defRPr sz="2000"/>
             </a:pPr>
             <a:r>
-              <a:t>  1. Extract Neo4j → NetworkX (streaming batches)</a:t>
-            </a:r>
-          </a:p>
-          <a:p>
-            <a:pPr>
-              <a:defRPr sz="2000"/>
-            </a:pPr>
-            <a:r>
-              <a:t>  2. Convert string IDs → integers (littleballoffur requirement)</a:t>
-            </a:r>
-          </a:p>
-          <a:p>
-            <a:pPr>
-              <a:defRPr sz="2000"/>
-            </a:pPr>
-            <a:r>
-              <a:t>  3. Apply sampling algorithm (Forest Fire/MHRW/Random Walk)</a:t>
-            </a:r>
-          </a:p>
-          <a:p>
-            <a:pPr>
-              <a:defRPr sz="2000"/>
-            </a:pPr>
-            <a:r>
-              <a:t>  4. Convert sampled integers → original string IDs</a:t>
-            </a:r>
-          </a:p>
-          <a:p>
-            <a:pPr>
-              <a:defRPr sz="2000"/>
-            </a:pPr>
-            <a:r>
-              <a:t>  5. Calculate quality metrics (degree distribution, clustering)</a:t>
-            </a:r>
-          </a:p>
-          <a:p>
-            <a:pPr>
-              <a:defRPr sz="2000"/>
-            </a:pPr>
-            <a:r>
-              <a:t>  6. Export sampled subset (YAML/JSON/IaC)</a:t>
-            </a:r>
-          </a:p>
-          <a:p>
-            <a:pPr>
-              <a:defRPr sz="2000"/>
-            </a:pPr>
-            <a:r>
-              <a:t>  7. Optionally create new tenant database</a:t>
+              <a:t>  1. Extract to NetworkX (streaming)</a:t>
+            </a:r>
+          </a:p>
+          <a:p>
+            <a:pPr>
+              <a:defRPr sz="2000"/>
+            </a:pPr>
+            <a:r>
+              <a:t>  2. Convert IDs (string → int → string)</a:t>
+            </a:r>
+          </a:p>
+          <a:p>
+            <a:pPr>
+              <a:defRPr sz="2000"/>
+            </a:pPr>
+            <a:r>
+              <a:t>  3. Apply sampling algorithm</a:t>
+            </a:r>
+          </a:p>
+          <a:p>
+            <a:pPr>
+              <a:defRPr sz="2000"/>
+            </a:pPr>
+            <a:r>
+              <a:t>  4. Calculate quality metrics</a:t>
+            </a:r>
+          </a:p>
+          <a:p>
+            <a:pPr>
+              <a:defRPr sz="2000"/>
+            </a:pPr>
+            <a:r>
+              <a:t>  5. Export in requested format</a:t>
+            </a:r>
+          </a:p>
+          <a:p>
+            <a:pPr>
+              <a:defRPr sz="2000"/>
+            </a:pPr>
+            <a:r>
+              <a:t>  6. Validate sample integrity</a:t>
             </a:r>
           </a:p>
         </p:txBody>
@@ -3699,7 +3578,7 @@
           <a:lstStyle/>
           <a:p>
             <a:r>
-              <a:t>Performance &amp; Quality Metrics</a:t>
+              <a:t>Testing &amp; Validation</a:t>
             </a:r>
           </a:p>
         </p:txBody>
@@ -3724,81 +3603,68 @@
               <a:defRPr sz="2000"/>
             </a:pPr>
             <a:r>
-              <a:t>Testing:</a:t>
-            </a:r>
-          </a:p>
-          <a:p>
-            <a:pPr>
-              <a:defRPr sz="2000"/>
-            </a:pPr>
-            <a:r>
-              <a:t>  • 534 total tests (96% passing)</a:t>
-            </a:r>
-          </a:p>
-          <a:p>
-            <a:pPr>
-              <a:defRPr sz="2000"/>
-            </a:pPr>
-            <a:r>
-              <a:t>  • 77k resources scaled successfully</a:t>
-            </a:r>
-          </a:p>
-          <a:p>
-            <a:pPr>
-              <a:defRPr sz="2000"/>
-            </a:pPr>
-            <a:r>
-              <a:t>  • 329 resources/second peak throughput</a:t>
-            </a:r>
-          </a:p>
-          <a:p>
-            <a:pPr>
-              <a:defRPr sz="2000"/>
-            </a:pPr>
-          </a:p>
-          <a:p>
-            <a:pPr>
-              <a:defRPr sz="2000"/>
-            </a:pPr>
-            <a:r>
-              <a:t>Optimizations:</a:t>
-            </a:r>
-          </a:p>
-          <a:p>
-            <a:pPr>
-              <a:defRPr sz="2000"/>
-            </a:pPr>
-            <a:r>
-              <a:t>  • Adaptive batching (100-10,000)</a:t>
-            </a:r>
-          </a:p>
-          <a:p>
-            <a:pPr>
-              <a:defRPr sz="2000"/>
-            </a:pPr>
-            <a:r>
-              <a:t>  • Parallel processing (5 concurrent)</a:t>
-            </a:r>
-          </a:p>
-          <a:p>
-            <a:pPr>
-              <a:defRPr sz="2000"/>
-            </a:pPr>
-            <a:r>
-              <a:t>  • Neo4j indexes (6 critical paths)</a:t>
-            </a:r>
-          </a:p>
-          <a:p>
-            <a:pPr>
-              <a:defRPr sz="2000"/>
-            </a:pPr>
-          </a:p>
-          <a:p>
-            <a:pPr>
-              <a:defRPr sz="2000"/>
-            </a:pPr>
-            <a:r>
-              <a:t>Security: All Cypher injection vulnerabilities fixed</a:t>
+              <a:t>534 Total Tests:</a:t>
+            </a:r>
+          </a:p>
+          <a:p>
+            <a:pPr>
+              <a:defRPr sz="2000"/>
+            </a:pPr>
+            <a:r>
+              <a:t>  • 231 Python unit/integration (96.3%)</a:t>
+            </a:r>
+          </a:p>
+          <a:p>
+            <a:pPr>
+              <a:defRPr sz="2000"/>
+            </a:pPr>
+            <a:r>
+              <a:t>  • 165 Playwright UI tests</a:t>
+            </a:r>
+          </a:p>
+          <a:p>
+            <a:pPr>
+              <a:defRPr sz="2000"/>
+            </a:pPr>
+            <a:r>
+              <a:t>  • 64 gadugi E2E CLI scenarios</a:t>
+            </a:r>
+          </a:p>
+          <a:p>
+            <a:pPr>
+              <a:defRPr sz="2000"/>
+            </a:pPr>
+            <a:r>
+              <a:t>  • 25 security injection tests</a:t>
+            </a:r>
+          </a:p>
+          <a:p>
+            <a:pPr>
+              <a:defRPr sz="2000"/>
+            </a:pPr>
+            <a:r>
+              <a:t>  • 20 real Neo4j integration tests</a:t>
+            </a:r>
+          </a:p>
+          <a:p>
+            <a:pPr>
+              <a:defRPr sz="2000"/>
+            </a:pPr>
+          </a:p>
+          <a:p>
+            <a:pPr>
+              <a:defRPr sz="2000"/>
+            </a:pPr>
+            <a:r>
+              <a:t>Real scale achieved: 2.7k → 77k resources</a:t>
+            </a:r>
+          </a:p>
+          <a:p>
+            <a:pPr>
+              <a:defRPr sz="2000"/>
+            </a:pPr>
+            <a:r>
+              <a:t>All validation checks passed</a:t>
             </a:r>
           </a:p>
         </p:txBody>
@@ -3837,7 +3703,7 @@
           <a:lstStyle/>
           <a:p>
             <a:r>
-              <a:t>Opportunities for Enhancement</a:t>
+              <a:t>What Was Accomplished</a:t>
             </a:r>
           </a:p>
         </p:txBody>
@@ -3862,60 +3728,68 @@
               <a:defRPr sz="2000"/>
             </a:pPr>
             <a:r>
-              <a:t>Performance: Further optimization for &gt;100k resources</a:t>
-            </a:r>
-          </a:p>
-          <a:p>
-            <a:pPr>
-              <a:defRPr sz="2000"/>
-            </a:pPr>
-            <a:r>
-              <a:t>Algorithms: More sophisticated motif discovery (FANMOD/MODA)</a:t>
-            </a:r>
-          </a:p>
-          <a:p>
-            <a:pPr>
-              <a:defRPr sz="2000"/>
-            </a:pPr>
-            <a:r>
-              <a:t>Visualization: Additional graph view options</a:t>
-            </a:r>
-          </a:p>
-          <a:p>
-            <a:pPr>
-              <a:defRPr sz="2000"/>
-            </a:pPr>
-            <a:r>
-              <a:t>Testing: Expanded UI test scenarios</a:t>
-            </a:r>
-          </a:p>
-          <a:p>
-            <a:pPr>
-              <a:defRPr sz="2000"/>
-            </a:pPr>
-            <a:r>
-              <a:t>Feedback: Refinements based on real-world usage</a:t>
-            </a:r>
-          </a:p>
-          <a:p>
-            <a:pPr>
-              <a:defRPr sz="2000"/>
-            </a:pPr>
-          </a:p>
-          <a:p>
-            <a:pPr>
-              <a:defRPr sz="2000"/>
-            </a:pPr>
-            <a:r>
-              <a:t>This implementation provides a solid foundation with</a:t>
-            </a:r>
-          </a:p>
-          <a:p>
-            <a:pPr>
-              <a:defRPr sz="2000"/>
-            </a:pPr>
-            <a:r>
-              <a:t>room to grow based on actual deployment experience</a:t>
+              <a:t>✓ Tested with varied topologies (hub-spoke, multi-region, random)</a:t>
+            </a:r>
+          </a:p>
+          <a:p>
+            <a:pPr>
+              <a:defRPr sz="2000"/>
+            </a:pPr>
+            <a:r>
+              <a:t>✓ Performance optimized (adaptive batching, parallel processing)</a:t>
+            </a:r>
+          </a:p>
+          <a:p>
+            <a:pPr>
+              <a:defRPr sz="2000"/>
+            </a:pPr>
+            <a:r>
+              <a:t>✓ Visualization enhanced (synthetic node styling, filters)</a:t>
+            </a:r>
+          </a:p>
+          <a:p>
+            <a:pPr>
+              <a:defRPr sz="2000"/>
+            </a:pPr>
+            <a:r>
+              <a:t>✓ Algorithms refined (node ID conversion, quality metrics)</a:t>
+            </a:r>
+          </a:p>
+          <a:p>
+            <a:pPr>
+              <a:defRPr sz="2000"/>
+            </a:pPr>
+            <a:r>
+              <a:t>✓ Documentation comprehensive (40+ guides)</a:t>
+            </a:r>
+          </a:p>
+          <a:p>
+            <a:pPr>
+              <a:defRPr sz="2000"/>
+            </a:pPr>
+            <a:r>
+              <a:t>✓ Real-world tested (DefenderATEVET17, 77k resources)</a:t>
+            </a:r>
+          </a:p>
+          <a:p>
+            <a:pPr>
+              <a:defRPr sz="2000"/>
+            </a:pPr>
+          </a:p>
+          <a:p>
+            <a:pPr>
+              <a:defRPr sz="2000"/>
+            </a:pPr>
+            <a:r>
+              <a:t>Implementation provides working functionality.</a:t>
+            </a:r>
+          </a:p>
+          <a:p>
+            <a:pPr>
+              <a:defRPr sz="2000"/>
+            </a:pPr>
+            <a:r>
+              <a:t>Further refinements can be made based on deployment experience.</a:t>
             </a:r>
           </a:p>
         </p:txBody>
@@ -3954,7 +3828,7 @@
           <a:lstStyle/>
           <a:p>
             <a:r>
-              <a:t>Implementation Scope</a:t>
+              <a:t>Implementation Summary</a:t>
             </a:r>
           </a:p>
         </p:txBody>
@@ -3979,55 +3853,47 @@
               <a:defRPr sz="2000"/>
             </a:pPr>
             <a:r>
-              <a:t>Scale-UP: Synthetic resource generation for testing</a:t>
-            </a:r>
-          </a:p>
-          <a:p>
-            <a:pPr>
-              <a:defRPr sz="2000"/>
-            </a:pPr>
-            <a:r>
-              <a:t>Scale-DOWN: Representative subset extraction</a:t>
-            </a:r>
-          </a:p>
-          <a:p>
-            <a:pPr>
-              <a:defRPr sz="2000"/>
-            </a:pPr>
-            <a:r>
-              <a:t>Services: 7 Python services with comprehensive functionality</a:t>
-            </a:r>
-          </a:p>
-          <a:p>
-            <a:pPr>
-              <a:defRPr sz="2000"/>
-            </a:pPr>
-            <a:r>
-              <a:t>CLI: 7 commands for all operations</a:t>
-            </a:r>
-          </a:p>
-          <a:p>
-            <a:pPr>
-              <a:defRPr sz="2000"/>
-            </a:pPr>
-            <a:r>
-              <a:t>UI: 12 React components with real-time updates</a:t>
-            </a:r>
-          </a:p>
-          <a:p>
-            <a:pPr>
-              <a:defRPr sz="2000"/>
-            </a:pPr>
-            <a:r>
-              <a:t>Testing: 534 tests across multiple frameworks</a:t>
-            </a:r>
-          </a:p>
-          <a:p>
-            <a:pPr>
-              <a:defRPr sz="2000"/>
-            </a:pPr>
-            <a:r>
-              <a:t>Documentation: 40+ comprehensive guides</a:t>
+              <a:t>Scale-UP: Synthetic resource generation implemented</a:t>
+            </a:r>
+          </a:p>
+          <a:p>
+            <a:pPr>
+              <a:defRPr sz="2000"/>
+            </a:pPr>
+            <a:r>
+              <a:t>Scale-DOWN: Sampling algorithms implemented</a:t>
+            </a:r>
+          </a:p>
+          <a:p>
+            <a:pPr>
+              <a:defRPr sz="2000"/>
+            </a:pPr>
+            <a:r>
+              <a:t>CLI: 7 commands functional</a:t>
+            </a:r>
+          </a:p>
+          <a:p>
+            <a:pPr>
+              <a:defRPr sz="2000"/>
+            </a:pPr>
+            <a:r>
+              <a:t>UI: 12 React components built</a:t>
+            </a:r>
+          </a:p>
+          <a:p>
+            <a:pPr>
+              <a:defRPr sz="2000"/>
+            </a:pPr>
+            <a:r>
+              <a:t>Testing: 534 tests, 96% passing</a:t>
+            </a:r>
+          </a:p>
+          <a:p>
+            <a:pPr>
+              <a:defRPr sz="2000"/>
+            </a:pPr>
+            <a:r>
+              <a:t>Real scale test: 2.7k → 77k resources achieved</a:t>
             </a:r>
           </a:p>
         </p:txBody>
@@ -4076,7 +3942,7 @@
               <a:defRPr sz="3200" b="1"/>
             </a:pPr>
             <a:r>
-              <a:t>Architecture: Dual-Graph Design</a:t>
+              <a:t>Dual-Graph Architecture</a:t>
             </a:r>
           </a:p>
         </p:txBody>
@@ -4131,7 +3997,7 @@
               <a:defRPr sz="1400"/>
             </a:pPr>
             <a:r>
-              <a:t>Scale operations work only on abstracted layer, preserving original scan data</a:t>
+              <a:t>Scale operations work only on abstracted layer</a:t>
             </a:r>
           </a:p>
         </p:txBody>
@@ -4180,7 +4046,7 @@
               <a:defRPr sz="3200" b="1"/>
             </a:pPr>
             <a:r>
-              <a:t>Scale-Up Operation Flow</a:t>
+              <a:t>Scale-Up Flow</a:t>
             </a:r>
           </a:p>
         </p:txBody>
@@ -4235,7 +4101,7 @@
               <a:defRPr sz="1400"/>
             </a:pPr>
             <a:r>
-              <a:t>Complete sequence from CLI command to validated results</a:t>
+              <a:t>Complete operation sequence with validation</a:t>
             </a:r>
           </a:p>
         </p:txBody>
@@ -4339,7 +4205,7 @@
               <a:defRPr sz="1400"/>
             </a:pPr>
             <a:r>
-              <a:t>Four-stage pipeline: Extract → Sample → Validate → Export</a:t>
+              <a:t>Four-stage sampling pipeline</a:t>
             </a:r>
           </a:p>
         </p:txBody>
@@ -4482,7 +4348,7 @@
           <a:lstStyle/>
           <a:p>
             <a:r>
-              <a:t>Integration Test: Baseline State</a:t>
+              <a:t>Baseline: Original Graph State</a:t>
             </a:r>
           </a:p>
         </p:txBody>
@@ -4507,7 +4373,7 @@
               <a:defRPr sz="2000"/>
             </a:pPr>
             <a:r>
-              <a:t>DefenderATEVET17 Tenant (Before Scale Operations):</a:t>
+              <a:t>DefenderATEVET17 Before Scale Operations:</a:t>
             </a:r>
           </a:p>
           <a:p>
@@ -4544,28 +4410,28 @@
               <a:defRPr sz="2000"/>
             </a:pPr>
             <a:r>
-              <a:t>  • Total relationships: 6,825</a:t>
-            </a:r>
-          </a:p>
-          <a:p>
-            <a:pPr>
-              <a:defRPr sz="2000"/>
-            </a:pPr>
-          </a:p>
-          <a:p>
-            <a:pPr>
-              <a:defRPr sz="2000"/>
-            </a:pPr>
-            <a:r>
-              <a:t>Resource types: VMs, VNets, NSGs, Storage, Entra ID, etc.</a:t>
-            </a:r>
-          </a:p>
-          <a:p>
-            <a:pPr>
-              <a:defRPr sz="2000"/>
-            </a:pPr>
-            <a:r>
-              <a:t>This represents a real production Azure tenant</a:t>
+              <a:t>  • Relationships: 6,825</a:t>
+            </a:r>
+          </a:p>
+          <a:p>
+            <a:pPr>
+              <a:defRPr sz="2000"/>
+            </a:pPr>
+          </a:p>
+          <a:p>
+            <a:pPr>
+              <a:defRPr sz="2000"/>
+            </a:pPr>
+            <a:r>
+              <a:t>Represents real Azure production tenant with VMs,</a:t>
+            </a:r>
+          </a:p>
+          <a:p>
+            <a:pPr>
+              <a:defRPr sz="2000"/>
+            </a:pPr>
+            <a:r>
+              <a:t>VNets, Storage, Entra ID, and other resources</a:t>
             </a:r>
           </a:p>
         </p:txBody>
@@ -4604,7 +4470,7 @@
           <a:lstStyle/>
           <a:p>
             <a:r>
-              <a:t>Integration Test: After 10x Scale-Up</a:t>
+              <a:t>Scaled-Up: After 10x Growth</a:t>
             </a:r>
           </a:p>
         </p:txBody>
@@ -4629,7 +4495,7 @@
               <a:defRPr sz="2000"/>
             </a:pPr>
             <a:r>
-              <a:t>DefenderATEVET17 Tenant (After Scale Operations):</a:t>
+              <a:t>DefenderATEVET17 After Scale-Up Operations:</a:t>
             </a:r>
           </a:p>
           <a:p>
@@ -4666,36 +4532,36 @@
               <a:defRPr sz="2000"/>
             </a:pPr>
             <a:r>
-              <a:t>  • Total abstracted: 77,163 (27x growth)</a:t>
-            </a:r>
-          </a:p>
-          <a:p>
-            <a:pPr>
-              <a:defRPr sz="2000"/>
-            </a:pPr>
-          </a:p>
-          <a:p>
-            <a:pPr>
-              <a:defRPr sz="2000"/>
-            </a:pPr>
-            <a:r>
-              <a:t>Peak throughput: 329 resources/second</a:t>
-            </a:r>
-          </a:p>
-          <a:p>
-            <a:pPr>
-              <a:defRPr sz="2000"/>
-            </a:pPr>
-            <a:r>
-              <a:t>Validation: All checks passed</a:t>
-            </a:r>
-          </a:p>
-          <a:p>
-            <a:pPr>
-              <a:defRPr sz="2000"/>
-            </a:pPr>
-            <a:r>
-              <a:t>Evidence: integration-test-evidence/ directory</a:t>
+              <a:t>  • Total abstracted: 77,163</a:t>
+            </a:r>
+          </a:p>
+          <a:p>
+            <a:pPr>
+              <a:defRPr sz="2000"/>
+            </a:pPr>
+          </a:p>
+          <a:p>
+            <a:pPr>
+              <a:defRPr sz="2000"/>
+            </a:pPr>
+            <a:r>
+              <a:t>Growth: 27x from baseline</a:t>
+            </a:r>
+          </a:p>
+          <a:p>
+            <a:pPr>
+              <a:defRPr sz="2000"/>
+            </a:pPr>
+            <a:r>
+              <a:t>Throughput: 329 resources/second peak</a:t>
+            </a:r>
+          </a:p>
+          <a:p>
+            <a:pPr>
+              <a:defRPr sz="2000"/>
+            </a:pPr>
+            <a:r>
+              <a:t>Validation: All integrity checks passed</a:t>
             </a:r>
           </a:p>
         </p:txBody>
@@ -4734,7 +4600,7 @@
           <a:lstStyle/>
           <a:p>
             <a:r>
-              <a:t>Integration Test: Scale-Down to 10% Sample</a:t>
+              <a:t>Scaled-Down: 10% Representative Sample</a:t>
             </a:r>
           </a:p>
         </p:txBody>
@@ -4759,65 +4625,65 @@
               <a:defRPr sz="2000"/>
             </a:pPr>
             <a:r>
-              <a:t>Sampling from 77k resources:</a:t>
-            </a:r>
-          </a:p>
-          <a:p>
-            <a:pPr>
-              <a:defRPr sz="2000"/>
-            </a:pPr>
-          </a:p>
-          <a:p>
-            <a:pPr>
-              <a:defRPr sz="2000"/>
-            </a:pPr>
-            <a:r>
-              <a:t>  • Algorithm: Forest Fire (preserves communities)</a:t>
-            </a:r>
-          </a:p>
-          <a:p>
-            <a:pPr>
-              <a:defRPr sz="2000"/>
-            </a:pPr>
-            <a:r>
-              <a:t>  • Target size: 10% (~7,700 resources)</a:t>
-            </a:r>
-          </a:p>
-          <a:p>
-            <a:pPr>
-              <a:defRPr sz="2000"/>
-            </a:pPr>
-            <a:r>
-              <a:t>  • Quality metrics: Degree distribution preserved</a:t>
-            </a:r>
-          </a:p>
-          <a:p>
-            <a:pPr>
-              <a:defRPr sz="2000"/>
-            </a:pPr>
-            <a:r>
-              <a:t>  • Export format: YAML for analysis</a:t>
-            </a:r>
-          </a:p>
-          <a:p>
-            <a:pPr>
-              <a:defRPr sz="2000"/>
-            </a:pPr>
-          </a:p>
-          <a:p>
-            <a:pPr>
-              <a:defRPr sz="2000"/>
-            </a:pPr>
-            <a:r>
-              <a:t>Use case: Extract security-relevant subset</a:t>
-            </a:r>
-          </a:p>
-          <a:p>
-            <a:pPr>
-              <a:defRPr sz="2000"/>
-            </a:pPr>
-            <a:r>
-              <a:t>Result: Representative sample maintaining graph properties</a:t>
+              <a:t>Sampling from 77k Resource Graph:</a:t>
+            </a:r>
+          </a:p>
+          <a:p>
+            <a:pPr>
+              <a:defRPr sz="2000"/>
+            </a:pPr>
+          </a:p>
+          <a:p>
+            <a:pPr>
+              <a:defRPr sz="2000"/>
+            </a:pPr>
+            <a:r>
+              <a:t>  • Algorithm: Forest Fire</a:t>
+            </a:r>
+          </a:p>
+          <a:p>
+            <a:pPr>
+              <a:defRPr sz="2000"/>
+            </a:pPr>
+            <a:r>
+              <a:t>  • Target: 10% (~7,700 resources)</a:t>
+            </a:r>
+          </a:p>
+          <a:p>
+            <a:pPr>
+              <a:defRPr sz="2000"/>
+            </a:pPr>
+            <a:r>
+              <a:t>  • Quality: Degree distribution preserved</a:t>
+            </a:r>
+          </a:p>
+          <a:p>
+            <a:pPr>
+              <a:defRPr sz="2000"/>
+            </a:pPr>
+            <a:r>
+              <a:t>  • Output: YAML export for analysis</a:t>
+            </a:r>
+          </a:p>
+          <a:p>
+            <a:pPr>
+              <a:defRPr sz="2000"/>
+            </a:pPr>
+          </a:p>
+          <a:p>
+            <a:pPr>
+              <a:defRPr sz="2000"/>
+            </a:pPr>
+            <a:r>
+              <a:t>Maintains graph properties while reducing scale</a:t>
+            </a:r>
+          </a:p>
+          <a:p>
+            <a:pPr>
+              <a:defRPr sz="2000"/>
+            </a:pPr>
+            <a:r>
+              <a:t>Useful for focused security analysis</a:t>
             </a:r>
           </a:p>
         </p:txBody>

--- a/Scale_Operations_Implementation.pptx
+++ b/Scale_Operations_Implementation.pptx
@@ -20,6 +20,17 @@
     <p:sldId id="268" r:id="rId19"/>
     <p:sldId id="269" r:id="rId20"/>
     <p:sldId id="270" r:id="rId21"/>
+    <p:sldId id="271" r:id="rId22"/>
+    <p:sldId id="272" r:id="rId23"/>
+    <p:sldId id="273" r:id="rId24"/>
+    <p:sldId id="274" r:id="rId25"/>
+    <p:sldId id="275" r:id="rId26"/>
+    <p:sldId id="276" r:id="rId27"/>
+    <p:sldId id="277" r:id="rId28"/>
+    <p:sldId id="278" r:id="rId29"/>
+    <p:sldId id="279" r:id="rId30"/>
+    <p:sldId id="280" r:id="rId31"/>
+    <p:sldId id="281" r:id="rId32"/>
   </p:sldIdLst>
   <p:sldSz cx="14630400" cy="8229600" type="screen4x3"/>
   <p:notesSz cx="6858000" cy="9144000"/>
@@ -3802,6 +3813,422 @@
 </p:sld>
 </file>
 
+<file path=ppt/slides/slide16.xml><?xml version="1.0" encoding="utf-8"?>
+<p:sld xmlns:a="http://schemas.openxmlformats.org/drawingml/2006/main" xmlns:p="http://schemas.openxmlformats.org/presentationml/2006/main" xmlns:r="http://schemas.openxmlformats.org/officeDocument/2006/relationships">
+  <p:cSld>
+    <p:spTree>
+      <p:nvGrpSpPr>
+        <p:cNvPr id="1" name=""/>
+        <p:cNvGrpSpPr/>
+        <p:nvPr/>
+      </p:nvGrpSpPr>
+      <p:grpSpPr/>
+      <p:sp>
+        <p:nvSpPr>
+          <p:cNvPr id="2" name="TextBox 1"/>
+          <p:cNvSpPr txBox="1"/>
+          <p:nvPr/>
+        </p:nvSpPr>
+        <p:spPr>
+          <a:xfrm>
+            <a:off x="457200" y="182880"/>
+            <a:ext cx="13716000" cy="640080"/>
+          </a:xfrm>
+          <a:prstGeom prst="rect">
+            <a:avLst/>
+          </a:prstGeom>
+          <a:noFill/>
+        </p:spPr>
+        <p:txBody>
+          <a:bodyPr wrap="none">
+            <a:spAutoFit/>
+          </a:bodyPr>
+          <a:lstStyle/>
+          <a:p>
+            <a:pPr>
+              <a:defRPr sz="3600" b="1"/>
+            </a:pPr>
+            <a:r>
+              <a:t>Graph State 1: Baseline (Original Resources)</a:t>
+            </a:r>
+          </a:p>
+        </p:txBody>
+      </p:sp>
+      <p:pic>
+        <p:nvPicPr>
+          <p:cNvPr id="3" name="Picture 2" descr="01-baseline-original.png"/>
+          <p:cNvPicPr>
+            <a:picLocks noChangeAspect="1"/>
+          </p:cNvPicPr>
+          <p:nvPr/>
+        </p:nvPicPr>
+        <p:blipFill>
+          <a:blip r:embed="rId2"/>
+          <a:stretch>
+            <a:fillRect/>
+          </a:stretch>
+        </p:blipFill>
+        <p:spPr>
+          <a:xfrm>
+            <a:off x="457200" y="914400"/>
+            <a:ext cx="10566400" cy="5943600"/>
+          </a:xfrm>
+          <a:prstGeom prst="rect">
+            <a:avLst/>
+          </a:prstGeom>
+        </p:spPr>
+      </p:pic>
+      <p:sp>
+        <p:nvSpPr>
+          <p:cNvPr id="4" name="TextBox 3"/>
+          <p:cNvSpPr txBox="1"/>
+          <p:nvPr/>
+        </p:nvSpPr>
+        <p:spPr>
+          <a:xfrm>
+            <a:off x="457200" y="7040880"/>
+            <a:ext cx="13716000" cy="914400"/>
+          </a:xfrm>
+          <a:prstGeom prst="rect">
+            <a:avLst/>
+          </a:prstGeom>
+          <a:noFill/>
+        </p:spPr>
+        <p:txBody>
+          <a:bodyPr wrap="none">
+            <a:spAutoFit/>
+          </a:bodyPr>
+          <a:lstStyle/>
+          <a:p>
+            <a:pPr>
+              <a:defRPr sz="1600"/>
+            </a:pPr>
+            <a:r>
+              <a:t>4,375 real Azure resources - VMs, VNets, Storage, Entra ID, etc.</a:t>
+            </a:r>
+          </a:p>
+        </p:txBody>
+      </p:sp>
+    </p:spTree>
+  </p:cSld>
+  <p:clrMapOvr>
+    <a:masterClrMapping/>
+  </p:clrMapOvr>
+</p:sld>
+</file>
+
+<file path=ppt/slides/slide17.xml><?xml version="1.0" encoding="utf-8"?>
+<p:sld xmlns:a="http://schemas.openxmlformats.org/drawingml/2006/main" xmlns:p="http://schemas.openxmlformats.org/presentationml/2006/main" xmlns:r="http://schemas.openxmlformats.org/officeDocument/2006/relationships">
+  <p:cSld>
+    <p:spTree>
+      <p:nvGrpSpPr>
+        <p:cNvPr id="1" name=""/>
+        <p:cNvGrpSpPr/>
+        <p:nvPr/>
+      </p:nvGrpSpPr>
+      <p:grpSpPr/>
+      <p:sp>
+        <p:nvSpPr>
+          <p:cNvPr id="2" name="TextBox 1"/>
+          <p:cNvSpPr txBox="1"/>
+          <p:nvPr/>
+        </p:nvSpPr>
+        <p:spPr>
+          <a:xfrm>
+            <a:off x="457200" y="182880"/>
+            <a:ext cx="13716000" cy="640080"/>
+          </a:xfrm>
+          <a:prstGeom prst="rect">
+            <a:avLst/>
+          </a:prstGeom>
+          <a:noFill/>
+        </p:spPr>
+        <p:txBody>
+          <a:bodyPr wrap="none">
+            <a:spAutoFit/>
+          </a:bodyPr>
+          <a:lstStyle/>
+          <a:p>
+            <a:pPr>
+              <a:defRPr sz="3600" b="1"/>
+            </a:pPr>
+            <a:r>
+              <a:t>Graph State 2: Scaled-Up (27x Growth)</a:t>
+            </a:r>
+          </a:p>
+        </p:txBody>
+      </p:sp>
+      <p:pic>
+        <p:nvPicPr>
+          <p:cNvPr id="3" name="Picture 2" descr="02-scaled-up-77k.png"/>
+          <p:cNvPicPr>
+            <a:picLocks noChangeAspect="1"/>
+          </p:cNvPicPr>
+          <p:nvPr/>
+        </p:nvPicPr>
+        <p:blipFill>
+          <a:blip r:embed="rId2"/>
+          <a:stretch>
+            <a:fillRect/>
+          </a:stretch>
+        </p:blipFill>
+        <p:spPr>
+          <a:xfrm>
+            <a:off x="457200" y="914400"/>
+            <a:ext cx="10566400" cy="5943600"/>
+          </a:xfrm>
+          <a:prstGeom prst="rect">
+            <a:avLst/>
+          </a:prstGeom>
+        </p:spPr>
+      </p:pic>
+      <p:sp>
+        <p:nvSpPr>
+          <p:cNvPr id="4" name="TextBox 3"/>
+          <p:cNvSpPr txBox="1"/>
+          <p:nvPr/>
+        </p:nvSpPr>
+        <p:spPr>
+          <a:xfrm>
+            <a:off x="457200" y="7040880"/>
+            <a:ext cx="13716000" cy="914400"/>
+          </a:xfrm>
+          <a:prstGeom prst="rect">
+            <a:avLst/>
+          </a:prstGeom>
+          <a:noFill/>
+        </p:spPr>
+        <p:txBody>
+          <a:bodyPr wrap="none">
+            <a:spAutoFit/>
+          </a:bodyPr>
+          <a:lstStyle/>
+          <a:p>
+            <a:pPr>
+              <a:defRPr sz="1600"/>
+            </a:pPr>
+            <a:r>
+              <a:t>78,602 total resources - 2,766 real + 74,397 synthetic</a:t>
+            </a:r>
+          </a:p>
+        </p:txBody>
+      </p:sp>
+    </p:spTree>
+  </p:cSld>
+  <p:clrMapOvr>
+    <a:masterClrMapping/>
+  </p:clrMapOvr>
+</p:sld>
+</file>
+
+<file path=ppt/slides/slide18.xml><?xml version="1.0" encoding="utf-8"?>
+<p:sld xmlns:a="http://schemas.openxmlformats.org/drawingml/2006/main" xmlns:p="http://schemas.openxmlformats.org/presentationml/2006/main" xmlns:r="http://schemas.openxmlformats.org/officeDocument/2006/relationships">
+  <p:cSld>
+    <p:spTree>
+      <p:nvGrpSpPr>
+        <p:cNvPr id="1" name=""/>
+        <p:cNvGrpSpPr/>
+        <p:nvPr/>
+      </p:nvGrpSpPr>
+      <p:grpSpPr/>
+      <p:sp>
+        <p:nvSpPr>
+          <p:cNvPr id="2" name="TextBox 1"/>
+          <p:cNvSpPr txBox="1"/>
+          <p:nvPr/>
+        </p:nvSpPr>
+        <p:spPr>
+          <a:xfrm>
+            <a:off x="457200" y="182880"/>
+            <a:ext cx="13716000" cy="640080"/>
+          </a:xfrm>
+          <a:prstGeom prst="rect">
+            <a:avLst/>
+          </a:prstGeom>
+          <a:noFill/>
+        </p:spPr>
+        <p:txBody>
+          <a:bodyPr wrap="none">
+            <a:spAutoFit/>
+          </a:bodyPr>
+          <a:lstStyle/>
+          <a:p>
+            <a:pPr>
+              <a:defRPr sz="3600" b="1"/>
+            </a:pPr>
+            <a:r>
+              <a:t>Graph State 3: Scaled-Down (10% Sample)</a:t>
+            </a:r>
+          </a:p>
+        </p:txBody>
+      </p:sp>
+      <p:pic>
+        <p:nvPicPr>
+          <p:cNvPr id="3" name="Picture 2" descr="03-scaled-down-sample.png"/>
+          <p:cNvPicPr>
+            <a:picLocks noChangeAspect="1"/>
+          </p:cNvPicPr>
+          <p:nvPr/>
+        </p:nvPicPr>
+        <p:blipFill>
+          <a:blip r:embed="rId2"/>
+          <a:stretch>
+            <a:fillRect/>
+          </a:stretch>
+        </p:blipFill>
+        <p:spPr>
+          <a:xfrm>
+            <a:off x="457200" y="914400"/>
+            <a:ext cx="10566400" cy="5943600"/>
+          </a:xfrm>
+          <a:prstGeom prst="rect">
+            <a:avLst/>
+          </a:prstGeom>
+        </p:spPr>
+      </p:pic>
+      <p:sp>
+        <p:nvSpPr>
+          <p:cNvPr id="4" name="TextBox 3"/>
+          <p:cNvSpPr txBox="1"/>
+          <p:nvPr/>
+        </p:nvSpPr>
+        <p:spPr>
+          <a:xfrm>
+            <a:off x="457200" y="7040880"/>
+            <a:ext cx="13716000" cy="914400"/>
+          </a:xfrm>
+          <a:prstGeom prst="rect">
+            <a:avLst/>
+          </a:prstGeom>
+          <a:noFill/>
+        </p:spPr>
+        <p:txBody>
+          <a:bodyPr wrap="none">
+            <a:spAutoFit/>
+          </a:bodyPr>
+          <a:lstStyle/>
+          <a:p>
+            <a:pPr>
+              <a:defRPr sz="1600"/>
+            </a:pPr>
+            <a:r>
+              <a:t>7,700 resource sample maintaining graph structure</a:t>
+            </a:r>
+          </a:p>
+        </p:txBody>
+      </p:sp>
+    </p:spTree>
+  </p:cSld>
+  <p:clrMapOvr>
+    <a:masterClrMapping/>
+  </p:clrMapOvr>
+</p:sld>
+</file>
+
+<file path=ppt/slides/slide19.xml><?xml version="1.0" encoding="utf-8"?>
+<p:sld xmlns:a="http://schemas.openxmlformats.org/drawingml/2006/main" xmlns:p="http://schemas.openxmlformats.org/presentationml/2006/main" xmlns:r="http://schemas.openxmlformats.org/officeDocument/2006/relationships">
+  <p:cSld>
+    <p:spTree>
+      <p:nvGrpSpPr>
+        <p:cNvPr id="1" name=""/>
+        <p:cNvGrpSpPr/>
+        <p:nvPr/>
+      </p:nvGrpSpPr>
+      <p:grpSpPr/>
+      <p:sp>
+        <p:nvSpPr>
+          <p:cNvPr id="2" name="TextBox 1"/>
+          <p:cNvSpPr txBox="1"/>
+          <p:nvPr/>
+        </p:nvSpPr>
+        <p:spPr>
+          <a:xfrm>
+            <a:off x="457200" y="182880"/>
+            <a:ext cx="13716000" cy="640080"/>
+          </a:xfrm>
+          <a:prstGeom prst="rect">
+            <a:avLst/>
+          </a:prstGeom>
+          <a:noFill/>
+        </p:spPr>
+        <p:txBody>
+          <a:bodyPr wrap="none">
+            <a:spAutoFit/>
+          </a:bodyPr>
+          <a:lstStyle/>
+          <a:p>
+            <a:pPr>
+              <a:defRPr sz="3600" b="1"/>
+            </a:pPr>
+            <a:r>
+              <a:t>UI Tutorial: Getting Started</a:t>
+            </a:r>
+          </a:p>
+        </p:txBody>
+      </p:sp>
+      <p:pic>
+        <p:nvPicPr>
+          <p:cNvPr id="3" name="Picture 2" descr="tutorial-01-getting-started.png"/>
+          <p:cNvPicPr>
+            <a:picLocks noChangeAspect="1"/>
+          </p:cNvPicPr>
+          <p:nvPr/>
+        </p:nvPicPr>
+        <p:blipFill>
+          <a:blip r:embed="rId2"/>
+          <a:stretch>
+            <a:fillRect/>
+          </a:stretch>
+        </p:blipFill>
+        <p:spPr>
+          <a:xfrm>
+            <a:off x="457200" y="914400"/>
+            <a:ext cx="10566400" cy="5943600"/>
+          </a:xfrm>
+          <a:prstGeom prst="rect">
+            <a:avLst/>
+          </a:prstGeom>
+        </p:spPr>
+      </p:pic>
+      <p:sp>
+        <p:nvSpPr>
+          <p:cNvPr id="4" name="TextBox 3"/>
+          <p:cNvSpPr txBox="1"/>
+          <p:nvPr/>
+        </p:nvSpPr>
+        <p:spPr>
+          <a:xfrm>
+            <a:off x="457200" y="7040880"/>
+            <a:ext cx="13716000" cy="914400"/>
+          </a:xfrm>
+          <a:prstGeom prst="rect">
+            <a:avLst/>
+          </a:prstGeom>
+          <a:noFill/>
+        </p:spPr>
+        <p:txBody>
+          <a:bodyPr wrap="none">
+            <a:spAutoFit/>
+          </a:bodyPr>
+          <a:lstStyle/>
+          <a:p>
+            <a:pPr>
+              <a:defRPr sz="1600"/>
+            </a:pPr>
+            <a:r>
+              <a:t>Navigate to Scale Operations tab and select mode</a:t>
+            </a:r>
+          </a:p>
+        </p:txBody>
+      </p:sp>
+    </p:spTree>
+  </p:cSld>
+  <p:clrMapOvr>
+    <a:masterClrMapping/>
+  </p:clrMapOvr>
+</p:sld>
+</file>
+
 <file path=ppt/slides/slide2.xml><?xml version="1.0" encoding="utf-8"?>
 <p:sld xmlns:a="http://schemas.openxmlformats.org/drawingml/2006/main" xmlns:p="http://schemas.openxmlformats.org/presentationml/2006/main" xmlns:r="http://schemas.openxmlformats.org/officeDocument/2006/relationships">
   <p:cSld>
@@ -3894,6 +4321,734 @@
             </a:pPr>
             <a:r>
               <a:t>Real scale test: 2.7k → 77k resources achieved</a:t>
+            </a:r>
+          </a:p>
+        </p:txBody>
+      </p:sp>
+    </p:spTree>
+  </p:cSld>
+  <p:clrMapOvr>
+    <a:masterClrMapping/>
+  </p:clrMapOvr>
+</p:sld>
+</file>
+
+<file path=ppt/slides/slide20.xml><?xml version="1.0" encoding="utf-8"?>
+<p:sld xmlns:a="http://schemas.openxmlformats.org/drawingml/2006/main" xmlns:p="http://schemas.openxmlformats.org/presentationml/2006/main" xmlns:r="http://schemas.openxmlformats.org/officeDocument/2006/relationships">
+  <p:cSld>
+    <p:spTree>
+      <p:nvGrpSpPr>
+        <p:cNvPr id="1" name=""/>
+        <p:cNvGrpSpPr/>
+        <p:nvPr/>
+      </p:nvGrpSpPr>
+      <p:grpSpPr/>
+      <p:sp>
+        <p:nvSpPr>
+          <p:cNvPr id="2" name="TextBox 1"/>
+          <p:cNvSpPr txBox="1"/>
+          <p:nvPr/>
+        </p:nvSpPr>
+        <p:spPr>
+          <a:xfrm>
+            <a:off x="457200" y="182880"/>
+            <a:ext cx="13716000" cy="640080"/>
+          </a:xfrm>
+          <a:prstGeom prst="rect">
+            <a:avLst/>
+          </a:prstGeom>
+          <a:noFill/>
+        </p:spPr>
+        <p:txBody>
+          <a:bodyPr wrap="none">
+            <a:spAutoFit/>
+          </a:bodyPr>
+          <a:lstStyle/>
+          <a:p>
+            <a:pPr>
+              <a:defRPr sz="3600" b="1"/>
+            </a:pPr>
+            <a:r>
+              <a:t>UI Tutorial: Template Strategy</a:t>
+            </a:r>
+          </a:p>
+        </p:txBody>
+      </p:sp>
+      <p:pic>
+        <p:nvPicPr>
+          <p:cNvPr id="3" name="Picture 2" descr="tutorial-02-template-strategy.png"/>
+          <p:cNvPicPr>
+            <a:picLocks noChangeAspect="1"/>
+          </p:cNvPicPr>
+          <p:nvPr/>
+        </p:nvPicPr>
+        <p:blipFill>
+          <a:blip r:embed="rId2"/>
+          <a:stretch>
+            <a:fillRect/>
+          </a:stretch>
+        </p:blipFill>
+        <p:spPr>
+          <a:xfrm>
+            <a:off x="457200" y="914400"/>
+            <a:ext cx="10566400" cy="5943600"/>
+          </a:xfrm>
+          <a:prstGeom prst="rect">
+            <a:avLst/>
+          </a:prstGeom>
+        </p:spPr>
+      </p:pic>
+      <p:sp>
+        <p:nvSpPr>
+          <p:cNvPr id="4" name="TextBox 3"/>
+          <p:cNvSpPr txBox="1"/>
+          <p:nvPr/>
+        </p:nvSpPr>
+        <p:spPr>
+          <a:xfrm>
+            <a:off x="457200" y="7040880"/>
+            <a:ext cx="13716000" cy="914400"/>
+          </a:xfrm>
+          <a:prstGeom prst="rect">
+            <a:avLst/>
+          </a:prstGeom>
+          <a:noFill/>
+        </p:spPr>
+        <p:txBody>
+          <a:bodyPr wrap="none">
+            <a:spAutoFit/>
+          </a:bodyPr>
+          <a:lstStyle/>
+          <a:p>
+            <a:pPr>
+              <a:defRPr sz="1600"/>
+            </a:pPr>
+            <a:r>
+              <a:t>Configure template-based scaling</a:t>
+            </a:r>
+          </a:p>
+        </p:txBody>
+      </p:sp>
+    </p:spTree>
+  </p:cSld>
+  <p:clrMapOvr>
+    <a:masterClrMapping/>
+  </p:clrMapOvr>
+</p:sld>
+</file>
+
+<file path=ppt/slides/slide21.xml><?xml version="1.0" encoding="utf-8"?>
+<p:sld xmlns:a="http://schemas.openxmlformats.org/drawingml/2006/main" xmlns:p="http://schemas.openxmlformats.org/presentationml/2006/main" xmlns:r="http://schemas.openxmlformats.org/officeDocument/2006/relationships">
+  <p:cSld>
+    <p:spTree>
+      <p:nvGrpSpPr>
+        <p:cNvPr id="1" name=""/>
+        <p:cNvGrpSpPr/>
+        <p:nvPr/>
+      </p:nvGrpSpPr>
+      <p:grpSpPr/>
+      <p:sp>
+        <p:nvSpPr>
+          <p:cNvPr id="2" name="TextBox 1"/>
+          <p:cNvSpPr txBox="1"/>
+          <p:nvPr/>
+        </p:nvSpPr>
+        <p:spPr>
+          <a:xfrm>
+            <a:off x="457200" y="182880"/>
+            <a:ext cx="13716000" cy="640080"/>
+          </a:xfrm>
+          <a:prstGeom prst="rect">
+            <a:avLst/>
+          </a:prstGeom>
+          <a:noFill/>
+        </p:spPr>
+        <p:txBody>
+          <a:bodyPr wrap="none">
+            <a:spAutoFit/>
+          </a:bodyPr>
+          <a:lstStyle/>
+          <a:p>
+            <a:pPr>
+              <a:defRPr sz="3600" b="1"/>
+            </a:pPr>
+            <a:r>
+              <a:t>UI Tutorial: Scenario Selection</a:t>
+            </a:r>
+          </a:p>
+        </p:txBody>
+      </p:sp>
+      <p:pic>
+        <p:nvPicPr>
+          <p:cNvPr id="3" name="Picture 2" descr="tutorial-03-scenario-selection.png"/>
+          <p:cNvPicPr>
+            <a:picLocks noChangeAspect="1"/>
+          </p:cNvPicPr>
+          <p:nvPr/>
+        </p:nvPicPr>
+        <p:blipFill>
+          <a:blip r:embed="rId2"/>
+          <a:stretch>
+            <a:fillRect/>
+          </a:stretch>
+        </p:blipFill>
+        <p:spPr>
+          <a:xfrm>
+            <a:off x="457200" y="914400"/>
+            <a:ext cx="10566400" cy="5943600"/>
+          </a:xfrm>
+          <a:prstGeom prst="rect">
+            <a:avLst/>
+          </a:prstGeom>
+        </p:spPr>
+      </p:pic>
+      <p:sp>
+        <p:nvSpPr>
+          <p:cNvPr id="4" name="TextBox 3"/>
+          <p:cNvSpPr txBox="1"/>
+          <p:nvPr/>
+        </p:nvSpPr>
+        <p:spPr>
+          <a:xfrm>
+            <a:off x="457200" y="7040880"/>
+            <a:ext cx="13716000" cy="914400"/>
+          </a:xfrm>
+          <a:prstGeom prst="rect">
+            <a:avLst/>
+          </a:prstGeom>
+          <a:noFill/>
+        </p:spPr>
+        <p:txBody>
+          <a:bodyPr wrap="none">
+            <a:spAutoFit/>
+          </a:bodyPr>
+          <a:lstStyle/>
+          <a:p>
+            <a:pPr>
+              <a:defRPr sz="1600"/>
+            </a:pPr>
+            <a:r>
+              <a:t>Generate hub-spoke topology</a:t>
+            </a:r>
+          </a:p>
+        </p:txBody>
+      </p:sp>
+    </p:spTree>
+  </p:cSld>
+  <p:clrMapOvr>
+    <a:masterClrMapping/>
+  </p:clrMapOvr>
+</p:sld>
+</file>
+
+<file path=ppt/slides/slide22.xml><?xml version="1.0" encoding="utf-8"?>
+<p:sld xmlns:a="http://schemas.openxmlformats.org/drawingml/2006/main" xmlns:p="http://schemas.openxmlformats.org/presentationml/2006/main" xmlns:r="http://schemas.openxmlformats.org/officeDocument/2006/relationships">
+  <p:cSld>
+    <p:spTree>
+      <p:nvGrpSpPr>
+        <p:cNvPr id="1" name=""/>
+        <p:cNvGrpSpPr/>
+        <p:nvPr/>
+      </p:nvGrpSpPr>
+      <p:grpSpPr/>
+      <p:sp>
+        <p:nvSpPr>
+          <p:cNvPr id="2" name="TextBox 1"/>
+          <p:cNvSpPr txBox="1"/>
+          <p:nvPr/>
+        </p:nvSpPr>
+        <p:spPr>
+          <a:xfrm>
+            <a:off x="457200" y="182880"/>
+            <a:ext cx="13716000" cy="640080"/>
+          </a:xfrm>
+          <a:prstGeom prst="rect">
+            <a:avLst/>
+          </a:prstGeom>
+          <a:noFill/>
+        </p:spPr>
+        <p:txBody>
+          <a:bodyPr wrap="none">
+            <a:spAutoFit/>
+          </a:bodyPr>
+          <a:lstStyle/>
+          <a:p>
+            <a:pPr>
+              <a:defRPr sz="3600" b="1"/>
+            </a:pPr>
+            <a:r>
+              <a:t>UI Tutorial: Scale Factor</a:t>
+            </a:r>
+          </a:p>
+        </p:txBody>
+      </p:sp>
+      <p:pic>
+        <p:nvPicPr>
+          <p:cNvPr id="3" name="Picture 2" descr="tutorial-04-scale-factor.png"/>
+          <p:cNvPicPr>
+            <a:picLocks noChangeAspect="1"/>
+          </p:cNvPicPr>
+          <p:nvPr/>
+        </p:nvPicPr>
+        <p:blipFill>
+          <a:blip r:embed="rId2"/>
+          <a:stretch>
+            <a:fillRect/>
+          </a:stretch>
+        </p:blipFill>
+        <p:spPr>
+          <a:xfrm>
+            <a:off x="457200" y="914400"/>
+            <a:ext cx="10566400" cy="5943600"/>
+          </a:xfrm>
+          <a:prstGeom prst="rect">
+            <a:avLst/>
+          </a:prstGeom>
+        </p:spPr>
+      </p:pic>
+      <p:sp>
+        <p:nvSpPr>
+          <p:cNvPr id="4" name="TextBox 3"/>
+          <p:cNvSpPr txBox="1"/>
+          <p:nvPr/>
+        </p:nvSpPr>
+        <p:spPr>
+          <a:xfrm>
+            <a:off x="457200" y="7040880"/>
+            <a:ext cx="13716000" cy="914400"/>
+          </a:xfrm>
+          <a:prstGeom prst="rect">
+            <a:avLst/>
+          </a:prstGeom>
+          <a:noFill/>
+        </p:spPr>
+        <p:txBody>
+          <a:bodyPr wrap="none">
+            <a:spAutoFit/>
+          </a:bodyPr>
+          <a:lstStyle/>
+          <a:p>
+            <a:pPr>
+              <a:defRPr sz="1600"/>
+            </a:pPr>
+            <a:r>
+              <a:t>Adjust intensity with slider</a:t>
+            </a:r>
+          </a:p>
+        </p:txBody>
+      </p:sp>
+    </p:spTree>
+  </p:cSld>
+  <p:clrMapOvr>
+    <a:masterClrMapping/>
+  </p:clrMapOvr>
+</p:sld>
+</file>
+
+<file path=ppt/slides/slide23.xml><?xml version="1.0" encoding="utf-8"?>
+<p:sld xmlns:a="http://schemas.openxmlformats.org/drawingml/2006/main" xmlns:p="http://schemas.openxmlformats.org/presentationml/2006/main" xmlns:r="http://schemas.openxmlformats.org/officeDocument/2006/relationships">
+  <p:cSld>
+    <p:spTree>
+      <p:nvGrpSpPr>
+        <p:cNvPr id="1" name=""/>
+        <p:cNvGrpSpPr/>
+        <p:nvPr/>
+      </p:nvGrpSpPr>
+      <p:grpSpPr/>
+      <p:sp>
+        <p:nvSpPr>
+          <p:cNvPr id="2" name="TextBox 1"/>
+          <p:cNvSpPr txBox="1"/>
+          <p:nvPr/>
+        </p:nvSpPr>
+        <p:spPr>
+          <a:xfrm>
+            <a:off x="457200" y="182880"/>
+            <a:ext cx="13716000" cy="640080"/>
+          </a:xfrm>
+          <a:prstGeom prst="rect">
+            <a:avLst/>
+          </a:prstGeom>
+          <a:noFill/>
+        </p:spPr>
+        <p:txBody>
+          <a:bodyPr wrap="none">
+            <a:spAutoFit/>
+          </a:bodyPr>
+          <a:lstStyle/>
+          <a:p>
+            <a:pPr>
+              <a:defRPr sz="3600" b="1"/>
+            </a:pPr>
+            <a:r>
+              <a:t>UI Tutorial: Preview &amp; Execute</a:t>
+            </a:r>
+          </a:p>
+        </p:txBody>
+      </p:sp>
+      <p:pic>
+        <p:nvPicPr>
+          <p:cNvPr id="3" name="Picture 2" descr="tutorial-05-preview-execute.png"/>
+          <p:cNvPicPr>
+            <a:picLocks noChangeAspect="1"/>
+          </p:cNvPicPr>
+          <p:nvPr/>
+        </p:nvPicPr>
+        <p:blipFill>
+          <a:blip r:embed="rId2"/>
+          <a:stretch>
+            <a:fillRect/>
+          </a:stretch>
+        </p:blipFill>
+        <p:spPr>
+          <a:xfrm>
+            <a:off x="457200" y="914400"/>
+            <a:ext cx="10566400" cy="5943600"/>
+          </a:xfrm>
+          <a:prstGeom prst="rect">
+            <a:avLst/>
+          </a:prstGeom>
+        </p:spPr>
+      </p:pic>
+      <p:sp>
+        <p:nvSpPr>
+          <p:cNvPr id="4" name="TextBox 3"/>
+          <p:cNvSpPr txBox="1"/>
+          <p:nvPr/>
+        </p:nvSpPr>
+        <p:spPr>
+          <a:xfrm>
+            <a:off x="457200" y="7040880"/>
+            <a:ext cx="13716000" cy="914400"/>
+          </a:xfrm>
+          <a:prstGeom prst="rect">
+            <a:avLst/>
+          </a:prstGeom>
+          <a:noFill/>
+        </p:spPr>
+        <p:txBody>
+          <a:bodyPr wrap="none">
+            <a:spAutoFit/>
+          </a:bodyPr>
+          <a:lstStyle/>
+          <a:p>
+            <a:pPr>
+              <a:defRPr sz="1600"/>
+            </a:pPr>
+            <a:r>
+              <a:t>Safe execution workflow</a:t>
+            </a:r>
+          </a:p>
+        </p:txBody>
+      </p:sp>
+    </p:spTree>
+  </p:cSld>
+  <p:clrMapOvr>
+    <a:masterClrMapping/>
+  </p:clrMapOvr>
+</p:sld>
+</file>
+
+<file path=ppt/slides/slide24.xml><?xml version="1.0" encoding="utf-8"?>
+<p:sld xmlns:a="http://schemas.openxmlformats.org/drawingml/2006/main" xmlns:p="http://schemas.openxmlformats.org/presentationml/2006/main" xmlns:r="http://schemas.openxmlformats.org/officeDocument/2006/relationships">
+  <p:cSld>
+    <p:spTree>
+      <p:nvGrpSpPr>
+        <p:cNvPr id="1" name=""/>
+        <p:cNvGrpSpPr/>
+        <p:nvPr/>
+      </p:nvGrpSpPr>
+      <p:grpSpPr/>
+      <p:sp>
+        <p:nvSpPr>
+          <p:cNvPr id="2" name="TextBox 1"/>
+          <p:cNvSpPr txBox="1"/>
+          <p:nvPr/>
+        </p:nvSpPr>
+        <p:spPr>
+          <a:xfrm>
+            <a:off x="457200" y="182880"/>
+            <a:ext cx="13716000" cy="640080"/>
+          </a:xfrm>
+          <a:prstGeom prst="rect">
+            <a:avLst/>
+          </a:prstGeom>
+          <a:noFill/>
+        </p:spPr>
+        <p:txBody>
+          <a:bodyPr wrap="none">
+            <a:spAutoFit/>
+          </a:bodyPr>
+          <a:lstStyle/>
+          <a:p>
+            <a:pPr>
+              <a:defRPr sz="3600" b="1"/>
+            </a:pPr>
+            <a:r>
+              <a:t>UI Tutorial: Quick Actions</a:t>
+            </a:r>
+          </a:p>
+        </p:txBody>
+      </p:sp>
+      <p:pic>
+        <p:nvPicPr>
+          <p:cNvPr id="3" name="Picture 2" descr="tutorial-06-quick-actions.png"/>
+          <p:cNvPicPr>
+            <a:picLocks noChangeAspect="1"/>
+          </p:cNvPicPr>
+          <p:nvPr/>
+        </p:nvPicPr>
+        <p:blipFill>
+          <a:blip r:embed="rId2"/>
+          <a:stretch>
+            <a:fillRect/>
+          </a:stretch>
+        </p:blipFill>
+        <p:spPr>
+          <a:xfrm>
+            <a:off x="457200" y="914400"/>
+            <a:ext cx="10566400" cy="5943600"/>
+          </a:xfrm>
+          <a:prstGeom prst="rect">
+            <a:avLst/>
+          </a:prstGeom>
+        </p:spPr>
+      </p:pic>
+      <p:sp>
+        <p:nvSpPr>
+          <p:cNvPr id="4" name="TextBox 3"/>
+          <p:cNvSpPr txBox="1"/>
+          <p:nvPr/>
+        </p:nvSpPr>
+        <p:spPr>
+          <a:xfrm>
+            <a:off x="457200" y="7040880"/>
+            <a:ext cx="13716000" cy="914400"/>
+          </a:xfrm>
+          <a:prstGeom prst="rect">
+            <a:avLst/>
+          </a:prstGeom>
+          <a:noFill/>
+        </p:spPr>
+        <p:txBody>
+          <a:bodyPr wrap="none">
+            <a:spAutoFit/>
+          </a:bodyPr>
+          <a:lstStyle/>
+          <a:p>
+            <a:pPr>
+              <a:defRPr sz="1600"/>
+            </a:pPr>
+            <a:r>
+              <a:t>Clean, validate, and analyze</a:t>
+            </a:r>
+          </a:p>
+        </p:txBody>
+      </p:sp>
+    </p:spTree>
+  </p:cSld>
+  <p:clrMapOvr>
+    <a:masterClrMapping/>
+  </p:clrMapOvr>
+</p:sld>
+</file>
+
+<file path=ppt/slides/slide25.xml><?xml version="1.0" encoding="utf-8"?>
+<p:sld xmlns:a="http://schemas.openxmlformats.org/drawingml/2006/main" xmlns:p="http://schemas.openxmlformats.org/presentationml/2006/main" xmlns:r="http://schemas.openxmlformats.org/officeDocument/2006/relationships">
+  <p:cSld>
+    <p:spTree>
+      <p:nvGrpSpPr>
+        <p:cNvPr id="1" name=""/>
+        <p:cNvGrpSpPr/>
+        <p:nvPr/>
+      </p:nvGrpSpPr>
+      <p:grpSpPr/>
+      <p:sp>
+        <p:nvSpPr>
+          <p:cNvPr id="2" name="TextBox 1"/>
+          <p:cNvSpPr txBox="1"/>
+          <p:nvPr/>
+        </p:nvSpPr>
+        <p:spPr>
+          <a:xfrm>
+            <a:off x="457200" y="182880"/>
+            <a:ext cx="13716000" cy="640080"/>
+          </a:xfrm>
+          <a:prstGeom prst="rect">
+            <a:avLst/>
+          </a:prstGeom>
+          <a:noFill/>
+        </p:spPr>
+        <p:txBody>
+          <a:bodyPr wrap="none">
+            <a:spAutoFit/>
+          </a:bodyPr>
+          <a:lstStyle/>
+          <a:p>
+            <a:pPr>
+              <a:defRPr sz="3600" b="1"/>
+            </a:pPr>
+            <a:r>
+              <a:t>UI Tutorial: Validation</a:t>
+            </a:r>
+          </a:p>
+        </p:txBody>
+      </p:sp>
+      <p:pic>
+        <p:nvPicPr>
+          <p:cNvPr id="3" name="Picture 2" descr="tutorial-07-validation-options.png"/>
+          <p:cNvPicPr>
+            <a:picLocks noChangeAspect="1"/>
+          </p:cNvPicPr>
+          <p:nvPr/>
+        </p:nvPicPr>
+        <p:blipFill>
+          <a:blip r:embed="rId2"/>
+          <a:stretch>
+            <a:fillRect/>
+          </a:stretch>
+        </p:blipFill>
+        <p:spPr>
+          <a:xfrm>
+            <a:off x="457200" y="914400"/>
+            <a:ext cx="10566400" cy="5943600"/>
+          </a:xfrm>
+          <a:prstGeom prst="rect">
+            <a:avLst/>
+          </a:prstGeom>
+        </p:spPr>
+      </p:pic>
+      <p:sp>
+        <p:nvSpPr>
+          <p:cNvPr id="4" name="TextBox 3"/>
+          <p:cNvSpPr txBox="1"/>
+          <p:nvPr/>
+        </p:nvSpPr>
+        <p:spPr>
+          <a:xfrm>
+            <a:off x="457200" y="7040880"/>
+            <a:ext cx="13716000" cy="914400"/>
+          </a:xfrm>
+          <a:prstGeom prst="rect">
+            <a:avLst/>
+          </a:prstGeom>
+          <a:noFill/>
+        </p:spPr>
+        <p:txBody>
+          <a:bodyPr wrap="none">
+            <a:spAutoFit/>
+          </a:bodyPr>
+          <a:lstStyle/>
+          <a:p>
+            <a:pPr>
+              <a:defRPr sz="1600"/>
+            </a:pPr>
+            <a:r>
+              <a:t>Graph integrity checks</a:t>
+            </a:r>
+          </a:p>
+        </p:txBody>
+      </p:sp>
+    </p:spTree>
+  </p:cSld>
+  <p:clrMapOvr>
+    <a:masterClrMapping/>
+  </p:clrMapOvr>
+</p:sld>
+</file>
+
+<file path=ppt/slides/slide26.xml><?xml version="1.0" encoding="utf-8"?>
+<p:sld xmlns:a="http://schemas.openxmlformats.org/drawingml/2006/main" xmlns:p="http://schemas.openxmlformats.org/presentationml/2006/main" xmlns:r="http://schemas.openxmlformats.org/officeDocument/2006/relationships">
+  <p:cSld>
+    <p:spTree>
+      <p:nvGrpSpPr>
+        <p:cNvPr id="1" name=""/>
+        <p:cNvGrpSpPr/>
+        <p:nvPr/>
+      </p:nvGrpSpPr>
+      <p:grpSpPr/>
+      <p:sp>
+        <p:nvSpPr>
+          <p:cNvPr id="2" name="TextBox 1"/>
+          <p:cNvSpPr txBox="1"/>
+          <p:nvPr/>
+        </p:nvSpPr>
+        <p:spPr>
+          <a:xfrm>
+            <a:off x="457200" y="182880"/>
+            <a:ext cx="13716000" cy="640080"/>
+          </a:xfrm>
+          <a:prstGeom prst="rect">
+            <a:avLst/>
+          </a:prstGeom>
+          <a:noFill/>
+        </p:spPr>
+        <p:txBody>
+          <a:bodyPr wrap="none">
+            <a:spAutoFit/>
+          </a:bodyPr>
+          <a:lstStyle/>
+          <a:p>
+            <a:pPr>
+              <a:defRPr sz="3600" b="1"/>
+            </a:pPr>
+            <a:r>
+              <a:t>UI Tutorial: Scale-Down</a:t>
+            </a:r>
+          </a:p>
+        </p:txBody>
+      </p:sp>
+      <p:pic>
+        <p:nvPicPr>
+          <p:cNvPr id="3" name="Picture 2" descr="tutorial-08-scale-down.png"/>
+          <p:cNvPicPr>
+            <a:picLocks noChangeAspect="1"/>
+          </p:cNvPicPr>
+          <p:nvPr/>
+        </p:nvPicPr>
+        <p:blipFill>
+          <a:blip r:embed="rId2"/>
+          <a:stretch>
+            <a:fillRect/>
+          </a:stretch>
+        </p:blipFill>
+        <p:spPr>
+          <a:xfrm>
+            <a:off x="457200" y="914400"/>
+            <a:ext cx="10566400" cy="5943600"/>
+          </a:xfrm>
+          <a:prstGeom prst="rect">
+            <a:avLst/>
+          </a:prstGeom>
+        </p:spPr>
+      </p:pic>
+      <p:sp>
+        <p:nvSpPr>
+          <p:cNvPr id="4" name="TextBox 3"/>
+          <p:cNvSpPr txBox="1"/>
+          <p:nvPr/>
+        </p:nvSpPr>
+        <p:spPr>
+          <a:xfrm>
+            <a:off x="457200" y="7040880"/>
+            <a:ext cx="13716000" cy="914400"/>
+          </a:xfrm>
+          <a:prstGeom prst="rect">
+            <a:avLst/>
+          </a:prstGeom>
+          <a:noFill/>
+        </p:spPr>
+        <p:txBody>
+          <a:bodyPr wrap="none">
+            <a:spAutoFit/>
+          </a:bodyPr>
+          <a:lstStyle/>
+          <a:p>
+            <a:pPr>
+              <a:defRPr sz="1600"/>
+            </a:pPr>
+            <a:r>
+              <a:t>Sampling configuration</a:t>
             </a:r>
           </a:p>
         </p:txBody>

--- a/Scale_Operations_Implementation.pptx
+++ b/Scale_Operations_Implementation.pptx
@@ -31,6 +31,8 @@
     <p:sldId id="279" r:id="rId30"/>
     <p:sldId id="280" r:id="rId31"/>
     <p:sldId id="281" r:id="rId32"/>
+    <p:sldId id="282" r:id="rId33"/>
+    <p:sldId id="283" r:id="rId34"/>
   </p:sldIdLst>
   <p:sldSz cx="14630400" cy="8229600" type="screen4x3"/>
   <p:notesSz cx="6858000" cy="9144000"/>
@@ -5049,6 +5051,214 @@
             </a:pPr>
             <a:r>
               <a:t>Sampling configuration</a:t>
+            </a:r>
+          </a:p>
+        </p:txBody>
+      </p:sp>
+    </p:spTree>
+  </p:cSld>
+  <p:clrMapOvr>
+    <a:masterClrMapping/>
+  </p:clrMapOvr>
+</p:sld>
+</file>
+
+<file path=ppt/slides/slide27.xml><?xml version="1.0" encoding="utf-8"?>
+<p:sld xmlns:a="http://schemas.openxmlformats.org/drawingml/2006/main" xmlns:p="http://schemas.openxmlformats.org/presentationml/2006/main" xmlns:r="http://schemas.openxmlformats.org/officeDocument/2006/relationships">
+  <p:cSld>
+    <p:spTree>
+      <p:nvGrpSpPr>
+        <p:cNvPr id="1" name=""/>
+        <p:cNvGrpSpPr/>
+        <p:nvPr/>
+      </p:nvGrpSpPr>
+      <p:grpSpPr/>
+      <p:sp>
+        <p:nvSpPr>
+          <p:cNvPr id="2" name="TextBox 1"/>
+          <p:cNvSpPr txBox="1"/>
+          <p:nvPr/>
+        </p:nvSpPr>
+        <p:spPr>
+          <a:xfrm>
+            <a:off x="457200" y="182880"/>
+            <a:ext cx="13716000" cy="640080"/>
+          </a:xfrm>
+          <a:prstGeom prst="rect">
+            <a:avLst/>
+          </a:prstGeom>
+          <a:noFill/>
+        </p:spPr>
+        <p:txBody>
+          <a:bodyPr wrap="none">
+            <a:spAutoFit/>
+          </a:bodyPr>
+          <a:lstStyle/>
+          <a:p>
+            <a:pPr>
+              <a:defRPr sz="3600" b="1"/>
+            </a:pPr>
+            <a:r>
+              <a:t>REAL Graph Visualization: Scaled-Up (87k Nodes)</a:t>
+            </a:r>
+          </a:p>
+        </p:txBody>
+      </p:sp>
+      <p:pic>
+        <p:nvPicPr>
+          <p:cNvPr id="3" name="Picture 2" descr="02-REAL-scaled-up-87k.png"/>
+          <p:cNvPicPr>
+            <a:picLocks noChangeAspect="1"/>
+          </p:cNvPicPr>
+          <p:nvPr/>
+        </p:nvPicPr>
+        <p:blipFill>
+          <a:blip r:embed="rId2"/>
+          <a:stretch>
+            <a:fillRect/>
+          </a:stretch>
+        </p:blipFill>
+        <p:spPr>
+          <a:xfrm>
+            <a:off x="457200" y="914400"/>
+            <a:ext cx="10566400" cy="5943600"/>
+          </a:xfrm>
+          <a:prstGeom prst="rect">
+            <a:avLst/>
+          </a:prstGeom>
+        </p:spPr>
+      </p:pic>
+      <p:sp>
+        <p:nvSpPr>
+          <p:cNvPr id="4" name="TextBox 3"/>
+          <p:cNvSpPr txBox="1"/>
+          <p:nvPr/>
+        </p:nvSpPr>
+        <p:spPr>
+          <a:xfrm>
+            <a:off x="457200" y="7040880"/>
+            <a:ext cx="13716000" cy="914400"/>
+          </a:xfrm>
+          <a:prstGeom prst="rect">
+            <a:avLst/>
+          </a:prstGeom>
+          <a:noFill/>
+        </p:spPr>
+        <p:txBody>
+          <a:bodyPr wrap="none">
+            <a:spAutoFit/>
+          </a:bodyPr>
+          <a:lstStyle/>
+          <a:p>
+            <a:pPr>
+              <a:defRPr sz="1600"/>
+            </a:pPr>
+            <a:r>
+              <a:t>Actual 3D force-directed graph from atg visualize - 87,941 nodes, 45,185 relationships</a:t>
+            </a:r>
+          </a:p>
+        </p:txBody>
+      </p:sp>
+    </p:spTree>
+  </p:cSld>
+  <p:clrMapOvr>
+    <a:masterClrMapping/>
+  </p:clrMapOvr>
+</p:sld>
+</file>
+
+<file path=ppt/slides/slide28.xml><?xml version="1.0" encoding="utf-8"?>
+<p:sld xmlns:a="http://schemas.openxmlformats.org/drawingml/2006/main" xmlns:p="http://schemas.openxmlformats.org/presentationml/2006/main" xmlns:r="http://schemas.openxmlformats.org/officeDocument/2006/relationships">
+  <p:cSld>
+    <p:spTree>
+      <p:nvGrpSpPr>
+        <p:cNvPr id="1" name=""/>
+        <p:cNvGrpSpPr/>
+        <p:nvPr/>
+      </p:nvGrpSpPr>
+      <p:grpSpPr/>
+      <p:sp>
+        <p:nvSpPr>
+          <p:cNvPr id="2" name="TextBox 1"/>
+          <p:cNvSpPr txBox="1"/>
+          <p:nvPr/>
+        </p:nvSpPr>
+        <p:spPr>
+          <a:xfrm>
+            <a:off x="457200" y="182880"/>
+            <a:ext cx="13716000" cy="640080"/>
+          </a:xfrm>
+          <a:prstGeom prst="rect">
+            <a:avLst/>
+          </a:prstGeom>
+          <a:noFill/>
+        </p:spPr>
+        <p:txBody>
+          <a:bodyPr wrap="none">
+            <a:spAutoFit/>
+          </a:bodyPr>
+          <a:lstStyle/>
+          <a:p>
+            <a:pPr>
+              <a:defRPr sz="3600" b="1"/>
+            </a:pPr>
+            <a:r>
+              <a:t>REAL Graph Visualization: Scaled-Down Sample</a:t>
+            </a:r>
+          </a:p>
+        </p:txBody>
+      </p:sp>
+      <p:pic>
+        <p:nvPicPr>
+          <p:cNvPr id="3" name="Picture 2" descr="03-REAL-scaled-down.png"/>
+          <p:cNvPicPr>
+            <a:picLocks noChangeAspect="1"/>
+          </p:cNvPicPr>
+          <p:nvPr/>
+        </p:nvPicPr>
+        <p:blipFill>
+          <a:blip r:embed="rId2"/>
+          <a:stretch>
+            <a:fillRect/>
+          </a:stretch>
+        </p:blipFill>
+        <p:spPr>
+          <a:xfrm>
+            <a:off x="457200" y="914400"/>
+            <a:ext cx="10566400" cy="5943600"/>
+          </a:xfrm>
+          <a:prstGeom prst="rect">
+            <a:avLst/>
+          </a:prstGeom>
+        </p:spPr>
+      </p:pic>
+      <p:sp>
+        <p:nvSpPr>
+          <p:cNvPr id="4" name="TextBox 3"/>
+          <p:cNvSpPr txBox="1"/>
+          <p:nvPr/>
+        </p:nvSpPr>
+        <p:spPr>
+          <a:xfrm>
+            <a:off x="457200" y="7040880"/>
+            <a:ext cx="13716000" cy="914400"/>
+          </a:xfrm>
+          <a:prstGeom prst="rect">
+            <a:avLst/>
+          </a:prstGeom>
+          <a:noFill/>
+        </p:spPr>
+        <p:txBody>
+          <a:bodyPr wrap="none">
+            <a:spAutoFit/>
+          </a:bodyPr>
+          <a:lstStyle/>
+          <a:p>
+            <a:pPr>
+              <a:defRPr sz="1600"/>
+            </a:pPr>
+            <a:r>
+              <a:t>10% sample showing 109 nodes, 100 relationships - network structure preserved</a:t>
             </a:r>
           </a:p>
         </p:txBody>

--- a/Scale_Operations_Implementation.pptx
+++ b/Scale_Operations_Implementation.pptx
@@ -33,6 +33,7 @@
     <p:sldId id="281" r:id="rId32"/>
     <p:sldId id="282" r:id="rId33"/>
     <p:sldId id="283" r:id="rId34"/>
+    <p:sldId id="284" r:id="rId35"/>
   </p:sldIdLst>
   <p:sldSz cx="14630400" cy="8229600" type="screen4x3"/>
   <p:notesSz cx="6858000" cy="9144000"/>
@@ -5259,6 +5260,110 @@
             </a:pPr>
             <a:r>
               <a:t>10% sample showing 109 nodes, 100 relationships - network structure preserved</a:t>
+            </a:r>
+          </a:p>
+        </p:txBody>
+      </p:sp>
+    </p:spTree>
+  </p:cSld>
+  <p:clrMapOvr>
+    <a:masterClrMapping/>
+  </p:clrMapOvr>
+</p:sld>
+</file>
+
+<file path=ppt/slides/slide29.xml><?xml version="1.0" encoding="utf-8"?>
+<p:sld xmlns:a="http://schemas.openxmlformats.org/drawingml/2006/main" xmlns:p="http://schemas.openxmlformats.org/presentationml/2006/main" xmlns:r="http://schemas.openxmlformats.org/officeDocument/2006/relationships">
+  <p:cSld>
+    <p:spTree>
+      <p:nvGrpSpPr>
+        <p:cNvPr id="1" name=""/>
+        <p:cNvGrpSpPr/>
+        <p:nvPr/>
+      </p:nvGrpSpPr>
+      <p:grpSpPr/>
+      <p:sp>
+        <p:nvSpPr>
+          <p:cNvPr id="2" name="TextBox 1"/>
+          <p:cNvSpPr txBox="1"/>
+          <p:nvPr/>
+        </p:nvSpPr>
+        <p:spPr>
+          <a:xfrm>
+            <a:off x="457200" y="182880"/>
+            <a:ext cx="13716000" cy="640080"/>
+          </a:xfrm>
+          <a:prstGeom prst="rect">
+            <a:avLst/>
+          </a:prstGeom>
+          <a:noFill/>
+        </p:spPr>
+        <p:txBody>
+          <a:bodyPr wrap="none">
+            <a:spAutoFit/>
+          </a:bodyPr>
+          <a:lstStyle/>
+          <a:p>
+            <a:pPr>
+              <a:defRPr sz="3200" b="1"/>
+            </a:pPr>
+            <a:r>
+              <a:t>Graph Visualization: 87,941 Nodes from DefenderATEVET17</a:t>
+            </a:r>
+          </a:p>
+        </p:txBody>
+      </p:sp>
+      <p:pic>
+        <p:nvPicPr>
+          <p:cNvPr id="3" name="Picture 2" descr="image.png"/>
+          <p:cNvPicPr>
+            <a:picLocks noChangeAspect="1"/>
+          </p:cNvPicPr>
+          <p:nvPr/>
+        </p:nvPicPr>
+        <p:blipFill>
+          <a:blip r:embed="rId2"/>
+          <a:stretch>
+            <a:fillRect/>
+          </a:stretch>
+        </p:blipFill>
+        <p:spPr>
+          <a:xfrm>
+            <a:off x="457200" y="914400"/>
+            <a:ext cx="10566400" cy="5943600"/>
+          </a:xfrm>
+          <a:prstGeom prst="rect">
+            <a:avLst/>
+          </a:prstGeom>
+        </p:spPr>
+      </p:pic>
+      <p:sp>
+        <p:nvSpPr>
+          <p:cNvPr id="4" name="TextBox 3"/>
+          <p:cNvSpPr txBox="1"/>
+          <p:nvPr/>
+        </p:nvSpPr>
+        <p:spPr>
+          <a:xfrm>
+            <a:off x="457200" y="7040880"/>
+            <a:ext cx="13716000" cy="914400"/>
+          </a:xfrm>
+          <a:prstGeom prst="rect">
+            <a:avLst/>
+          </a:prstGeom>
+          <a:noFill/>
+        </p:spPr>
+        <p:txBody>
+          <a:bodyPr wrap="none">
+            <a:spAutoFit/>
+          </a:bodyPr>
+          <a:lstStyle/>
+          <a:p>
+            <a:pPr>
+              <a:defRPr sz="1400"/>
+            </a:pPr>
+            <a:r>
+              <a:t>3D force-directed graph from actual atg visualize command - Real data from Azure tenant</a:t>
             </a:r>
           </a:p>
         </p:txBody>

--- a/Scale_Operations_Implementation.pptx
+++ b/Scale_Operations_Implementation.pptx
@@ -15,25 +15,6 @@
     <p:sldId id="263" r:id="rId14"/>
     <p:sldId id="264" r:id="rId15"/>
     <p:sldId id="265" r:id="rId16"/>
-    <p:sldId id="266" r:id="rId17"/>
-    <p:sldId id="267" r:id="rId18"/>
-    <p:sldId id="268" r:id="rId19"/>
-    <p:sldId id="269" r:id="rId20"/>
-    <p:sldId id="270" r:id="rId21"/>
-    <p:sldId id="271" r:id="rId22"/>
-    <p:sldId id="272" r:id="rId23"/>
-    <p:sldId id="273" r:id="rId24"/>
-    <p:sldId id="274" r:id="rId25"/>
-    <p:sldId id="275" r:id="rId26"/>
-    <p:sldId id="276" r:id="rId27"/>
-    <p:sldId id="277" r:id="rId28"/>
-    <p:sldId id="278" r:id="rId29"/>
-    <p:sldId id="279" r:id="rId30"/>
-    <p:sldId id="280" r:id="rId31"/>
-    <p:sldId id="281" r:id="rId32"/>
-    <p:sldId id="282" r:id="rId33"/>
-    <p:sldId id="283" r:id="rId34"/>
-    <p:sldId id="284" r:id="rId35"/>
   </p:sldIdLst>
   <p:sldSz cx="14630400" cy="8229600" type="screen4x3"/>
   <p:notesSz cx="6858000" cy="9144000"/>
@@ -3132,7 +3113,7 @@
           <a:lstStyle/>
           <a:p>
             <a:r>
-              <a:t>Scale Operations for Azure Tenant Grapher</a:t>
+              <a:t>Scale Operations</a:t>
             </a:r>
           </a:p>
         </p:txBody>
@@ -3153,7 +3134,7 @@
           <a:lstStyle/>
           <a:p>
             <a:r>
-              <a:t>Implementation &amp; Testing • Issue #427 • November 2025</a:t>
+              <a:t>Azure Tenant Grapher • Issue #427 • November 2025</a:t>
             </a:r>
           </a:p>
         </p:txBody>
@@ -3192,7 +3173,7 @@
           <a:lstStyle/>
           <a:p>
             <a:r>
-              <a:t>CLI Tutorial: Scale-Up</a:t>
+              <a:t>Working Functionality</a:t>
             </a:r>
           </a:p>
         </p:txBody>
@@ -3214,34 +3195,50 @@
           <a:p/>
           <a:p>
             <a:pPr>
-              <a:defRPr sz="2000"/>
+              <a:defRPr sz="1800"/>
             </a:pPr>
             <a:r>
-              <a:t>$ atg scale-stats --tenant-id &lt;ID&gt;</a:t>
+              <a:t>Scale-Up: Template-based generation works</a:t>
             </a:r>
           </a:p>
           <a:p>
             <a:pPr>
-              <a:defRPr sz="2000"/>
+              <a:defRPr sz="1800"/>
             </a:pPr>
             <a:r>
-              <a:t>$ atg scale-up scenario --scenario hub-spoke --spokes 5</a:t>
+              <a:t>Scale-Down: Pattern-based sampling works</a:t>
             </a:r>
           </a:p>
           <a:p>
             <a:pPr>
-              <a:defRPr sz="2000"/>
+              <a:defRPr sz="1800"/>
             </a:pPr>
             <a:r>
-              <a:t>$ atg scale-validate --check all</a:t>
+              <a:t>CLI: All 7 commands functional (with bug fixes)</a:t>
             </a:r>
           </a:p>
           <a:p>
             <a:pPr>
-              <a:defRPr sz="2000"/>
+              <a:defRPr sz="1800"/>
             </a:pPr>
             <a:r>
-              <a:t>$ atg scale-stats --detailed</a:t>
+              <a:t>UI: 12 React components built and tested</a:t>
+            </a:r>
+          </a:p>
+          <a:p>
+            <a:pPr>
+              <a:defRPr sz="1800"/>
+            </a:pPr>
+            <a:r>
+              <a:t>Visualization: Synthetic node highlighting implemented</a:t>
+            </a:r>
+          </a:p>
+          <a:p>
+            <a:pPr>
+              <a:defRPr sz="1800"/>
+            </a:pPr>
+            <a:r>
+              <a:t>Testing: 534 tests, multiple bugs caught through E2E</a:t>
             </a:r>
           </a:p>
         </p:txBody>
@@ -3254,7 +3251,7 @@
 </p:sld>
 </file>
 
-<file path=ppt/slides/slide11.xml><?xml version="1.0" encoding="utf-8"?>
+<file path=ppt/slides/slide2.xml><?xml version="1.0" encoding="utf-8"?>
 <p:sld xmlns:a="http://schemas.openxmlformats.org/drawingml/2006/main" xmlns:p="http://schemas.openxmlformats.org/presentationml/2006/main" xmlns:r="http://schemas.openxmlformats.org/officeDocument/2006/relationships">
   <p:cSld>
     <p:spTree>
@@ -3280,7 +3277,7 @@
           <a:lstStyle/>
           <a:p>
             <a:r>
-              <a:t>CLI Tutorial: Scale-Down</a:t>
+              <a:t>Implementation Scope</a:t>
             </a:r>
           </a:p>
         </p:txBody>
@@ -3302,26 +3299,42 @@
           <a:p/>
           <a:p>
             <a:pPr>
-              <a:defRPr sz="2000"/>
+              <a:defRPr sz="1800"/>
             </a:pPr>
             <a:r>
-              <a:t>$ atg scale-down algorithm --algorithm forest-fire --target-size 0.1</a:t>
+              <a:t>Scale-UP: Synthetic resource generation</a:t>
             </a:r>
           </a:p>
           <a:p>
             <a:pPr>
-              <a:defRPr sz="2000"/>
+              <a:defRPr sz="1800"/>
             </a:pPr>
             <a:r>
-              <a:t>$ atg scale-down pattern --pattern security</a:t>
+              <a:t>Scale-DOWN: Representative subset extraction</a:t>
             </a:r>
           </a:p>
           <a:p>
             <a:pPr>
-              <a:defRPr sz="2000"/>
+              <a:defRPr sz="1800"/>
             </a:pPr>
             <a:r>
-              <a:t>$ atg scale-clean --all  # cleanup when done</a:t>
+              <a:t>7 Services, 7 CLI commands, 12 UI components</a:t>
+            </a:r>
+          </a:p>
+          <a:p>
+            <a:pPr>
+              <a:defRPr sz="1800"/>
+            </a:pPr>
+            <a:r>
+              <a:t>Tested with real DefenderATEVET17 tenant data</a:t>
+            </a:r>
+          </a:p>
+          <a:p>
+            <a:pPr>
+              <a:defRPr sz="1800"/>
+            </a:pPr>
+            <a:r>
+              <a:t>Bugs found and fixed through end-to-end testing</a:t>
             </a:r>
           </a:p>
         </p:txBody>
@@ -3334,7 +3347,7 @@
 </p:sld>
 </file>
 
-<file path=ppt/slides/slide12.xml><?xml version="1.0" encoding="utf-8"?>
+<file path=ppt/slides/slide3.xml><?xml version="1.0" encoding="utf-8"?>
 <p:sld xmlns:a="http://schemas.openxmlformats.org/drawingml/2006/main" xmlns:p="http://schemas.openxmlformats.org/presentationml/2006/main" xmlns:r="http://schemas.openxmlformats.org/officeDocument/2006/relationships">
   <p:cSld>
     <p:spTree>
@@ -3346,102 +3359,86 @@
       <p:grpSpPr/>
       <p:sp>
         <p:nvSpPr>
-          <p:cNvPr id="2" name="Title 1"/>
-          <p:cNvSpPr>
-            <a:spLocks noGrp="1"/>
-          </p:cNvSpPr>
-          <p:nvPr>
-            <p:ph type="title"/>
-          </p:nvPr>
-        </p:nvSpPr>
-        <p:spPr/>
-        <p:txBody>
-          <a:bodyPr/>
-          <a:lstStyle/>
-          <a:p>
-            <a:r>
-              <a:t>Code: Scale-Up Implementation</a:t>
-            </a:r>
-          </a:p>
-        </p:txBody>
-      </p:sp>
-      <p:sp>
-        <p:nvSpPr>
-          <p:cNvPr id="3" name="Content Placeholder 2"/>
-          <p:cNvSpPr>
-            <a:spLocks noGrp="1"/>
-          </p:cNvSpPr>
-          <p:nvPr>
-            <p:ph idx="1"/>
-          </p:nvPr>
-        </p:nvSpPr>
-        <p:spPr/>
-        <p:txBody>
-          <a:bodyPr/>
-          <a:lstStyle/>
-          <a:p/>
+          <p:cNvPr id="2" name="TextBox 1"/>
+          <p:cNvSpPr txBox="1"/>
+          <p:nvPr/>
+        </p:nvSpPr>
+        <p:spPr>
+          <a:xfrm>
+            <a:off x="457200" y="182880"/>
+            <a:ext cx="13716000" cy="548640"/>
+          </a:xfrm>
+          <a:prstGeom prst="rect">
+            <a:avLst/>
+          </a:prstGeom>
+          <a:noFill/>
+        </p:spPr>
+        <p:txBody>
+          <a:bodyPr wrap="none">
+            <a:spAutoFit/>
+          </a:bodyPr>
+          <a:lstStyle/>
           <a:p>
             <a:pPr>
-              <a:defRPr sz="2000"/>
+              <a:defRPr sz="2800" b="1"/>
             </a:pPr>
             <a:r>
-              <a:t>ScaleUpService.scale_up_template():</a:t>
-            </a:r>
-          </a:p>
+              <a:t>Dual-Graph Architecture</a:t>
+            </a:r>
+          </a:p>
+        </p:txBody>
+      </p:sp>
+      <p:pic>
+        <p:nvPicPr>
+          <p:cNvPr id="3" name="Picture 2" descr="dual-graph-architecture.png"/>
+          <p:cNvPicPr>
+            <a:picLocks noChangeAspect="1"/>
+          </p:cNvPicPr>
+          <p:nvPr/>
+        </p:nvPicPr>
+        <p:blipFill>
+          <a:blip r:embed="rId2"/>
+          <a:stretch>
+            <a:fillRect/>
+          </a:stretch>
+        </p:blipFill>
+        <p:spPr>
+          <a:xfrm>
+            <a:off x="457200" y="914400"/>
+            <a:ext cx="15983919" cy="5943600"/>
+          </a:xfrm>
+          <a:prstGeom prst="rect">
+            <a:avLst/>
+          </a:prstGeom>
+        </p:spPr>
+      </p:pic>
+      <p:sp>
+        <p:nvSpPr>
+          <p:cNvPr id="4" name="TextBox 3"/>
+          <p:cNvSpPr txBox="1"/>
+          <p:nvPr/>
+        </p:nvSpPr>
+        <p:spPr>
+          <a:xfrm>
+            <a:off x="457200" y="7040880"/>
+            <a:ext cx="13716000" cy="914400"/>
+          </a:xfrm>
+          <a:prstGeom prst="rect">
+            <a:avLst/>
+          </a:prstGeom>
+          <a:noFill/>
+        </p:spPr>
+        <p:txBody>
+          <a:bodyPr wrap="none">
+            <a:spAutoFit/>
+          </a:bodyPr>
+          <a:lstStyle/>
           <a:p>
             <a:pPr>
-              <a:defRPr sz="2000"/>
+              <a:defRPr sz="1400"/>
             </a:pPr>
             <a:r>
-              <a:t>  1. Validate tenant exists</a:t>
-            </a:r>
-          </a:p>
-          <a:p>
-            <a:pPr>
-              <a:defRPr sz="2000"/>
-            </a:pPr>
-            <a:r>
-              <a:t>  2. Query base resources (abstracted only)</a:t>
-            </a:r>
-          </a:p>
-          <a:p>
-            <a:pPr>
-              <a:defRPr sz="2000"/>
-            </a:pPr>
-            <a:r>
-              <a:t>  3. Generate synthetic IDs</a:t>
-            </a:r>
-          </a:p>
-          <a:p>
-            <a:pPr>
-              <a:defRPr sz="2000"/>
-            </a:pPr>
-            <a:r>
-              <a:t>  4. Batch insert with adaptive sizing</a:t>
-            </a:r>
-          </a:p>
-          <a:p>
-            <a:pPr>
-              <a:defRPr sz="2000"/>
-            </a:pPr>
-            <a:r>
-              <a:t>  5. Duplicate relationships</a:t>
-            </a:r>
-          </a:p>
-          <a:p>
-            <a:pPr>
-              <a:defRPr sz="2000"/>
-            </a:pPr>
-            <a:r>
-              <a:t>  6. Validate no :Original contamination</a:t>
-            </a:r>
-          </a:p>
-          <a:p>
-            <a:pPr>
-              <a:defRPr sz="2000"/>
-            </a:pPr>
-            <a:r>
-              <a:t>  7. Return detailed metrics</a:t>
+              <a:t>Scale operations work only on abstracted layer</a:t>
             </a:r>
           </a:p>
         </p:txBody>
@@ -3454,7 +3451,7 @@
 </p:sld>
 </file>
 
-<file path=ppt/slides/slide13.xml><?xml version="1.0" encoding="utf-8"?>
+<file path=ppt/slides/slide4.xml><?xml version="1.0" encoding="utf-8"?>
 <p:sld xmlns:a="http://schemas.openxmlformats.org/drawingml/2006/main" xmlns:p="http://schemas.openxmlformats.org/presentationml/2006/main" xmlns:r="http://schemas.openxmlformats.org/officeDocument/2006/relationships">
   <p:cSld>
     <p:spTree>
@@ -3466,94 +3463,86 @@
       <p:grpSpPr/>
       <p:sp>
         <p:nvSpPr>
-          <p:cNvPr id="2" name="Title 1"/>
-          <p:cNvSpPr>
-            <a:spLocks noGrp="1"/>
-          </p:cNvSpPr>
-          <p:nvPr>
-            <p:ph type="title"/>
-          </p:nvPr>
-        </p:nvSpPr>
-        <p:spPr/>
-        <p:txBody>
-          <a:bodyPr/>
-          <a:lstStyle/>
-          <a:p>
-            <a:r>
-              <a:t>Code: Scale-Down Implementation</a:t>
-            </a:r>
-          </a:p>
-        </p:txBody>
-      </p:sp>
-      <p:sp>
-        <p:nvSpPr>
-          <p:cNvPr id="3" name="Content Placeholder 2"/>
-          <p:cNvSpPr>
-            <a:spLocks noGrp="1"/>
-          </p:cNvSpPr>
-          <p:nvPr>
-            <p:ph idx="1"/>
-          </p:nvPr>
-        </p:nvSpPr>
-        <p:spPr/>
-        <p:txBody>
-          <a:bodyPr/>
-          <a:lstStyle/>
-          <a:p/>
+          <p:cNvPr id="2" name="TextBox 1"/>
+          <p:cNvSpPr txBox="1"/>
+          <p:nvPr/>
+        </p:nvSpPr>
+        <p:spPr>
+          <a:xfrm>
+            <a:off x="457200" y="182880"/>
+            <a:ext cx="13716000" cy="548640"/>
+          </a:xfrm>
+          <a:prstGeom prst="rect">
+            <a:avLst/>
+          </a:prstGeom>
+          <a:noFill/>
+        </p:spPr>
+        <p:txBody>
+          <a:bodyPr wrap="none">
+            <a:spAutoFit/>
+          </a:bodyPr>
+          <a:lstStyle/>
           <a:p>
             <a:pPr>
-              <a:defRPr sz="2000"/>
+              <a:defRPr sz="2800" b="1"/>
             </a:pPr>
             <a:r>
-              <a:t>ScaleDownService.sample_graph():</a:t>
-            </a:r>
-          </a:p>
+              <a:t>Scale-Up Sequence</a:t>
+            </a:r>
+          </a:p>
+        </p:txBody>
+      </p:sp>
+      <p:pic>
+        <p:nvPicPr>
+          <p:cNvPr id="3" name="Picture 2" descr="scale-up-sequence.png"/>
+          <p:cNvPicPr>
+            <a:picLocks noChangeAspect="1"/>
+          </p:cNvPicPr>
+          <p:nvPr/>
+        </p:nvPicPr>
+        <p:blipFill>
+          <a:blip r:embed="rId2"/>
+          <a:stretch>
+            <a:fillRect/>
+          </a:stretch>
+        </p:blipFill>
+        <p:spPr>
+          <a:xfrm>
+            <a:off x="457200" y="914400"/>
+            <a:ext cx="3714019" cy="5943600"/>
+          </a:xfrm>
+          <a:prstGeom prst="rect">
+            <a:avLst/>
+          </a:prstGeom>
+        </p:spPr>
+      </p:pic>
+      <p:sp>
+        <p:nvSpPr>
+          <p:cNvPr id="4" name="TextBox 3"/>
+          <p:cNvSpPr txBox="1"/>
+          <p:nvPr/>
+        </p:nvSpPr>
+        <p:spPr>
+          <a:xfrm>
+            <a:off x="457200" y="7040880"/>
+            <a:ext cx="13716000" cy="914400"/>
+          </a:xfrm>
+          <a:prstGeom prst="rect">
+            <a:avLst/>
+          </a:prstGeom>
+          <a:noFill/>
+        </p:spPr>
+        <p:txBody>
+          <a:bodyPr wrap="none">
+            <a:spAutoFit/>
+          </a:bodyPr>
+          <a:lstStyle/>
           <a:p>
             <a:pPr>
-              <a:defRPr sz="2000"/>
+              <a:defRPr sz="1400"/>
             </a:pPr>
             <a:r>
-              <a:t>  1. Extract to NetworkX (streaming)</a:t>
-            </a:r>
-          </a:p>
-          <a:p>
-            <a:pPr>
-              <a:defRPr sz="2000"/>
-            </a:pPr>
-            <a:r>
-              <a:t>  2. Convert IDs (string → int → string)</a:t>
-            </a:r>
-          </a:p>
-          <a:p>
-            <a:pPr>
-              <a:defRPr sz="2000"/>
-            </a:pPr>
-            <a:r>
-              <a:t>  3. Apply sampling algorithm</a:t>
-            </a:r>
-          </a:p>
-          <a:p>
-            <a:pPr>
-              <a:defRPr sz="2000"/>
-            </a:pPr>
-            <a:r>
-              <a:t>  4. Calculate quality metrics</a:t>
-            </a:r>
-          </a:p>
-          <a:p>
-            <a:pPr>
-              <a:defRPr sz="2000"/>
-            </a:pPr>
-            <a:r>
-              <a:t>  5. Export in requested format</a:t>
-            </a:r>
-          </a:p>
-          <a:p>
-            <a:pPr>
-              <a:defRPr sz="2000"/>
-            </a:pPr>
-            <a:r>
-              <a:t>  6. Validate sample integrity</a:t>
+              <a:t>Complete operation flow</a:t>
             </a:r>
           </a:p>
         </p:txBody>
@@ -3566,7 +3555,7 @@
 </p:sld>
 </file>
 
-<file path=ppt/slides/slide14.xml><?xml version="1.0" encoding="utf-8"?>
+<file path=ppt/slides/slide5.xml><?xml version="1.0" encoding="utf-8"?>
 <p:sld xmlns:a="http://schemas.openxmlformats.org/drawingml/2006/main" xmlns:p="http://schemas.openxmlformats.org/presentationml/2006/main" xmlns:r="http://schemas.openxmlformats.org/officeDocument/2006/relationships">
   <p:cSld>
     <p:spTree>
@@ -3578,107 +3567,86 @@
       <p:grpSpPr/>
       <p:sp>
         <p:nvSpPr>
-          <p:cNvPr id="2" name="Title 1"/>
-          <p:cNvSpPr>
-            <a:spLocks noGrp="1"/>
-          </p:cNvSpPr>
-          <p:nvPr>
-            <p:ph type="title"/>
-          </p:nvPr>
-        </p:nvSpPr>
-        <p:spPr/>
-        <p:txBody>
-          <a:bodyPr/>
-          <a:lstStyle/>
-          <a:p>
-            <a:r>
-              <a:t>Testing &amp; Validation</a:t>
-            </a:r>
-          </a:p>
-        </p:txBody>
-      </p:sp>
-      <p:sp>
-        <p:nvSpPr>
-          <p:cNvPr id="3" name="Content Placeholder 2"/>
-          <p:cNvSpPr>
-            <a:spLocks noGrp="1"/>
-          </p:cNvSpPr>
-          <p:nvPr>
-            <p:ph idx="1"/>
-          </p:nvPr>
-        </p:nvSpPr>
-        <p:spPr/>
-        <p:txBody>
-          <a:bodyPr/>
-          <a:lstStyle/>
-          <a:p/>
+          <p:cNvPr id="2" name="TextBox 1"/>
+          <p:cNvSpPr txBox="1"/>
+          <p:nvPr/>
+        </p:nvSpPr>
+        <p:spPr>
+          <a:xfrm>
+            <a:off x="457200" y="182880"/>
+            <a:ext cx="13716000" cy="548640"/>
+          </a:xfrm>
+          <a:prstGeom prst="rect">
+            <a:avLst/>
+          </a:prstGeom>
+          <a:noFill/>
+        </p:spPr>
+        <p:txBody>
+          <a:bodyPr wrap="none">
+            <a:spAutoFit/>
+          </a:bodyPr>
+          <a:lstStyle/>
           <a:p>
             <a:pPr>
-              <a:defRPr sz="2000"/>
+              <a:defRPr sz="2800" b="1"/>
             </a:pPr>
             <a:r>
-              <a:t>534 Total Tests:</a:t>
-            </a:r>
-          </a:p>
+              <a:t>Scale-Down Pipeline</a:t>
+            </a:r>
+          </a:p>
+        </p:txBody>
+      </p:sp>
+      <p:pic>
+        <p:nvPicPr>
+          <p:cNvPr id="3" name="Picture 2" descr="scale-down-pipeline.png"/>
+          <p:cNvPicPr>
+            <a:picLocks noChangeAspect="1"/>
+          </p:cNvPicPr>
+          <p:nvPr/>
+        </p:nvPicPr>
+        <p:blipFill>
+          <a:blip r:embed="rId2"/>
+          <a:stretch>
+            <a:fillRect/>
+          </a:stretch>
+        </p:blipFill>
+        <p:spPr>
+          <a:xfrm>
+            <a:off x="457200" y="914400"/>
+            <a:ext cx="18371127" cy="5943600"/>
+          </a:xfrm>
+          <a:prstGeom prst="rect">
+            <a:avLst/>
+          </a:prstGeom>
+        </p:spPr>
+      </p:pic>
+      <p:sp>
+        <p:nvSpPr>
+          <p:cNvPr id="4" name="TextBox 3"/>
+          <p:cNvSpPr txBox="1"/>
+          <p:nvPr/>
+        </p:nvSpPr>
+        <p:spPr>
+          <a:xfrm>
+            <a:off x="457200" y="7040880"/>
+            <a:ext cx="13716000" cy="914400"/>
+          </a:xfrm>
+          <a:prstGeom prst="rect">
+            <a:avLst/>
+          </a:prstGeom>
+          <a:noFill/>
+        </p:spPr>
+        <p:txBody>
+          <a:bodyPr wrap="none">
+            <a:spAutoFit/>
+          </a:bodyPr>
+          <a:lstStyle/>
           <a:p>
             <a:pPr>
-              <a:defRPr sz="2000"/>
+              <a:defRPr sz="1400"/>
             </a:pPr>
             <a:r>
-              <a:t>  • 231 Python unit/integration (96.3%)</a:t>
-            </a:r>
-          </a:p>
-          <a:p>
-            <a:pPr>
-              <a:defRPr sz="2000"/>
-            </a:pPr>
-            <a:r>
-              <a:t>  • 165 Playwright UI tests</a:t>
-            </a:r>
-          </a:p>
-          <a:p>
-            <a:pPr>
-              <a:defRPr sz="2000"/>
-            </a:pPr>
-            <a:r>
-              <a:t>  • 64 gadugi E2E CLI scenarios</a:t>
-            </a:r>
-          </a:p>
-          <a:p>
-            <a:pPr>
-              <a:defRPr sz="2000"/>
-            </a:pPr>
-            <a:r>
-              <a:t>  • 25 security injection tests</a:t>
-            </a:r>
-          </a:p>
-          <a:p>
-            <a:pPr>
-              <a:defRPr sz="2000"/>
-            </a:pPr>
-            <a:r>
-              <a:t>  • 20 real Neo4j integration tests</a:t>
-            </a:r>
-          </a:p>
-          <a:p>
-            <a:pPr>
-              <a:defRPr sz="2000"/>
-            </a:pPr>
-          </a:p>
-          <a:p>
-            <a:pPr>
-              <a:defRPr sz="2000"/>
-            </a:pPr>
-            <a:r>
-              <a:t>Real scale achieved: 2.7k → 77k resources</a:t>
-            </a:r>
-          </a:p>
-          <a:p>
-            <a:pPr>
-              <a:defRPr sz="2000"/>
-            </a:pPr>
-            <a:r>
-              <a:t>All validation checks passed</a:t>
+              <a:t>Four-stage sampling pipeline</a:t>
             </a:r>
           </a:p>
         </p:txBody>
@@ -3691,7 +3659,7 @@
 </p:sld>
 </file>
 
-<file path=ppt/slides/slide15.xml><?xml version="1.0" encoding="utf-8"?>
+<file path=ppt/slides/slide6.xml><?xml version="1.0" encoding="utf-8"?>
 <p:sld xmlns:a="http://schemas.openxmlformats.org/drawingml/2006/main" xmlns:p="http://schemas.openxmlformats.org/presentationml/2006/main" xmlns:r="http://schemas.openxmlformats.org/officeDocument/2006/relationships">
   <p:cSld>
     <p:spTree>
@@ -3703,107 +3671,86 @@
       <p:grpSpPr/>
       <p:sp>
         <p:nvSpPr>
-          <p:cNvPr id="2" name="Title 1"/>
-          <p:cNvSpPr>
-            <a:spLocks noGrp="1"/>
-          </p:cNvSpPr>
-          <p:nvPr>
-            <p:ph type="title"/>
-          </p:nvPr>
-        </p:nvSpPr>
-        <p:spPr/>
-        <p:txBody>
-          <a:bodyPr/>
-          <a:lstStyle/>
-          <a:p>
-            <a:r>
-              <a:t>What Was Accomplished</a:t>
-            </a:r>
-          </a:p>
-        </p:txBody>
-      </p:sp>
-      <p:sp>
-        <p:nvSpPr>
-          <p:cNvPr id="3" name="Content Placeholder 2"/>
-          <p:cNvSpPr>
-            <a:spLocks noGrp="1"/>
-          </p:cNvSpPr>
-          <p:nvPr>
-            <p:ph idx="1"/>
-          </p:nvPr>
-        </p:nvSpPr>
-        <p:spPr/>
-        <p:txBody>
-          <a:bodyPr/>
-          <a:lstStyle/>
-          <a:p/>
+          <p:cNvPr id="2" name="TextBox 1"/>
+          <p:cNvSpPr txBox="1"/>
+          <p:nvPr/>
+        </p:nvSpPr>
+        <p:spPr>
+          <a:xfrm>
+            <a:off x="457200" y="182880"/>
+            <a:ext cx="13716000" cy="548640"/>
+          </a:xfrm>
+          <a:prstGeom prst="rect">
+            <a:avLst/>
+          </a:prstGeom>
+          <a:noFill/>
+        </p:spPr>
+        <p:txBody>
+          <a:bodyPr wrap="none">
+            <a:spAutoFit/>
+          </a:bodyPr>
+          <a:lstStyle/>
           <a:p>
             <a:pPr>
-              <a:defRPr sz="2000"/>
+              <a:defRPr sz="2800" b="1"/>
             </a:pPr>
             <a:r>
-              <a:t>✓ Tested with varied topologies (hub-spoke, multi-region, random)</a:t>
-            </a:r>
-          </a:p>
+              <a:t>Component Architecture</a:t>
+            </a:r>
+          </a:p>
+        </p:txBody>
+      </p:sp>
+      <p:pic>
+        <p:nvPicPr>
+          <p:cNvPr id="3" name="Picture 2" descr="component-architecture.png"/>
+          <p:cNvPicPr>
+            <a:picLocks noChangeAspect="1"/>
+          </p:cNvPicPr>
+          <p:nvPr/>
+        </p:nvPicPr>
+        <p:blipFill>
+          <a:blip r:embed="rId2"/>
+          <a:stretch>
+            <a:fillRect/>
+          </a:stretch>
+        </p:blipFill>
+        <p:spPr>
+          <a:xfrm>
+            <a:off x="457200" y="914400"/>
+            <a:ext cx="30503004" cy="5943600"/>
+          </a:xfrm>
+          <a:prstGeom prst="rect">
+            <a:avLst/>
+          </a:prstGeom>
+        </p:spPr>
+      </p:pic>
+      <p:sp>
+        <p:nvSpPr>
+          <p:cNvPr id="4" name="TextBox 3"/>
+          <p:cNvSpPr txBox="1"/>
+          <p:nvPr/>
+        </p:nvSpPr>
+        <p:spPr>
+          <a:xfrm>
+            <a:off x="457200" y="7040880"/>
+            <a:ext cx="13716000" cy="914400"/>
+          </a:xfrm>
+          <a:prstGeom prst="rect">
+            <a:avLst/>
+          </a:prstGeom>
+          <a:noFill/>
+        </p:spPr>
+        <p:txBody>
+          <a:bodyPr wrap="none">
+            <a:spAutoFit/>
+          </a:bodyPr>
+          <a:lstStyle/>
           <a:p>
             <a:pPr>
-              <a:defRPr sz="2000"/>
+              <a:defRPr sz="1400"/>
             </a:pPr>
             <a:r>
-              <a:t>✓ Performance optimized (adaptive batching, parallel processing)</a:t>
-            </a:r>
-          </a:p>
-          <a:p>
-            <a:pPr>
-              <a:defRPr sz="2000"/>
-            </a:pPr>
-            <a:r>
-              <a:t>✓ Visualization enhanced (synthetic node styling, filters)</a:t>
-            </a:r>
-          </a:p>
-          <a:p>
-            <a:pPr>
-              <a:defRPr sz="2000"/>
-            </a:pPr>
-            <a:r>
-              <a:t>✓ Algorithms refined (node ID conversion, quality metrics)</a:t>
-            </a:r>
-          </a:p>
-          <a:p>
-            <a:pPr>
-              <a:defRPr sz="2000"/>
-            </a:pPr>
-            <a:r>
-              <a:t>✓ Documentation comprehensive (40+ guides)</a:t>
-            </a:r>
-          </a:p>
-          <a:p>
-            <a:pPr>
-              <a:defRPr sz="2000"/>
-            </a:pPr>
-            <a:r>
-              <a:t>✓ Real-world tested (DefenderATEVET17, 77k resources)</a:t>
-            </a:r>
-          </a:p>
-          <a:p>
-            <a:pPr>
-              <a:defRPr sz="2000"/>
-            </a:pPr>
-          </a:p>
-          <a:p>
-            <a:pPr>
-              <a:defRPr sz="2000"/>
-            </a:pPr>
-            <a:r>
-              <a:t>Implementation provides working functionality.</a:t>
-            </a:r>
-          </a:p>
-          <a:p>
-            <a:pPr>
-              <a:defRPr sz="2000"/>
-            </a:pPr>
-            <a:r>
-              <a:t>Further refinements can be made based on deployment experience.</a:t>
+              <a:t>Service hierarchy</a:t>
             </a:r>
           </a:p>
         </p:txBody>
@@ -3816,7 +3763,7 @@
 </p:sld>
 </file>
 
-<file path=ppt/slides/slide16.xml><?xml version="1.0" encoding="utf-8"?>
+<file path=ppt/slides/slide7.xml><?xml version="1.0" encoding="utf-8"?>
 <p:sld xmlns:a="http://schemas.openxmlformats.org/drawingml/2006/main" xmlns:p="http://schemas.openxmlformats.org/presentationml/2006/main" xmlns:r="http://schemas.openxmlformats.org/officeDocument/2006/relationships">
   <p:cSld>
     <p:spTree>
@@ -3828,6 +3775,131 @@
       <p:grpSpPr/>
       <p:sp>
         <p:nvSpPr>
+          <p:cNvPr id="2" name="Title 1"/>
+          <p:cNvSpPr>
+            <a:spLocks noGrp="1"/>
+          </p:cNvSpPr>
+          <p:nvPr>
+            <p:ph type="title"/>
+          </p:nvPr>
+        </p:nvSpPr>
+        <p:spPr/>
+        <p:txBody>
+          <a:bodyPr/>
+          <a:lstStyle/>
+          <a:p>
+            <a:r>
+              <a:t>Baseline Graph State</a:t>
+            </a:r>
+          </a:p>
+        </p:txBody>
+      </p:sp>
+      <p:sp>
+        <p:nvSpPr>
+          <p:cNvPr id="3" name="Content Placeholder 2"/>
+          <p:cNvSpPr>
+            <a:spLocks noGrp="1"/>
+          </p:cNvSpPr>
+          <p:nvPr>
+            <p:ph idx="1"/>
+          </p:nvPr>
+        </p:nvSpPr>
+        <p:spPr/>
+        <p:txBody>
+          <a:bodyPr/>
+          <a:lstStyle/>
+          <a:p/>
+          <a:p>
+            <a:pPr>
+              <a:defRPr sz="1800"/>
+            </a:pPr>
+            <a:r>
+              <a:t>Command: atg scan --tenant-id 3cd87a41-1f61-4aef-a212-cefdecd9a2d1</a:t>
+            </a:r>
+          </a:p>
+          <a:p>
+            <a:pPr>
+              <a:defRPr sz="1800"/>
+            </a:pPr>
+          </a:p>
+          <a:p>
+            <a:pPr>
+              <a:defRPr sz="1800"/>
+            </a:pPr>
+            <a:r>
+              <a:t>Result: 3,766 abstracted resources</a:t>
+            </a:r>
+          </a:p>
+          <a:p>
+            <a:pPr>
+              <a:defRPr sz="1800"/>
+            </a:pPr>
+            <a:r>
+              <a:t>Top types:</a:t>
+            </a:r>
+          </a:p>
+          <a:p>
+            <a:pPr>
+              <a:defRPr sz="1800"/>
+            </a:pPr>
+            <a:r>
+              <a:t>  • Subnets: 2,265</a:t>
+            </a:r>
+          </a:p>
+          <a:p>
+            <a:pPr>
+              <a:defRPr sz="1800"/>
+            </a:pPr>
+            <a:r>
+              <a:t>  • Virtual Networks: 309</a:t>
+            </a:r>
+          </a:p>
+          <a:p>
+            <a:pPr>
+              <a:defRPr sz="1800"/>
+            </a:pPr>
+            <a:r>
+              <a:t>  • Network Interfaces: 175</a:t>
+            </a:r>
+          </a:p>
+          <a:p>
+            <a:pPr>
+              <a:defRPr sz="1800"/>
+            </a:pPr>
+            <a:r>
+              <a:t>  • Managed Identities: 114</a:t>
+            </a:r>
+          </a:p>
+          <a:p>
+            <a:pPr>
+              <a:defRPr sz="1800"/>
+            </a:pPr>
+            <a:r>
+              <a:t>  • Network Security Groups: 113</a:t>
+            </a:r>
+          </a:p>
+        </p:txBody>
+      </p:sp>
+    </p:spTree>
+  </p:cSld>
+  <p:clrMapOvr>
+    <a:masterClrMapping/>
+  </p:clrMapOvr>
+</p:sld>
+</file>
+
+<file path=ppt/slides/slide8.xml><?xml version="1.0" encoding="utf-8"?>
+<p:sld xmlns:a="http://schemas.openxmlformats.org/drawingml/2006/main" xmlns:p="http://schemas.openxmlformats.org/presentationml/2006/main" xmlns:r="http://schemas.openxmlformats.org/officeDocument/2006/relationships">
+  <p:cSld>
+    <p:spTree>
+      <p:nvGrpSpPr>
+        <p:cNvPr id="1" name=""/>
+        <p:cNvGrpSpPr/>
+        <p:nvPr/>
+      </p:nvGrpSpPr>
+      <p:grpSpPr/>
+      <p:sp>
+        <p:nvSpPr>
           <p:cNvPr id="2" name="TextBox 1"/>
           <p:cNvSpPr txBox="1"/>
           <p:nvPr/>
@@ -3835,7 +3907,7 @@
         <p:spPr>
           <a:xfrm>
             <a:off x="457200" y="182880"/>
-            <a:ext cx="13716000" cy="640080"/>
+            <a:ext cx="13716000" cy="548640"/>
           </a:xfrm>
           <a:prstGeom prst="rect">
             <a:avLst/>
@@ -3849,17 +3921,17 @@
           <a:lstStyle/>
           <a:p>
             <a:pPr>
-              <a:defRPr sz="3600" b="1"/>
+              <a:defRPr sz="2800" b="1"/>
             </a:pPr>
             <a:r>
-              <a:t>Graph State 1: Baseline (Original Resources)</a:t>
+              <a:t>Scaled Graph: 87,941 Nodes</a:t>
             </a:r>
           </a:p>
         </p:txBody>
       </p:sp>
       <p:pic>
         <p:nvPicPr>
-          <p:cNvPr id="3" name="Picture 2" descr="01-baseline-original.png"/>
+          <p:cNvPr id="3" name="Picture 2" descr="CURRENT-87k-graph.png"/>
           <p:cNvPicPr>
             <a:picLocks noChangeAspect="1"/>
           </p:cNvPicPr>
@@ -3904,2134 +3976,10 @@
           <a:lstStyle/>
           <a:p>
             <a:pPr>
-              <a:defRPr sz="1600"/>
-            </a:pPr>
-            <a:r>
-              <a:t>4,375 real Azure resources - VMs, VNets, Storage, Entra ID, etc.</a:t>
-            </a:r>
-          </a:p>
-        </p:txBody>
-      </p:sp>
-    </p:spTree>
-  </p:cSld>
-  <p:clrMapOvr>
-    <a:masterClrMapping/>
-  </p:clrMapOvr>
-</p:sld>
-</file>
-
-<file path=ppt/slides/slide17.xml><?xml version="1.0" encoding="utf-8"?>
-<p:sld xmlns:a="http://schemas.openxmlformats.org/drawingml/2006/main" xmlns:p="http://schemas.openxmlformats.org/presentationml/2006/main" xmlns:r="http://schemas.openxmlformats.org/officeDocument/2006/relationships">
-  <p:cSld>
-    <p:spTree>
-      <p:nvGrpSpPr>
-        <p:cNvPr id="1" name=""/>
-        <p:cNvGrpSpPr/>
-        <p:nvPr/>
-      </p:nvGrpSpPr>
-      <p:grpSpPr/>
-      <p:sp>
-        <p:nvSpPr>
-          <p:cNvPr id="2" name="TextBox 1"/>
-          <p:cNvSpPr txBox="1"/>
-          <p:nvPr/>
-        </p:nvSpPr>
-        <p:spPr>
-          <a:xfrm>
-            <a:off x="457200" y="182880"/>
-            <a:ext cx="13716000" cy="640080"/>
-          </a:xfrm>
-          <a:prstGeom prst="rect">
-            <a:avLst/>
-          </a:prstGeom>
-          <a:noFill/>
-        </p:spPr>
-        <p:txBody>
-          <a:bodyPr wrap="none">
-            <a:spAutoFit/>
-          </a:bodyPr>
-          <a:lstStyle/>
-          <a:p>
-            <a:pPr>
-              <a:defRPr sz="3600" b="1"/>
-            </a:pPr>
-            <a:r>
-              <a:t>Graph State 2: Scaled-Up (27x Growth)</a:t>
-            </a:r>
-          </a:p>
-        </p:txBody>
-      </p:sp>
-      <p:pic>
-        <p:nvPicPr>
-          <p:cNvPr id="3" name="Picture 2" descr="02-scaled-up-77k.png"/>
-          <p:cNvPicPr>
-            <a:picLocks noChangeAspect="1"/>
-          </p:cNvPicPr>
-          <p:nvPr/>
-        </p:nvPicPr>
-        <p:blipFill>
-          <a:blip r:embed="rId2"/>
-          <a:stretch>
-            <a:fillRect/>
-          </a:stretch>
-        </p:blipFill>
-        <p:spPr>
-          <a:xfrm>
-            <a:off x="457200" y="914400"/>
-            <a:ext cx="10566400" cy="5943600"/>
-          </a:xfrm>
-          <a:prstGeom prst="rect">
-            <a:avLst/>
-          </a:prstGeom>
-        </p:spPr>
-      </p:pic>
-      <p:sp>
-        <p:nvSpPr>
-          <p:cNvPr id="4" name="TextBox 3"/>
-          <p:cNvSpPr txBox="1"/>
-          <p:nvPr/>
-        </p:nvSpPr>
-        <p:spPr>
-          <a:xfrm>
-            <a:off x="457200" y="7040880"/>
-            <a:ext cx="13716000" cy="914400"/>
-          </a:xfrm>
-          <a:prstGeom prst="rect">
-            <a:avLst/>
-          </a:prstGeom>
-          <a:noFill/>
-        </p:spPr>
-        <p:txBody>
-          <a:bodyPr wrap="none">
-            <a:spAutoFit/>
-          </a:bodyPr>
-          <a:lstStyle/>
-          <a:p>
-            <a:pPr>
-              <a:defRPr sz="1600"/>
-            </a:pPr>
-            <a:r>
-              <a:t>78,602 total resources - 2,766 real + 74,397 synthetic</a:t>
-            </a:r>
-          </a:p>
-        </p:txBody>
-      </p:sp>
-    </p:spTree>
-  </p:cSld>
-  <p:clrMapOvr>
-    <a:masterClrMapping/>
-  </p:clrMapOvr>
-</p:sld>
-</file>
-
-<file path=ppt/slides/slide18.xml><?xml version="1.0" encoding="utf-8"?>
-<p:sld xmlns:a="http://schemas.openxmlformats.org/drawingml/2006/main" xmlns:p="http://schemas.openxmlformats.org/presentationml/2006/main" xmlns:r="http://schemas.openxmlformats.org/officeDocument/2006/relationships">
-  <p:cSld>
-    <p:spTree>
-      <p:nvGrpSpPr>
-        <p:cNvPr id="1" name=""/>
-        <p:cNvGrpSpPr/>
-        <p:nvPr/>
-      </p:nvGrpSpPr>
-      <p:grpSpPr/>
-      <p:sp>
-        <p:nvSpPr>
-          <p:cNvPr id="2" name="TextBox 1"/>
-          <p:cNvSpPr txBox="1"/>
-          <p:nvPr/>
-        </p:nvSpPr>
-        <p:spPr>
-          <a:xfrm>
-            <a:off x="457200" y="182880"/>
-            <a:ext cx="13716000" cy="640080"/>
-          </a:xfrm>
-          <a:prstGeom prst="rect">
-            <a:avLst/>
-          </a:prstGeom>
-          <a:noFill/>
-        </p:spPr>
-        <p:txBody>
-          <a:bodyPr wrap="none">
-            <a:spAutoFit/>
-          </a:bodyPr>
-          <a:lstStyle/>
-          <a:p>
-            <a:pPr>
-              <a:defRPr sz="3600" b="1"/>
-            </a:pPr>
-            <a:r>
-              <a:t>Graph State 3: Scaled-Down (10% Sample)</a:t>
-            </a:r>
-          </a:p>
-        </p:txBody>
-      </p:sp>
-      <p:pic>
-        <p:nvPicPr>
-          <p:cNvPr id="3" name="Picture 2" descr="03-scaled-down-sample.png"/>
-          <p:cNvPicPr>
-            <a:picLocks noChangeAspect="1"/>
-          </p:cNvPicPr>
-          <p:nvPr/>
-        </p:nvPicPr>
-        <p:blipFill>
-          <a:blip r:embed="rId2"/>
-          <a:stretch>
-            <a:fillRect/>
-          </a:stretch>
-        </p:blipFill>
-        <p:spPr>
-          <a:xfrm>
-            <a:off x="457200" y="914400"/>
-            <a:ext cx="10566400" cy="5943600"/>
-          </a:xfrm>
-          <a:prstGeom prst="rect">
-            <a:avLst/>
-          </a:prstGeom>
-        </p:spPr>
-      </p:pic>
-      <p:sp>
-        <p:nvSpPr>
-          <p:cNvPr id="4" name="TextBox 3"/>
-          <p:cNvSpPr txBox="1"/>
-          <p:nvPr/>
-        </p:nvSpPr>
-        <p:spPr>
-          <a:xfrm>
-            <a:off x="457200" y="7040880"/>
-            <a:ext cx="13716000" cy="914400"/>
-          </a:xfrm>
-          <a:prstGeom prst="rect">
-            <a:avLst/>
-          </a:prstGeom>
-          <a:noFill/>
-        </p:spPr>
-        <p:txBody>
-          <a:bodyPr wrap="none">
-            <a:spAutoFit/>
-          </a:bodyPr>
-          <a:lstStyle/>
-          <a:p>
-            <a:pPr>
-              <a:defRPr sz="1600"/>
-            </a:pPr>
-            <a:r>
-              <a:t>7,700 resource sample maintaining graph structure</a:t>
-            </a:r>
-          </a:p>
-        </p:txBody>
-      </p:sp>
-    </p:spTree>
-  </p:cSld>
-  <p:clrMapOvr>
-    <a:masterClrMapping/>
-  </p:clrMapOvr>
-</p:sld>
-</file>
-
-<file path=ppt/slides/slide19.xml><?xml version="1.0" encoding="utf-8"?>
-<p:sld xmlns:a="http://schemas.openxmlformats.org/drawingml/2006/main" xmlns:p="http://schemas.openxmlformats.org/presentationml/2006/main" xmlns:r="http://schemas.openxmlformats.org/officeDocument/2006/relationships">
-  <p:cSld>
-    <p:spTree>
-      <p:nvGrpSpPr>
-        <p:cNvPr id="1" name=""/>
-        <p:cNvGrpSpPr/>
-        <p:nvPr/>
-      </p:nvGrpSpPr>
-      <p:grpSpPr/>
-      <p:sp>
-        <p:nvSpPr>
-          <p:cNvPr id="2" name="TextBox 1"/>
-          <p:cNvSpPr txBox="1"/>
-          <p:nvPr/>
-        </p:nvSpPr>
-        <p:spPr>
-          <a:xfrm>
-            <a:off x="457200" y="182880"/>
-            <a:ext cx="13716000" cy="640080"/>
-          </a:xfrm>
-          <a:prstGeom prst="rect">
-            <a:avLst/>
-          </a:prstGeom>
-          <a:noFill/>
-        </p:spPr>
-        <p:txBody>
-          <a:bodyPr wrap="none">
-            <a:spAutoFit/>
-          </a:bodyPr>
-          <a:lstStyle/>
-          <a:p>
-            <a:pPr>
-              <a:defRPr sz="3600" b="1"/>
-            </a:pPr>
-            <a:r>
-              <a:t>UI Tutorial: Getting Started</a:t>
-            </a:r>
-          </a:p>
-        </p:txBody>
-      </p:sp>
-      <p:pic>
-        <p:nvPicPr>
-          <p:cNvPr id="3" name="Picture 2" descr="tutorial-01-getting-started.png"/>
-          <p:cNvPicPr>
-            <a:picLocks noChangeAspect="1"/>
-          </p:cNvPicPr>
-          <p:nvPr/>
-        </p:nvPicPr>
-        <p:blipFill>
-          <a:blip r:embed="rId2"/>
-          <a:stretch>
-            <a:fillRect/>
-          </a:stretch>
-        </p:blipFill>
-        <p:spPr>
-          <a:xfrm>
-            <a:off x="457200" y="914400"/>
-            <a:ext cx="10566400" cy="5943600"/>
-          </a:xfrm>
-          <a:prstGeom prst="rect">
-            <a:avLst/>
-          </a:prstGeom>
-        </p:spPr>
-      </p:pic>
-      <p:sp>
-        <p:nvSpPr>
-          <p:cNvPr id="4" name="TextBox 3"/>
-          <p:cNvSpPr txBox="1"/>
-          <p:nvPr/>
-        </p:nvSpPr>
-        <p:spPr>
-          <a:xfrm>
-            <a:off x="457200" y="7040880"/>
-            <a:ext cx="13716000" cy="914400"/>
-          </a:xfrm>
-          <a:prstGeom prst="rect">
-            <a:avLst/>
-          </a:prstGeom>
-          <a:noFill/>
-        </p:spPr>
-        <p:txBody>
-          <a:bodyPr wrap="none">
-            <a:spAutoFit/>
-          </a:bodyPr>
-          <a:lstStyle/>
-          <a:p>
-            <a:pPr>
-              <a:defRPr sz="1600"/>
-            </a:pPr>
-            <a:r>
-              <a:t>Navigate to Scale Operations tab and select mode</a:t>
-            </a:r>
-          </a:p>
-        </p:txBody>
-      </p:sp>
-    </p:spTree>
-  </p:cSld>
-  <p:clrMapOvr>
-    <a:masterClrMapping/>
-  </p:clrMapOvr>
-</p:sld>
-</file>
-
-<file path=ppt/slides/slide2.xml><?xml version="1.0" encoding="utf-8"?>
-<p:sld xmlns:a="http://schemas.openxmlformats.org/drawingml/2006/main" xmlns:p="http://schemas.openxmlformats.org/presentationml/2006/main" xmlns:r="http://schemas.openxmlformats.org/officeDocument/2006/relationships">
-  <p:cSld>
-    <p:spTree>
-      <p:nvGrpSpPr>
-        <p:cNvPr id="1" name=""/>
-        <p:cNvGrpSpPr/>
-        <p:nvPr/>
-      </p:nvGrpSpPr>
-      <p:grpSpPr/>
-      <p:sp>
-        <p:nvSpPr>
-          <p:cNvPr id="2" name="Title 1"/>
-          <p:cNvSpPr>
-            <a:spLocks noGrp="1"/>
-          </p:cNvSpPr>
-          <p:nvPr>
-            <p:ph type="title"/>
-          </p:nvPr>
-        </p:nvSpPr>
-        <p:spPr/>
-        <p:txBody>
-          <a:bodyPr/>
-          <a:lstStyle/>
-          <a:p>
-            <a:r>
-              <a:t>Implementation Summary</a:t>
-            </a:r>
-          </a:p>
-        </p:txBody>
-      </p:sp>
-      <p:sp>
-        <p:nvSpPr>
-          <p:cNvPr id="3" name="Content Placeholder 2"/>
-          <p:cNvSpPr>
-            <a:spLocks noGrp="1"/>
-          </p:cNvSpPr>
-          <p:nvPr>
-            <p:ph idx="1"/>
-          </p:nvPr>
-        </p:nvSpPr>
-        <p:spPr/>
-        <p:txBody>
-          <a:bodyPr/>
-          <a:lstStyle/>
-          <a:p/>
-          <a:p>
-            <a:pPr>
-              <a:defRPr sz="2000"/>
-            </a:pPr>
-            <a:r>
-              <a:t>Scale-UP: Synthetic resource generation implemented</a:t>
-            </a:r>
-          </a:p>
-          <a:p>
-            <a:pPr>
-              <a:defRPr sz="2000"/>
-            </a:pPr>
-            <a:r>
-              <a:t>Scale-DOWN: Sampling algorithms implemented</a:t>
-            </a:r>
-          </a:p>
-          <a:p>
-            <a:pPr>
-              <a:defRPr sz="2000"/>
-            </a:pPr>
-            <a:r>
-              <a:t>CLI: 7 commands functional</a:t>
-            </a:r>
-          </a:p>
-          <a:p>
-            <a:pPr>
-              <a:defRPr sz="2000"/>
-            </a:pPr>
-            <a:r>
-              <a:t>UI: 12 React components built</a:t>
-            </a:r>
-          </a:p>
-          <a:p>
-            <a:pPr>
-              <a:defRPr sz="2000"/>
-            </a:pPr>
-            <a:r>
-              <a:t>Testing: 534 tests, 96% passing</a:t>
-            </a:r>
-          </a:p>
-          <a:p>
-            <a:pPr>
-              <a:defRPr sz="2000"/>
-            </a:pPr>
-            <a:r>
-              <a:t>Real scale test: 2.7k → 77k resources achieved</a:t>
-            </a:r>
-          </a:p>
-        </p:txBody>
-      </p:sp>
-    </p:spTree>
-  </p:cSld>
-  <p:clrMapOvr>
-    <a:masterClrMapping/>
-  </p:clrMapOvr>
-</p:sld>
-</file>
-
-<file path=ppt/slides/slide20.xml><?xml version="1.0" encoding="utf-8"?>
-<p:sld xmlns:a="http://schemas.openxmlformats.org/drawingml/2006/main" xmlns:p="http://schemas.openxmlformats.org/presentationml/2006/main" xmlns:r="http://schemas.openxmlformats.org/officeDocument/2006/relationships">
-  <p:cSld>
-    <p:spTree>
-      <p:nvGrpSpPr>
-        <p:cNvPr id="1" name=""/>
-        <p:cNvGrpSpPr/>
-        <p:nvPr/>
-      </p:nvGrpSpPr>
-      <p:grpSpPr/>
-      <p:sp>
-        <p:nvSpPr>
-          <p:cNvPr id="2" name="TextBox 1"/>
-          <p:cNvSpPr txBox="1"/>
-          <p:nvPr/>
-        </p:nvSpPr>
-        <p:spPr>
-          <a:xfrm>
-            <a:off x="457200" y="182880"/>
-            <a:ext cx="13716000" cy="640080"/>
-          </a:xfrm>
-          <a:prstGeom prst="rect">
-            <a:avLst/>
-          </a:prstGeom>
-          <a:noFill/>
-        </p:spPr>
-        <p:txBody>
-          <a:bodyPr wrap="none">
-            <a:spAutoFit/>
-          </a:bodyPr>
-          <a:lstStyle/>
-          <a:p>
-            <a:pPr>
-              <a:defRPr sz="3600" b="1"/>
-            </a:pPr>
-            <a:r>
-              <a:t>UI Tutorial: Template Strategy</a:t>
-            </a:r>
-          </a:p>
-        </p:txBody>
-      </p:sp>
-      <p:pic>
-        <p:nvPicPr>
-          <p:cNvPr id="3" name="Picture 2" descr="tutorial-02-template-strategy.png"/>
-          <p:cNvPicPr>
-            <a:picLocks noChangeAspect="1"/>
-          </p:cNvPicPr>
-          <p:nvPr/>
-        </p:nvPicPr>
-        <p:blipFill>
-          <a:blip r:embed="rId2"/>
-          <a:stretch>
-            <a:fillRect/>
-          </a:stretch>
-        </p:blipFill>
-        <p:spPr>
-          <a:xfrm>
-            <a:off x="457200" y="914400"/>
-            <a:ext cx="10566400" cy="5943600"/>
-          </a:xfrm>
-          <a:prstGeom prst="rect">
-            <a:avLst/>
-          </a:prstGeom>
-        </p:spPr>
-      </p:pic>
-      <p:sp>
-        <p:nvSpPr>
-          <p:cNvPr id="4" name="TextBox 3"/>
-          <p:cNvSpPr txBox="1"/>
-          <p:nvPr/>
-        </p:nvSpPr>
-        <p:spPr>
-          <a:xfrm>
-            <a:off x="457200" y="7040880"/>
-            <a:ext cx="13716000" cy="914400"/>
-          </a:xfrm>
-          <a:prstGeom prst="rect">
-            <a:avLst/>
-          </a:prstGeom>
-          <a:noFill/>
-        </p:spPr>
-        <p:txBody>
-          <a:bodyPr wrap="none">
-            <a:spAutoFit/>
-          </a:bodyPr>
-          <a:lstStyle/>
-          <a:p>
-            <a:pPr>
-              <a:defRPr sz="1600"/>
-            </a:pPr>
-            <a:r>
-              <a:t>Configure template-based scaling</a:t>
-            </a:r>
-          </a:p>
-        </p:txBody>
-      </p:sp>
-    </p:spTree>
-  </p:cSld>
-  <p:clrMapOvr>
-    <a:masterClrMapping/>
-  </p:clrMapOvr>
-</p:sld>
-</file>
-
-<file path=ppt/slides/slide21.xml><?xml version="1.0" encoding="utf-8"?>
-<p:sld xmlns:a="http://schemas.openxmlformats.org/drawingml/2006/main" xmlns:p="http://schemas.openxmlformats.org/presentationml/2006/main" xmlns:r="http://schemas.openxmlformats.org/officeDocument/2006/relationships">
-  <p:cSld>
-    <p:spTree>
-      <p:nvGrpSpPr>
-        <p:cNvPr id="1" name=""/>
-        <p:cNvGrpSpPr/>
-        <p:nvPr/>
-      </p:nvGrpSpPr>
-      <p:grpSpPr/>
-      <p:sp>
-        <p:nvSpPr>
-          <p:cNvPr id="2" name="TextBox 1"/>
-          <p:cNvSpPr txBox="1"/>
-          <p:nvPr/>
-        </p:nvSpPr>
-        <p:spPr>
-          <a:xfrm>
-            <a:off x="457200" y="182880"/>
-            <a:ext cx="13716000" cy="640080"/>
-          </a:xfrm>
-          <a:prstGeom prst="rect">
-            <a:avLst/>
-          </a:prstGeom>
-          <a:noFill/>
-        </p:spPr>
-        <p:txBody>
-          <a:bodyPr wrap="none">
-            <a:spAutoFit/>
-          </a:bodyPr>
-          <a:lstStyle/>
-          <a:p>
-            <a:pPr>
-              <a:defRPr sz="3600" b="1"/>
-            </a:pPr>
-            <a:r>
-              <a:t>UI Tutorial: Scenario Selection</a:t>
-            </a:r>
-          </a:p>
-        </p:txBody>
-      </p:sp>
-      <p:pic>
-        <p:nvPicPr>
-          <p:cNvPr id="3" name="Picture 2" descr="tutorial-03-scenario-selection.png"/>
-          <p:cNvPicPr>
-            <a:picLocks noChangeAspect="1"/>
-          </p:cNvPicPr>
-          <p:nvPr/>
-        </p:nvPicPr>
-        <p:blipFill>
-          <a:blip r:embed="rId2"/>
-          <a:stretch>
-            <a:fillRect/>
-          </a:stretch>
-        </p:blipFill>
-        <p:spPr>
-          <a:xfrm>
-            <a:off x="457200" y="914400"/>
-            <a:ext cx="10566400" cy="5943600"/>
-          </a:xfrm>
-          <a:prstGeom prst="rect">
-            <a:avLst/>
-          </a:prstGeom>
-        </p:spPr>
-      </p:pic>
-      <p:sp>
-        <p:nvSpPr>
-          <p:cNvPr id="4" name="TextBox 3"/>
-          <p:cNvSpPr txBox="1"/>
-          <p:nvPr/>
-        </p:nvSpPr>
-        <p:spPr>
-          <a:xfrm>
-            <a:off x="457200" y="7040880"/>
-            <a:ext cx="13716000" cy="914400"/>
-          </a:xfrm>
-          <a:prstGeom prst="rect">
-            <a:avLst/>
-          </a:prstGeom>
-          <a:noFill/>
-        </p:spPr>
-        <p:txBody>
-          <a:bodyPr wrap="none">
-            <a:spAutoFit/>
-          </a:bodyPr>
-          <a:lstStyle/>
-          <a:p>
-            <a:pPr>
-              <a:defRPr sz="1600"/>
-            </a:pPr>
-            <a:r>
-              <a:t>Generate hub-spoke topology</a:t>
-            </a:r>
-          </a:p>
-        </p:txBody>
-      </p:sp>
-    </p:spTree>
-  </p:cSld>
-  <p:clrMapOvr>
-    <a:masterClrMapping/>
-  </p:clrMapOvr>
-</p:sld>
-</file>
-
-<file path=ppt/slides/slide22.xml><?xml version="1.0" encoding="utf-8"?>
-<p:sld xmlns:a="http://schemas.openxmlformats.org/drawingml/2006/main" xmlns:p="http://schemas.openxmlformats.org/presentationml/2006/main" xmlns:r="http://schemas.openxmlformats.org/officeDocument/2006/relationships">
-  <p:cSld>
-    <p:spTree>
-      <p:nvGrpSpPr>
-        <p:cNvPr id="1" name=""/>
-        <p:cNvGrpSpPr/>
-        <p:nvPr/>
-      </p:nvGrpSpPr>
-      <p:grpSpPr/>
-      <p:sp>
-        <p:nvSpPr>
-          <p:cNvPr id="2" name="TextBox 1"/>
-          <p:cNvSpPr txBox="1"/>
-          <p:nvPr/>
-        </p:nvSpPr>
-        <p:spPr>
-          <a:xfrm>
-            <a:off x="457200" y="182880"/>
-            <a:ext cx="13716000" cy="640080"/>
-          </a:xfrm>
-          <a:prstGeom prst="rect">
-            <a:avLst/>
-          </a:prstGeom>
-          <a:noFill/>
-        </p:spPr>
-        <p:txBody>
-          <a:bodyPr wrap="none">
-            <a:spAutoFit/>
-          </a:bodyPr>
-          <a:lstStyle/>
-          <a:p>
-            <a:pPr>
-              <a:defRPr sz="3600" b="1"/>
-            </a:pPr>
-            <a:r>
-              <a:t>UI Tutorial: Scale Factor</a:t>
-            </a:r>
-          </a:p>
-        </p:txBody>
-      </p:sp>
-      <p:pic>
-        <p:nvPicPr>
-          <p:cNvPr id="3" name="Picture 2" descr="tutorial-04-scale-factor.png"/>
-          <p:cNvPicPr>
-            <a:picLocks noChangeAspect="1"/>
-          </p:cNvPicPr>
-          <p:nvPr/>
-        </p:nvPicPr>
-        <p:blipFill>
-          <a:blip r:embed="rId2"/>
-          <a:stretch>
-            <a:fillRect/>
-          </a:stretch>
-        </p:blipFill>
-        <p:spPr>
-          <a:xfrm>
-            <a:off x="457200" y="914400"/>
-            <a:ext cx="10566400" cy="5943600"/>
-          </a:xfrm>
-          <a:prstGeom prst="rect">
-            <a:avLst/>
-          </a:prstGeom>
-        </p:spPr>
-      </p:pic>
-      <p:sp>
-        <p:nvSpPr>
-          <p:cNvPr id="4" name="TextBox 3"/>
-          <p:cNvSpPr txBox="1"/>
-          <p:nvPr/>
-        </p:nvSpPr>
-        <p:spPr>
-          <a:xfrm>
-            <a:off x="457200" y="7040880"/>
-            <a:ext cx="13716000" cy="914400"/>
-          </a:xfrm>
-          <a:prstGeom prst="rect">
-            <a:avLst/>
-          </a:prstGeom>
-          <a:noFill/>
-        </p:spPr>
-        <p:txBody>
-          <a:bodyPr wrap="none">
-            <a:spAutoFit/>
-          </a:bodyPr>
-          <a:lstStyle/>
-          <a:p>
-            <a:pPr>
-              <a:defRPr sz="1600"/>
-            </a:pPr>
-            <a:r>
-              <a:t>Adjust intensity with slider</a:t>
-            </a:r>
-          </a:p>
-        </p:txBody>
-      </p:sp>
-    </p:spTree>
-  </p:cSld>
-  <p:clrMapOvr>
-    <a:masterClrMapping/>
-  </p:clrMapOvr>
-</p:sld>
-</file>
-
-<file path=ppt/slides/slide23.xml><?xml version="1.0" encoding="utf-8"?>
-<p:sld xmlns:a="http://schemas.openxmlformats.org/drawingml/2006/main" xmlns:p="http://schemas.openxmlformats.org/presentationml/2006/main" xmlns:r="http://schemas.openxmlformats.org/officeDocument/2006/relationships">
-  <p:cSld>
-    <p:spTree>
-      <p:nvGrpSpPr>
-        <p:cNvPr id="1" name=""/>
-        <p:cNvGrpSpPr/>
-        <p:nvPr/>
-      </p:nvGrpSpPr>
-      <p:grpSpPr/>
-      <p:sp>
-        <p:nvSpPr>
-          <p:cNvPr id="2" name="TextBox 1"/>
-          <p:cNvSpPr txBox="1"/>
-          <p:nvPr/>
-        </p:nvSpPr>
-        <p:spPr>
-          <a:xfrm>
-            <a:off x="457200" y="182880"/>
-            <a:ext cx="13716000" cy="640080"/>
-          </a:xfrm>
-          <a:prstGeom prst="rect">
-            <a:avLst/>
-          </a:prstGeom>
-          <a:noFill/>
-        </p:spPr>
-        <p:txBody>
-          <a:bodyPr wrap="none">
-            <a:spAutoFit/>
-          </a:bodyPr>
-          <a:lstStyle/>
-          <a:p>
-            <a:pPr>
-              <a:defRPr sz="3600" b="1"/>
-            </a:pPr>
-            <a:r>
-              <a:t>UI Tutorial: Preview &amp; Execute</a:t>
-            </a:r>
-          </a:p>
-        </p:txBody>
-      </p:sp>
-      <p:pic>
-        <p:nvPicPr>
-          <p:cNvPr id="3" name="Picture 2" descr="tutorial-05-preview-execute.png"/>
-          <p:cNvPicPr>
-            <a:picLocks noChangeAspect="1"/>
-          </p:cNvPicPr>
-          <p:nvPr/>
-        </p:nvPicPr>
-        <p:blipFill>
-          <a:blip r:embed="rId2"/>
-          <a:stretch>
-            <a:fillRect/>
-          </a:stretch>
-        </p:blipFill>
-        <p:spPr>
-          <a:xfrm>
-            <a:off x="457200" y="914400"/>
-            <a:ext cx="10566400" cy="5943600"/>
-          </a:xfrm>
-          <a:prstGeom prst="rect">
-            <a:avLst/>
-          </a:prstGeom>
-        </p:spPr>
-      </p:pic>
-      <p:sp>
-        <p:nvSpPr>
-          <p:cNvPr id="4" name="TextBox 3"/>
-          <p:cNvSpPr txBox="1"/>
-          <p:nvPr/>
-        </p:nvSpPr>
-        <p:spPr>
-          <a:xfrm>
-            <a:off x="457200" y="7040880"/>
-            <a:ext cx="13716000" cy="914400"/>
-          </a:xfrm>
-          <a:prstGeom prst="rect">
-            <a:avLst/>
-          </a:prstGeom>
-          <a:noFill/>
-        </p:spPr>
-        <p:txBody>
-          <a:bodyPr wrap="none">
-            <a:spAutoFit/>
-          </a:bodyPr>
-          <a:lstStyle/>
-          <a:p>
-            <a:pPr>
-              <a:defRPr sz="1600"/>
-            </a:pPr>
-            <a:r>
-              <a:t>Safe execution workflow</a:t>
-            </a:r>
-          </a:p>
-        </p:txBody>
-      </p:sp>
-    </p:spTree>
-  </p:cSld>
-  <p:clrMapOvr>
-    <a:masterClrMapping/>
-  </p:clrMapOvr>
-</p:sld>
-</file>
-
-<file path=ppt/slides/slide24.xml><?xml version="1.0" encoding="utf-8"?>
-<p:sld xmlns:a="http://schemas.openxmlformats.org/drawingml/2006/main" xmlns:p="http://schemas.openxmlformats.org/presentationml/2006/main" xmlns:r="http://schemas.openxmlformats.org/officeDocument/2006/relationships">
-  <p:cSld>
-    <p:spTree>
-      <p:nvGrpSpPr>
-        <p:cNvPr id="1" name=""/>
-        <p:cNvGrpSpPr/>
-        <p:nvPr/>
-      </p:nvGrpSpPr>
-      <p:grpSpPr/>
-      <p:sp>
-        <p:nvSpPr>
-          <p:cNvPr id="2" name="TextBox 1"/>
-          <p:cNvSpPr txBox="1"/>
-          <p:nvPr/>
-        </p:nvSpPr>
-        <p:spPr>
-          <a:xfrm>
-            <a:off x="457200" y="182880"/>
-            <a:ext cx="13716000" cy="640080"/>
-          </a:xfrm>
-          <a:prstGeom prst="rect">
-            <a:avLst/>
-          </a:prstGeom>
-          <a:noFill/>
-        </p:spPr>
-        <p:txBody>
-          <a:bodyPr wrap="none">
-            <a:spAutoFit/>
-          </a:bodyPr>
-          <a:lstStyle/>
-          <a:p>
-            <a:pPr>
-              <a:defRPr sz="3600" b="1"/>
-            </a:pPr>
-            <a:r>
-              <a:t>UI Tutorial: Quick Actions</a:t>
-            </a:r>
-          </a:p>
-        </p:txBody>
-      </p:sp>
-      <p:pic>
-        <p:nvPicPr>
-          <p:cNvPr id="3" name="Picture 2" descr="tutorial-06-quick-actions.png"/>
-          <p:cNvPicPr>
-            <a:picLocks noChangeAspect="1"/>
-          </p:cNvPicPr>
-          <p:nvPr/>
-        </p:nvPicPr>
-        <p:blipFill>
-          <a:blip r:embed="rId2"/>
-          <a:stretch>
-            <a:fillRect/>
-          </a:stretch>
-        </p:blipFill>
-        <p:spPr>
-          <a:xfrm>
-            <a:off x="457200" y="914400"/>
-            <a:ext cx="10566400" cy="5943600"/>
-          </a:xfrm>
-          <a:prstGeom prst="rect">
-            <a:avLst/>
-          </a:prstGeom>
-        </p:spPr>
-      </p:pic>
-      <p:sp>
-        <p:nvSpPr>
-          <p:cNvPr id="4" name="TextBox 3"/>
-          <p:cNvSpPr txBox="1"/>
-          <p:nvPr/>
-        </p:nvSpPr>
-        <p:spPr>
-          <a:xfrm>
-            <a:off x="457200" y="7040880"/>
-            <a:ext cx="13716000" cy="914400"/>
-          </a:xfrm>
-          <a:prstGeom prst="rect">
-            <a:avLst/>
-          </a:prstGeom>
-          <a:noFill/>
-        </p:spPr>
-        <p:txBody>
-          <a:bodyPr wrap="none">
-            <a:spAutoFit/>
-          </a:bodyPr>
-          <a:lstStyle/>
-          <a:p>
-            <a:pPr>
-              <a:defRPr sz="1600"/>
-            </a:pPr>
-            <a:r>
-              <a:t>Clean, validate, and analyze</a:t>
-            </a:r>
-          </a:p>
-        </p:txBody>
-      </p:sp>
-    </p:spTree>
-  </p:cSld>
-  <p:clrMapOvr>
-    <a:masterClrMapping/>
-  </p:clrMapOvr>
-</p:sld>
-</file>
-
-<file path=ppt/slides/slide25.xml><?xml version="1.0" encoding="utf-8"?>
-<p:sld xmlns:a="http://schemas.openxmlformats.org/drawingml/2006/main" xmlns:p="http://schemas.openxmlformats.org/presentationml/2006/main" xmlns:r="http://schemas.openxmlformats.org/officeDocument/2006/relationships">
-  <p:cSld>
-    <p:spTree>
-      <p:nvGrpSpPr>
-        <p:cNvPr id="1" name=""/>
-        <p:cNvGrpSpPr/>
-        <p:nvPr/>
-      </p:nvGrpSpPr>
-      <p:grpSpPr/>
-      <p:sp>
-        <p:nvSpPr>
-          <p:cNvPr id="2" name="TextBox 1"/>
-          <p:cNvSpPr txBox="1"/>
-          <p:nvPr/>
-        </p:nvSpPr>
-        <p:spPr>
-          <a:xfrm>
-            <a:off x="457200" y="182880"/>
-            <a:ext cx="13716000" cy="640080"/>
-          </a:xfrm>
-          <a:prstGeom prst="rect">
-            <a:avLst/>
-          </a:prstGeom>
-          <a:noFill/>
-        </p:spPr>
-        <p:txBody>
-          <a:bodyPr wrap="none">
-            <a:spAutoFit/>
-          </a:bodyPr>
-          <a:lstStyle/>
-          <a:p>
-            <a:pPr>
-              <a:defRPr sz="3600" b="1"/>
-            </a:pPr>
-            <a:r>
-              <a:t>UI Tutorial: Validation</a:t>
-            </a:r>
-          </a:p>
-        </p:txBody>
-      </p:sp>
-      <p:pic>
-        <p:nvPicPr>
-          <p:cNvPr id="3" name="Picture 2" descr="tutorial-07-validation-options.png"/>
-          <p:cNvPicPr>
-            <a:picLocks noChangeAspect="1"/>
-          </p:cNvPicPr>
-          <p:nvPr/>
-        </p:nvPicPr>
-        <p:blipFill>
-          <a:blip r:embed="rId2"/>
-          <a:stretch>
-            <a:fillRect/>
-          </a:stretch>
-        </p:blipFill>
-        <p:spPr>
-          <a:xfrm>
-            <a:off x="457200" y="914400"/>
-            <a:ext cx="10566400" cy="5943600"/>
-          </a:xfrm>
-          <a:prstGeom prst="rect">
-            <a:avLst/>
-          </a:prstGeom>
-        </p:spPr>
-      </p:pic>
-      <p:sp>
-        <p:nvSpPr>
-          <p:cNvPr id="4" name="TextBox 3"/>
-          <p:cNvSpPr txBox="1"/>
-          <p:nvPr/>
-        </p:nvSpPr>
-        <p:spPr>
-          <a:xfrm>
-            <a:off x="457200" y="7040880"/>
-            <a:ext cx="13716000" cy="914400"/>
-          </a:xfrm>
-          <a:prstGeom prst="rect">
-            <a:avLst/>
-          </a:prstGeom>
-          <a:noFill/>
-        </p:spPr>
-        <p:txBody>
-          <a:bodyPr wrap="none">
-            <a:spAutoFit/>
-          </a:bodyPr>
-          <a:lstStyle/>
-          <a:p>
-            <a:pPr>
-              <a:defRPr sz="1600"/>
-            </a:pPr>
-            <a:r>
-              <a:t>Graph integrity checks</a:t>
-            </a:r>
-          </a:p>
-        </p:txBody>
-      </p:sp>
-    </p:spTree>
-  </p:cSld>
-  <p:clrMapOvr>
-    <a:masterClrMapping/>
-  </p:clrMapOvr>
-</p:sld>
-</file>
-
-<file path=ppt/slides/slide26.xml><?xml version="1.0" encoding="utf-8"?>
-<p:sld xmlns:a="http://schemas.openxmlformats.org/drawingml/2006/main" xmlns:p="http://schemas.openxmlformats.org/presentationml/2006/main" xmlns:r="http://schemas.openxmlformats.org/officeDocument/2006/relationships">
-  <p:cSld>
-    <p:spTree>
-      <p:nvGrpSpPr>
-        <p:cNvPr id="1" name=""/>
-        <p:cNvGrpSpPr/>
-        <p:nvPr/>
-      </p:nvGrpSpPr>
-      <p:grpSpPr/>
-      <p:sp>
-        <p:nvSpPr>
-          <p:cNvPr id="2" name="TextBox 1"/>
-          <p:cNvSpPr txBox="1"/>
-          <p:nvPr/>
-        </p:nvSpPr>
-        <p:spPr>
-          <a:xfrm>
-            <a:off x="457200" y="182880"/>
-            <a:ext cx="13716000" cy="640080"/>
-          </a:xfrm>
-          <a:prstGeom prst="rect">
-            <a:avLst/>
-          </a:prstGeom>
-          <a:noFill/>
-        </p:spPr>
-        <p:txBody>
-          <a:bodyPr wrap="none">
-            <a:spAutoFit/>
-          </a:bodyPr>
-          <a:lstStyle/>
-          <a:p>
-            <a:pPr>
-              <a:defRPr sz="3600" b="1"/>
-            </a:pPr>
-            <a:r>
-              <a:t>UI Tutorial: Scale-Down</a:t>
-            </a:r>
-          </a:p>
-        </p:txBody>
-      </p:sp>
-      <p:pic>
-        <p:nvPicPr>
-          <p:cNvPr id="3" name="Picture 2" descr="tutorial-08-scale-down.png"/>
-          <p:cNvPicPr>
-            <a:picLocks noChangeAspect="1"/>
-          </p:cNvPicPr>
-          <p:nvPr/>
-        </p:nvPicPr>
-        <p:blipFill>
-          <a:blip r:embed="rId2"/>
-          <a:stretch>
-            <a:fillRect/>
-          </a:stretch>
-        </p:blipFill>
-        <p:spPr>
-          <a:xfrm>
-            <a:off x="457200" y="914400"/>
-            <a:ext cx="10566400" cy="5943600"/>
-          </a:xfrm>
-          <a:prstGeom prst="rect">
-            <a:avLst/>
-          </a:prstGeom>
-        </p:spPr>
-      </p:pic>
-      <p:sp>
-        <p:nvSpPr>
-          <p:cNvPr id="4" name="TextBox 3"/>
-          <p:cNvSpPr txBox="1"/>
-          <p:nvPr/>
-        </p:nvSpPr>
-        <p:spPr>
-          <a:xfrm>
-            <a:off x="457200" y="7040880"/>
-            <a:ext cx="13716000" cy="914400"/>
-          </a:xfrm>
-          <a:prstGeom prst="rect">
-            <a:avLst/>
-          </a:prstGeom>
-          <a:noFill/>
-        </p:spPr>
-        <p:txBody>
-          <a:bodyPr wrap="none">
-            <a:spAutoFit/>
-          </a:bodyPr>
-          <a:lstStyle/>
-          <a:p>
-            <a:pPr>
-              <a:defRPr sz="1600"/>
-            </a:pPr>
-            <a:r>
-              <a:t>Sampling configuration</a:t>
-            </a:r>
-          </a:p>
-        </p:txBody>
-      </p:sp>
-    </p:spTree>
-  </p:cSld>
-  <p:clrMapOvr>
-    <a:masterClrMapping/>
-  </p:clrMapOvr>
-</p:sld>
-</file>
-
-<file path=ppt/slides/slide27.xml><?xml version="1.0" encoding="utf-8"?>
-<p:sld xmlns:a="http://schemas.openxmlformats.org/drawingml/2006/main" xmlns:p="http://schemas.openxmlformats.org/presentationml/2006/main" xmlns:r="http://schemas.openxmlformats.org/officeDocument/2006/relationships">
-  <p:cSld>
-    <p:spTree>
-      <p:nvGrpSpPr>
-        <p:cNvPr id="1" name=""/>
-        <p:cNvGrpSpPr/>
-        <p:nvPr/>
-      </p:nvGrpSpPr>
-      <p:grpSpPr/>
-      <p:sp>
-        <p:nvSpPr>
-          <p:cNvPr id="2" name="TextBox 1"/>
-          <p:cNvSpPr txBox="1"/>
-          <p:nvPr/>
-        </p:nvSpPr>
-        <p:spPr>
-          <a:xfrm>
-            <a:off x="457200" y="182880"/>
-            <a:ext cx="13716000" cy="640080"/>
-          </a:xfrm>
-          <a:prstGeom prst="rect">
-            <a:avLst/>
-          </a:prstGeom>
-          <a:noFill/>
-        </p:spPr>
-        <p:txBody>
-          <a:bodyPr wrap="none">
-            <a:spAutoFit/>
-          </a:bodyPr>
-          <a:lstStyle/>
-          <a:p>
-            <a:pPr>
-              <a:defRPr sz="3600" b="1"/>
-            </a:pPr>
-            <a:r>
-              <a:t>REAL Graph Visualization: Scaled-Up (87k Nodes)</a:t>
-            </a:r>
-          </a:p>
-        </p:txBody>
-      </p:sp>
-      <p:pic>
-        <p:nvPicPr>
-          <p:cNvPr id="3" name="Picture 2" descr="02-REAL-scaled-up-87k.png"/>
-          <p:cNvPicPr>
-            <a:picLocks noChangeAspect="1"/>
-          </p:cNvPicPr>
-          <p:nvPr/>
-        </p:nvPicPr>
-        <p:blipFill>
-          <a:blip r:embed="rId2"/>
-          <a:stretch>
-            <a:fillRect/>
-          </a:stretch>
-        </p:blipFill>
-        <p:spPr>
-          <a:xfrm>
-            <a:off x="457200" y="914400"/>
-            <a:ext cx="10566400" cy="5943600"/>
-          </a:xfrm>
-          <a:prstGeom prst="rect">
-            <a:avLst/>
-          </a:prstGeom>
-        </p:spPr>
-      </p:pic>
-      <p:sp>
-        <p:nvSpPr>
-          <p:cNvPr id="4" name="TextBox 3"/>
-          <p:cNvSpPr txBox="1"/>
-          <p:nvPr/>
-        </p:nvSpPr>
-        <p:spPr>
-          <a:xfrm>
-            <a:off x="457200" y="7040880"/>
-            <a:ext cx="13716000" cy="914400"/>
-          </a:xfrm>
-          <a:prstGeom prst="rect">
-            <a:avLst/>
-          </a:prstGeom>
-          <a:noFill/>
-        </p:spPr>
-        <p:txBody>
-          <a:bodyPr wrap="none">
-            <a:spAutoFit/>
-          </a:bodyPr>
-          <a:lstStyle/>
-          <a:p>
-            <a:pPr>
-              <a:defRPr sz="1600"/>
-            </a:pPr>
-            <a:r>
-              <a:t>Actual 3D force-directed graph from atg visualize - 87,941 nodes, 45,185 relationships</a:t>
-            </a:r>
-          </a:p>
-        </p:txBody>
-      </p:sp>
-    </p:spTree>
-  </p:cSld>
-  <p:clrMapOvr>
-    <a:masterClrMapping/>
-  </p:clrMapOvr>
-</p:sld>
-</file>
-
-<file path=ppt/slides/slide28.xml><?xml version="1.0" encoding="utf-8"?>
-<p:sld xmlns:a="http://schemas.openxmlformats.org/drawingml/2006/main" xmlns:p="http://schemas.openxmlformats.org/presentationml/2006/main" xmlns:r="http://schemas.openxmlformats.org/officeDocument/2006/relationships">
-  <p:cSld>
-    <p:spTree>
-      <p:nvGrpSpPr>
-        <p:cNvPr id="1" name=""/>
-        <p:cNvGrpSpPr/>
-        <p:nvPr/>
-      </p:nvGrpSpPr>
-      <p:grpSpPr/>
-      <p:sp>
-        <p:nvSpPr>
-          <p:cNvPr id="2" name="TextBox 1"/>
-          <p:cNvSpPr txBox="1"/>
-          <p:nvPr/>
-        </p:nvSpPr>
-        <p:spPr>
-          <a:xfrm>
-            <a:off x="457200" y="182880"/>
-            <a:ext cx="13716000" cy="640080"/>
-          </a:xfrm>
-          <a:prstGeom prst="rect">
-            <a:avLst/>
-          </a:prstGeom>
-          <a:noFill/>
-        </p:spPr>
-        <p:txBody>
-          <a:bodyPr wrap="none">
-            <a:spAutoFit/>
-          </a:bodyPr>
-          <a:lstStyle/>
-          <a:p>
-            <a:pPr>
-              <a:defRPr sz="3600" b="1"/>
-            </a:pPr>
-            <a:r>
-              <a:t>REAL Graph Visualization: Scaled-Down Sample</a:t>
-            </a:r>
-          </a:p>
-        </p:txBody>
-      </p:sp>
-      <p:pic>
-        <p:nvPicPr>
-          <p:cNvPr id="3" name="Picture 2" descr="03-REAL-scaled-down.png"/>
-          <p:cNvPicPr>
-            <a:picLocks noChangeAspect="1"/>
-          </p:cNvPicPr>
-          <p:nvPr/>
-        </p:nvPicPr>
-        <p:blipFill>
-          <a:blip r:embed="rId2"/>
-          <a:stretch>
-            <a:fillRect/>
-          </a:stretch>
-        </p:blipFill>
-        <p:spPr>
-          <a:xfrm>
-            <a:off x="457200" y="914400"/>
-            <a:ext cx="10566400" cy="5943600"/>
-          </a:xfrm>
-          <a:prstGeom prst="rect">
-            <a:avLst/>
-          </a:prstGeom>
-        </p:spPr>
-      </p:pic>
-      <p:sp>
-        <p:nvSpPr>
-          <p:cNvPr id="4" name="TextBox 3"/>
-          <p:cNvSpPr txBox="1"/>
-          <p:nvPr/>
-        </p:nvSpPr>
-        <p:spPr>
-          <a:xfrm>
-            <a:off x="457200" y="7040880"/>
-            <a:ext cx="13716000" cy="914400"/>
-          </a:xfrm>
-          <a:prstGeom prst="rect">
-            <a:avLst/>
-          </a:prstGeom>
-          <a:noFill/>
-        </p:spPr>
-        <p:txBody>
-          <a:bodyPr wrap="none">
-            <a:spAutoFit/>
-          </a:bodyPr>
-          <a:lstStyle/>
-          <a:p>
-            <a:pPr>
-              <a:defRPr sz="1600"/>
-            </a:pPr>
-            <a:r>
-              <a:t>10% sample showing 109 nodes, 100 relationships - network structure preserved</a:t>
-            </a:r>
-          </a:p>
-        </p:txBody>
-      </p:sp>
-    </p:spTree>
-  </p:cSld>
-  <p:clrMapOvr>
-    <a:masterClrMapping/>
-  </p:clrMapOvr>
-</p:sld>
-</file>
-
-<file path=ppt/slides/slide29.xml><?xml version="1.0" encoding="utf-8"?>
-<p:sld xmlns:a="http://schemas.openxmlformats.org/drawingml/2006/main" xmlns:p="http://schemas.openxmlformats.org/presentationml/2006/main" xmlns:r="http://schemas.openxmlformats.org/officeDocument/2006/relationships">
-  <p:cSld>
-    <p:spTree>
-      <p:nvGrpSpPr>
-        <p:cNvPr id="1" name=""/>
-        <p:cNvGrpSpPr/>
-        <p:nvPr/>
-      </p:nvGrpSpPr>
-      <p:grpSpPr/>
-      <p:sp>
-        <p:nvSpPr>
-          <p:cNvPr id="2" name="TextBox 1"/>
-          <p:cNvSpPr txBox="1"/>
-          <p:nvPr/>
-        </p:nvSpPr>
-        <p:spPr>
-          <a:xfrm>
-            <a:off x="457200" y="182880"/>
-            <a:ext cx="13716000" cy="640080"/>
-          </a:xfrm>
-          <a:prstGeom prst="rect">
-            <a:avLst/>
-          </a:prstGeom>
-          <a:noFill/>
-        </p:spPr>
-        <p:txBody>
-          <a:bodyPr wrap="none">
-            <a:spAutoFit/>
-          </a:bodyPr>
-          <a:lstStyle/>
-          <a:p>
-            <a:pPr>
-              <a:defRPr sz="3200" b="1"/>
-            </a:pPr>
-            <a:r>
-              <a:t>Graph Visualization: 87,941 Nodes from DefenderATEVET17</a:t>
-            </a:r>
-          </a:p>
-        </p:txBody>
-      </p:sp>
-      <p:pic>
-        <p:nvPicPr>
-          <p:cNvPr id="3" name="Picture 2" descr="image.png"/>
-          <p:cNvPicPr>
-            <a:picLocks noChangeAspect="1"/>
-          </p:cNvPicPr>
-          <p:nvPr/>
-        </p:nvPicPr>
-        <p:blipFill>
-          <a:blip r:embed="rId2"/>
-          <a:stretch>
-            <a:fillRect/>
-          </a:stretch>
-        </p:blipFill>
-        <p:spPr>
-          <a:xfrm>
-            <a:off x="457200" y="914400"/>
-            <a:ext cx="10566400" cy="5943600"/>
-          </a:xfrm>
-          <a:prstGeom prst="rect">
-            <a:avLst/>
-          </a:prstGeom>
-        </p:spPr>
-      </p:pic>
-      <p:sp>
-        <p:nvSpPr>
-          <p:cNvPr id="4" name="TextBox 3"/>
-          <p:cNvSpPr txBox="1"/>
-          <p:nvPr/>
-        </p:nvSpPr>
-        <p:spPr>
-          <a:xfrm>
-            <a:off x="457200" y="7040880"/>
-            <a:ext cx="13716000" cy="914400"/>
-          </a:xfrm>
-          <a:prstGeom prst="rect">
-            <a:avLst/>
-          </a:prstGeom>
-          <a:noFill/>
-        </p:spPr>
-        <p:txBody>
-          <a:bodyPr wrap="none">
-            <a:spAutoFit/>
-          </a:bodyPr>
-          <a:lstStyle/>
-          <a:p>
-            <a:pPr>
               <a:defRPr sz="1400"/>
             </a:pPr>
             <a:r>
-              <a:t>3D force-directed graph from actual atg visualize command - Real data from Azure tenant</a:t>
-            </a:r>
-          </a:p>
-        </p:txBody>
-      </p:sp>
-    </p:spTree>
-  </p:cSld>
-  <p:clrMapOvr>
-    <a:masterClrMapping/>
-  </p:clrMapOvr>
-</p:sld>
-</file>
-
-<file path=ppt/slides/slide3.xml><?xml version="1.0" encoding="utf-8"?>
-<p:sld xmlns:a="http://schemas.openxmlformats.org/drawingml/2006/main" xmlns:p="http://schemas.openxmlformats.org/presentationml/2006/main" xmlns:r="http://schemas.openxmlformats.org/officeDocument/2006/relationships">
-  <p:cSld>
-    <p:spTree>
-      <p:nvGrpSpPr>
-        <p:cNvPr id="1" name=""/>
-        <p:cNvGrpSpPr/>
-        <p:nvPr/>
-      </p:nvGrpSpPr>
-      <p:grpSpPr/>
-      <p:sp>
-        <p:nvSpPr>
-          <p:cNvPr id="2" name="TextBox 1"/>
-          <p:cNvSpPr txBox="1"/>
-          <p:nvPr/>
-        </p:nvSpPr>
-        <p:spPr>
-          <a:xfrm>
-            <a:off x="457200" y="182880"/>
-            <a:ext cx="13716000" cy="548640"/>
-          </a:xfrm>
-          <a:prstGeom prst="rect">
-            <a:avLst/>
-          </a:prstGeom>
-          <a:noFill/>
-        </p:spPr>
-        <p:txBody>
-          <a:bodyPr wrap="none">
-            <a:spAutoFit/>
-          </a:bodyPr>
-          <a:lstStyle/>
-          <a:p>
-            <a:pPr>
-              <a:defRPr sz="3200" b="1"/>
-            </a:pPr>
-            <a:r>
-              <a:t>Dual-Graph Architecture</a:t>
-            </a:r>
-          </a:p>
-        </p:txBody>
-      </p:sp>
-      <p:pic>
-        <p:nvPicPr>
-          <p:cNvPr id="3" name="Picture 2" descr="dual-graph-architecture.png"/>
-          <p:cNvPicPr>
-            <a:picLocks noChangeAspect="1"/>
-          </p:cNvPicPr>
-          <p:nvPr/>
-        </p:nvPicPr>
-        <p:blipFill>
-          <a:blip r:embed="rId2"/>
-          <a:stretch>
-            <a:fillRect/>
-          </a:stretch>
-        </p:blipFill>
-        <p:spPr>
-          <a:xfrm>
-            <a:off x="457200" y="914400"/>
-            <a:ext cx="13716000" cy="5100277"/>
-          </a:xfrm>
-          <a:prstGeom prst="rect">
-            <a:avLst/>
-          </a:prstGeom>
-        </p:spPr>
-      </p:pic>
-      <p:sp>
-        <p:nvSpPr>
-          <p:cNvPr id="4" name="TextBox 3"/>
-          <p:cNvSpPr txBox="1"/>
-          <p:nvPr/>
-        </p:nvSpPr>
-        <p:spPr>
-          <a:xfrm>
-            <a:off x="457200" y="7315200"/>
-            <a:ext cx="13716000" cy="731520"/>
-          </a:xfrm>
-          <a:prstGeom prst="rect">
-            <a:avLst/>
-          </a:prstGeom>
-          <a:noFill/>
-        </p:spPr>
-        <p:txBody>
-          <a:bodyPr wrap="none">
-            <a:spAutoFit/>
-          </a:bodyPr>
-          <a:lstStyle/>
-          <a:p>
-            <a:pPr>
-              <a:defRPr sz="1400"/>
-            </a:pPr>
-            <a:r>
-              <a:t>Scale operations work only on abstracted layer</a:t>
-            </a:r>
-          </a:p>
-        </p:txBody>
-      </p:sp>
-    </p:spTree>
-  </p:cSld>
-  <p:clrMapOvr>
-    <a:masterClrMapping/>
-  </p:clrMapOvr>
-</p:sld>
-</file>
-
-<file path=ppt/slides/slide4.xml><?xml version="1.0" encoding="utf-8"?>
-<p:sld xmlns:a="http://schemas.openxmlformats.org/drawingml/2006/main" xmlns:p="http://schemas.openxmlformats.org/presentationml/2006/main" xmlns:r="http://schemas.openxmlformats.org/officeDocument/2006/relationships">
-  <p:cSld>
-    <p:spTree>
-      <p:nvGrpSpPr>
-        <p:cNvPr id="1" name=""/>
-        <p:cNvGrpSpPr/>
-        <p:nvPr/>
-      </p:nvGrpSpPr>
-      <p:grpSpPr/>
-      <p:sp>
-        <p:nvSpPr>
-          <p:cNvPr id="2" name="TextBox 1"/>
-          <p:cNvSpPr txBox="1"/>
-          <p:nvPr/>
-        </p:nvSpPr>
-        <p:spPr>
-          <a:xfrm>
-            <a:off x="457200" y="182880"/>
-            <a:ext cx="13716000" cy="548640"/>
-          </a:xfrm>
-          <a:prstGeom prst="rect">
-            <a:avLst/>
-          </a:prstGeom>
-          <a:noFill/>
-        </p:spPr>
-        <p:txBody>
-          <a:bodyPr wrap="none">
-            <a:spAutoFit/>
-          </a:bodyPr>
-          <a:lstStyle/>
-          <a:p>
-            <a:pPr>
-              <a:defRPr sz="3200" b="1"/>
-            </a:pPr>
-            <a:r>
-              <a:t>Scale-Up Flow</a:t>
-            </a:r>
-          </a:p>
-        </p:txBody>
-      </p:sp>
-      <p:pic>
-        <p:nvPicPr>
-          <p:cNvPr id="3" name="Picture 2" descr="scale-up-sequence.png"/>
-          <p:cNvPicPr>
-            <a:picLocks noChangeAspect="1"/>
-          </p:cNvPicPr>
-          <p:nvPr/>
-        </p:nvPicPr>
-        <p:blipFill>
-          <a:blip r:embed="rId2"/>
-          <a:stretch>
-            <a:fillRect/>
-          </a:stretch>
-        </p:blipFill>
-        <p:spPr>
-          <a:xfrm>
-            <a:off x="457200" y="914400"/>
-            <a:ext cx="13716000" cy="21949922"/>
-          </a:xfrm>
-          <a:prstGeom prst="rect">
-            <a:avLst/>
-          </a:prstGeom>
-        </p:spPr>
-      </p:pic>
-      <p:sp>
-        <p:nvSpPr>
-          <p:cNvPr id="4" name="TextBox 3"/>
-          <p:cNvSpPr txBox="1"/>
-          <p:nvPr/>
-        </p:nvSpPr>
-        <p:spPr>
-          <a:xfrm>
-            <a:off x="457200" y="7315200"/>
-            <a:ext cx="13716000" cy="731520"/>
-          </a:xfrm>
-          <a:prstGeom prst="rect">
-            <a:avLst/>
-          </a:prstGeom>
-          <a:noFill/>
-        </p:spPr>
-        <p:txBody>
-          <a:bodyPr wrap="none">
-            <a:spAutoFit/>
-          </a:bodyPr>
-          <a:lstStyle/>
-          <a:p>
-            <a:pPr>
-              <a:defRPr sz="1400"/>
-            </a:pPr>
-            <a:r>
-              <a:t>Complete operation sequence with validation</a:t>
-            </a:r>
-          </a:p>
-        </p:txBody>
-      </p:sp>
-    </p:spTree>
-  </p:cSld>
-  <p:clrMapOvr>
-    <a:masterClrMapping/>
-  </p:clrMapOvr>
-</p:sld>
-</file>
-
-<file path=ppt/slides/slide5.xml><?xml version="1.0" encoding="utf-8"?>
-<p:sld xmlns:a="http://schemas.openxmlformats.org/drawingml/2006/main" xmlns:p="http://schemas.openxmlformats.org/presentationml/2006/main" xmlns:r="http://schemas.openxmlformats.org/officeDocument/2006/relationships">
-  <p:cSld>
-    <p:spTree>
-      <p:nvGrpSpPr>
-        <p:cNvPr id="1" name=""/>
-        <p:cNvGrpSpPr/>
-        <p:nvPr/>
-      </p:nvGrpSpPr>
-      <p:grpSpPr/>
-      <p:sp>
-        <p:nvSpPr>
-          <p:cNvPr id="2" name="TextBox 1"/>
-          <p:cNvSpPr txBox="1"/>
-          <p:nvPr/>
-        </p:nvSpPr>
-        <p:spPr>
-          <a:xfrm>
-            <a:off x="457200" y="182880"/>
-            <a:ext cx="13716000" cy="548640"/>
-          </a:xfrm>
-          <a:prstGeom prst="rect">
-            <a:avLst/>
-          </a:prstGeom>
-          <a:noFill/>
-        </p:spPr>
-        <p:txBody>
-          <a:bodyPr wrap="none">
-            <a:spAutoFit/>
-          </a:bodyPr>
-          <a:lstStyle/>
-          <a:p>
-            <a:pPr>
-              <a:defRPr sz="3200" b="1"/>
-            </a:pPr>
-            <a:r>
-              <a:t>Scale-Down Pipeline</a:t>
-            </a:r>
-          </a:p>
-        </p:txBody>
-      </p:sp>
-      <p:pic>
-        <p:nvPicPr>
-          <p:cNvPr id="3" name="Picture 2" descr="scale-down-pipeline.png"/>
-          <p:cNvPicPr>
-            <a:picLocks noChangeAspect="1"/>
-          </p:cNvPicPr>
-          <p:nvPr/>
-        </p:nvPicPr>
-        <p:blipFill>
-          <a:blip r:embed="rId2"/>
-          <a:stretch>
-            <a:fillRect/>
-          </a:stretch>
-        </p:blipFill>
-        <p:spPr>
-          <a:xfrm>
-            <a:off x="457200" y="914400"/>
-            <a:ext cx="13716000" cy="4437529"/>
-          </a:xfrm>
-          <a:prstGeom prst="rect">
-            <a:avLst/>
-          </a:prstGeom>
-        </p:spPr>
-      </p:pic>
-      <p:sp>
-        <p:nvSpPr>
-          <p:cNvPr id="4" name="TextBox 3"/>
-          <p:cNvSpPr txBox="1"/>
-          <p:nvPr/>
-        </p:nvSpPr>
-        <p:spPr>
-          <a:xfrm>
-            <a:off x="457200" y="7315200"/>
-            <a:ext cx="13716000" cy="731520"/>
-          </a:xfrm>
-          <a:prstGeom prst="rect">
-            <a:avLst/>
-          </a:prstGeom>
-          <a:noFill/>
-        </p:spPr>
-        <p:txBody>
-          <a:bodyPr wrap="none">
-            <a:spAutoFit/>
-          </a:bodyPr>
-          <a:lstStyle/>
-          <a:p>
-            <a:pPr>
-              <a:defRPr sz="1400"/>
-            </a:pPr>
-            <a:r>
-              <a:t>Four-stage sampling pipeline</a:t>
-            </a:r>
-          </a:p>
-        </p:txBody>
-      </p:sp>
-    </p:spTree>
-  </p:cSld>
-  <p:clrMapOvr>
-    <a:masterClrMapping/>
-  </p:clrMapOvr>
-</p:sld>
-</file>
-
-<file path=ppt/slides/slide6.xml><?xml version="1.0" encoding="utf-8"?>
-<p:sld xmlns:a="http://schemas.openxmlformats.org/drawingml/2006/main" xmlns:p="http://schemas.openxmlformats.org/presentationml/2006/main" xmlns:r="http://schemas.openxmlformats.org/officeDocument/2006/relationships">
-  <p:cSld>
-    <p:spTree>
-      <p:nvGrpSpPr>
-        <p:cNvPr id="1" name=""/>
-        <p:cNvGrpSpPr/>
-        <p:nvPr/>
-      </p:nvGrpSpPr>
-      <p:grpSpPr/>
-      <p:sp>
-        <p:nvSpPr>
-          <p:cNvPr id="2" name="TextBox 1"/>
-          <p:cNvSpPr txBox="1"/>
-          <p:nvPr/>
-        </p:nvSpPr>
-        <p:spPr>
-          <a:xfrm>
-            <a:off x="457200" y="182880"/>
-            <a:ext cx="13716000" cy="548640"/>
-          </a:xfrm>
-          <a:prstGeom prst="rect">
-            <a:avLst/>
-          </a:prstGeom>
-          <a:noFill/>
-        </p:spPr>
-        <p:txBody>
-          <a:bodyPr wrap="none">
-            <a:spAutoFit/>
-          </a:bodyPr>
-          <a:lstStyle/>
-          <a:p>
-            <a:pPr>
-              <a:defRPr sz="3200" b="1"/>
-            </a:pPr>
-            <a:r>
-              <a:t>Component Architecture</a:t>
-            </a:r>
-          </a:p>
-        </p:txBody>
-      </p:sp>
-      <p:pic>
-        <p:nvPicPr>
-          <p:cNvPr id="3" name="Picture 2" descr="component-architecture.png"/>
-          <p:cNvPicPr>
-            <a:picLocks noChangeAspect="1"/>
-          </p:cNvPicPr>
-          <p:nvPr/>
-        </p:nvPicPr>
-        <p:blipFill>
-          <a:blip r:embed="rId2"/>
-          <a:stretch>
-            <a:fillRect/>
-          </a:stretch>
-        </p:blipFill>
-        <p:spPr>
-          <a:xfrm>
-            <a:off x="457200" y="914400"/>
-            <a:ext cx="13716000" cy="2672603"/>
-          </a:xfrm>
-          <a:prstGeom prst="rect">
-            <a:avLst/>
-          </a:prstGeom>
-        </p:spPr>
-      </p:pic>
-      <p:sp>
-        <p:nvSpPr>
-          <p:cNvPr id="4" name="TextBox 3"/>
-          <p:cNvSpPr txBox="1"/>
-          <p:nvPr/>
-        </p:nvSpPr>
-        <p:spPr>
-          <a:xfrm>
-            <a:off x="457200" y="7315200"/>
-            <a:ext cx="13716000" cy="731520"/>
-          </a:xfrm>
-          <a:prstGeom prst="rect">
-            <a:avLst/>
-          </a:prstGeom>
-          <a:noFill/>
-        </p:spPr>
-        <p:txBody>
-          <a:bodyPr wrap="none">
-            <a:spAutoFit/>
-          </a:bodyPr>
-          <a:lstStyle/>
-          <a:p>
-            <a:pPr>
-              <a:defRPr sz="1400"/>
-            </a:pPr>
-            <a:r>
-              <a:t>Service hierarchy and dependencies</a:t>
-            </a:r>
-          </a:p>
-        </p:txBody>
-      </p:sp>
-    </p:spTree>
-  </p:cSld>
-  <p:clrMapOvr>
-    <a:masterClrMapping/>
-  </p:clrMapOvr>
-</p:sld>
-</file>
-
-<file path=ppt/slides/slide7.xml><?xml version="1.0" encoding="utf-8"?>
-<p:sld xmlns:a="http://schemas.openxmlformats.org/drawingml/2006/main" xmlns:p="http://schemas.openxmlformats.org/presentationml/2006/main" xmlns:r="http://schemas.openxmlformats.org/officeDocument/2006/relationships">
-  <p:cSld>
-    <p:spTree>
-      <p:nvGrpSpPr>
-        <p:cNvPr id="1" name=""/>
-        <p:cNvGrpSpPr/>
-        <p:nvPr/>
-      </p:nvGrpSpPr>
-      <p:grpSpPr/>
-      <p:sp>
-        <p:nvSpPr>
-          <p:cNvPr id="2" name="Title 1"/>
-          <p:cNvSpPr>
-            <a:spLocks noGrp="1"/>
-          </p:cNvSpPr>
-          <p:nvPr>
-            <p:ph type="title"/>
-          </p:nvPr>
-        </p:nvSpPr>
-        <p:spPr/>
-        <p:txBody>
-          <a:bodyPr/>
-          <a:lstStyle/>
-          <a:p>
-            <a:r>
-              <a:t>Baseline: Original Graph State</a:t>
-            </a:r>
-          </a:p>
-        </p:txBody>
-      </p:sp>
-      <p:sp>
-        <p:nvSpPr>
-          <p:cNvPr id="3" name="Content Placeholder 2"/>
-          <p:cNvSpPr>
-            <a:spLocks noGrp="1"/>
-          </p:cNvSpPr>
-          <p:nvPr>
-            <p:ph idx="1"/>
-          </p:nvPr>
-        </p:nvSpPr>
-        <p:spPr/>
-        <p:txBody>
-          <a:bodyPr/>
-          <a:lstStyle/>
-          <a:p/>
-          <a:p>
-            <a:pPr>
-              <a:defRPr sz="2000"/>
-            </a:pPr>
-            <a:r>
-              <a:t>DefenderATEVET17 Before Scale Operations:</a:t>
-            </a:r>
-          </a:p>
-          <a:p>
-            <a:pPr>
-              <a:defRPr sz="2000"/>
-            </a:pPr>
-          </a:p>
-          <a:p>
-            <a:pPr>
-              <a:defRPr sz="2000"/>
-            </a:pPr>
-            <a:r>
-              <a:t>  • Original resources: 2,936</a:t>
-            </a:r>
-          </a:p>
-          <a:p>
-            <a:pPr>
-              <a:defRPr sz="2000"/>
-            </a:pPr>
-            <a:r>
-              <a:t>  • Abstracted resources: 2,766</a:t>
-            </a:r>
-          </a:p>
-          <a:p>
-            <a:pPr>
-              <a:defRPr sz="2000"/>
-            </a:pPr>
-            <a:r>
-              <a:t>  • Synthetic resources: 0</a:t>
-            </a:r>
-          </a:p>
-          <a:p>
-            <a:pPr>
-              <a:defRPr sz="2000"/>
-            </a:pPr>
-            <a:r>
-              <a:t>  • Relationships: 6,825</a:t>
-            </a:r>
-          </a:p>
-          <a:p>
-            <a:pPr>
-              <a:defRPr sz="2000"/>
-            </a:pPr>
-          </a:p>
-          <a:p>
-            <a:pPr>
-              <a:defRPr sz="2000"/>
-            </a:pPr>
-            <a:r>
-              <a:t>Represents real Azure production tenant with VMs,</a:t>
-            </a:r>
-          </a:p>
-          <a:p>
-            <a:pPr>
-              <a:defRPr sz="2000"/>
-            </a:pPr>
-            <a:r>
-              <a:t>VNets, Storage, Entra ID, and other resources</a:t>
-            </a:r>
-          </a:p>
-        </p:txBody>
-      </p:sp>
-    </p:spTree>
-  </p:cSld>
-  <p:clrMapOvr>
-    <a:masterClrMapping/>
-  </p:clrMapOvr>
-</p:sld>
-</file>
-
-<file path=ppt/slides/slide8.xml><?xml version="1.0" encoding="utf-8"?>
-<p:sld xmlns:a="http://schemas.openxmlformats.org/drawingml/2006/main" xmlns:p="http://schemas.openxmlformats.org/presentationml/2006/main" xmlns:r="http://schemas.openxmlformats.org/officeDocument/2006/relationships">
-  <p:cSld>
-    <p:spTree>
-      <p:nvGrpSpPr>
-        <p:cNvPr id="1" name=""/>
-        <p:cNvGrpSpPr/>
-        <p:nvPr/>
-      </p:nvGrpSpPr>
-      <p:grpSpPr/>
-      <p:sp>
-        <p:nvSpPr>
-          <p:cNvPr id="2" name="Title 1"/>
-          <p:cNvSpPr>
-            <a:spLocks noGrp="1"/>
-          </p:cNvSpPr>
-          <p:nvPr>
-            <p:ph type="title"/>
-          </p:nvPr>
-        </p:nvSpPr>
-        <p:spPr/>
-        <p:txBody>
-          <a:bodyPr/>
-          <a:lstStyle/>
-          <a:p>
-            <a:r>
-              <a:t>Scaled-Up: After 10x Growth</a:t>
-            </a:r>
-          </a:p>
-        </p:txBody>
-      </p:sp>
-      <p:sp>
-        <p:nvSpPr>
-          <p:cNvPr id="3" name="Content Placeholder 2"/>
-          <p:cNvSpPr>
-            <a:spLocks noGrp="1"/>
-          </p:cNvSpPr>
-          <p:nvPr>
-            <p:ph idx="1"/>
-          </p:nvPr>
-        </p:nvSpPr>
-        <p:spPr/>
-        <p:txBody>
-          <a:bodyPr/>
-          <a:lstStyle/>
-          <a:p/>
-          <a:p>
-            <a:pPr>
-              <a:defRPr sz="2000"/>
-            </a:pPr>
-            <a:r>
-              <a:t>DefenderATEVET17 After Scale-Up Operations:</a:t>
-            </a:r>
-          </a:p>
-          <a:p>
-            <a:pPr>
-              <a:defRPr sz="2000"/>
-            </a:pPr>
-          </a:p>
-          <a:p>
-            <a:pPr>
-              <a:defRPr sz="2000"/>
-            </a:pPr>
-            <a:r>
-              <a:t>  • Original resources: 2,936 (unchanged)</a:t>
-            </a:r>
-          </a:p>
-          <a:p>
-            <a:pPr>
-              <a:defRPr sz="2000"/>
-            </a:pPr>
-            <a:r>
-              <a:t>  • Abstracted (real): 2,766 (unchanged)</a:t>
-            </a:r>
-          </a:p>
-          <a:p>
-            <a:pPr>
-              <a:defRPr sz="2000"/>
-            </a:pPr>
-            <a:r>
-              <a:t>  • Synthetic resources: 74,397 (created)</a:t>
-            </a:r>
-          </a:p>
-          <a:p>
-            <a:pPr>
-              <a:defRPr sz="2000"/>
-            </a:pPr>
-            <a:r>
-              <a:t>  • Total abstracted: 77,163</a:t>
-            </a:r>
-          </a:p>
-          <a:p>
-            <a:pPr>
-              <a:defRPr sz="2000"/>
-            </a:pPr>
-          </a:p>
-          <a:p>
-            <a:pPr>
-              <a:defRPr sz="2000"/>
-            </a:pPr>
-            <a:r>
-              <a:t>Growth: 27x from baseline</a:t>
-            </a:r>
-          </a:p>
-          <a:p>
-            <a:pPr>
-              <a:defRPr sz="2000"/>
-            </a:pPr>
-            <a:r>
-              <a:t>Throughput: 329 resources/second peak</a:t>
-            </a:r>
-          </a:p>
-          <a:p>
-            <a:pPr>
-              <a:defRPr sz="2000"/>
-            </a:pPr>
-            <a:r>
-              <a:t>Validation: All integrity checks passed</a:t>
+              <a:t>Command: uv run atg visualize (after multiple scale-up operations)</a:t>
             </a:r>
           </a:p>
         </p:txBody>
@@ -6070,7 +4018,7 @@
           <a:lstStyle/>
           <a:p>
             <a:r>
-              <a:t>Scaled-Down: 10% Representative Sample</a:t>
+              <a:t>End-to-End Testing Findings</a:t>
             </a:r>
           </a:p>
         </p:txBody>
@@ -6092,68 +4040,71 @@
           <a:p/>
           <a:p>
             <a:pPr>
-              <a:defRPr sz="2000"/>
+              <a:defRPr sz="1800"/>
             </a:pPr>
             <a:r>
-              <a:t>Sampling from 77k Resource Graph:</a:t>
+              <a:t>Bugs Found &amp; Fixed:</a:t>
             </a:r>
           </a:p>
           <a:p>
             <a:pPr>
-              <a:defRPr sz="2000"/>
+              <a:defRPr sz="1800"/>
             </a:pPr>
+            <a:r>
+              <a:t>  1. CLI argument validation (dashes vs underscores)</a:t>
+            </a:r>
           </a:p>
           <a:p>
             <a:pPr>
-              <a:defRPr sz="2000"/>
+              <a:defRPr sz="1800"/>
             </a:pPr>
             <a:r>
-              <a:t>  • Algorithm: Forest Fire</a:t>
+              <a:t>  2. tenant_id filter on Resource nodes (doesn't exist)</a:t>
             </a:r>
           </a:p>
           <a:p>
             <a:pPr>
-              <a:defRPr sz="2000"/>
+              <a:defRPr sz="1800"/>
             </a:pPr>
             <a:r>
-              <a:t>  • Target: 10% (~7,700 resources)</a:t>
+              <a:t>  3. Output mode validation mismatches</a:t>
             </a:r>
           </a:p>
           <a:p>
             <a:pPr>
-              <a:defRPr sz="2000"/>
+              <a:defRPr sz="1800"/>
             </a:pPr>
-            <a:r>
-              <a:t>  • Quality: Degree distribution preserved</a:t>
-            </a:r>
           </a:p>
           <a:p>
             <a:pPr>
-              <a:defRPr sz="2000"/>
+              <a:defRPr sz="1800"/>
             </a:pPr>
             <a:r>
-              <a:t>  • Output: YAML export for analysis</a:t>
+              <a:t>Architectural Finding:</a:t>
             </a:r>
           </a:p>
           <a:p>
             <a:pPr>
-              <a:defRPr sz="2000"/>
+              <a:defRPr sz="1800"/>
             </a:pPr>
+            <a:r>
+              <a:t>  • Abstracted layer has sparse relationships (85 vs 4,478)</a:t>
+            </a:r>
           </a:p>
           <a:p>
             <a:pPr>
-              <a:defRPr sz="2000"/>
+              <a:defRPr sz="1800"/>
             </a:pPr>
             <a:r>
-              <a:t>Maintains graph properties while reducing scale</a:t>
+              <a:t>  • Impacts sampling algorithms</a:t>
             </a:r>
           </a:p>
           <a:p>
             <a:pPr>
-              <a:defRPr sz="2000"/>
+              <a:defRPr sz="1800"/>
             </a:pPr>
             <a:r>
-              <a:t>Useful for focused security analysis</a:t>
+              <a:t>  • Documented for future work</a:t>
             </a:r>
           </a:p>
         </p:txBody>

--- a/Scale_Operations_Implementation.pptx
+++ b/Scale_Operations_Implementation.pptx
@@ -15,6 +15,16 @@
     <p:sldId id="263" r:id="rId14"/>
     <p:sldId id="264" r:id="rId15"/>
     <p:sldId id="265" r:id="rId16"/>
+    <p:sldId id="266" r:id="rId17"/>
+    <p:sldId id="267" r:id="rId18"/>
+    <p:sldId id="268" r:id="rId19"/>
+    <p:sldId id="269" r:id="rId20"/>
+    <p:sldId id="270" r:id="rId21"/>
+    <p:sldId id="271" r:id="rId22"/>
+    <p:sldId id="272" r:id="rId23"/>
+    <p:sldId id="273" r:id="rId24"/>
+    <p:sldId id="274" r:id="rId25"/>
+    <p:sldId id="275" r:id="rId26"/>
   </p:sldIdLst>
   <p:sldSz cx="14630400" cy="8229600" type="screen4x3"/>
   <p:notesSz cx="6858000" cy="9144000"/>
@@ -3113,7 +3123,7 @@
           <a:lstStyle/>
           <a:p>
             <a:r>
-              <a:t>Scale Operations</a:t>
+              <a:t>Scale Operations Implementation</a:t>
             </a:r>
           </a:p>
         </p:txBody>
@@ -3159,6 +3169,734 @@
       <p:grpSpPr/>
       <p:sp>
         <p:nvSpPr>
+          <p:cNvPr id="2" name="TextBox 1"/>
+          <p:cNvSpPr txBox="1"/>
+          <p:nvPr/>
+        </p:nvSpPr>
+        <p:spPr>
+          <a:xfrm>
+            <a:off x="457200" y="182880"/>
+            <a:ext cx="13716000" cy="548640"/>
+          </a:xfrm>
+          <a:prstGeom prst="rect">
+            <a:avLst/>
+          </a:prstGeom>
+          <a:noFill/>
+        </p:spPr>
+        <p:txBody>
+          <a:bodyPr wrap="none">
+            <a:spAutoFit/>
+          </a:bodyPr>
+          <a:lstStyle/>
+          <a:p>
+            <a:pPr>
+              <a:defRPr sz="2400" b="1"/>
+            </a:pPr>
+            <a:r>
+              <a:t>UI Tutorial: Template Strategy</a:t>
+            </a:r>
+          </a:p>
+        </p:txBody>
+      </p:sp>
+      <p:pic>
+        <p:nvPicPr>
+          <p:cNvPr id="3" name="Picture 2" descr="tutorial-02-template-strategy.png"/>
+          <p:cNvPicPr>
+            <a:picLocks noChangeAspect="1"/>
+          </p:cNvPicPr>
+          <p:nvPr/>
+        </p:nvPicPr>
+        <p:blipFill>
+          <a:blip r:embed="rId2"/>
+          <a:stretch>
+            <a:fillRect/>
+          </a:stretch>
+        </p:blipFill>
+        <p:spPr>
+          <a:xfrm>
+            <a:off x="457200" y="914400"/>
+            <a:ext cx="10566400" cy="5943600"/>
+          </a:xfrm>
+          <a:prstGeom prst="rect">
+            <a:avLst/>
+          </a:prstGeom>
+        </p:spPr>
+      </p:pic>
+      <p:sp>
+        <p:nvSpPr>
+          <p:cNvPr id="4" name="TextBox 3"/>
+          <p:cNvSpPr txBox="1"/>
+          <p:nvPr/>
+        </p:nvSpPr>
+        <p:spPr>
+          <a:xfrm>
+            <a:off x="457200" y="7040880"/>
+            <a:ext cx="13716000" cy="914400"/>
+          </a:xfrm>
+          <a:prstGeom prst="rect">
+            <a:avLst/>
+          </a:prstGeom>
+          <a:noFill/>
+        </p:spPr>
+        <p:txBody>
+          <a:bodyPr wrap="none">
+            <a:spAutoFit/>
+          </a:bodyPr>
+          <a:lstStyle/>
+          <a:p>
+            <a:pPr>
+              <a:defRPr sz="1200"/>
+            </a:pPr>
+            <a:r>
+              <a:t>Select template-based scaling</a:t>
+            </a:r>
+          </a:p>
+        </p:txBody>
+      </p:sp>
+    </p:spTree>
+  </p:cSld>
+  <p:clrMapOvr>
+    <a:masterClrMapping/>
+  </p:clrMapOvr>
+</p:sld>
+</file>
+
+<file path=ppt/slides/slide11.xml><?xml version="1.0" encoding="utf-8"?>
+<p:sld xmlns:a="http://schemas.openxmlformats.org/drawingml/2006/main" xmlns:p="http://schemas.openxmlformats.org/presentationml/2006/main" xmlns:r="http://schemas.openxmlformats.org/officeDocument/2006/relationships">
+  <p:cSld>
+    <p:spTree>
+      <p:nvGrpSpPr>
+        <p:cNvPr id="1" name=""/>
+        <p:cNvGrpSpPr/>
+        <p:nvPr/>
+      </p:nvGrpSpPr>
+      <p:grpSpPr/>
+      <p:sp>
+        <p:nvSpPr>
+          <p:cNvPr id="2" name="TextBox 1"/>
+          <p:cNvSpPr txBox="1"/>
+          <p:nvPr/>
+        </p:nvSpPr>
+        <p:spPr>
+          <a:xfrm>
+            <a:off x="457200" y="182880"/>
+            <a:ext cx="13716000" cy="548640"/>
+          </a:xfrm>
+          <a:prstGeom prst="rect">
+            <a:avLst/>
+          </a:prstGeom>
+          <a:noFill/>
+        </p:spPr>
+        <p:txBody>
+          <a:bodyPr wrap="none">
+            <a:spAutoFit/>
+          </a:bodyPr>
+          <a:lstStyle/>
+          <a:p>
+            <a:pPr>
+              <a:defRPr sz="2400" b="1"/>
+            </a:pPr>
+            <a:r>
+              <a:t>UI Tutorial: Scenario</a:t>
+            </a:r>
+          </a:p>
+        </p:txBody>
+      </p:sp>
+      <p:pic>
+        <p:nvPicPr>
+          <p:cNvPr id="3" name="Picture 2" descr="tutorial-03-scenario-selection.png"/>
+          <p:cNvPicPr>
+            <a:picLocks noChangeAspect="1"/>
+          </p:cNvPicPr>
+          <p:nvPr/>
+        </p:nvPicPr>
+        <p:blipFill>
+          <a:blip r:embed="rId2"/>
+          <a:stretch>
+            <a:fillRect/>
+          </a:stretch>
+        </p:blipFill>
+        <p:spPr>
+          <a:xfrm>
+            <a:off x="457200" y="914400"/>
+            <a:ext cx="10566400" cy="5943600"/>
+          </a:xfrm>
+          <a:prstGeom prst="rect">
+            <a:avLst/>
+          </a:prstGeom>
+        </p:spPr>
+      </p:pic>
+      <p:sp>
+        <p:nvSpPr>
+          <p:cNvPr id="4" name="TextBox 3"/>
+          <p:cNvSpPr txBox="1"/>
+          <p:nvPr/>
+        </p:nvSpPr>
+        <p:spPr>
+          <a:xfrm>
+            <a:off x="457200" y="7040880"/>
+            <a:ext cx="13716000" cy="914400"/>
+          </a:xfrm>
+          <a:prstGeom prst="rect">
+            <a:avLst/>
+          </a:prstGeom>
+          <a:noFill/>
+        </p:spPr>
+        <p:txBody>
+          <a:bodyPr wrap="none">
+            <a:spAutoFit/>
+          </a:bodyPr>
+          <a:lstStyle/>
+          <a:p>
+            <a:pPr>
+              <a:defRPr sz="1200"/>
+            </a:pPr>
+            <a:r>
+              <a:t>Choose hub-spoke topology</a:t>
+            </a:r>
+          </a:p>
+        </p:txBody>
+      </p:sp>
+    </p:spTree>
+  </p:cSld>
+  <p:clrMapOvr>
+    <a:masterClrMapping/>
+  </p:clrMapOvr>
+</p:sld>
+</file>
+
+<file path=ppt/slides/slide12.xml><?xml version="1.0" encoding="utf-8"?>
+<p:sld xmlns:a="http://schemas.openxmlformats.org/drawingml/2006/main" xmlns:p="http://schemas.openxmlformats.org/presentationml/2006/main" xmlns:r="http://schemas.openxmlformats.org/officeDocument/2006/relationships">
+  <p:cSld>
+    <p:spTree>
+      <p:nvGrpSpPr>
+        <p:cNvPr id="1" name=""/>
+        <p:cNvGrpSpPr/>
+        <p:nvPr/>
+      </p:nvGrpSpPr>
+      <p:grpSpPr/>
+      <p:sp>
+        <p:nvSpPr>
+          <p:cNvPr id="2" name="TextBox 1"/>
+          <p:cNvSpPr txBox="1"/>
+          <p:nvPr/>
+        </p:nvSpPr>
+        <p:spPr>
+          <a:xfrm>
+            <a:off x="457200" y="182880"/>
+            <a:ext cx="13716000" cy="548640"/>
+          </a:xfrm>
+          <a:prstGeom prst="rect">
+            <a:avLst/>
+          </a:prstGeom>
+          <a:noFill/>
+        </p:spPr>
+        <p:txBody>
+          <a:bodyPr wrap="none">
+            <a:spAutoFit/>
+          </a:bodyPr>
+          <a:lstStyle/>
+          <a:p>
+            <a:pPr>
+              <a:defRPr sz="2400" b="1"/>
+            </a:pPr>
+            <a:r>
+              <a:t>UI Tutorial: Scale Factor</a:t>
+            </a:r>
+          </a:p>
+        </p:txBody>
+      </p:sp>
+      <p:pic>
+        <p:nvPicPr>
+          <p:cNvPr id="3" name="Picture 2" descr="tutorial-04-scale-factor.png"/>
+          <p:cNvPicPr>
+            <a:picLocks noChangeAspect="1"/>
+          </p:cNvPicPr>
+          <p:nvPr/>
+        </p:nvPicPr>
+        <p:blipFill>
+          <a:blip r:embed="rId2"/>
+          <a:stretch>
+            <a:fillRect/>
+          </a:stretch>
+        </p:blipFill>
+        <p:spPr>
+          <a:xfrm>
+            <a:off x="457200" y="914400"/>
+            <a:ext cx="10566400" cy="5943600"/>
+          </a:xfrm>
+          <a:prstGeom prst="rect">
+            <a:avLst/>
+          </a:prstGeom>
+        </p:spPr>
+      </p:pic>
+      <p:sp>
+        <p:nvSpPr>
+          <p:cNvPr id="4" name="TextBox 3"/>
+          <p:cNvSpPr txBox="1"/>
+          <p:nvPr/>
+        </p:nvSpPr>
+        <p:spPr>
+          <a:xfrm>
+            <a:off x="457200" y="7040880"/>
+            <a:ext cx="13716000" cy="914400"/>
+          </a:xfrm>
+          <a:prstGeom prst="rect">
+            <a:avLst/>
+          </a:prstGeom>
+          <a:noFill/>
+        </p:spPr>
+        <p:txBody>
+          <a:bodyPr wrap="none">
+            <a:spAutoFit/>
+          </a:bodyPr>
+          <a:lstStyle/>
+          <a:p>
+            <a:pPr>
+              <a:defRPr sz="1200"/>
+            </a:pPr>
+            <a:r>
+              <a:t>Adjust intensity (1x-10x)</a:t>
+            </a:r>
+          </a:p>
+        </p:txBody>
+      </p:sp>
+    </p:spTree>
+  </p:cSld>
+  <p:clrMapOvr>
+    <a:masterClrMapping/>
+  </p:clrMapOvr>
+</p:sld>
+</file>
+
+<file path=ppt/slides/slide13.xml><?xml version="1.0" encoding="utf-8"?>
+<p:sld xmlns:a="http://schemas.openxmlformats.org/drawingml/2006/main" xmlns:p="http://schemas.openxmlformats.org/presentationml/2006/main" xmlns:r="http://schemas.openxmlformats.org/officeDocument/2006/relationships">
+  <p:cSld>
+    <p:spTree>
+      <p:nvGrpSpPr>
+        <p:cNvPr id="1" name=""/>
+        <p:cNvGrpSpPr/>
+        <p:nvPr/>
+      </p:nvGrpSpPr>
+      <p:grpSpPr/>
+      <p:sp>
+        <p:nvSpPr>
+          <p:cNvPr id="2" name="TextBox 1"/>
+          <p:cNvSpPr txBox="1"/>
+          <p:nvPr/>
+        </p:nvSpPr>
+        <p:spPr>
+          <a:xfrm>
+            <a:off x="457200" y="182880"/>
+            <a:ext cx="13716000" cy="548640"/>
+          </a:xfrm>
+          <a:prstGeom prst="rect">
+            <a:avLst/>
+          </a:prstGeom>
+          <a:noFill/>
+        </p:spPr>
+        <p:txBody>
+          <a:bodyPr wrap="none">
+            <a:spAutoFit/>
+          </a:bodyPr>
+          <a:lstStyle/>
+          <a:p>
+            <a:pPr>
+              <a:defRPr sz="2400" b="1"/>
+            </a:pPr>
+            <a:r>
+              <a:t>UI Tutorial: Execute</a:t>
+            </a:r>
+          </a:p>
+        </p:txBody>
+      </p:sp>
+      <p:pic>
+        <p:nvPicPr>
+          <p:cNvPr id="3" name="Picture 2" descr="tutorial-05-preview-execute.png"/>
+          <p:cNvPicPr>
+            <a:picLocks noChangeAspect="1"/>
+          </p:cNvPicPr>
+          <p:nvPr/>
+        </p:nvPicPr>
+        <p:blipFill>
+          <a:blip r:embed="rId2"/>
+          <a:stretch>
+            <a:fillRect/>
+          </a:stretch>
+        </p:blipFill>
+        <p:spPr>
+          <a:xfrm>
+            <a:off x="457200" y="914400"/>
+            <a:ext cx="10566400" cy="5943600"/>
+          </a:xfrm>
+          <a:prstGeom prst="rect">
+            <a:avLst/>
+          </a:prstGeom>
+        </p:spPr>
+      </p:pic>
+      <p:sp>
+        <p:nvSpPr>
+          <p:cNvPr id="4" name="TextBox 3"/>
+          <p:cNvSpPr txBox="1"/>
+          <p:nvPr/>
+        </p:nvSpPr>
+        <p:spPr>
+          <a:xfrm>
+            <a:off x="457200" y="7040880"/>
+            <a:ext cx="13716000" cy="914400"/>
+          </a:xfrm>
+          <a:prstGeom prst="rect">
+            <a:avLst/>
+          </a:prstGeom>
+          <a:noFill/>
+        </p:spPr>
+        <p:txBody>
+          <a:bodyPr wrap="none">
+            <a:spAutoFit/>
+          </a:bodyPr>
+          <a:lstStyle/>
+          <a:p>
+            <a:pPr>
+              <a:defRPr sz="1200"/>
+            </a:pPr>
+            <a:r>
+              <a:t>Preview then execute operation</a:t>
+            </a:r>
+          </a:p>
+        </p:txBody>
+      </p:sp>
+    </p:spTree>
+  </p:cSld>
+  <p:clrMapOvr>
+    <a:masterClrMapping/>
+  </p:clrMapOvr>
+</p:sld>
+</file>
+
+<file path=ppt/slides/slide14.xml><?xml version="1.0" encoding="utf-8"?>
+<p:sld xmlns:a="http://schemas.openxmlformats.org/drawingml/2006/main" xmlns:p="http://schemas.openxmlformats.org/presentationml/2006/main" xmlns:r="http://schemas.openxmlformats.org/officeDocument/2006/relationships">
+  <p:cSld>
+    <p:spTree>
+      <p:nvGrpSpPr>
+        <p:cNvPr id="1" name=""/>
+        <p:cNvGrpSpPr/>
+        <p:nvPr/>
+      </p:nvGrpSpPr>
+      <p:grpSpPr/>
+      <p:sp>
+        <p:nvSpPr>
+          <p:cNvPr id="2" name="TextBox 1"/>
+          <p:cNvSpPr txBox="1"/>
+          <p:nvPr/>
+        </p:nvSpPr>
+        <p:spPr>
+          <a:xfrm>
+            <a:off x="457200" y="182880"/>
+            <a:ext cx="13716000" cy="548640"/>
+          </a:xfrm>
+          <a:prstGeom prst="rect">
+            <a:avLst/>
+          </a:prstGeom>
+          <a:noFill/>
+        </p:spPr>
+        <p:txBody>
+          <a:bodyPr wrap="none">
+            <a:spAutoFit/>
+          </a:bodyPr>
+          <a:lstStyle/>
+          <a:p>
+            <a:pPr>
+              <a:defRPr sz="2400" b="1"/>
+            </a:pPr>
+            <a:r>
+              <a:t>UI Tutorial: Quick Actions</a:t>
+            </a:r>
+          </a:p>
+        </p:txBody>
+      </p:sp>
+      <p:pic>
+        <p:nvPicPr>
+          <p:cNvPr id="3" name="Picture 2" descr="tutorial-06-quick-actions.png"/>
+          <p:cNvPicPr>
+            <a:picLocks noChangeAspect="1"/>
+          </p:cNvPicPr>
+          <p:nvPr/>
+        </p:nvPicPr>
+        <p:blipFill>
+          <a:blip r:embed="rId2"/>
+          <a:stretch>
+            <a:fillRect/>
+          </a:stretch>
+        </p:blipFill>
+        <p:spPr>
+          <a:xfrm>
+            <a:off x="457200" y="914400"/>
+            <a:ext cx="10566400" cy="5943600"/>
+          </a:xfrm>
+          <a:prstGeom prst="rect">
+            <a:avLst/>
+          </a:prstGeom>
+        </p:spPr>
+      </p:pic>
+      <p:sp>
+        <p:nvSpPr>
+          <p:cNvPr id="4" name="TextBox 3"/>
+          <p:cNvSpPr txBox="1"/>
+          <p:nvPr/>
+        </p:nvSpPr>
+        <p:spPr>
+          <a:xfrm>
+            <a:off x="457200" y="7040880"/>
+            <a:ext cx="13716000" cy="914400"/>
+          </a:xfrm>
+          <a:prstGeom prst="rect">
+            <a:avLst/>
+          </a:prstGeom>
+          <a:noFill/>
+        </p:spPr>
+        <p:txBody>
+          <a:bodyPr wrap="none">
+            <a:spAutoFit/>
+          </a:bodyPr>
+          <a:lstStyle/>
+          <a:p>
+            <a:pPr>
+              <a:defRPr sz="1200"/>
+            </a:pPr>
+            <a:r>
+              <a:t>Clean, validate, analyze</a:t>
+            </a:r>
+          </a:p>
+        </p:txBody>
+      </p:sp>
+    </p:spTree>
+  </p:cSld>
+  <p:clrMapOvr>
+    <a:masterClrMapping/>
+  </p:clrMapOvr>
+</p:sld>
+</file>
+
+<file path=ppt/slides/slide15.xml><?xml version="1.0" encoding="utf-8"?>
+<p:sld xmlns:a="http://schemas.openxmlformats.org/drawingml/2006/main" xmlns:p="http://schemas.openxmlformats.org/presentationml/2006/main" xmlns:r="http://schemas.openxmlformats.org/officeDocument/2006/relationships">
+  <p:cSld>
+    <p:spTree>
+      <p:nvGrpSpPr>
+        <p:cNvPr id="1" name=""/>
+        <p:cNvGrpSpPr/>
+        <p:nvPr/>
+      </p:nvGrpSpPr>
+      <p:grpSpPr/>
+      <p:sp>
+        <p:nvSpPr>
+          <p:cNvPr id="2" name="TextBox 1"/>
+          <p:cNvSpPr txBox="1"/>
+          <p:nvPr/>
+        </p:nvSpPr>
+        <p:spPr>
+          <a:xfrm>
+            <a:off x="457200" y="182880"/>
+            <a:ext cx="13716000" cy="548640"/>
+          </a:xfrm>
+          <a:prstGeom prst="rect">
+            <a:avLst/>
+          </a:prstGeom>
+          <a:noFill/>
+        </p:spPr>
+        <p:txBody>
+          <a:bodyPr wrap="none">
+            <a:spAutoFit/>
+          </a:bodyPr>
+          <a:lstStyle/>
+          <a:p>
+            <a:pPr>
+              <a:defRPr sz="2400" b="1"/>
+            </a:pPr>
+            <a:r>
+              <a:t>UI Tutorial: Validation</a:t>
+            </a:r>
+          </a:p>
+        </p:txBody>
+      </p:sp>
+      <p:pic>
+        <p:nvPicPr>
+          <p:cNvPr id="3" name="Picture 2" descr="tutorial-07-validation-options.png"/>
+          <p:cNvPicPr>
+            <a:picLocks noChangeAspect="1"/>
+          </p:cNvPicPr>
+          <p:nvPr/>
+        </p:nvPicPr>
+        <p:blipFill>
+          <a:blip r:embed="rId2"/>
+          <a:stretch>
+            <a:fillRect/>
+          </a:stretch>
+        </p:blipFill>
+        <p:spPr>
+          <a:xfrm>
+            <a:off x="457200" y="914400"/>
+            <a:ext cx="10566400" cy="5943600"/>
+          </a:xfrm>
+          <a:prstGeom prst="rect">
+            <a:avLst/>
+          </a:prstGeom>
+        </p:spPr>
+      </p:pic>
+      <p:sp>
+        <p:nvSpPr>
+          <p:cNvPr id="4" name="TextBox 3"/>
+          <p:cNvSpPr txBox="1"/>
+          <p:nvPr/>
+        </p:nvSpPr>
+        <p:spPr>
+          <a:xfrm>
+            <a:off x="457200" y="7040880"/>
+            <a:ext cx="13716000" cy="914400"/>
+          </a:xfrm>
+          <a:prstGeom prst="rect">
+            <a:avLst/>
+          </a:prstGeom>
+          <a:noFill/>
+        </p:spPr>
+        <p:txBody>
+          <a:bodyPr wrap="none">
+            <a:spAutoFit/>
+          </a:bodyPr>
+          <a:lstStyle/>
+          <a:p>
+            <a:pPr>
+              <a:defRPr sz="1200"/>
+            </a:pPr>
+            <a:r>
+              <a:t>Graph integrity checks</a:t>
+            </a:r>
+          </a:p>
+        </p:txBody>
+      </p:sp>
+    </p:spTree>
+  </p:cSld>
+  <p:clrMapOvr>
+    <a:masterClrMapping/>
+  </p:clrMapOvr>
+</p:sld>
+</file>
+
+<file path=ppt/slides/slide16.xml><?xml version="1.0" encoding="utf-8"?>
+<p:sld xmlns:a="http://schemas.openxmlformats.org/drawingml/2006/main" xmlns:p="http://schemas.openxmlformats.org/presentationml/2006/main" xmlns:r="http://schemas.openxmlformats.org/officeDocument/2006/relationships">
+  <p:cSld>
+    <p:spTree>
+      <p:nvGrpSpPr>
+        <p:cNvPr id="1" name=""/>
+        <p:cNvGrpSpPr/>
+        <p:nvPr/>
+      </p:nvGrpSpPr>
+      <p:grpSpPr/>
+      <p:sp>
+        <p:nvSpPr>
+          <p:cNvPr id="2" name="TextBox 1"/>
+          <p:cNvSpPr txBox="1"/>
+          <p:nvPr/>
+        </p:nvSpPr>
+        <p:spPr>
+          <a:xfrm>
+            <a:off x="457200" y="182880"/>
+            <a:ext cx="13716000" cy="548640"/>
+          </a:xfrm>
+          <a:prstGeom prst="rect">
+            <a:avLst/>
+          </a:prstGeom>
+          <a:noFill/>
+        </p:spPr>
+        <p:txBody>
+          <a:bodyPr wrap="none">
+            <a:spAutoFit/>
+          </a:bodyPr>
+          <a:lstStyle/>
+          <a:p>
+            <a:pPr>
+              <a:defRPr sz="2400" b="1"/>
+            </a:pPr>
+            <a:r>
+              <a:t>UI Tutorial: Scale-Down</a:t>
+            </a:r>
+          </a:p>
+        </p:txBody>
+      </p:sp>
+      <p:pic>
+        <p:nvPicPr>
+          <p:cNvPr id="3" name="Picture 2" descr="tutorial-08-scale-down.png"/>
+          <p:cNvPicPr>
+            <a:picLocks noChangeAspect="1"/>
+          </p:cNvPicPr>
+          <p:nvPr/>
+        </p:nvPicPr>
+        <p:blipFill>
+          <a:blip r:embed="rId2"/>
+          <a:stretch>
+            <a:fillRect/>
+          </a:stretch>
+        </p:blipFill>
+        <p:spPr>
+          <a:xfrm>
+            <a:off x="457200" y="914400"/>
+            <a:ext cx="10566400" cy="5943600"/>
+          </a:xfrm>
+          <a:prstGeom prst="rect">
+            <a:avLst/>
+          </a:prstGeom>
+        </p:spPr>
+      </p:pic>
+      <p:sp>
+        <p:nvSpPr>
+          <p:cNvPr id="4" name="TextBox 3"/>
+          <p:cNvSpPr txBox="1"/>
+          <p:nvPr/>
+        </p:nvSpPr>
+        <p:spPr>
+          <a:xfrm>
+            <a:off x="457200" y="7040880"/>
+            <a:ext cx="13716000" cy="914400"/>
+          </a:xfrm>
+          <a:prstGeom prst="rect">
+            <a:avLst/>
+          </a:prstGeom>
+          <a:noFill/>
+        </p:spPr>
+        <p:txBody>
+          <a:bodyPr wrap="none">
+            <a:spAutoFit/>
+          </a:bodyPr>
+          <a:lstStyle/>
+          <a:p>
+            <a:pPr>
+              <a:defRPr sz="1200"/>
+            </a:pPr>
+            <a:r>
+              <a:t>Sampling configuration</a:t>
+            </a:r>
+          </a:p>
+        </p:txBody>
+      </p:sp>
+    </p:spTree>
+  </p:cSld>
+  <p:clrMapOvr>
+    <a:masterClrMapping/>
+  </p:clrMapOvr>
+</p:sld>
+</file>
+
+<file path=ppt/slides/slide17.xml><?xml version="1.0" encoding="utf-8"?>
+<p:sld xmlns:a="http://schemas.openxmlformats.org/drawingml/2006/main" xmlns:p="http://schemas.openxmlformats.org/presentationml/2006/main" xmlns:r="http://schemas.openxmlformats.org/officeDocument/2006/relationships">
+  <p:cSld>
+    <p:spTree>
+      <p:nvGrpSpPr>
+        <p:cNvPr id="1" name=""/>
+        <p:cNvGrpSpPr/>
+        <p:nvPr/>
+      </p:nvGrpSpPr>
+      <p:grpSpPr/>
+      <p:sp>
+        <p:nvSpPr>
           <p:cNvPr id="2" name="Title 1"/>
           <p:cNvSpPr>
             <a:spLocks noGrp="1"/>
@@ -3173,6 +3911,279 @@
           <a:lstStyle/>
           <a:p>
             <a:r>
+              <a:t>CLI Tutorial: Scale-Up</a:t>
+            </a:r>
+          </a:p>
+        </p:txBody>
+      </p:sp>
+      <p:sp>
+        <p:nvSpPr>
+          <p:cNvPr id="3" name="Content Placeholder 2"/>
+          <p:cNvSpPr>
+            <a:spLocks noGrp="1"/>
+          </p:cNvSpPr>
+          <p:nvPr>
+            <p:ph idx="1"/>
+          </p:nvPr>
+        </p:nvSpPr>
+        <p:spPr/>
+        <p:txBody>
+          <a:bodyPr/>
+          <a:lstStyle/>
+          <a:p/>
+          <a:p>
+            <a:pPr>
+              <a:defRPr sz="1600"/>
+            </a:pPr>
+            <a:r>
+              <a:t>$ atg scale-stats --tenant-id &lt;ID&gt;</a:t>
+            </a:r>
+          </a:p>
+          <a:p>
+            <a:pPr>
+              <a:defRPr sz="1600"/>
+            </a:pPr>
+            <a:r>
+              <a:t>   → Check current graph state</a:t>
+            </a:r>
+          </a:p>
+          <a:p>
+            <a:pPr>
+              <a:defRPr sz="1600"/>
+            </a:pPr>
+          </a:p>
+          <a:p>
+            <a:pPr>
+              <a:defRPr sz="1600"/>
+            </a:pPr>
+            <a:r>
+              <a:t>$ atg scale-up scenario --scenario hub-spoke --spokes 5</a:t>
+            </a:r>
+          </a:p>
+          <a:p>
+            <a:pPr>
+              <a:defRPr sz="1600"/>
+            </a:pPr>
+            <a:r>
+              <a:t>   → Generate hub-spoke topology</a:t>
+            </a:r>
+          </a:p>
+          <a:p>
+            <a:pPr>
+              <a:defRPr sz="1600"/>
+            </a:pPr>
+          </a:p>
+          <a:p>
+            <a:pPr>
+              <a:defRPr sz="1600"/>
+            </a:pPr>
+            <a:r>
+              <a:t>$ atg scale-validate --check all</a:t>
+            </a:r>
+          </a:p>
+          <a:p>
+            <a:pPr>
+              <a:defRPr sz="1600"/>
+            </a:pPr>
+            <a:r>
+              <a:t>   → Verify graph integrity</a:t>
+            </a:r>
+          </a:p>
+          <a:p>
+            <a:pPr>
+              <a:defRPr sz="1600"/>
+            </a:pPr>
+          </a:p>
+          <a:p>
+            <a:pPr>
+              <a:defRPr sz="1600"/>
+            </a:pPr>
+            <a:r>
+              <a:t>$ atg scale-stats --detailed</a:t>
+            </a:r>
+          </a:p>
+          <a:p>
+            <a:pPr>
+              <a:defRPr sz="1600"/>
+            </a:pPr>
+            <a:r>
+              <a:t>   → View updated statistics</a:t>
+            </a:r>
+          </a:p>
+        </p:txBody>
+      </p:sp>
+    </p:spTree>
+  </p:cSld>
+  <p:clrMapOvr>
+    <a:masterClrMapping/>
+  </p:clrMapOvr>
+</p:sld>
+</file>
+
+<file path=ppt/slides/slide18.xml><?xml version="1.0" encoding="utf-8"?>
+<p:sld xmlns:a="http://schemas.openxmlformats.org/drawingml/2006/main" xmlns:p="http://schemas.openxmlformats.org/presentationml/2006/main" xmlns:r="http://schemas.openxmlformats.org/officeDocument/2006/relationships">
+  <p:cSld>
+    <p:spTree>
+      <p:nvGrpSpPr>
+        <p:cNvPr id="1" name=""/>
+        <p:cNvGrpSpPr/>
+        <p:nvPr/>
+      </p:nvGrpSpPr>
+      <p:grpSpPr/>
+      <p:sp>
+        <p:nvSpPr>
+          <p:cNvPr id="2" name="Title 1"/>
+          <p:cNvSpPr>
+            <a:spLocks noGrp="1"/>
+          </p:cNvSpPr>
+          <p:nvPr>
+            <p:ph type="title"/>
+          </p:nvPr>
+        </p:nvSpPr>
+        <p:spPr/>
+        <p:txBody>
+          <a:bodyPr/>
+          <a:lstStyle/>
+          <a:p>
+            <a:r>
+              <a:t>End-to-End Testing Approach</a:t>
+            </a:r>
+          </a:p>
+        </p:txBody>
+      </p:sp>
+      <p:sp>
+        <p:nvSpPr>
+          <p:cNvPr id="3" name="Content Placeholder 2"/>
+          <p:cNvSpPr>
+            <a:spLocks noGrp="1"/>
+          </p:cNvSpPr>
+          <p:nvPr>
+            <p:ph idx="1"/>
+          </p:nvPr>
+        </p:nvSpPr>
+        <p:spPr/>
+        <p:txBody>
+          <a:bodyPr/>
+          <a:lstStyle/>
+          <a:p/>
+          <a:p>
+            <a:pPr>
+              <a:defRPr sz="1600"/>
+            </a:pPr>
+            <a:r>
+              <a:t>Comprehensive testing revealed real implementation issues:</a:t>
+            </a:r>
+          </a:p>
+          <a:p>
+            <a:pPr>
+              <a:defRPr sz="1600"/>
+            </a:pPr>
+          </a:p>
+          <a:p>
+            <a:pPr>
+              <a:defRPr sz="1600"/>
+            </a:pPr>
+            <a:r>
+              <a:t>Bugs Found:</a:t>
+            </a:r>
+          </a:p>
+          <a:p>
+            <a:pPr>
+              <a:defRPr sz="1600"/>
+            </a:pPr>
+            <a:r>
+              <a:t>  • CLI argument validation (fixed)</a:t>
+            </a:r>
+          </a:p>
+          <a:p>
+            <a:pPr>
+              <a:defRPr sz="1600"/>
+            </a:pPr>
+            <a:r>
+              <a:t>  • tenant_id filter bugs (fixed)</a:t>
+            </a:r>
+          </a:p>
+          <a:p>
+            <a:pPr>
+              <a:defRPr sz="1600"/>
+            </a:pPr>
+            <a:r>
+              <a:t>  • Sparse graph topology (architectural finding)</a:t>
+            </a:r>
+          </a:p>
+          <a:p>
+            <a:pPr>
+              <a:defRPr sz="1600"/>
+            </a:pPr>
+          </a:p>
+          <a:p>
+            <a:pPr>
+              <a:defRPr sz="1600"/>
+            </a:pPr>
+            <a:r>
+              <a:t>Testing Infrastructure:</a:t>
+            </a:r>
+          </a:p>
+          <a:p>
+            <a:pPr>
+              <a:defRPr sz="1600"/>
+            </a:pPr>
+            <a:r>
+              <a:t>  • 534 unit/integration/E2E tests</a:t>
+            </a:r>
+          </a:p>
+          <a:p>
+            <a:pPr>
+              <a:defRPr sz="1600"/>
+            </a:pPr>
+            <a:r>
+              <a:t>  • Real tenant data (DefenderATEVET17)</a:t>
+            </a:r>
+          </a:p>
+          <a:p>
+            <a:pPr>
+              <a:defRPr sz="1600"/>
+            </a:pPr>
+            <a:r>
+              <a:t>  • Pattern-based sampling proven effective</a:t>
+            </a:r>
+          </a:p>
+        </p:txBody>
+      </p:sp>
+    </p:spTree>
+  </p:cSld>
+  <p:clrMapOvr>
+    <a:masterClrMapping/>
+  </p:clrMapOvr>
+</p:sld>
+</file>
+
+<file path=ppt/slides/slide19.xml><?xml version="1.0" encoding="utf-8"?>
+<p:sld xmlns:a="http://schemas.openxmlformats.org/drawingml/2006/main" xmlns:p="http://schemas.openxmlformats.org/presentationml/2006/main" xmlns:r="http://schemas.openxmlformats.org/officeDocument/2006/relationships">
+  <p:cSld>
+    <p:spTree>
+      <p:nvGrpSpPr>
+        <p:cNvPr id="1" name=""/>
+        <p:cNvGrpSpPr/>
+        <p:nvPr/>
+      </p:nvGrpSpPr>
+      <p:grpSpPr/>
+      <p:sp>
+        <p:nvSpPr>
+          <p:cNvPr id="2" name="Title 1"/>
+          <p:cNvSpPr>
+            <a:spLocks noGrp="1"/>
+          </p:cNvSpPr>
+          <p:nvPr>
+            <p:ph type="title"/>
+          </p:nvPr>
+        </p:nvSpPr>
+        <p:spPr/>
+        <p:txBody>
+          <a:bodyPr/>
+          <a:lstStyle/>
+          <a:p>
+            <a:r>
               <a:t>Working Functionality</a:t>
             </a:r>
           </a:p>
@@ -3195,50 +4206,92 @@
           <a:p/>
           <a:p>
             <a:pPr>
-              <a:defRPr sz="1800"/>
-            </a:pPr>
-            <a:r>
-              <a:t>Scale-Up: Template-based generation works</a:t>
-            </a:r>
-          </a:p>
-          <a:p>
-            <a:pPr>
-              <a:defRPr sz="1800"/>
-            </a:pPr>
-            <a:r>
-              <a:t>Scale-Down: Pattern-based sampling works</a:t>
-            </a:r>
-          </a:p>
-          <a:p>
-            <a:pPr>
-              <a:defRPr sz="1800"/>
-            </a:pPr>
-            <a:r>
-              <a:t>CLI: All 7 commands functional (with bug fixes)</a:t>
-            </a:r>
-          </a:p>
-          <a:p>
-            <a:pPr>
-              <a:defRPr sz="1800"/>
-            </a:pPr>
-            <a:r>
-              <a:t>UI: 12 React components built and tested</a:t>
-            </a:r>
-          </a:p>
-          <a:p>
-            <a:pPr>
-              <a:defRPr sz="1800"/>
-            </a:pPr>
-            <a:r>
-              <a:t>Visualization: Synthetic node highlighting implemented</a:t>
-            </a:r>
-          </a:p>
-          <a:p>
-            <a:pPr>
-              <a:defRPr sz="1800"/>
-            </a:pPr>
-            <a:r>
-              <a:t>Testing: 534 tests, multiple bugs caught through E2E</a:t>
+              <a:defRPr sz="1600"/>
+            </a:pPr>
+            <a:r>
+              <a:t>Scale-Up:</a:t>
+            </a:r>
+          </a:p>
+          <a:p>
+            <a:pPr>
+              <a:defRPr sz="1600"/>
+            </a:pPr>
+            <a:r>
+              <a:t>  • Template-based generation functional</a:t>
+            </a:r>
+          </a:p>
+          <a:p>
+            <a:pPr>
+              <a:defRPr sz="1600"/>
+            </a:pPr>
+            <a:r>
+              <a:t>  • Scenario generation (hub-spoke, multi-region)</a:t>
+            </a:r>
+          </a:p>
+          <a:p>
+            <a:pPr>
+              <a:defRPr sz="1600"/>
+            </a:pPr>
+            <a:r>
+              <a:t>  • Tested at scale (87k resources achieved)</a:t>
+            </a:r>
+          </a:p>
+          <a:p>
+            <a:pPr>
+              <a:defRPr sz="1600"/>
+            </a:pPr>
+          </a:p>
+          <a:p>
+            <a:pPr>
+              <a:defRPr sz="1600"/>
+            </a:pPr>
+            <a:r>
+              <a:t>Scale-Down:</a:t>
+            </a:r>
+          </a:p>
+          <a:p>
+            <a:pPr>
+              <a:defRPr sz="1600"/>
+            </a:pPr>
+            <a:r>
+              <a:t>  • Pattern-based sampling working (427 node sample)</a:t>
+            </a:r>
+          </a:p>
+          <a:p>
+            <a:pPr>
+              <a:defRPr sz="1600"/>
+            </a:pPr>
+            <a:r>
+              <a:t>  • Direct Neo4j queries effective for sparse graphs</a:t>
+            </a:r>
+          </a:p>
+          <a:p>
+            <a:pPr>
+              <a:defRPr sz="1600"/>
+            </a:pPr>
+          </a:p>
+          <a:p>
+            <a:pPr>
+              <a:defRPr sz="1600"/>
+            </a:pPr>
+            <a:r>
+              <a:t>Visualization:</a:t>
+            </a:r>
+          </a:p>
+          <a:p>
+            <a:pPr>
+              <a:defRPr sz="1600"/>
+            </a:pPr>
+            <a:r>
+              <a:t>  • Synthetic node highlighting implemented</a:t>
+            </a:r>
+          </a:p>
+          <a:p>
+            <a:pPr>
+              <a:defRPr sz="1600"/>
+            </a:pPr>
+            <a:r>
+              <a:t>  • Orange color, dashed borders, 'S' indicator</a:t>
             </a:r>
           </a:p>
         </p:txBody>
@@ -3277,7 +4330,7 @@
           <a:lstStyle/>
           <a:p>
             <a:r>
-              <a:t>Implementation Scope</a:t>
+              <a:t>What Was Accomplished</a:t>
             </a:r>
           </a:p>
         </p:txBody>
@@ -3299,31 +4352,23 @@
           <a:p/>
           <a:p>
             <a:pPr>
-              <a:defRPr sz="1800"/>
-            </a:pPr>
-            <a:r>
-              <a:t>Scale-UP: Synthetic resource generation</a:t>
-            </a:r>
-          </a:p>
-          <a:p>
-            <a:pPr>
-              <a:defRPr sz="1800"/>
-            </a:pPr>
-            <a:r>
-              <a:t>Scale-DOWN: Representative subset extraction</a:t>
-            </a:r>
-          </a:p>
-          <a:p>
-            <a:pPr>
-              <a:defRPr sz="1800"/>
-            </a:pPr>
-            <a:r>
-              <a:t>7 Services, 7 CLI commands, 12 UI components</a:t>
-            </a:r>
-          </a:p>
-          <a:p>
-            <a:pPr>
-              <a:defRPr sz="1800"/>
+              <a:defRPr sz="1600"/>
+            </a:pPr>
+            <a:r>
+              <a:t>Implementation of scale-up and scale-down operations</a:t>
+            </a:r>
+          </a:p>
+          <a:p>
+            <a:pPr>
+              <a:defRPr sz="1600"/>
+            </a:pPr>
+            <a:r>
+              <a:t>7 Python services, 7 CLI commands, 12 UI React components</a:t>
+            </a:r>
+          </a:p>
+          <a:p>
+            <a:pPr>
+              <a:defRPr sz="1600"/>
             </a:pPr>
             <a:r>
               <a:t>Tested with real DefenderATEVET17 tenant data</a:t>
@@ -3331,10 +4376,174 @@
           </a:p>
           <a:p>
             <a:pPr>
-              <a:defRPr sz="1800"/>
-            </a:pPr>
-            <a:r>
-              <a:t>Bugs found and fixed through end-to-end testing</a:t>
+              <a:defRPr sz="1600"/>
+            </a:pPr>
+            <a:r>
+              <a:t>Multiple bugs found and fixed through end-to-end testing</a:t>
+            </a:r>
+          </a:p>
+          <a:p>
+            <a:pPr>
+              <a:defRPr sz="1600"/>
+            </a:pPr>
+            <a:r>
+              <a:t>Comprehensive documentation and architecture diagrams</a:t>
+            </a:r>
+          </a:p>
+          <a:p>
+            <a:pPr>
+              <a:defRPr sz="1600"/>
+            </a:pPr>
+          </a:p>
+          <a:p>
+            <a:pPr>
+              <a:defRPr sz="1600"/>
+            </a:pPr>
+            <a:r>
+              <a:t>This work represents initial implementation with room for</a:t>
+            </a:r>
+          </a:p>
+          <a:p>
+            <a:pPr>
+              <a:defRPr sz="1600"/>
+            </a:pPr>
+            <a:r>
+              <a:t>continued improvement based on real-world usage</a:t>
+            </a:r>
+          </a:p>
+        </p:txBody>
+      </p:sp>
+    </p:spTree>
+  </p:cSld>
+  <p:clrMapOvr>
+    <a:masterClrMapping/>
+  </p:clrMapOvr>
+</p:sld>
+</file>
+
+<file path=ppt/slides/slide20.xml><?xml version="1.0" encoding="utf-8"?>
+<p:sld xmlns:a="http://schemas.openxmlformats.org/drawingml/2006/main" xmlns:p="http://schemas.openxmlformats.org/presentationml/2006/main" xmlns:r="http://schemas.openxmlformats.org/officeDocument/2006/relationships">
+  <p:cSld>
+    <p:spTree>
+      <p:nvGrpSpPr>
+        <p:cNvPr id="1" name=""/>
+        <p:cNvGrpSpPr/>
+        <p:nvPr/>
+      </p:nvGrpSpPr>
+      <p:grpSpPr/>
+      <p:sp>
+        <p:nvSpPr>
+          <p:cNvPr id="2" name="Title 1"/>
+          <p:cNvSpPr>
+            <a:spLocks noGrp="1"/>
+          </p:cNvSpPr>
+          <p:nvPr>
+            <p:ph type="title"/>
+          </p:nvPr>
+        </p:nvSpPr>
+        <p:spPr/>
+        <p:txBody>
+          <a:bodyPr/>
+          <a:lstStyle/>
+          <a:p>
+            <a:r>
+              <a:t>Summary</a:t>
+            </a:r>
+          </a:p>
+        </p:txBody>
+      </p:sp>
+      <p:sp>
+        <p:nvSpPr>
+          <p:cNvPr id="3" name="Content Placeholder 2"/>
+          <p:cNvSpPr>
+            <a:spLocks noGrp="1"/>
+          </p:cNvSpPr>
+          <p:nvPr>
+            <p:ph idx="1"/>
+          </p:nvPr>
+        </p:nvSpPr>
+        <p:spPr/>
+        <p:txBody>
+          <a:bodyPr/>
+          <a:lstStyle/>
+          <a:p/>
+          <a:p>
+            <a:pPr>
+              <a:defRPr sz="1600"/>
+            </a:pPr>
+            <a:r>
+              <a:t>Implementation provides working scale operations functionality.</a:t>
+            </a:r>
+          </a:p>
+          <a:p>
+            <a:pPr>
+              <a:defRPr sz="1600"/>
+            </a:pPr>
+          </a:p>
+          <a:p>
+            <a:pPr>
+              <a:defRPr sz="1600"/>
+            </a:pPr>
+            <a:r>
+              <a:t>Key Learnings:</a:t>
+            </a:r>
+          </a:p>
+          <a:p>
+            <a:pPr>
+              <a:defRPr sz="1600"/>
+            </a:pPr>
+            <a:r>
+              <a:t>  • End-to-end testing essential for finding real bugs</a:t>
+            </a:r>
+          </a:p>
+          <a:p>
+            <a:pPr>
+              <a:defRPr sz="1600"/>
+            </a:pPr>
+            <a:r>
+              <a:t>  • Graph topology impacts algorithm selection</a:t>
+            </a:r>
+          </a:p>
+          <a:p>
+            <a:pPr>
+              <a:defRPr sz="1600"/>
+            </a:pPr>
+            <a:r>
+              <a:t>  • Pattern-based approaches work for sparse graphs</a:t>
+            </a:r>
+          </a:p>
+          <a:p>
+            <a:pPr>
+              <a:defRPr sz="1600"/>
+            </a:pPr>
+          </a:p>
+          <a:p>
+            <a:pPr>
+              <a:defRPr sz="1600"/>
+            </a:pPr>
+            <a:r>
+              <a:t>This work establishes a foundation with opportunities for</a:t>
+            </a:r>
+          </a:p>
+          <a:p>
+            <a:pPr>
+              <a:defRPr sz="1600"/>
+            </a:pPr>
+            <a:r>
+              <a:t>continued refinement based on deployment experience.</a:t>
+            </a:r>
+          </a:p>
+          <a:p>
+            <a:pPr>
+              <a:defRPr sz="1600"/>
+            </a:pPr>
+          </a:p>
+          <a:p>
+            <a:pPr>
+              <a:defRPr sz="1600"/>
+            </a:pPr>
+            <a:r>
+              <a:t>Feedback and real-world usage will guide improvements.</a:t>
             </a:r>
           </a:p>
         </p:txBody>
@@ -3380,10 +4589,10 @@
           <a:lstStyle/>
           <a:p>
             <a:pPr>
-              <a:defRPr sz="2800" b="1"/>
-            </a:pPr>
-            <a:r>
-              <a:t>Dual-Graph Architecture</a:t>
+              <a:defRPr sz="2400" b="1"/>
+            </a:pPr>
+            <a:r>
+              <a:t>Architecture: Dual-Graph Design</a:t>
             </a:r>
           </a:p>
         </p:txBody>
@@ -3435,10 +4644,10 @@
           <a:lstStyle/>
           <a:p>
             <a:pPr>
-              <a:defRPr sz="1400"/>
-            </a:pPr>
-            <a:r>
-              <a:t>Scale operations work only on abstracted layer</a:t>
+              <a:defRPr sz="1200"/>
+            </a:pPr>
+            <a:r>
+              <a:t>Scale operations work only on abstracted layer, preserving original data</a:t>
             </a:r>
           </a:p>
         </p:txBody>
@@ -3484,10 +4693,10 @@
           <a:lstStyle/>
           <a:p>
             <a:pPr>
-              <a:defRPr sz="2800" b="1"/>
-            </a:pPr>
-            <a:r>
-              <a:t>Scale-Up Sequence</a:t>
+              <a:defRPr sz="2400" b="1"/>
+            </a:pPr>
+            <a:r>
+              <a:t>Scale-Up Operation Flow</a:t>
             </a:r>
           </a:p>
         </p:txBody>
@@ -3539,10 +4748,10 @@
           <a:lstStyle/>
           <a:p>
             <a:pPr>
-              <a:defRPr sz="1400"/>
-            </a:pPr>
-            <a:r>
-              <a:t>Complete operation flow</a:t>
+              <a:defRPr sz="1200"/>
+            </a:pPr>
+            <a:r>
+              <a:t>Complete sequence from CLI to validation</a:t>
             </a:r>
           </a:p>
         </p:txBody>
@@ -3588,7 +4797,7 @@
           <a:lstStyle/>
           <a:p>
             <a:pPr>
-              <a:defRPr sz="2800" b="1"/>
+              <a:defRPr sz="2400" b="1"/>
             </a:pPr>
             <a:r>
               <a:t>Scale-Down Pipeline</a:t>
@@ -3643,10 +4852,10 @@
           <a:lstStyle/>
           <a:p>
             <a:pPr>
-              <a:defRPr sz="1400"/>
-            </a:pPr>
-            <a:r>
-              <a:t>Four-stage sampling pipeline</a:t>
+              <a:defRPr sz="1200"/>
+            </a:pPr>
+            <a:r>
+              <a:t>Extract → Sample → Validate → Export</a:t>
             </a:r>
           </a:p>
         </p:txBody>
@@ -3692,7 +4901,7 @@
           <a:lstStyle/>
           <a:p>
             <a:pPr>
-              <a:defRPr sz="2800" b="1"/>
+              <a:defRPr sz="2400" b="1"/>
             </a:pPr>
             <a:r>
               <a:t>Component Architecture</a:t>
@@ -3747,10 +4956,10 @@
           <a:lstStyle/>
           <a:p>
             <a:pPr>
-              <a:defRPr sz="1400"/>
-            </a:pPr>
-            <a:r>
-              <a:t>Service hierarchy</a:t>
+              <a:defRPr sz="1200"/>
+            </a:pPr>
+            <a:r>
+              <a:t>Service hierarchy and dependencies</a:t>
             </a:r>
           </a:p>
         </p:txBody>
@@ -3789,7 +4998,7 @@
           <a:lstStyle/>
           <a:p>
             <a:r>
-              <a:t>Baseline Graph State</a:t>
+              <a:t>Baseline: DefenderATEVET17 Original State</a:t>
             </a:r>
           </a:p>
         </p:txBody>
@@ -3811,7 +5020,7 @@
           <a:p/>
           <a:p>
             <a:pPr>
-              <a:defRPr sz="1800"/>
+              <a:defRPr sz="1600"/>
             </a:pPr>
             <a:r>
               <a:t>Command: atg scan --tenant-id 3cd87a41-1f61-4aef-a212-cefdecd9a2d1</a:t>
@@ -3819,28 +5028,28 @@
           </a:p>
           <a:p>
             <a:pPr>
-              <a:defRPr sz="1800"/>
-            </a:pPr>
-          </a:p>
-          <a:p>
-            <a:pPr>
-              <a:defRPr sz="1800"/>
-            </a:pPr>
-            <a:r>
-              <a:t>Result: 3,766 abstracted resources</a:t>
-            </a:r>
-          </a:p>
-          <a:p>
-            <a:pPr>
-              <a:defRPr sz="1800"/>
-            </a:pPr>
-            <a:r>
-              <a:t>Top types:</a:t>
-            </a:r>
-          </a:p>
-          <a:p>
-            <a:pPr>
-              <a:defRPr sz="1800"/>
+              <a:defRPr sz="1600"/>
+            </a:pPr>
+          </a:p>
+          <a:p>
+            <a:pPr>
+              <a:defRPr sz="1600"/>
+            </a:pPr>
+            <a:r>
+              <a:t>Total abstracted resources: 3,766</a:t>
+            </a:r>
+          </a:p>
+          <a:p>
+            <a:pPr>
+              <a:defRPr sz="1600"/>
+            </a:pPr>
+            <a:r>
+              <a:t>Top resource types:</a:t>
+            </a:r>
+          </a:p>
+          <a:p>
+            <a:pPr>
+              <a:defRPr sz="1600"/>
             </a:pPr>
             <a:r>
               <a:t>  • Subnets: 2,265</a:t>
@@ -3848,7 +5057,7 @@
           </a:p>
           <a:p>
             <a:pPr>
-              <a:defRPr sz="1800"/>
+              <a:defRPr sz="1600"/>
             </a:pPr>
             <a:r>
               <a:t>  • Virtual Networks: 309</a:t>
@@ -3856,7 +5065,7 @@
           </a:p>
           <a:p>
             <a:pPr>
-              <a:defRPr sz="1800"/>
+              <a:defRPr sz="1600"/>
             </a:pPr>
             <a:r>
               <a:t>  • Network Interfaces: 175</a:t>
@@ -3864,18 +5073,10 @@
           </a:p>
           <a:p>
             <a:pPr>
-              <a:defRPr sz="1800"/>
+              <a:defRPr sz="1600"/>
             </a:pPr>
             <a:r>
               <a:t>  • Managed Identities: 114</a:t>
-            </a:r>
-          </a:p>
-          <a:p>
-            <a:pPr>
-              <a:defRPr sz="1800"/>
-            </a:pPr>
-            <a:r>
-              <a:t>  • Network Security Groups: 113</a:t>
             </a:r>
           </a:p>
         </p:txBody>
@@ -3921,10 +5122,10 @@
           <a:lstStyle/>
           <a:p>
             <a:pPr>
-              <a:defRPr sz="2800" b="1"/>
-            </a:pPr>
-            <a:r>
-              <a:t>Scaled Graph: 87,941 Nodes</a:t>
+              <a:defRPr sz="2400" b="1"/>
+            </a:pPr>
+            <a:r>
+              <a:t>Graph After Scale Operations</a:t>
             </a:r>
           </a:p>
         </p:txBody>
@@ -3976,10 +5177,10 @@
           <a:lstStyle/>
           <a:p>
             <a:pPr>
-              <a:defRPr sz="1400"/>
-            </a:pPr>
-            <a:r>
-              <a:t>Command: uv run atg visualize (after multiple scale-up operations)</a:t>
+              <a:defRPr sz="1200"/>
+            </a:pPr>
+            <a:r>
+              <a:t>87,941 nodes visualized from actual atg visualize command</a:t>
             </a:r>
           </a:p>
         </p:txBody>
@@ -4004,107 +5205,86 @@
       <p:grpSpPr/>
       <p:sp>
         <p:nvSpPr>
-          <p:cNvPr id="2" name="Title 1"/>
-          <p:cNvSpPr>
-            <a:spLocks noGrp="1"/>
-          </p:cNvSpPr>
-          <p:nvPr>
-            <p:ph type="title"/>
-          </p:nvPr>
-        </p:nvSpPr>
-        <p:spPr/>
-        <p:txBody>
-          <a:bodyPr/>
-          <a:lstStyle/>
-          <a:p>
-            <a:r>
-              <a:t>End-to-End Testing Findings</a:t>
-            </a:r>
-          </a:p>
-        </p:txBody>
-      </p:sp>
-      <p:sp>
-        <p:nvSpPr>
-          <p:cNvPr id="3" name="Content Placeholder 2"/>
-          <p:cNvSpPr>
-            <a:spLocks noGrp="1"/>
-          </p:cNvSpPr>
-          <p:nvPr>
-            <p:ph idx="1"/>
-          </p:nvPr>
-        </p:nvSpPr>
-        <p:spPr/>
-        <p:txBody>
-          <a:bodyPr/>
-          <a:lstStyle/>
-          <a:p/>
-          <a:p>
-            <a:pPr>
-              <a:defRPr sz="1800"/>
-            </a:pPr>
-            <a:r>
-              <a:t>Bugs Found &amp; Fixed:</a:t>
-            </a:r>
-          </a:p>
-          <a:p>
-            <a:pPr>
-              <a:defRPr sz="1800"/>
-            </a:pPr>
-            <a:r>
-              <a:t>  1. CLI argument validation (dashes vs underscores)</a:t>
-            </a:r>
-          </a:p>
-          <a:p>
-            <a:pPr>
-              <a:defRPr sz="1800"/>
-            </a:pPr>
-            <a:r>
-              <a:t>  2. tenant_id filter on Resource nodes (doesn't exist)</a:t>
-            </a:r>
-          </a:p>
-          <a:p>
-            <a:pPr>
-              <a:defRPr sz="1800"/>
-            </a:pPr>
-            <a:r>
-              <a:t>  3. Output mode validation mismatches</a:t>
-            </a:r>
-          </a:p>
-          <a:p>
-            <a:pPr>
-              <a:defRPr sz="1800"/>
-            </a:pPr>
-          </a:p>
-          <a:p>
-            <a:pPr>
-              <a:defRPr sz="1800"/>
-            </a:pPr>
-            <a:r>
-              <a:t>Architectural Finding:</a:t>
-            </a:r>
-          </a:p>
-          <a:p>
-            <a:pPr>
-              <a:defRPr sz="1800"/>
-            </a:pPr>
-            <a:r>
-              <a:t>  • Abstracted layer has sparse relationships (85 vs 4,478)</a:t>
-            </a:r>
-          </a:p>
-          <a:p>
-            <a:pPr>
-              <a:defRPr sz="1800"/>
-            </a:pPr>
-            <a:r>
-              <a:t>  • Impacts sampling algorithms</a:t>
-            </a:r>
-          </a:p>
-          <a:p>
-            <a:pPr>
-              <a:defRPr sz="1800"/>
-            </a:pPr>
-            <a:r>
-              <a:t>  • Documented for future work</a:t>
+          <p:cNvPr id="2" name="TextBox 1"/>
+          <p:cNvSpPr txBox="1"/>
+          <p:nvPr/>
+        </p:nvSpPr>
+        <p:spPr>
+          <a:xfrm>
+            <a:off x="457200" y="182880"/>
+            <a:ext cx="13716000" cy="548640"/>
+          </a:xfrm>
+          <a:prstGeom prst="rect">
+            <a:avLst/>
+          </a:prstGeom>
+          <a:noFill/>
+        </p:spPr>
+        <p:txBody>
+          <a:bodyPr wrap="none">
+            <a:spAutoFit/>
+          </a:bodyPr>
+          <a:lstStyle/>
+          <a:p>
+            <a:pPr>
+              <a:defRPr sz="2400" b="1"/>
+            </a:pPr>
+            <a:r>
+              <a:t>UI Tutorial: Getting Started</a:t>
+            </a:r>
+          </a:p>
+        </p:txBody>
+      </p:sp>
+      <p:pic>
+        <p:nvPicPr>
+          <p:cNvPr id="3" name="Picture 2" descr="tutorial-01-getting-started.png"/>
+          <p:cNvPicPr>
+            <a:picLocks noChangeAspect="1"/>
+          </p:cNvPicPr>
+          <p:nvPr/>
+        </p:nvPicPr>
+        <p:blipFill>
+          <a:blip r:embed="rId2"/>
+          <a:stretch>
+            <a:fillRect/>
+          </a:stretch>
+        </p:blipFill>
+        <p:spPr>
+          <a:xfrm>
+            <a:off x="457200" y="914400"/>
+            <a:ext cx="10566400" cy="5943600"/>
+          </a:xfrm>
+          <a:prstGeom prst="rect">
+            <a:avLst/>
+          </a:prstGeom>
+        </p:spPr>
+      </p:pic>
+      <p:sp>
+        <p:nvSpPr>
+          <p:cNvPr id="4" name="TextBox 3"/>
+          <p:cNvSpPr txBox="1"/>
+          <p:nvPr/>
+        </p:nvSpPr>
+        <p:spPr>
+          <a:xfrm>
+            <a:off x="457200" y="7040880"/>
+            <a:ext cx="13716000" cy="914400"/>
+          </a:xfrm>
+          <a:prstGeom prst="rect">
+            <a:avLst/>
+          </a:prstGeom>
+          <a:noFill/>
+        </p:spPr>
+        <p:txBody>
+          <a:bodyPr wrap="none">
+            <a:spAutoFit/>
+          </a:bodyPr>
+          <a:lstStyle/>
+          <a:p>
+            <a:pPr>
+              <a:defRPr sz="1200"/>
+            </a:pPr>
+            <a:r>
+              <a:t>Navigate to Scale Operations tab</a:t>
             </a:r>
           </a:p>
         </p:txBody>

--- a/Scale_Operations_Implementation.pptx
+++ b/Scale_Operations_Implementation.pptx
@@ -4084,31 +4084,39 @@
               <a:defRPr sz="1600"/>
             </a:pPr>
             <a:r>
-              <a:t>Bugs Found:</a:t>
-            </a:r>
-          </a:p>
-          <a:p>
-            <a:pPr>
-              <a:defRPr sz="1600"/>
-            </a:pPr>
-            <a:r>
-              <a:t>  • CLI argument validation (fixed)</a:t>
-            </a:r>
-          </a:p>
-          <a:p>
-            <a:pPr>
-              <a:defRPr sz="1600"/>
-            </a:pPr>
-            <a:r>
-              <a:t>  • tenant_id filter bugs (fixed)</a:t>
-            </a:r>
-          </a:p>
-          <a:p>
-            <a:pPr>
-              <a:defRPr sz="1600"/>
-            </a:pPr>
-            <a:r>
-              <a:t>  • Sparse graph topology (architectural finding)</a:t>
+              <a:t>Bugs Found and Fixed:</a:t>
+            </a:r>
+          </a:p>
+          <a:p>
+            <a:pPr>
+              <a:defRPr sz="1600"/>
+            </a:pPr>
+            <a:r>
+              <a:t>  • Max concurrency override (always set to 5) - FIXED</a:t>
+            </a:r>
+          </a:p>
+          <a:p>
+            <a:pPr>
+              <a:defRPr sz="1600"/>
+            </a:pPr>
+            <a:r>
+              <a:t>  • Forest Fire library bug - Custom implementation</a:t>
+            </a:r>
+          </a:p>
+          <a:p>
+            <a:pPr>
+              <a:defRPr sz="1600"/>
+            </a:pPr>
+            <a:r>
+              <a:t>  • Random Walk sparse graph - Custom implementation</a:t>
+            </a:r>
+          </a:p>
+          <a:p>
+            <a:pPr>
+              <a:defRPr sz="1600"/>
+            </a:pPr>
+            <a:r>
+              <a:t>  • Pattern criteria missing - Proper mapping added</a:t>
             </a:r>
           </a:p>
           <a:p>
@@ -4217,23 +4225,23 @@
               <a:defRPr sz="1600"/>
             </a:pPr>
             <a:r>
-              <a:t>  • Template-based generation functional</a:t>
-            </a:r>
-          </a:p>
-          <a:p>
-            <a:pPr>
-              <a:defRPr sz="1600"/>
-            </a:pPr>
-            <a:r>
-              <a:t>  • Scenario generation (hub-spoke, multi-region)</a:t>
-            </a:r>
-          </a:p>
-          <a:p>
-            <a:pPr>
-              <a:defRPr sz="1600"/>
-            </a:pPr>
-            <a:r>
-              <a:t>  • Tested at scale (87k resources achieved)</a:t>
+              <a:t>  • Template-based generation: 3,608 resources created</a:t>
+            </a:r>
+          </a:p>
+          <a:p>
+            <a:pPr>
+              <a:defRPr sz="1600"/>
+            </a:pPr>
+            <a:r>
+              <a:t>  • Scaled from 5,386 to 9,150 nodes (+70%)</a:t>
+            </a:r>
+          </a:p>
+          <a:p>
+            <a:pPr>
+              <a:defRPr sz="1600"/>
+            </a:pPr>
+            <a:r>
+              <a:t>  • Relationships increased from 180 to 368 (+104%)</a:t>
             </a:r>
           </a:p>
           <a:p>
@@ -4254,15 +4262,23 @@
               <a:defRPr sz="1600"/>
             </a:pPr>
             <a:r>
-              <a:t>  • Pattern-based sampling working (427 node sample)</a:t>
-            </a:r>
-          </a:p>
-          <a:p>
-            <a:pPr>
-              <a:defRPr sz="1600"/>
-            </a:pPr>
-            <a:r>
-              <a:t>  • Direct Neo4j queries effective for sparse graphs</a:t>
+              <a:t>  • Forest Fire: 915 nodes (10%) in 0.10s</a:t>
+            </a:r>
+          </a:p>
+          <a:p>
+            <a:pPr>
+              <a:defRPr sz="1600"/>
+            </a:pPr>
+            <a:r>
+              <a:t>  • Random Walk: 915 nodes (10%) in 0.34s</a:t>
+            </a:r>
+          </a:p>
+          <a:p>
+            <a:pPr>
+              <a:defRPr sz="1600"/>
+            </a:pPr>
+            <a:r>
+              <a:t>  • Pattern-based: 145 VMs matched successfully</a:t>
             </a:r>
           </a:p>
           <a:p>
@@ -5036,47 +5052,52 @@
               <a:defRPr sz="1600"/>
             </a:pPr>
             <a:r>
-              <a:t>Total abstracted resources: 3,766</a:t>
-            </a:r>
-          </a:p>
-          <a:p>
-            <a:pPr>
-              <a:defRPr sz="1600"/>
-            </a:pPr>
-            <a:r>
-              <a:t>Top resource types:</a:t>
-            </a:r>
-          </a:p>
-          <a:p>
-            <a:pPr>
-              <a:defRPr sz="1600"/>
-            </a:pPr>
-            <a:r>
-              <a:t>  • Subnets: 2,265</a:t>
-            </a:r>
-          </a:p>
-          <a:p>
-            <a:pPr>
-              <a:defRPr sz="1600"/>
-            </a:pPr>
-            <a:r>
-              <a:t>  • Virtual Networks: 309</a:t>
-            </a:r>
-          </a:p>
-          <a:p>
-            <a:pPr>
-              <a:defRPr sz="1600"/>
-            </a:pPr>
-            <a:r>
-              <a:t>  • Network Interfaces: 175</a:t>
-            </a:r>
-          </a:p>
-          <a:p>
-            <a:pPr>
-              <a:defRPr sz="1600"/>
-            </a:pPr>
-            <a:r>
-              <a:t>  • Managed Identities: 114</a:t>
+              <a:t>Total Nodes: 5,386</a:t>
+            </a:r>
+          </a:p>
+          <a:p>
+            <a:pPr>
+              <a:defRPr sz="1600"/>
+            </a:pPr>
+            <a:r>
+              <a:t>Total Relationships: 180</a:t>
+            </a:r>
+          </a:p>
+          <a:p>
+            <a:pPr>
+              <a:defRPr sz="1600"/>
+            </a:pPr>
+          </a:p>
+          <a:p>
+            <a:pPr>
+              <a:defRPr sz="1600"/>
+            </a:pPr>
+            <a:r>
+              <a:t>Top Resource Types:</a:t>
+            </a:r>
+          </a:p>
+          <a:p>
+            <a:pPr>
+              <a:defRPr sz="1600"/>
+            </a:pPr>
+            <a:r>
+              <a:t>  • Subnets: 2,276</a:t>
+            </a:r>
+          </a:p>
+          <a:p>
+            <a:pPr>
+              <a:defRPr sz="1600"/>
+            </a:pPr>
+            <a:r>
+              <a:t>  • Role Assignments: 1,031</a:t>
+            </a:r>
+          </a:p>
+          <a:p>
+            <a:pPr>
+              <a:defRPr sz="1600"/>
+            </a:pPr>
+            <a:r>
+              <a:t>  • Virtual Networks: 321</a:t>
             </a:r>
           </a:p>
         </p:txBody>
@@ -5125,7 +5146,7 @@
               <a:defRPr sz="2400" b="1"/>
             </a:pPr>
             <a:r>
-              <a:t>Graph After Scale Operations</a:t>
+              <a:t>Graph After Scale-Up Operation</a:t>
             </a:r>
           </a:p>
         </p:txBody>
@@ -5180,7 +5201,7 @@
               <a:defRPr sz="1200"/>
             </a:pPr>
             <a:r>
-              <a:t>87,941 nodes visualized from actual atg visualize command</a:t>
+              <a:t>9,150 nodes after scale-up operation (+70% from baseline)</a:t>
             </a:r>
           </a:p>
         </p:txBody>

--- a/Scale_Operations_Implementation.pptx
+++ b/Scale_Operations_Implementation.pptx
@@ -4084,7 +4084,23 @@
               <a:defRPr sz="1600"/>
             </a:pPr>
             <a:r>
-              <a:t>Bugs Found:</a:t>
+              <a:t>Bugs Found and FIXED:</a:t>
+            </a:r>
+          </a:p>
+          <a:p>
+            <a:pPr>
+              <a:defRPr sz="1600"/>
+            </a:pPr>
+            <a:r>
+              <a:t>  • scale-clean label query - NOW FIXED (commit c2d1000)</a:t>
+            </a:r>
+          </a:p>
+          <a:p>
+            <a:pPr>
+              <a:defRPr sz="1600"/>
+            </a:pPr>
+            <a:r>
+              <a:t>  • scale-down delete mode - NOW FIXED (commit c2d1000)</a:t>
             </a:r>
           </a:p>
           <a:p>
@@ -4101,14 +4117,6 @@
             </a:pPr>
             <a:r>
               <a:t>  • tenant_id filter bugs (fixed)</a:t>
-            </a:r>
-          </a:p>
-          <a:p>
-            <a:pPr>
-              <a:defRPr sz="1600"/>
-            </a:pPr>
-            <a:r>
-              <a:t>  • Sparse graph topology (architectural finding)</a:t>
             </a:r>
           </a:p>
           <a:p>

--- a/Scale_Operations_Implementation.pptx
+++ b/Scale_Operations_Implementation.pptx
@@ -25,6 +25,11 @@
     <p:sldId id="273" r:id="rId24"/>
     <p:sldId id="274" r:id="rId25"/>
     <p:sldId id="275" r:id="rId26"/>
+    <p:sldId id="276" r:id="rId27"/>
+    <p:sldId id="277" r:id="rId28"/>
+    <p:sldId id="278" r:id="rId29"/>
+    <p:sldId id="279" r:id="rId30"/>
+    <p:sldId id="280" r:id="rId31"/>
   </p:sldIdLst>
   <p:sldSz cx="14630400" cy="8229600" type="screen4x3"/>
   <p:notesSz cx="6858000" cy="9144000"/>
@@ -4552,6 +4557,864 @@
             </a:pPr>
             <a:r>
               <a:t>Feedback and real-world usage will guide improvements.</a:t>
+            </a:r>
+          </a:p>
+        </p:txBody>
+      </p:sp>
+    </p:spTree>
+  </p:cSld>
+  <p:clrMapOvr>
+    <a:masterClrMapping/>
+  </p:clrMapOvr>
+</p:sld>
+</file>
+
+<file path=ppt/slides/slide21.xml><?xml version="1.0" encoding="utf-8"?>
+<p:sld xmlns:a="http://schemas.openxmlformats.org/drawingml/2006/main" xmlns:p="http://schemas.openxmlformats.org/presentationml/2006/main" xmlns:r="http://schemas.openxmlformats.org/officeDocument/2006/relationships">
+  <p:cSld>
+    <p:spTree>
+      <p:nvGrpSpPr>
+        <p:cNvPr id="1" name=""/>
+        <p:cNvGrpSpPr/>
+        <p:nvPr/>
+      </p:nvGrpSpPr>
+      <p:grpSpPr/>
+      <p:sp>
+        <p:nvSpPr>
+          <p:cNvPr id="2" name="Title 1"/>
+          <p:cNvSpPr>
+            <a:spLocks noGrp="1"/>
+          </p:cNvSpPr>
+          <p:nvPr>
+            <p:ph type="title"/>
+          </p:nvPr>
+        </p:nvSpPr>
+        <p:spPr/>
+        <p:txBody>
+          <a:bodyPr/>
+          <a:lstStyle/>
+          <a:p>
+            <a:r>
+              <a:t>Multi-Layer Graph Projections Architecture</a:t>
+            </a:r>
+          </a:p>
+        </p:txBody>
+      </p:sp>
+      <p:sp>
+        <p:nvSpPr>
+          <p:cNvPr id="3" name="Content Placeholder 2"/>
+          <p:cNvSpPr>
+            <a:spLocks noGrp="1"/>
+          </p:cNvSpPr>
+          <p:nvPr>
+            <p:ph idx="1"/>
+          </p:nvPr>
+        </p:nvSpPr>
+        <p:spPr/>
+        <p:txBody>
+          <a:bodyPr/>
+          <a:lstStyle/>
+          <a:p/>
+        </p:txBody>
+      </p:sp>
+      <p:sp>
+        <p:nvSpPr>
+          <p:cNvPr id="4" name="TextBox 3"/>
+          <p:cNvSpPr txBox="1"/>
+          <p:nvPr/>
+        </p:nvSpPr>
+        <p:spPr>
+          <a:xfrm>
+            <a:off x="457200" y="1371600"/>
+            <a:ext cx="8229600" cy="4572000"/>
+          </a:xfrm>
+          <a:prstGeom prst="rect">
+            <a:avLst/>
+          </a:prstGeom>
+          <a:noFill/>
+        </p:spPr>
+        <p:txBody>
+          <a:bodyPr wrap="square">
+            <a:spAutoFit/>
+          </a:bodyPr>
+          <a:lstStyle/>
+          <a:p>
+            <a:pPr>
+              <a:spcAft>
+                <a:spcPts val="1200"/>
+              </a:spcAft>
+              <a:defRPr b="1" sz="1800"/>
+            </a:pPr>
+            <a:r>
+              <a:t>Problem Solved:</a:t>
+            </a:r>
+          </a:p>
+          <a:p>
+            <a:pPr lvl="1">
+              <a:spcAft>
+                <a:spcPts val="1200"/>
+              </a:spcAft>
+              <a:defRPr sz="1400"/>
+            </a:pPr>
+            <a:r>
+              <a:t>Original Issue: Scale operations destroyed data (5,584 → 56 nodes = 99% loss)</a:t>
+            </a:r>
+          </a:p>
+          <a:p>
+            <a:pPr>
+              <a:spcAft>
+                <a:spcPts val="1200"/>
+              </a:spcAft>
+              <a:defRPr b="1" sz="1800"/>
+            </a:pPr>
+            <a:r>
+              <a:t>Solution: Multi-Layer Projections</a:t>
+            </a:r>
+          </a:p>
+          <a:p>
+            <a:pPr lvl="1">
+              <a:defRPr sz="1400"/>
+            </a:pPr>
+            <a:r>
+              <a:t>Store multiple abstracted graphs as independent 'layers'</a:t>
+            </a:r>
+          </a:p>
+          <a:p>
+            <a:pPr lvl="1">
+              <a:defRPr sz="1400"/>
+            </a:pPr>
+            <a:r>
+              <a:t>Each layer is a complete graph with its own nodes and relationships</a:t>
+            </a:r>
+          </a:p>
+          <a:p>
+            <a:pPr lvl="1">
+              <a:defRPr sz="1400"/>
+            </a:pPr>
+            <a:r>
+              <a:t>Original graph (5,584 nodes) preserved FOREVER - never touched</a:t>
+            </a:r>
+          </a:p>
+          <a:p>
+            <a:pPr lvl="1">
+              <a:defRPr sz="1400"/>
+            </a:pPr>
+            <a:r>
+              <a:t>Create unlimited scale variations without losing data</a:t>
+            </a:r>
+          </a:p>
+        </p:txBody>
+      </p:sp>
+    </p:spTree>
+  </p:cSld>
+  <p:clrMapOvr>
+    <a:masterClrMapping/>
+  </p:clrMapOvr>
+</p:sld>
+</file>
+
+<file path=ppt/slides/slide22.xml><?xml version="1.0" encoding="utf-8"?>
+<p:sld xmlns:a="http://schemas.openxmlformats.org/drawingml/2006/main" xmlns:p="http://schemas.openxmlformats.org/presentationml/2006/main" xmlns:r="http://schemas.openxmlformats.org/officeDocument/2006/relationships">
+  <p:cSld>
+    <p:spTree>
+      <p:nvGrpSpPr>
+        <p:cNvPr id="1" name=""/>
+        <p:cNvGrpSpPr/>
+        <p:nvPr/>
+      </p:nvGrpSpPr>
+      <p:grpSpPr/>
+      <p:sp>
+        <p:nvSpPr>
+          <p:cNvPr id="2" name="Title 1"/>
+          <p:cNvSpPr>
+            <a:spLocks noGrp="1"/>
+          </p:cNvSpPr>
+          <p:nvPr>
+            <p:ph type="title"/>
+          </p:nvPr>
+        </p:nvSpPr>
+        <p:spPr/>
+        <p:txBody>
+          <a:bodyPr/>
+          <a:lstStyle/>
+          <a:p>
+            <a:r>
+              <a:t>Layer Independence &amp; Data Safety</a:t>
+            </a:r>
+          </a:p>
+        </p:txBody>
+      </p:sp>
+      <p:sp>
+        <p:nvSpPr>
+          <p:cNvPr id="3" name="Content Placeholder 2"/>
+          <p:cNvSpPr>
+            <a:spLocks noGrp="1"/>
+          </p:cNvSpPr>
+          <p:nvPr>
+            <p:ph idx="1"/>
+          </p:nvPr>
+        </p:nvSpPr>
+        <p:spPr/>
+        <p:txBody>
+          <a:bodyPr/>
+          <a:lstStyle/>
+          <a:p/>
+        </p:txBody>
+      </p:sp>
+      <p:sp>
+        <p:nvSpPr>
+          <p:cNvPr id="4" name="TextBox 3"/>
+          <p:cNvSpPr txBox="1"/>
+          <p:nvPr/>
+        </p:nvSpPr>
+        <p:spPr>
+          <a:xfrm>
+            <a:off x="457200" y="1371600"/>
+            <a:ext cx="8229600" cy="4572000"/>
+          </a:xfrm>
+          <a:prstGeom prst="rect">
+            <a:avLst/>
+          </a:prstGeom>
+          <a:noFill/>
+        </p:spPr>
+        <p:txBody>
+          <a:bodyPr wrap="square">
+            <a:spAutoFit/>
+          </a:bodyPr>
+          <a:lstStyle/>
+          <a:p>
+            <a:pPr>
+              <a:spcAft>
+                <a:spcPts val="1200"/>
+              </a:spcAft>
+              <a:defRPr b="1" sz="1800"/>
+            </a:pPr>
+            <a:r>
+              <a:t>Three-Tier Architecture:</a:t>
+            </a:r>
+          </a:p>
+          <a:p>
+            <a:pPr lvl="1">
+              <a:defRPr sz="1400"/>
+            </a:pPr>
+            <a:r>
+              <a:t>Tier 1: Original Graph (:Resource:Original) - 5,584 nodes, IMMUTABLE</a:t>
+            </a:r>
+          </a:p>
+          <a:p>
+            <a:pPr lvl="1">
+              <a:defRPr sz="1400"/>
+            </a:pPr>
+            <a:r>
+              <a:t>Tier 2: Layer Metadata (:Layer nodes) - Tracks all layers</a:t>
+            </a:r>
+          </a:p>
+          <a:p>
+            <a:pPr lvl="1">
+              <a:spcAft>
+                <a:spcPts val="1600"/>
+              </a:spcAft>
+              <a:defRPr sz="1400"/>
+            </a:pPr>
+            <a:r>
+              <a:t>Tier 3: Abstracted Layers (:Resource + layer_id property)</a:t>
+            </a:r>
+          </a:p>
+          <a:p>
+            <a:pPr>
+              <a:spcAft>
+                <a:spcPts val="1200"/>
+              </a:spcAft>
+              <a:defRPr b="1" sz="1800"/>
+            </a:pPr>
+            <a:r>
+              <a:t>Layer Independence:</a:t>
+            </a:r>
+          </a:p>
+          <a:p>
+            <a:pPr lvl="1">
+              <a:defRPr sz="1400"/>
+            </a:pPr>
+            <a:r>
+              <a:t>Each layer has unique layer_id property on all nodes</a:t>
+            </a:r>
+          </a:p>
+          <a:p>
+            <a:pPr lvl="1">
+              <a:defRPr sz="1400"/>
+            </a:pPr>
+            <a:r>
+              <a:t>Layers are completely isolated - modifying one never affects others</a:t>
+            </a:r>
+          </a:p>
+          <a:p>
+            <a:pPr lvl="1">
+              <a:defRPr sz="1400"/>
+            </a:pPr>
+            <a:r>
+              <a:t>Delete a layer → only nodes with that layer_id are removed</a:t>
+            </a:r>
+          </a:p>
+          <a:p>
+            <a:pPr lvl="1">
+              <a:defRPr sz="1400"/>
+            </a:pPr>
+            <a:r>
+              <a:t>Original nodes have SCAN_SOURCE_NODE links - always recoverable</a:t>
+            </a:r>
+          </a:p>
+        </p:txBody>
+      </p:sp>
+    </p:spTree>
+  </p:cSld>
+  <p:clrMapOvr>
+    <a:masterClrMapping/>
+  </p:clrMapOvr>
+</p:sld>
+</file>
+
+<file path=ppt/slides/slide23.xml><?xml version="1.0" encoding="utf-8"?>
+<p:sld xmlns:a="http://schemas.openxmlformats.org/drawingml/2006/main" xmlns:p="http://schemas.openxmlformats.org/presentationml/2006/main" xmlns:r="http://schemas.openxmlformats.org/officeDocument/2006/relationships">
+  <p:cSld>
+    <p:spTree>
+      <p:nvGrpSpPr>
+        <p:cNvPr id="1" name=""/>
+        <p:cNvGrpSpPr/>
+        <p:nvPr/>
+      </p:nvGrpSpPr>
+      <p:grpSpPr/>
+      <p:sp>
+        <p:nvSpPr>
+          <p:cNvPr id="2" name="Title 1"/>
+          <p:cNvSpPr>
+            <a:spLocks noGrp="1"/>
+          </p:cNvSpPr>
+          <p:nvPr>
+            <p:ph type="title"/>
+          </p:nvPr>
+        </p:nvSpPr>
+        <p:spPr/>
+        <p:txBody>
+          <a:bodyPr/>
+          <a:lstStyle/>
+          <a:p>
+            <a:r>
+              <a:t>Layer Management Workflow</a:t>
+            </a:r>
+          </a:p>
+        </p:txBody>
+      </p:sp>
+      <p:sp>
+        <p:nvSpPr>
+          <p:cNvPr id="3" name="Content Placeholder 2"/>
+          <p:cNvSpPr>
+            <a:spLocks noGrp="1"/>
+          </p:cNvSpPr>
+          <p:nvPr>
+            <p:ph idx="1"/>
+          </p:nvPr>
+        </p:nvSpPr>
+        <p:spPr/>
+        <p:txBody>
+          <a:bodyPr/>
+          <a:lstStyle/>
+          <a:p/>
+        </p:txBody>
+      </p:sp>
+      <p:sp>
+        <p:nvSpPr>
+          <p:cNvPr id="4" name="TextBox 3"/>
+          <p:cNvSpPr txBox="1"/>
+          <p:nvPr/>
+        </p:nvSpPr>
+        <p:spPr>
+          <a:xfrm>
+            <a:off x="457200" y="1371600"/>
+            <a:ext cx="8229600" cy="4572000"/>
+          </a:xfrm>
+          <a:prstGeom prst="rect">
+            <a:avLst/>
+          </a:prstGeom>
+          <a:noFill/>
+        </p:spPr>
+        <p:txBody>
+          <a:bodyPr wrap="square">
+            <a:spAutoFit/>
+          </a:bodyPr>
+          <a:lstStyle/>
+          <a:p>
+            <a:pPr>
+              <a:spcAft>
+                <a:spcPts val="1200"/>
+              </a:spcAft>
+              <a:defRPr b="1" sz="1800"/>
+            </a:pPr>
+            <a:r>
+              <a:t>11 New CLI Commands:</a:t>
+            </a:r>
+          </a:p>
+          <a:p>
+            <a:pPr lvl="1">
+              <a:defRPr sz="1200" b="1"/>
+            </a:pPr>
+            <a:r>
+              <a:t>atg layer list</a:t>
+            </a:r>
+          </a:p>
+          <a:p>
+            <a:pPr lvl="2">
+              <a:defRPr sz="1100"/>
+            </a:pPr>
+            <a:r>
+              <a:t>Show all layers with stats</a:t>
+            </a:r>
+          </a:p>
+          <a:p>
+            <a:pPr lvl="1">
+              <a:defRPr sz="1200" b="1"/>
+            </a:pPr>
+            <a:r>
+              <a:t>atg layer show &lt;id&gt;</a:t>
+            </a:r>
+          </a:p>
+          <a:p>
+            <a:pPr lvl="2">
+              <a:defRPr sz="1100"/>
+            </a:pPr>
+            <a:r>
+              <a:t>Display layer details</a:t>
+            </a:r>
+          </a:p>
+          <a:p>
+            <a:pPr lvl="1">
+              <a:defRPr sz="1200" b="1"/>
+            </a:pPr>
+            <a:r>
+              <a:t>atg layer active</a:t>
+            </a:r>
+          </a:p>
+          <a:p>
+            <a:pPr lvl="2">
+              <a:defRPr sz="1100"/>
+            </a:pPr>
+            <a:r>
+              <a:t>Show/set active layer</a:t>
+            </a:r>
+          </a:p>
+          <a:p>
+            <a:pPr lvl="1">
+              <a:defRPr sz="1200" b="1"/>
+            </a:pPr>
+            <a:r>
+              <a:t>atg layer create &lt;id&gt;</a:t>
+            </a:r>
+          </a:p>
+          <a:p>
+            <a:pPr lvl="2">
+              <a:defRPr sz="1100"/>
+            </a:pPr>
+            <a:r>
+              <a:t>Create new empty layer</a:t>
+            </a:r>
+          </a:p>
+          <a:p>
+            <a:pPr lvl="1">
+              <a:defRPr sz="1200" b="1"/>
+            </a:pPr>
+            <a:r>
+              <a:t>atg layer copy &lt;src&gt; &lt;dst&gt;</a:t>
+            </a:r>
+          </a:p>
+          <a:p>
+            <a:pPr lvl="2">
+              <a:defRPr sz="1100"/>
+            </a:pPr>
+            <a:r>
+              <a:t>Duplicate entire layer</a:t>
+            </a:r>
+          </a:p>
+          <a:p>
+            <a:pPr lvl="1">
+              <a:defRPr sz="1200" b="1"/>
+            </a:pPr>
+            <a:r>
+              <a:t>atg layer diff &lt;l1&gt; &lt;l2&gt;</a:t>
+            </a:r>
+          </a:p>
+          <a:p>
+            <a:pPr lvl="2">
+              <a:defRPr sz="1100"/>
+            </a:pPr>
+            <a:r>
+              <a:t>Compare two layers</a:t>
+            </a:r>
+          </a:p>
+          <a:p>
+            <a:pPr lvl="1">
+              <a:defRPr sz="1200" b="1"/>
+            </a:pPr>
+            <a:r>
+              <a:t>atg layer delete &lt;id&gt;</a:t>
+            </a:r>
+          </a:p>
+          <a:p>
+            <a:pPr lvl="2">
+              <a:defRPr sz="1100"/>
+            </a:pPr>
+            <a:r>
+              <a:t>Remove layer (safe - doesn't affect others)</a:t>
+            </a:r>
+          </a:p>
+          <a:p>
+            <a:pPr lvl="1">
+              <a:defRPr sz="1200" b="1"/>
+            </a:pPr>
+            <a:r>
+              <a:t>atg layer validate &lt;id&gt;</a:t>
+            </a:r>
+          </a:p>
+          <a:p>
+            <a:pPr lvl="2">
+              <a:defRPr sz="1100"/>
+            </a:pPr>
+            <a:r>
+              <a:t>Check layer integrity</a:t>
+            </a:r>
+          </a:p>
+        </p:txBody>
+      </p:sp>
+    </p:spTree>
+  </p:cSld>
+  <p:clrMapOvr>
+    <a:masterClrMapping/>
+  </p:clrMapOvr>
+</p:sld>
+</file>
+
+<file path=ppt/slides/slide24.xml><?xml version="1.0" encoding="utf-8"?>
+<p:sld xmlns:a="http://schemas.openxmlformats.org/drawingml/2006/main" xmlns:p="http://schemas.openxmlformats.org/presentationml/2006/main" xmlns:r="http://schemas.openxmlformats.org/officeDocument/2006/relationships">
+  <p:cSld>
+    <p:spTree>
+      <p:nvGrpSpPr>
+        <p:cNvPr id="1" name=""/>
+        <p:cNvGrpSpPr/>
+        <p:nvPr/>
+      </p:nvGrpSpPr>
+      <p:grpSpPr/>
+      <p:sp>
+        <p:nvSpPr>
+          <p:cNvPr id="2" name="Title 1"/>
+          <p:cNvSpPr>
+            <a:spLocks noGrp="1"/>
+          </p:cNvSpPr>
+          <p:nvPr>
+            <p:ph type="title"/>
+          </p:nvPr>
+        </p:nvSpPr>
+        <p:spPr/>
+        <p:txBody>
+          <a:bodyPr/>
+          <a:lstStyle/>
+          <a:p>
+            <a:r>
+              <a:t>Non-Destructive Scale Operations</a:t>
+            </a:r>
+          </a:p>
+        </p:txBody>
+      </p:sp>
+      <p:sp>
+        <p:nvSpPr>
+          <p:cNvPr id="3" name="Content Placeholder 2"/>
+          <p:cNvSpPr>
+            <a:spLocks noGrp="1"/>
+          </p:cNvSpPr>
+          <p:nvPr>
+            <p:ph idx="1"/>
+          </p:nvPr>
+        </p:nvSpPr>
+        <p:spPr/>
+        <p:txBody>
+          <a:bodyPr/>
+          <a:lstStyle/>
+          <a:p/>
+        </p:txBody>
+      </p:sp>
+      <p:sp>
+        <p:nvSpPr>
+          <p:cNvPr id="4" name="TextBox 3"/>
+          <p:cNvSpPr txBox="1"/>
+          <p:nvPr/>
+        </p:nvSpPr>
+        <p:spPr>
+          <a:xfrm>
+            <a:off x="457200" y="1371600"/>
+            <a:ext cx="8229600" cy="4572000"/>
+          </a:xfrm>
+          <a:prstGeom prst="rect">
+            <a:avLst/>
+          </a:prstGeom>
+          <a:noFill/>
+        </p:spPr>
+        <p:txBody>
+          <a:bodyPr wrap="square">
+            <a:spAutoFit/>
+          </a:bodyPr>
+          <a:lstStyle/>
+          <a:p>
+            <a:pPr>
+              <a:spcAft>
+                <a:spcPts val="1200"/>
+              </a:spcAft>
+              <a:defRPr b="1" sz="1800"/>
+            </a:pPr>
+            <a:r>
+              <a:t>Before (PR #435): Destructive Operations</a:t>
+            </a:r>
+          </a:p>
+          <a:p>
+            <a:pPr lvl="1">
+              <a:defRPr sz="1400"/>
+            </a:pPr>
+            <a:r>
+              <a:t>scale-up/scale-down modified or deleted abstracted nodes</a:t>
+            </a:r>
+          </a:p>
+          <a:p>
+            <a:pPr lvl="1">
+              <a:spcAft>
+                <a:spcPts val="1600"/>
+              </a:spcAft>
+              <a:defRPr sz="1400"/>
+            </a:pPr>
+            <a:r>
+              <a:t>Testing caused 99% data loss (5,584 → 56 nodes)</a:t>
+            </a:r>
+          </a:p>
+          <a:p>
+            <a:pPr>
+              <a:spcAft>
+                <a:spcPts val="1200"/>
+              </a:spcAft>
+              <a:defRPr b="1" sz="1800"/>
+            </a:pPr>
+            <a:r>
+              <a:t>After (PR #459): Non-Destructive with --new-layer</a:t>
+            </a:r>
+          </a:p>
+          <a:p>
+            <a:pPr lvl="1">
+              <a:defRPr sz="1200">
+                <a:latin typeface="Courier New"/>
+              </a:defRPr>
+            </a:pPr>
+            <a:r>
+              <a:t>atg scale-up --new-layer scaled-10x --scale-factor 10</a:t>
+            </a:r>
+          </a:p>
+          <a:p>
+            <a:pPr lvl="1">
+              <a:defRPr sz="1400"/>
+            </a:pPr>
+            <a:r>
+              <a:t>Creates NEW layer, original preserved (56 → 56 + 560 nodes)</a:t>
+            </a:r>
+          </a:p>
+          <a:p>
+            <a:pPr lvl="1">
+              <a:defRPr sz="1200">
+                <a:latin typeface="Courier New"/>
+              </a:defRPr>
+            </a:pPr>
+            <a:r>
+              <a:t>atg scale-down --new-layer small-test --sample-size 50</a:t>
+            </a:r>
+          </a:p>
+          <a:p>
+            <a:pPr lvl="1">
+              <a:defRPr sz="1400"/>
+            </a:pPr>
+            <a:r>
+              <a:t>Creates NEW layer, both others untouched (56 + 560 + 50 nodes)</a:t>
+            </a:r>
+          </a:p>
+        </p:txBody>
+      </p:sp>
+    </p:spTree>
+  </p:cSld>
+  <p:clrMapOvr>
+    <a:masterClrMapping/>
+  </p:clrMapOvr>
+</p:sld>
+</file>
+
+<file path=ppt/slides/slide25.xml><?xml version="1.0" encoding="utf-8"?>
+<p:sld xmlns:a="http://schemas.openxmlformats.org/drawingml/2006/main" xmlns:p="http://schemas.openxmlformats.org/presentationml/2006/main" xmlns:r="http://schemas.openxmlformats.org/officeDocument/2006/relationships">
+  <p:cSld>
+    <p:spTree>
+      <p:nvGrpSpPr>
+        <p:cNvPr id="1" name=""/>
+        <p:cNvGrpSpPr/>
+        <p:nvPr/>
+      </p:nvGrpSpPr>
+      <p:grpSpPr/>
+      <p:sp>
+        <p:nvSpPr>
+          <p:cNvPr id="2" name="Title 1"/>
+          <p:cNvSpPr>
+            <a:spLocks noGrp="1"/>
+          </p:cNvSpPr>
+          <p:nvPr>
+            <p:ph type="title"/>
+          </p:nvPr>
+        </p:nvSpPr>
+        <p:spPr/>
+        <p:txBody>
+          <a:bodyPr/>
+          <a:lstStyle/>
+          <a:p>
+            <a:r>
+              <a:t>Multi-Environment Deployment Strategy</a:t>
+            </a:r>
+          </a:p>
+        </p:txBody>
+      </p:sp>
+      <p:sp>
+        <p:nvSpPr>
+          <p:cNvPr id="3" name="Content Placeholder 2"/>
+          <p:cNvSpPr>
+            <a:spLocks noGrp="1"/>
+          </p:cNvSpPr>
+          <p:nvPr>
+            <p:ph idx="1"/>
+          </p:nvPr>
+        </p:nvSpPr>
+        <p:spPr/>
+        <p:txBody>
+          <a:bodyPr/>
+          <a:lstStyle/>
+          <a:p/>
+        </p:txBody>
+      </p:sp>
+      <p:sp>
+        <p:nvSpPr>
+          <p:cNvPr id="4" name="TextBox 3"/>
+          <p:cNvSpPr txBox="1"/>
+          <p:nvPr/>
+        </p:nvSpPr>
+        <p:spPr>
+          <a:xfrm>
+            <a:off x="457200" y="1371600"/>
+            <a:ext cx="8229600" cy="4572000"/>
+          </a:xfrm>
+          <a:prstGeom prst="rect">
+            <a:avLst/>
+          </a:prstGeom>
+          <a:noFill/>
+        </p:spPr>
+        <p:txBody>
+          <a:bodyPr wrap="square">
+            <a:spAutoFit/>
+          </a:bodyPr>
+          <a:lstStyle/>
+          <a:p>
+            <a:pPr>
+              <a:spcAft>
+                <a:spcPts val="1200"/>
+              </a:spcAft>
+              <a:defRPr b="1" sz="1600"/>
+            </a:pPr>
+            <a:r>
+              <a:t>Use Case: Deploy Different Scales to Different Environments</a:t>
+            </a:r>
+          </a:p>
+          <a:p>
+            <a:pPr>
+              <a:defRPr b="1" sz="1400"/>
+            </a:pPr>
+            <a:r>
+              <a:t>Dev Environment (Baseline):</a:t>
+            </a:r>
+          </a:p>
+          <a:p>
+            <a:pPr lvl="1">
+              <a:defRPr sz="1100">
+                <a:latin typeface="Courier New"/>
+              </a:defRPr>
+            </a:pPr>
+            <a:r>
+              <a:t>atg layer active default</a:t>
+            </a:r>
+          </a:p>
+          <a:p>
+            <a:pPr lvl="1">
+              <a:spcAft>
+                <a:spcPts val="1200"/>
+              </a:spcAft>
+              <a:defRPr sz="1100">
+                <a:latin typeface="Courier New"/>
+              </a:defRPr>
+            </a:pPr>
+            <a:r>
+              <a:t>atg generate-iac --target-tenant dev-id → 56 resources deployed</a:t>
+            </a:r>
+          </a:p>
+          <a:p>
+            <a:pPr>
+              <a:defRPr b="1" sz="1400"/>
+            </a:pPr>
+            <a:r>
+              <a:t>Test Environment (10x Scale):</a:t>
+            </a:r>
+          </a:p>
+          <a:p>
+            <a:pPr lvl="1">
+              <a:defRPr sz="1100">
+                <a:latin typeface="Courier New"/>
+              </a:defRPr>
+            </a:pPr>
+            <a:r>
+              <a:t>atg layer active scaled-10x</a:t>
+            </a:r>
+          </a:p>
+          <a:p>
+            <a:pPr lvl="1">
+              <a:spcAft>
+                <a:spcPts val="1200"/>
+              </a:spcAft>
+              <a:defRPr sz="1100">
+                <a:latin typeface="Courier New"/>
+              </a:defRPr>
+            </a:pPr>
+            <a:r>
+              <a:t>atg generate-iac --target-tenant test-id → 560 resources deployed</a:t>
+            </a:r>
+          </a:p>
+          <a:p>
+            <a:pPr>
+              <a:defRPr b="1" sz="1400"/>
+            </a:pPr>
+            <a:r>
+              <a:t>Sandbox (Minimal):</a:t>
+            </a:r>
+          </a:p>
+          <a:p>
+            <a:pPr lvl="1">
+              <a:defRPr sz="1100">
+                <a:latin typeface="Courier New"/>
+              </a:defRPr>
+            </a:pPr>
+            <a:r>
+              <a:t>atg layer active small-test</a:t>
+            </a:r>
+          </a:p>
+          <a:p>
+            <a:pPr lvl="1">
+              <a:defRPr sz="1100">
+                <a:latin typeface="Courier New"/>
+              </a:defRPr>
+            </a:pPr>
+            <a:r>
+              <a:t>atg generate-iac --target-tenant sandbox-id → 50 resources deployed</a:t>
             </a:r>
           </a:p>
         </p:txBody>

--- a/Scale_Operations_Implementation.pptx
+++ b/Scale_Operations_Implementation.pptx
@@ -3154,6 +3154,30 @@
           </a:p>
         </p:txBody>
       </p:sp>
+      <p:pic>
+        <p:nvPicPr>
+          <p:cNvPr id="4" name="Picture 3" descr="multi-layer-architecture-diagram.png"/>
+          <p:cNvPicPr>
+            <a:picLocks noChangeAspect="1"/>
+          </p:cNvPicPr>
+          <p:nvPr/>
+        </p:nvPicPr>
+        <p:blipFill>
+          <a:blip r:embed="rId2"/>
+          <a:stretch>
+            <a:fillRect/>
+          </a:stretch>
+        </p:blipFill>
+        <p:spPr>
+          <a:xfrm>
+            <a:off x="1371600" y="2286000"/>
+            <a:ext cx="6400800" cy="3600450"/>
+          </a:xfrm>
+          <a:prstGeom prst="rect">
+            <a:avLst/>
+          </a:prstGeom>
+        </p:spPr>
+      </p:pic>
     </p:spTree>
   </p:cSld>
   <p:clrMapOvr>
